--- a/Final_Presentation_Project4.pptx
+++ b/Final_Presentation_Project4.pptx
@@ -5,10 +5,10 @@
     <p:sldMasterId id="2147483669" r:id="rId4"/>
   </p:sldMasterIdLst>
   <p:notesMasterIdLst>
-    <p:notesMasterId r:id="rId14"/>
+    <p:notesMasterId r:id="rId18"/>
   </p:notesMasterIdLst>
   <p:handoutMasterIdLst>
-    <p:handoutMasterId r:id="rId15"/>
+    <p:handoutMasterId r:id="rId19"/>
   </p:handoutMasterIdLst>
   <p:sldIdLst>
     <p:sldId id="256" r:id="rId5"/>
@@ -18,8 +18,12 @@
     <p:sldId id="268" r:id="rId9"/>
     <p:sldId id="260" r:id="rId10"/>
     <p:sldId id="261" r:id="rId11"/>
-    <p:sldId id="267" r:id="rId12"/>
-    <p:sldId id="269" r:id="rId13"/>
+    <p:sldId id="271" r:id="rId12"/>
+    <p:sldId id="272" r:id="rId13"/>
+    <p:sldId id="273" r:id="rId14"/>
+    <p:sldId id="270" r:id="rId15"/>
+    <p:sldId id="267" r:id="rId16"/>
+    <p:sldId id="269" r:id="rId17"/>
   </p:sldIdLst>
   <p:sldSz cx="12192000" cy="6858000"/>
   <p:notesSz cx="6858000" cy="9144000"/>
@@ -132,7 +136,7 @@
 <file path=ppt/revisionInfo.xml><?xml version="1.0" encoding="utf-8"?>
 <p1510:revInfo xmlns:a="http://schemas.openxmlformats.org/drawingml/2006/main" xmlns:r="http://schemas.openxmlformats.org/officeDocument/2006/relationships" xmlns:p1510="http://schemas.microsoft.com/office/powerpoint/2015/10/main">
   <p1510:revLst>
-    <p1510:client id="{A6DBD36F-B9CF-47F1-B8C7-704C28E5541B}" v="292" dt="2021-10-28T02:26:08.076"/>
+    <p1510:client id="{A6DBD36F-B9CF-47F1-B8C7-704C28E5541B}" v="348" dt="2021-10-28T04:29:23.306"/>
   </p1510:revLst>
 </p1510:revInfo>
 </file>
@@ -141,11 +145,26 @@
 <pc:chgInfo xmlns:a="http://schemas.openxmlformats.org/drawingml/2006/main" xmlns:r="http://schemas.openxmlformats.org/officeDocument/2006/relationships" xmlns:ac="http://schemas.microsoft.com/office/drawing/2013/main/command" xmlns:pc="http://schemas.microsoft.com/office/powerpoint/2013/main/command">
   <pc:docChgLst>
     <pc:chgData name="Amelia Corea" userId="0f927ba03023ffb6" providerId="LiveId" clId="{A6DBD36F-B9CF-47F1-B8C7-704C28E5541B}"/>
-    <pc:docChg chg="custSel delSld modSld">
-      <pc:chgData name="Amelia Corea" userId="0f927ba03023ffb6" providerId="LiveId" clId="{A6DBD36F-B9CF-47F1-B8C7-704C28E5541B}" dt="2021-10-28T02:26:08.075" v="394" actId="20577"/>
+    <pc:docChg chg="undo custSel addSld delSld modSld sldOrd">
+      <pc:chgData name="Amelia Corea" userId="0f927ba03023ffb6" providerId="LiveId" clId="{A6DBD36F-B9CF-47F1-B8C7-704C28E5541B}" dt="2021-10-28T04:34:01.836" v="1424" actId="255"/>
       <pc:docMkLst>
         <pc:docMk/>
       </pc:docMkLst>
+      <pc:sldChg chg="modSp mod">
+        <pc:chgData name="Amelia Corea" userId="0f927ba03023ffb6" providerId="LiveId" clId="{A6DBD36F-B9CF-47F1-B8C7-704C28E5541B}" dt="2021-10-28T02:39:45.134" v="409" actId="20577"/>
+        <pc:sldMkLst>
+          <pc:docMk/>
+          <pc:sldMk cId="1819359268" sldId="256"/>
+        </pc:sldMkLst>
+        <pc:spChg chg="mod">
+          <ac:chgData name="Amelia Corea" userId="0f927ba03023ffb6" providerId="LiveId" clId="{A6DBD36F-B9CF-47F1-B8C7-704C28E5541B}" dt="2021-10-28T02:39:45.134" v="409" actId="20577"/>
+          <ac:spMkLst>
+            <pc:docMk/>
+            <pc:sldMk cId="1819359268" sldId="256"/>
+            <ac:spMk id="3" creationId="{2E78725B-6E40-4D82-B375-7831D81C29EE}"/>
+          </ac:spMkLst>
+        </pc:spChg>
+      </pc:sldChg>
       <pc:sldChg chg="modSp">
         <pc:chgData name="Amelia Corea" userId="0f927ba03023ffb6" providerId="LiveId" clId="{A6DBD36F-B9CF-47F1-B8C7-704C28E5541B}" dt="2021-10-28T01:48:35.771" v="0" actId="20577"/>
         <pc:sldMkLst>
@@ -162,7 +181,7 @@
         </pc:graphicFrameChg>
       </pc:sldChg>
       <pc:sldChg chg="modSp mod">
-        <pc:chgData name="Amelia Corea" userId="0f927ba03023ffb6" providerId="LiveId" clId="{A6DBD36F-B9CF-47F1-B8C7-704C28E5541B}" dt="2021-10-28T02:26:08.075" v="394" actId="20577"/>
+        <pc:chgData name="Amelia Corea" userId="0f927ba03023ffb6" providerId="LiveId" clId="{A6DBD36F-B9CF-47F1-B8C7-704C28E5541B}" dt="2021-10-28T03:18:57.185" v="756" actId="20577"/>
         <pc:sldMkLst>
           <pc:docMk/>
           <pc:sldMk cId="1193417028" sldId="259"/>
@@ -176,7 +195,7 @@
           </ac:spMkLst>
         </pc:spChg>
         <pc:graphicFrameChg chg="mod">
-          <ac:chgData name="Amelia Corea" userId="0f927ba03023ffb6" providerId="LiveId" clId="{A6DBD36F-B9CF-47F1-B8C7-704C28E5541B}" dt="2021-10-28T02:26:08.075" v="394" actId="20577"/>
+          <ac:chgData name="Amelia Corea" userId="0f927ba03023ffb6" providerId="LiveId" clId="{A6DBD36F-B9CF-47F1-B8C7-704C28E5541B}" dt="2021-10-28T03:18:57.185" v="756" actId="20577"/>
           <ac:graphicFrameMkLst>
             <pc:docMk/>
             <pc:sldMk cId="1193417028" sldId="259"/>
@@ -207,8 +226,8 @@
           </ac:spMkLst>
         </pc:spChg>
       </pc:sldChg>
-      <pc:sldChg chg="delSp modSp mod">
-        <pc:chgData name="Amelia Corea" userId="0f927ba03023ffb6" providerId="LiveId" clId="{A6DBD36F-B9CF-47F1-B8C7-704C28E5541B}" dt="2021-10-28T01:50:03.264" v="51" actId="20577"/>
+      <pc:sldChg chg="addSp delSp modSp mod">
+        <pc:chgData name="Amelia Corea" userId="0f927ba03023ffb6" providerId="LiveId" clId="{A6DBD36F-B9CF-47F1-B8C7-704C28E5541B}" dt="2021-10-28T04:03:21.474" v="1012"/>
         <pc:sldMkLst>
           <pc:docMk/>
           <pc:sldMk cId="1348318116" sldId="261"/>
@@ -221,6 +240,30 @@
             <ac:spMk id="2" creationId="{34DB6CE4-2B13-4715-B5B2-615A55922CA1}"/>
           </ac:spMkLst>
         </pc:spChg>
+        <pc:spChg chg="add mod">
+          <ac:chgData name="Amelia Corea" userId="0f927ba03023ffb6" providerId="LiveId" clId="{A6DBD36F-B9CF-47F1-B8C7-704C28E5541B}" dt="2021-10-28T03:42:41.791" v="919" actId="20577"/>
+          <ac:spMkLst>
+            <pc:docMk/>
+            <pc:sldMk cId="1348318116" sldId="261"/>
+            <ac:spMk id="4" creationId="{5CC53A53-4F41-4B49-82F2-85D40E3A76A3}"/>
+          </ac:spMkLst>
+        </pc:spChg>
+        <pc:spChg chg="add del">
+          <ac:chgData name="Amelia Corea" userId="0f927ba03023ffb6" providerId="LiveId" clId="{A6DBD36F-B9CF-47F1-B8C7-704C28E5541B}" dt="2021-10-28T03:40:12.003" v="890"/>
+          <ac:spMkLst>
+            <pc:docMk/>
+            <pc:sldMk cId="1348318116" sldId="261"/>
+            <ac:spMk id="5" creationId="{6ABE0D4A-AC09-49B4-BFD7-DC8D9AD5B3DE}"/>
+          </ac:spMkLst>
+        </pc:spChg>
+        <pc:graphicFrameChg chg="add mod modGraphic">
+          <ac:chgData name="Amelia Corea" userId="0f927ba03023ffb6" providerId="LiveId" clId="{A6DBD36F-B9CF-47F1-B8C7-704C28E5541B}" dt="2021-10-28T04:03:21.474" v="1012"/>
+          <ac:graphicFrameMkLst>
+            <pc:docMk/>
+            <pc:sldMk cId="1348318116" sldId="261"/>
+            <ac:graphicFrameMk id="3" creationId="{E9360718-F9A4-4A8A-A2A3-AFFD9EB61D23}"/>
+          </ac:graphicFrameMkLst>
+        </pc:graphicFrameChg>
         <pc:picChg chg="del">
           <ac:chgData name="Amelia Corea" userId="0f927ba03023ffb6" providerId="LiveId" clId="{A6DBD36F-B9CF-47F1-B8C7-704C28E5541B}" dt="2021-10-28T01:49:57.236" v="50" actId="478"/>
           <ac:picMkLst>
@@ -290,6 +333,138 @@
             <ac:spMk id="3" creationId="{143F5361-68C0-4BF5-80C8-F1E7BF92B2DB}"/>
           </ac:spMkLst>
         </pc:spChg>
+      </pc:sldChg>
+      <pc:sldChg chg="modSp new mod">
+        <pc:chgData name="Amelia Corea" userId="0f927ba03023ffb6" providerId="LiveId" clId="{A6DBD36F-B9CF-47F1-B8C7-704C28E5541B}" dt="2021-10-28T04:34:01.836" v="1424" actId="255"/>
+        <pc:sldMkLst>
+          <pc:docMk/>
+          <pc:sldMk cId="3405949825" sldId="270"/>
+        </pc:sldMkLst>
+        <pc:spChg chg="mod">
+          <ac:chgData name="Amelia Corea" userId="0f927ba03023ffb6" providerId="LiveId" clId="{A6DBD36F-B9CF-47F1-B8C7-704C28E5541B}" dt="2021-10-28T04:34:01.836" v="1424" actId="255"/>
+          <ac:spMkLst>
+            <pc:docMk/>
+            <pc:sldMk cId="3405949825" sldId="270"/>
+            <ac:spMk id="2" creationId="{50F0DA21-CC99-4C3A-A5AB-D57045F893EA}"/>
+          </ac:spMkLst>
+        </pc:spChg>
+      </pc:sldChg>
+      <pc:sldChg chg="addSp modSp add mod">
+        <pc:chgData name="Amelia Corea" userId="0f927ba03023ffb6" providerId="LiveId" clId="{A6DBD36F-B9CF-47F1-B8C7-704C28E5541B}" dt="2021-10-28T03:49:43.309" v="971" actId="14100"/>
+        <pc:sldMkLst>
+          <pc:docMk/>
+          <pc:sldMk cId="3983383762" sldId="271"/>
+        </pc:sldMkLst>
+        <pc:spChg chg="mod">
+          <ac:chgData name="Amelia Corea" userId="0f927ba03023ffb6" providerId="LiveId" clId="{A6DBD36F-B9CF-47F1-B8C7-704C28E5541B}" dt="2021-10-28T03:44:17.747" v="946" actId="20577"/>
+          <ac:spMkLst>
+            <pc:docMk/>
+            <pc:sldMk cId="3983383762" sldId="271"/>
+            <ac:spMk id="2" creationId="{34DB6CE4-2B13-4715-B5B2-615A55922CA1}"/>
+          </ac:spMkLst>
+        </pc:spChg>
+        <pc:spChg chg="mod">
+          <ac:chgData name="Amelia Corea" userId="0f927ba03023ffb6" providerId="LiveId" clId="{A6DBD36F-B9CF-47F1-B8C7-704C28E5541B}" dt="2021-10-28T03:49:43.309" v="971" actId="14100"/>
+          <ac:spMkLst>
+            <pc:docMk/>
+            <pc:sldMk cId="3983383762" sldId="271"/>
+            <ac:spMk id="3" creationId="{143F5361-68C0-4BF5-80C8-F1E7BF92B2DB}"/>
+          </ac:spMkLst>
+        </pc:spChg>
+        <pc:picChg chg="add mod">
+          <ac:chgData name="Amelia Corea" userId="0f927ba03023ffb6" providerId="LiveId" clId="{A6DBD36F-B9CF-47F1-B8C7-704C28E5541B}" dt="2021-10-28T03:49:09.143" v="955" actId="14100"/>
+          <ac:picMkLst>
+            <pc:docMk/>
+            <pc:sldMk cId="3983383762" sldId="271"/>
+            <ac:picMk id="5" creationId="{9E98EE5D-FB7D-4216-885C-0A6E70068147}"/>
+          </ac:picMkLst>
+        </pc:picChg>
+      </pc:sldChg>
+      <pc:sldChg chg="addSp delSp modSp add mod ord modClrScheme chgLayout">
+        <pc:chgData name="Amelia Corea" userId="0f927ba03023ffb6" providerId="LiveId" clId="{A6DBD36F-B9CF-47F1-B8C7-704C28E5541B}" dt="2021-10-28T04:27:02.716" v="1300" actId="20577"/>
+        <pc:sldMkLst>
+          <pc:docMk/>
+          <pc:sldMk cId="3365853074" sldId="272"/>
+        </pc:sldMkLst>
+        <pc:spChg chg="mod">
+          <ac:chgData name="Amelia Corea" userId="0f927ba03023ffb6" providerId="LiveId" clId="{A6DBD36F-B9CF-47F1-B8C7-704C28E5541B}" dt="2021-10-28T04:21:18.152" v="1295" actId="2711"/>
+          <ac:spMkLst>
+            <pc:docMk/>
+            <pc:sldMk cId="3365853074" sldId="272"/>
+            <ac:spMk id="2" creationId="{34DB6CE4-2B13-4715-B5B2-615A55922CA1}"/>
+          </ac:spMkLst>
+        </pc:spChg>
+        <pc:spChg chg="mod ord">
+          <ac:chgData name="Amelia Corea" userId="0f927ba03023ffb6" providerId="LiveId" clId="{A6DBD36F-B9CF-47F1-B8C7-704C28E5541B}" dt="2021-10-28T04:08:59.746" v="1034" actId="26606"/>
+          <ac:spMkLst>
+            <pc:docMk/>
+            <pc:sldMk cId="3365853074" sldId="272"/>
+            <ac:spMk id="3" creationId="{143F5361-68C0-4BF5-80C8-F1E7BF92B2DB}"/>
+          </ac:spMkLst>
+        </pc:spChg>
+        <pc:spChg chg="add mod">
+          <ac:chgData name="Amelia Corea" userId="0f927ba03023ffb6" providerId="LiveId" clId="{A6DBD36F-B9CF-47F1-B8C7-704C28E5541B}" dt="2021-10-28T04:27:02.716" v="1300" actId="20577"/>
+          <ac:spMkLst>
+            <pc:docMk/>
+            <pc:sldMk cId="3365853074" sldId="272"/>
+            <ac:spMk id="7" creationId="{62E16E35-EFD3-4F41-97E0-BFBBC5B849BD}"/>
+          </ac:spMkLst>
+        </pc:spChg>
+        <pc:picChg chg="del">
+          <ac:chgData name="Amelia Corea" userId="0f927ba03023ffb6" providerId="LiveId" clId="{A6DBD36F-B9CF-47F1-B8C7-704C28E5541B}" dt="2021-10-28T04:07:36.211" v="1014" actId="478"/>
+          <ac:picMkLst>
+            <pc:docMk/>
+            <pc:sldMk cId="3365853074" sldId="272"/>
+            <ac:picMk id="5" creationId="{9E98EE5D-FB7D-4216-885C-0A6E70068147}"/>
+          </ac:picMkLst>
+        </pc:picChg>
+        <pc:picChg chg="add mod">
+          <ac:chgData name="Amelia Corea" userId="0f927ba03023ffb6" providerId="LiveId" clId="{A6DBD36F-B9CF-47F1-B8C7-704C28E5541B}" dt="2021-10-28T04:09:43.339" v="1076" actId="1037"/>
+          <ac:picMkLst>
+            <pc:docMk/>
+            <pc:sldMk cId="3365853074" sldId="272"/>
+            <ac:picMk id="6" creationId="{4C6DC59D-F715-4430-9D6A-93E036888EB4}"/>
+          </ac:picMkLst>
+        </pc:picChg>
+      </pc:sldChg>
+      <pc:sldChg chg="addSp delSp modSp add mod ord">
+        <pc:chgData name="Amelia Corea" userId="0f927ba03023ffb6" providerId="LiveId" clId="{A6DBD36F-B9CF-47F1-B8C7-704C28E5541B}" dt="2021-10-28T04:33:04.773" v="1399" actId="20577"/>
+        <pc:sldMkLst>
+          <pc:docMk/>
+          <pc:sldMk cId="3103998298" sldId="273"/>
+        </pc:sldMkLst>
+        <pc:spChg chg="mod">
+          <ac:chgData name="Amelia Corea" userId="0f927ba03023ffb6" providerId="LiveId" clId="{A6DBD36F-B9CF-47F1-B8C7-704C28E5541B}" dt="2021-10-28T04:27:47.519" v="1331" actId="20577"/>
+          <ac:spMkLst>
+            <pc:docMk/>
+            <pc:sldMk cId="3103998298" sldId="273"/>
+            <ac:spMk id="2" creationId="{34DB6CE4-2B13-4715-B5B2-615A55922CA1}"/>
+          </ac:spMkLst>
+        </pc:spChg>
+        <pc:spChg chg="mod">
+          <ac:chgData name="Amelia Corea" userId="0f927ba03023ffb6" providerId="LiveId" clId="{A6DBD36F-B9CF-47F1-B8C7-704C28E5541B}" dt="2021-10-28T04:33:04.773" v="1399" actId="20577"/>
+          <ac:spMkLst>
+            <pc:docMk/>
+            <pc:sldMk cId="3103998298" sldId="273"/>
+            <ac:spMk id="7" creationId="{62E16E35-EFD3-4F41-97E0-BFBBC5B849BD}"/>
+          </ac:spMkLst>
+        </pc:spChg>
+        <pc:picChg chg="add mod">
+          <ac:chgData name="Amelia Corea" userId="0f927ba03023ffb6" providerId="LiveId" clId="{A6DBD36F-B9CF-47F1-B8C7-704C28E5541B}" dt="2021-10-28T04:29:46.134" v="1339" actId="14100"/>
+          <ac:picMkLst>
+            <pc:docMk/>
+            <pc:sldMk cId="3103998298" sldId="273"/>
+            <ac:picMk id="5" creationId="{1D6FD02E-2F6B-42F3-A070-5C769C852277}"/>
+          </ac:picMkLst>
+        </pc:picChg>
+        <pc:picChg chg="del">
+          <ac:chgData name="Amelia Corea" userId="0f927ba03023ffb6" providerId="LiveId" clId="{A6DBD36F-B9CF-47F1-B8C7-704C28E5541B}" dt="2021-10-28T04:29:26.629" v="1335" actId="478"/>
+          <ac:picMkLst>
+            <pc:docMk/>
+            <pc:sldMk cId="3103998298" sldId="273"/>
+            <ac:picMk id="6" creationId="{4C6DC59D-F715-4430-9D6A-93E036888EB4}"/>
+          </ac:picMkLst>
+        </pc:picChg>
       </pc:sldChg>
     </pc:docChg>
   </pc:docChgLst>
@@ -3014,10 +3189,24 @@
     <dgm:pt modelId="{710904E6-3B09-497C-982D-6E974045EC45}" type="parTrans" cxnId="{9E265D9F-1436-4FEB-9477-8C7CAD0B4B62}">
       <dgm:prSet/>
       <dgm:spPr/>
+      <dgm:t>
+        <a:bodyPr/>
+        <a:lstStyle/>
+        <a:p>
+          <a:endParaRPr lang="en-US"/>
+        </a:p>
+      </dgm:t>
     </dgm:pt>
     <dgm:pt modelId="{BA5EF7C2-6909-4504-8620-F5DB7DE7E099}" type="sibTrans" cxnId="{9E265D9F-1436-4FEB-9477-8C7CAD0B4B62}">
       <dgm:prSet/>
       <dgm:spPr/>
+      <dgm:t>
+        <a:bodyPr/>
+        <a:lstStyle/>
+        <a:p>
+          <a:endParaRPr lang="en-US"/>
+        </a:p>
+      </dgm:t>
     </dgm:pt>
     <dgm:pt modelId="{2F60EAC5-6FD4-4BEF-BDD9-FDB6679C289F}">
       <dgm:prSet phldrT="[Text]"/>
@@ -3044,10 +3233,24 @@
     <dgm:pt modelId="{20D31ADA-66D8-41E9-8FE2-C11B0DBC6437}" type="parTrans" cxnId="{51E9F5C9-CB9B-4256-8C0A-5C44B575C0D8}">
       <dgm:prSet/>
       <dgm:spPr/>
+      <dgm:t>
+        <a:bodyPr/>
+        <a:lstStyle/>
+        <a:p>
+          <a:endParaRPr lang="en-US"/>
+        </a:p>
+      </dgm:t>
     </dgm:pt>
     <dgm:pt modelId="{D0CED008-9504-4BEA-92F4-16C826541117}" type="sibTrans" cxnId="{51E9F5C9-CB9B-4256-8C0A-5C44B575C0D8}">
       <dgm:prSet/>
       <dgm:spPr/>
+      <dgm:t>
+        <a:bodyPr/>
+        <a:lstStyle/>
+        <a:p>
+          <a:endParaRPr lang="en-US"/>
+        </a:p>
+      </dgm:t>
     </dgm:pt>
     <dgm:pt modelId="{CB2ED894-EA78-4ADA-989E-53760C9E8D8B}">
       <dgm:prSet phldrT="[Text]"/>
@@ -3074,10 +3277,24 @@
     <dgm:pt modelId="{7ADF8406-B31C-4892-A444-F22D8AC412F8}" type="parTrans" cxnId="{16DF51F3-0A09-49DE-925C-03278AE9CD0E}">
       <dgm:prSet/>
       <dgm:spPr/>
+      <dgm:t>
+        <a:bodyPr/>
+        <a:lstStyle/>
+        <a:p>
+          <a:endParaRPr lang="en-US"/>
+        </a:p>
+      </dgm:t>
     </dgm:pt>
     <dgm:pt modelId="{14C28DF8-E8F7-4670-B352-3A86137AD91C}" type="sibTrans" cxnId="{16DF51F3-0A09-49DE-925C-03278AE9CD0E}">
       <dgm:prSet/>
       <dgm:spPr/>
+      <dgm:t>
+        <a:bodyPr/>
+        <a:lstStyle/>
+        <a:p>
+          <a:endParaRPr lang="en-US"/>
+        </a:p>
+      </dgm:t>
     </dgm:pt>
     <dgm:pt modelId="{DCA9B665-D854-45CA-B3EB-F8806A002D9A}">
       <dgm:prSet phldrT="[Text]"/>
@@ -3104,10 +3321,24 @@
     <dgm:pt modelId="{7C675B52-C964-48EC-8FF9-B52CF7AFE30B}" type="parTrans" cxnId="{AA027375-CDBC-4C6A-9C86-9F783B47207F}">
       <dgm:prSet/>
       <dgm:spPr/>
+      <dgm:t>
+        <a:bodyPr/>
+        <a:lstStyle/>
+        <a:p>
+          <a:endParaRPr lang="en-US"/>
+        </a:p>
+      </dgm:t>
     </dgm:pt>
     <dgm:pt modelId="{B4A37C19-0DAA-4E65-9851-42B233A92F89}" type="sibTrans" cxnId="{AA027375-CDBC-4C6A-9C86-9F783B47207F}">
       <dgm:prSet/>
       <dgm:spPr/>
+      <dgm:t>
+        <a:bodyPr/>
+        <a:lstStyle/>
+        <a:p>
+          <a:endParaRPr lang="en-US"/>
+        </a:p>
+      </dgm:t>
     </dgm:pt>
     <dgm:pt modelId="{13A96DEB-B718-4CAD-A365-5A669C1B5767}">
       <dgm:prSet phldrT="[Text]"/>
@@ -3134,10 +3365,24 @@
     <dgm:pt modelId="{9478F3F5-FD99-4353-BC0C-3F21605D59FC}" type="parTrans" cxnId="{617D1F62-E7D2-4F50-9F9B-0D6408668A76}">
       <dgm:prSet/>
       <dgm:spPr/>
+      <dgm:t>
+        <a:bodyPr/>
+        <a:lstStyle/>
+        <a:p>
+          <a:endParaRPr lang="en-US"/>
+        </a:p>
+      </dgm:t>
     </dgm:pt>
     <dgm:pt modelId="{5F9C800F-FC6D-4E27-BD0C-95B74658D226}" type="sibTrans" cxnId="{617D1F62-E7D2-4F50-9F9B-0D6408668A76}">
       <dgm:prSet/>
       <dgm:spPr/>
+      <dgm:t>
+        <a:bodyPr/>
+        <a:lstStyle/>
+        <a:p>
+          <a:endParaRPr lang="en-US"/>
+        </a:p>
+      </dgm:t>
     </dgm:pt>
     <dgm:pt modelId="{3AE54233-9B91-43EE-972D-726141A367FB}">
       <dgm:prSet phldrT="[Text]"/>
@@ -3164,10 +3409,24 @@
     <dgm:pt modelId="{F1FDBDE0-B091-454A-BFA6-4255703D04F2}" type="parTrans" cxnId="{8CA602A7-2740-420C-969E-A88C2E388817}">
       <dgm:prSet/>
       <dgm:spPr/>
+      <dgm:t>
+        <a:bodyPr/>
+        <a:lstStyle/>
+        <a:p>
+          <a:endParaRPr lang="en-US"/>
+        </a:p>
+      </dgm:t>
     </dgm:pt>
     <dgm:pt modelId="{662170A1-04DA-4048-A815-659CA8DAFA60}" type="sibTrans" cxnId="{8CA602A7-2740-420C-969E-A88C2E388817}">
       <dgm:prSet/>
       <dgm:spPr/>
+      <dgm:t>
+        <a:bodyPr/>
+        <a:lstStyle/>
+        <a:p>
+          <a:endParaRPr lang="en-US"/>
+        </a:p>
+      </dgm:t>
     </dgm:pt>
     <dgm:pt modelId="{0FF8A949-AA9D-41E6-BB0B-B9E6D7031565}">
       <dgm:prSet phldrT="[Text]"/>
@@ -3194,10 +3453,24 @@
     <dgm:pt modelId="{0987C1EE-7374-43E9-A3AE-48FE30B4C098}" type="parTrans" cxnId="{1F05D431-7385-48BB-A276-D5ABBF0A9E97}">
       <dgm:prSet/>
       <dgm:spPr/>
+      <dgm:t>
+        <a:bodyPr/>
+        <a:lstStyle/>
+        <a:p>
+          <a:endParaRPr lang="en-US"/>
+        </a:p>
+      </dgm:t>
     </dgm:pt>
     <dgm:pt modelId="{DCF2A86D-7A68-412A-9925-0EB1FC2AF555}" type="sibTrans" cxnId="{1F05D431-7385-48BB-A276-D5ABBF0A9E97}">
       <dgm:prSet/>
       <dgm:spPr/>
+      <dgm:t>
+        <a:bodyPr/>
+        <a:lstStyle/>
+        <a:p>
+          <a:endParaRPr lang="en-US"/>
+        </a:p>
+      </dgm:t>
     </dgm:pt>
     <dgm:pt modelId="{59C74700-7058-4FEE-A9CC-4C1A323F036B}">
       <dgm:prSet phldrT="[Text]"/>
@@ -3224,10 +3497,24 @@
     <dgm:pt modelId="{C681F319-1622-4FAE-9C51-67F878C80232}" type="parTrans" cxnId="{B5C777E0-3DD1-4E9B-A160-E272AB3B001B}">
       <dgm:prSet/>
       <dgm:spPr/>
+      <dgm:t>
+        <a:bodyPr/>
+        <a:lstStyle/>
+        <a:p>
+          <a:endParaRPr lang="en-US"/>
+        </a:p>
+      </dgm:t>
     </dgm:pt>
     <dgm:pt modelId="{FEF43A6E-B933-4E07-88C0-F40C32DF5CAD}" type="sibTrans" cxnId="{B5C777E0-3DD1-4E9B-A160-E272AB3B001B}">
       <dgm:prSet/>
       <dgm:spPr/>
+      <dgm:t>
+        <a:bodyPr/>
+        <a:lstStyle/>
+        <a:p>
+          <a:endParaRPr lang="en-US"/>
+        </a:p>
+      </dgm:t>
     </dgm:pt>
     <dgm:pt modelId="{1004CC15-A022-49D3-ADA3-5F59CC69F1C9}">
       <dgm:prSet phldrT="[Text]"/>
@@ -3251,10 +3538,24 @@
     <dgm:pt modelId="{836E658F-0BBE-4667-B125-98DFD6DAD62F}" type="parTrans" cxnId="{63ADF855-874E-4ED8-AE0A-6EA2A7D9D57C}">
       <dgm:prSet/>
       <dgm:spPr/>
+      <dgm:t>
+        <a:bodyPr/>
+        <a:lstStyle/>
+        <a:p>
+          <a:endParaRPr lang="en-US"/>
+        </a:p>
+      </dgm:t>
     </dgm:pt>
     <dgm:pt modelId="{D194E600-E6AD-4FBC-B512-DF328FBF7987}" type="sibTrans" cxnId="{63ADF855-874E-4ED8-AE0A-6EA2A7D9D57C}">
       <dgm:prSet/>
       <dgm:spPr/>
+      <dgm:t>
+        <a:bodyPr/>
+        <a:lstStyle/>
+        <a:p>
+          <a:endParaRPr lang="en-US"/>
+        </a:p>
+      </dgm:t>
     </dgm:pt>
     <dgm:pt modelId="{77893CAB-E6A4-481C-A464-9FC5B5917853}">
       <dgm:prSet phldrT="[Text]"/>
@@ -3286,10 +3587,156 @@
     <dgm:pt modelId="{2E35248E-DBE4-4228-830E-A28FBAF7CBCC}" type="parTrans" cxnId="{7A4FB68D-298C-4344-BBDC-B1D0C26B68F7}">
       <dgm:prSet/>
       <dgm:spPr/>
+      <dgm:t>
+        <a:bodyPr/>
+        <a:lstStyle/>
+        <a:p>
+          <a:endParaRPr lang="en-US"/>
+        </a:p>
+      </dgm:t>
     </dgm:pt>
     <dgm:pt modelId="{D10328EA-009D-41F7-9B92-F7D416FF302F}" type="sibTrans" cxnId="{7A4FB68D-298C-4344-BBDC-B1D0C26B68F7}">
       <dgm:prSet/>
       <dgm:spPr/>
+      <dgm:t>
+        <a:bodyPr/>
+        <a:lstStyle/>
+        <a:p>
+          <a:endParaRPr lang="en-US"/>
+        </a:p>
+      </dgm:t>
+    </dgm:pt>
+    <dgm:pt modelId="{9C5B5E31-3266-401D-AD43-074714A6B83F}">
+      <dgm:prSet phldrT="[Text]"/>
+      <dgm:spPr/>
+      <dgm:t>
+        <a:bodyPr/>
+        <a:lstStyle/>
+        <a:p>
+          <a:pPr>
+            <a:buFont typeface="Wingdings" panose="05000000000000000000" pitchFamily="2" charset="2"/>
+            <a:buChar char="§"/>
+          </a:pPr>
+          <a:r>
+            <a:rPr lang="en-US" sz="2000" dirty="0">
+              <a:latin typeface="Tahoma" panose="020B0604030504040204" pitchFamily="34" charset="0"/>
+              <a:ea typeface="Tahoma" panose="020B0604030504040204" pitchFamily="34" charset="0"/>
+              <a:cs typeface="Tahoma" panose="020B0604030504040204" pitchFamily="34" charset="0"/>
+            </a:rPr>
+            <a:t>Deep Learning</a:t>
+          </a:r>
+        </a:p>
+      </dgm:t>
+    </dgm:pt>
+    <dgm:pt modelId="{B1A4C8B8-2F9F-4913-BC1D-B17283FFB586}" type="parTrans" cxnId="{29ED4B08-1A97-4038-B618-89A95050E3A6}">
+      <dgm:prSet/>
+      <dgm:spPr/>
+      <dgm:t>
+        <a:bodyPr/>
+        <a:lstStyle/>
+        <a:p>
+          <a:endParaRPr lang="en-US"/>
+        </a:p>
+      </dgm:t>
+    </dgm:pt>
+    <dgm:pt modelId="{613C7389-5A27-4197-8AAE-EF312987B696}" type="sibTrans" cxnId="{29ED4B08-1A97-4038-B618-89A95050E3A6}">
+      <dgm:prSet/>
+      <dgm:spPr/>
+      <dgm:t>
+        <a:bodyPr/>
+        <a:lstStyle/>
+        <a:p>
+          <a:endParaRPr lang="en-US"/>
+        </a:p>
+      </dgm:t>
+    </dgm:pt>
+    <dgm:pt modelId="{C8F2F8B1-D5E4-47FC-A482-E15642E97ADF}">
+      <dgm:prSet phldrT="[Text]"/>
+      <dgm:spPr/>
+      <dgm:t>
+        <a:bodyPr/>
+        <a:lstStyle/>
+        <a:p>
+          <a:pPr>
+            <a:buFont typeface="Wingdings" panose="05000000000000000000" pitchFamily="2" charset="2"/>
+            <a:buChar char="§"/>
+          </a:pPr>
+          <a:r>
+            <a:rPr lang="en-US" sz="2000" dirty="0">
+              <a:latin typeface="Tahoma" panose="020B0604030504040204" pitchFamily="34" charset="0"/>
+              <a:ea typeface="Tahoma" panose="020B0604030504040204" pitchFamily="34" charset="0"/>
+              <a:cs typeface="Tahoma" panose="020B0604030504040204" pitchFamily="34" charset="0"/>
+            </a:rPr>
+            <a:t>K-means Clustering</a:t>
+          </a:r>
+        </a:p>
+      </dgm:t>
+    </dgm:pt>
+    <dgm:pt modelId="{FCEF5A4B-83C0-4F75-B4E3-FFC063837600}" type="parTrans" cxnId="{16DFCB42-6A02-4755-BADE-0FD730DD15CA}">
+      <dgm:prSet/>
+      <dgm:spPr/>
+      <dgm:t>
+        <a:bodyPr/>
+        <a:lstStyle/>
+        <a:p>
+          <a:endParaRPr lang="en-US"/>
+        </a:p>
+      </dgm:t>
+    </dgm:pt>
+    <dgm:pt modelId="{F83B466D-4F65-44D0-97F0-D6D5BA54BA32}" type="sibTrans" cxnId="{16DFCB42-6A02-4755-BADE-0FD730DD15CA}">
+      <dgm:prSet/>
+      <dgm:spPr/>
+      <dgm:t>
+        <a:bodyPr/>
+        <a:lstStyle/>
+        <a:p>
+          <a:endParaRPr lang="en-US"/>
+        </a:p>
+      </dgm:t>
+    </dgm:pt>
+    <dgm:pt modelId="{5E9A4EC2-4EDE-4E07-B692-46D6739EE230}">
+      <dgm:prSet phldrT="[Text]"/>
+      <dgm:spPr/>
+      <dgm:t>
+        <a:bodyPr/>
+        <a:lstStyle/>
+        <a:p>
+          <a:pPr>
+            <a:buFont typeface="Wingdings" panose="05000000000000000000" pitchFamily="2" charset="2"/>
+            <a:buChar char="§"/>
+          </a:pPr>
+          <a:r>
+            <a:rPr lang="en-US" sz="2000" dirty="0">
+              <a:latin typeface="Tahoma" panose="020B0604030504040204" pitchFamily="34" charset="0"/>
+              <a:ea typeface="Tahoma" panose="020B0604030504040204" pitchFamily="34" charset="0"/>
+              <a:cs typeface="Tahoma" panose="020B0604030504040204" pitchFamily="34" charset="0"/>
+            </a:rPr>
+            <a:t>Tableau</a:t>
+          </a:r>
+        </a:p>
+      </dgm:t>
+    </dgm:pt>
+    <dgm:pt modelId="{BC0EC666-DAFE-4339-921A-C82E4A290B19}" type="parTrans" cxnId="{D3F9ACEC-EC06-4AA9-A11B-A4C93AD7379D}">
+      <dgm:prSet/>
+      <dgm:spPr/>
+      <dgm:t>
+        <a:bodyPr/>
+        <a:lstStyle/>
+        <a:p>
+          <a:endParaRPr lang="en-US"/>
+        </a:p>
+      </dgm:t>
+    </dgm:pt>
+    <dgm:pt modelId="{61778957-840E-489C-8E30-135D6863ECA3}" type="sibTrans" cxnId="{D3F9ACEC-EC06-4AA9-A11B-A4C93AD7379D}">
+      <dgm:prSet/>
+      <dgm:spPr/>
+      <dgm:t>
+        <a:bodyPr/>
+        <a:lstStyle/>
+        <a:p>
+          <a:endParaRPr lang="en-US"/>
+        </a:p>
+      </dgm:t>
     </dgm:pt>
     <dgm:pt modelId="{DE3F77CF-6A8C-4783-A2CE-00E88C4199CB}" type="pres">
       <dgm:prSet presAssocID="{CF9FC193-7A05-4631-B681-B56EAB543D38}" presName="Name0" presStyleCnt="0">
@@ -3380,24 +3827,28 @@
     <dgm:cxn modelId="{2AAD6B00-C9ED-4240-BB38-D9654C23638C}" type="presOf" srcId="{0FF8A949-AA9D-41E6-BB0B-B9E6D7031565}" destId="{EA81ED6A-A7EA-4137-A3DC-D16E79F1B938}" srcOrd="0" destOrd="6" presId="urn:microsoft.com/office/officeart/2005/8/layout/hList1"/>
     <dgm:cxn modelId="{AD3A2602-5136-49F1-9BB9-099C0157C7BF}" type="presOf" srcId="{6121824F-16C4-4C65-97D4-AE31C568557E}" destId="{17CA1487-CDD9-4364-92F6-A11DBDAFE16C}" srcOrd="0" destOrd="5" presId="urn:microsoft.com/office/officeart/2005/8/layout/hList1"/>
     <dgm:cxn modelId="{B12F0503-977A-4B5D-8CB7-420B041FF863}" srcId="{CF9FC193-7A05-4631-B681-B56EAB543D38}" destId="{6857B86A-DEC1-407C-A1BB-5BF9ACCBCA6A}" srcOrd="0" destOrd="0" parTransId="{8CA7BF9B-8199-4683-AD57-CB0086659013}" sibTransId="{F087F24E-A7D7-4DCE-B2A7-9B941289621A}"/>
+    <dgm:cxn modelId="{29ED4B08-1A97-4038-B618-89A95050E3A6}" srcId="{2F60EAC5-6FD4-4BEF-BDD9-FDB6679C289F}" destId="{9C5B5E31-3266-401D-AD43-074714A6B83F}" srcOrd="7" destOrd="0" parTransId="{B1A4C8B8-2F9F-4913-BC1D-B17283FFB586}" sibTransId="{613C7389-5A27-4197-8AAE-EF312987B696}"/>
     <dgm:cxn modelId="{F4D0330E-DBB7-43A5-886D-CD4722AAB39F}" type="presOf" srcId="{F4E5C8CA-D853-4B86-A230-410812094866}" destId="{E4FD5043-5612-43C5-B6AE-CCD431549399}" srcOrd="0" destOrd="2" presId="urn:microsoft.com/office/officeart/2005/8/layout/hList1"/>
     <dgm:cxn modelId="{8C3FF810-F688-40B6-A642-160CE9E9AA9B}" type="presOf" srcId="{2F60EAC5-6FD4-4BEF-BDD9-FDB6679C289F}" destId="{EA81ED6A-A7EA-4137-A3DC-D16E79F1B938}" srcOrd="0" destOrd="1" presId="urn:microsoft.com/office/officeart/2005/8/layout/hList1"/>
+    <dgm:cxn modelId="{E135A01E-FA33-45B6-BEF8-62C68741D801}" type="presOf" srcId="{9C5B5E31-3266-401D-AD43-074714A6B83F}" destId="{EA81ED6A-A7EA-4137-A3DC-D16E79F1B938}" srcOrd="0" destOrd="9" presId="urn:microsoft.com/office/officeart/2005/8/layout/hList1"/>
     <dgm:cxn modelId="{9BB72F2A-D365-40E5-A614-9C39D2A3D616}" type="presOf" srcId="{2326EA86-5B01-448D-B7F1-3E265923EA6A}" destId="{17CA1487-CDD9-4364-92F6-A11DBDAFE16C}" srcOrd="0" destOrd="3" presId="urn:microsoft.com/office/officeart/2005/8/layout/hList1"/>
     <dgm:cxn modelId="{9B14062E-D54C-460B-8ACF-1EAC88128A75}" type="presOf" srcId="{59C74700-7058-4FEE-A9CC-4C1A323F036B}" destId="{EA81ED6A-A7EA-4137-A3DC-D16E79F1B938}" srcOrd="0" destOrd="7" presId="urn:microsoft.com/office/officeart/2005/8/layout/hList1"/>
-    <dgm:cxn modelId="{421AFE2F-F0E0-44B8-AF49-E7C71B40EBDF}" srcId="{DA5DFAD8-E443-4F53-9341-A0903BBBD378}" destId="{5D85A349-16C5-4D47-B7B5-2EC1073D2661}" srcOrd="2" destOrd="0" parTransId="{94A7A624-8812-4345-B05A-7BEDFCD5C156}" sibTransId="{C4112652-278C-4FBE-A3A5-1CDEE1E544E2}"/>
+    <dgm:cxn modelId="{421AFE2F-F0E0-44B8-AF49-E7C71B40EBDF}" srcId="{DA5DFAD8-E443-4F53-9341-A0903BBBD378}" destId="{5D85A349-16C5-4D47-B7B5-2EC1073D2661}" srcOrd="3" destOrd="0" parTransId="{94A7A624-8812-4345-B05A-7BEDFCD5C156}" sibTransId="{C4112652-278C-4FBE-A3A5-1CDEE1E544E2}"/>
     <dgm:cxn modelId="{1F05D431-7385-48BB-A276-D5ABBF0A9E97}" srcId="{2F60EAC5-6FD4-4BEF-BDD9-FDB6679C289F}" destId="{0FF8A949-AA9D-41E6-BB0B-B9E6D7031565}" srcOrd="4" destOrd="0" parTransId="{0987C1EE-7374-43E9-A3AE-48FE30B4C098}" sibTransId="{DCF2A86D-7A68-412A-9925-0EB1FC2AF555}"/>
-    <dgm:cxn modelId="{8E7CA135-4783-4350-8601-1267AF2BA9BB}" type="presOf" srcId="{5D85A349-16C5-4D47-B7B5-2EC1073D2661}" destId="{EA81ED6A-A7EA-4137-A3DC-D16E79F1B938}" srcOrd="0" destOrd="11" presId="urn:microsoft.com/office/officeart/2005/8/layout/hList1"/>
+    <dgm:cxn modelId="{8E7CA135-4783-4350-8601-1267AF2BA9BB}" type="presOf" srcId="{5D85A349-16C5-4D47-B7B5-2EC1073D2661}" destId="{EA81ED6A-A7EA-4137-A3DC-D16E79F1B938}" srcOrd="0" destOrd="14" presId="urn:microsoft.com/office/officeart/2005/8/layout/hList1"/>
     <dgm:cxn modelId="{ED725E3E-F0E3-4177-86AE-5ECE4371903C}" type="presOf" srcId="{13A96DEB-B718-4CAD-A365-5A669C1B5767}" destId="{EA81ED6A-A7EA-4137-A3DC-D16E79F1B938}" srcOrd="0" destOrd="4" presId="urn:microsoft.com/office/officeart/2005/8/layout/hList1"/>
     <dgm:cxn modelId="{4A53605E-BF09-4751-86C8-19A28F4EFD0D}" srcId="{ABA77F75-8642-4931-8D7E-BE6C6DB9940D}" destId="{F4E5C8CA-D853-4B86-A230-410812094866}" srcOrd="2" destOrd="0" parTransId="{005594CA-99F2-432B-BF91-C42D348C511A}" sibTransId="{FDA1AF4B-23A8-4C87-945B-517631227F52}"/>
     <dgm:cxn modelId="{CA949A5F-9945-4C59-A233-D70AFFF70BDA}" srcId="{DA5DFAD8-E443-4F53-9341-A0903BBBD378}" destId="{6EE89B4E-BAED-4A90-B29D-70AF11256801}" srcOrd="0" destOrd="0" parTransId="{39BF20C7-31E5-452B-8EA2-17224A13C7FB}" sibTransId="{E71503C3-CFB7-4144-AD9F-7A42A87A3A6B}"/>
     <dgm:cxn modelId="{617D1F62-E7D2-4F50-9F9B-0D6408668A76}" srcId="{2F60EAC5-6FD4-4BEF-BDD9-FDB6679C289F}" destId="{13A96DEB-B718-4CAD-A365-5A669C1B5767}" srcOrd="2" destOrd="0" parTransId="{9478F3F5-FD99-4353-BC0C-3F21605D59FC}" sibTransId="{5F9C800F-FC6D-4E27-BD0C-95B74658D226}"/>
+    <dgm:cxn modelId="{16DFCB42-6A02-4755-BADE-0FD730DD15CA}" srcId="{2F60EAC5-6FD4-4BEF-BDD9-FDB6679C289F}" destId="{C8F2F8B1-D5E4-47FC-A482-E15642E97ADF}" srcOrd="6" destOrd="0" parTransId="{FCEF5A4B-83C0-4F75-B4E3-FFC063837600}" sibTransId="{F83B466D-4F65-44D0-97F0-D6D5BA54BA32}"/>
     <dgm:cxn modelId="{43ED6747-9745-4AEC-932F-015864BAAA4B}" srcId="{ABA77F75-8642-4931-8D7E-BE6C6DB9940D}" destId="{658E7E1C-C938-4112-884D-828D3980BD39}" srcOrd="1" destOrd="0" parTransId="{A15418C6-AACB-45C4-82C9-6EEAB6BC9AD2}" sibTransId="{02FE6E80-3BB1-4112-817D-FFE07F685D4A}"/>
     <dgm:cxn modelId="{18DC796B-A12C-4933-9201-8D6EE300A2A0}" srcId="{6857B86A-DEC1-407C-A1BB-5BF9ACCBCA6A}" destId="{39E0DCC1-D3FF-46A1-84AC-3E2C046206C3}" srcOrd="1" destOrd="0" parTransId="{75982A97-8130-4E98-B82E-DB0953FC8B95}" sibTransId="{5C6A8CA1-CB30-45D0-B9ED-3A3294BF0500}"/>
     <dgm:cxn modelId="{D5D61B4C-1312-427C-BDCC-013237D8A488}" srcId="{ABA77F75-8642-4931-8D7E-BE6C6DB9940D}" destId="{611C3B18-07F8-4A66-9682-97E24AEF6014}" srcOrd="0" destOrd="0" parTransId="{5940BF2D-F08A-4150-9A86-173D9242DE8C}" sibTransId="{477660C6-2B6D-4FB8-B9A3-D555E2082C2A}"/>
     <dgm:cxn modelId="{9B5EF070-2208-4D48-B5EE-FD4380264929}" srcId="{6857B86A-DEC1-407C-A1BB-5BF9ACCBCA6A}" destId="{2AE9B789-FEE4-4EA5-BA4D-CE5E1FDDBB56}" srcOrd="2" destOrd="0" parTransId="{85238600-29C2-44DB-BD00-1C7AFF99B7C0}" sibTransId="{1FBB97C2-178C-4D74-84BC-818F9449B037}"/>
     <dgm:cxn modelId="{AA027375-CDBC-4C6A-9C86-9F783B47207F}" srcId="{2F60EAC5-6FD4-4BEF-BDD9-FDB6679C289F}" destId="{DCA9B665-D854-45CA-B3EB-F8806A002D9A}" srcOrd="1" destOrd="0" parTransId="{7C675B52-C964-48EC-8FF9-B52CF7AFE30B}" sibTransId="{B4A37C19-0DAA-4E65-9851-42B233A92F89}"/>
-    <dgm:cxn modelId="{63ADF855-874E-4ED8-AE0A-6EA2A7D9D57C}" srcId="{77893CAB-E6A4-481C-A464-9FC5B5917853}" destId="{1004CC15-A022-49D3-ADA3-5F59CC69F1C9}" srcOrd="0" destOrd="0" parTransId="{836E658F-0BBE-4667-B125-98DFD6DAD62F}" sibTransId="{D194E600-E6AD-4FBC-B512-DF328FBF7987}"/>
+    <dgm:cxn modelId="{63ADF855-874E-4ED8-AE0A-6EA2A7D9D57C}" srcId="{5E9A4EC2-4EDE-4E07-B692-46D6739EE230}" destId="{1004CC15-A022-49D3-ADA3-5F59CC69F1C9}" srcOrd="0" destOrd="0" parTransId="{836E658F-0BBE-4667-B125-98DFD6DAD62F}" sibTransId="{D194E600-E6AD-4FBC-B512-DF328FBF7987}"/>
     <dgm:cxn modelId="{CC914357-107D-444A-BC0C-A0FC0F75A205}" type="presOf" srcId="{2D5B933B-42F3-42B5-909C-385314E0D308}" destId="{17CA1487-CDD9-4364-92F6-A11DBDAFE16C}" srcOrd="0" destOrd="4" presId="urn:microsoft.com/office/officeart/2005/8/layout/hList1"/>
+    <dgm:cxn modelId="{EF126E58-80B2-4345-ACBA-6C5962B06D58}" type="presOf" srcId="{C8F2F8B1-D5E4-47FC-A482-E15642E97ADF}" destId="{EA81ED6A-A7EA-4137-A3DC-D16E79F1B938}" srcOrd="0" destOrd="8" presId="urn:microsoft.com/office/officeart/2005/8/layout/hList1"/>
     <dgm:cxn modelId="{F84A0D7A-88C7-4C2F-88CB-2300A21E2893}" type="presOf" srcId="{CB2ED894-EA78-4ADA-989E-53760C9E8D8B}" destId="{EA81ED6A-A7EA-4137-A3DC-D16E79F1B938}" srcOrd="0" destOrd="2" presId="urn:microsoft.com/office/officeart/2005/8/layout/hList1"/>
     <dgm:cxn modelId="{9078E27D-B210-4132-B9B0-2C5E74A749EF}" type="presOf" srcId="{658E7E1C-C938-4112-884D-828D3980BD39}" destId="{E4FD5043-5612-43C5-B6AE-CCD431549399}" srcOrd="0" destOrd="1" presId="urn:microsoft.com/office/officeart/2005/8/layout/hList1"/>
     <dgm:cxn modelId="{64420D81-C48A-4E79-8A0C-0A360AFFE148}" type="presOf" srcId="{DCA9B665-D854-45CA-B3EB-F8806A002D9A}" destId="{EA81ED6A-A7EA-4137-A3DC-D16E79F1B938}" srcOrd="0" destOrd="3" presId="urn:microsoft.com/office/officeart/2005/8/layout/hList1"/>
@@ -3405,18 +3856,19 @@
     <dgm:cxn modelId="{2A048A8A-D3E9-4D78-97F5-CDA37AB1D412}" type="presOf" srcId="{DA5DFAD8-E443-4F53-9341-A0903BBBD378}" destId="{23D06E36-F688-4B37-8BB8-73015E665B0E}" srcOrd="0" destOrd="0" presId="urn:microsoft.com/office/officeart/2005/8/layout/hList1"/>
     <dgm:cxn modelId="{7A4FB68D-298C-4344-BBDC-B1D0C26B68F7}" srcId="{DA5DFAD8-E443-4F53-9341-A0903BBBD378}" destId="{77893CAB-E6A4-481C-A464-9FC5B5917853}" srcOrd="1" destOrd="0" parTransId="{2E35248E-DBE4-4228-830E-A28FBAF7CBCC}" sibTransId="{D10328EA-009D-41F7-9B92-F7D416FF302F}"/>
     <dgm:cxn modelId="{23D6659A-C44A-45A3-A093-1B9804CF6E74}" srcId="{6857B86A-DEC1-407C-A1BB-5BF9ACCBCA6A}" destId="{2326EA86-5B01-448D-B7F1-3E265923EA6A}" srcOrd="3" destOrd="0" parTransId="{C918EDD0-D697-4AC8-B84A-C075A4D48F5E}" sibTransId="{3D62CC48-B5DB-4CF7-8312-212DF6E8750F}"/>
-    <dgm:cxn modelId="{9E265D9F-1436-4FEB-9477-8C7CAD0B4B62}" srcId="{77893CAB-E6A4-481C-A464-9FC5B5917853}" destId="{C6431A95-FB0B-4CAC-AEC9-E017A8960D6D}" srcOrd="1" destOrd="0" parTransId="{710904E6-3B09-497C-982D-6E974045EC45}" sibTransId="{BA5EF7C2-6909-4504-8620-F5DB7DE7E099}"/>
+    <dgm:cxn modelId="{9E265D9F-1436-4FEB-9477-8C7CAD0B4B62}" srcId="{5E9A4EC2-4EDE-4E07-B692-46D6739EE230}" destId="{C6431A95-FB0B-4CAC-AEC9-E017A8960D6D}" srcOrd="1" destOrd="0" parTransId="{710904E6-3B09-497C-982D-6E974045EC45}" sibTransId="{BA5EF7C2-6909-4504-8620-F5DB7DE7E099}"/>
     <dgm:cxn modelId="{4BF1EEA1-6E89-4F91-BAE8-11038685C515}" type="presOf" srcId="{4C8BFA56-3F75-4CAD-90A3-2F214D699322}" destId="{17CA1487-CDD9-4364-92F6-A11DBDAFE16C}" srcOrd="0" destOrd="0" presId="urn:microsoft.com/office/officeart/2005/8/layout/hList1"/>
     <dgm:cxn modelId="{1958AFA4-E260-4D59-AFE5-D9B6D5ABC5C0}" type="presOf" srcId="{39E0DCC1-D3FF-46A1-84AC-3E2C046206C3}" destId="{17CA1487-CDD9-4364-92F6-A11DBDAFE16C}" srcOrd="0" destOrd="1" presId="urn:microsoft.com/office/officeart/2005/8/layout/hList1"/>
     <dgm:cxn modelId="{8CA602A7-2740-420C-969E-A88C2E388817}" srcId="{2F60EAC5-6FD4-4BEF-BDD9-FDB6679C289F}" destId="{3AE54233-9B91-43EE-972D-726141A367FB}" srcOrd="3" destOrd="0" parTransId="{F1FDBDE0-B091-454A-BFA6-4255703D04F2}" sibTransId="{662170A1-04DA-4048-A815-659CA8DAFA60}"/>
-    <dgm:cxn modelId="{298E61AC-B766-4B67-A699-65F69BEC371A}" type="presOf" srcId="{1004CC15-A022-49D3-ADA3-5F59CC69F1C9}" destId="{EA81ED6A-A7EA-4137-A3DC-D16E79F1B938}" srcOrd="0" destOrd="9" presId="urn:microsoft.com/office/officeart/2005/8/layout/hList1"/>
-    <dgm:cxn modelId="{0A1105AD-2BDC-471D-8AE6-37FDAB19EDF9}" type="presOf" srcId="{C6431A95-FB0B-4CAC-AEC9-E017A8960D6D}" destId="{EA81ED6A-A7EA-4137-A3DC-D16E79F1B938}" srcOrd="0" destOrd="10" presId="urn:microsoft.com/office/officeart/2005/8/layout/hList1"/>
+    <dgm:cxn modelId="{298E61AC-B766-4B67-A699-65F69BEC371A}" type="presOf" srcId="{1004CC15-A022-49D3-ADA3-5F59CC69F1C9}" destId="{EA81ED6A-A7EA-4137-A3DC-D16E79F1B938}" srcOrd="0" destOrd="12" presId="urn:microsoft.com/office/officeart/2005/8/layout/hList1"/>
+    <dgm:cxn modelId="{0A1105AD-2BDC-471D-8AE6-37FDAB19EDF9}" type="presOf" srcId="{C6431A95-FB0B-4CAC-AEC9-E017A8960D6D}" destId="{EA81ED6A-A7EA-4137-A3DC-D16E79F1B938}" srcOrd="0" destOrd="13" presId="urn:microsoft.com/office/officeart/2005/8/layout/hList1"/>
     <dgm:cxn modelId="{5F12E8B9-000C-441B-B9E7-99ED7A20363B}" type="presOf" srcId="{6857B86A-DEC1-407C-A1BB-5BF9ACCBCA6A}" destId="{F0C1B2C7-0B23-4FE8-AB0F-5877B88532DB}" srcOrd="0" destOrd="0" presId="urn:microsoft.com/office/officeart/2005/8/layout/hList1"/>
     <dgm:cxn modelId="{A88409BB-D26D-47BE-9D12-D94001E8D4E4}" type="presOf" srcId="{3AE54233-9B91-43EE-972D-726141A367FB}" destId="{EA81ED6A-A7EA-4137-A3DC-D16E79F1B938}" srcOrd="0" destOrd="5" presId="urn:microsoft.com/office/officeart/2005/8/layout/hList1"/>
     <dgm:cxn modelId="{B4B90BC0-3B9A-402C-9AA5-2F91586FE0E8}" srcId="{6121824F-16C4-4C65-97D4-AE31C568557E}" destId="{753AC111-015C-42D1-8ABB-9AB6F3785DBF}" srcOrd="0" destOrd="0" parTransId="{5A327804-E5B5-4524-BDF8-43E89C648B4F}" sibTransId="{FB7AA6DF-3B26-482A-A715-738D84538B54}"/>
     <dgm:cxn modelId="{0073D4C3-F488-4F79-B637-186FAECF6BAD}" srcId="{CF9FC193-7A05-4631-B681-B56EAB543D38}" destId="{DA5DFAD8-E443-4F53-9341-A0903BBBD378}" srcOrd="2" destOrd="0" parTransId="{F6012B3B-01B0-4E7C-A363-0177B95D3DD8}" sibTransId="{76D9F54E-47B3-4FE0-B465-AD673964072E}"/>
     <dgm:cxn modelId="{BEE9B2C8-35BA-4C42-BCB6-42FCA175EF8C}" type="presOf" srcId="{753AC111-015C-42D1-8ABB-9AB6F3785DBF}" destId="{17CA1487-CDD9-4364-92F6-A11DBDAFE16C}" srcOrd="0" destOrd="6" presId="urn:microsoft.com/office/officeart/2005/8/layout/hList1"/>
     <dgm:cxn modelId="{51E9F5C9-CB9B-4256-8C0A-5C44B575C0D8}" srcId="{6EE89B4E-BAED-4A90-B29D-70AF11256801}" destId="{2F60EAC5-6FD4-4BEF-BDD9-FDB6679C289F}" srcOrd="0" destOrd="0" parTransId="{20D31ADA-66D8-41E9-8FE2-C11B0DBC6437}" sibTransId="{D0CED008-9504-4BEA-92F4-16C826541117}"/>
+    <dgm:cxn modelId="{083D09CE-8684-4B7A-9140-35D2DA542D79}" type="presOf" srcId="{5E9A4EC2-4EDE-4E07-B692-46D6739EE230}" destId="{EA81ED6A-A7EA-4137-A3DC-D16E79F1B938}" srcOrd="0" destOrd="11" presId="urn:microsoft.com/office/officeart/2005/8/layout/hList1"/>
     <dgm:cxn modelId="{4E21C5D3-FA97-4E62-8CC9-01B68E76021E}" type="presOf" srcId="{ABA77F75-8642-4931-8D7E-BE6C6DB9940D}" destId="{055A5EAB-EAE0-4501-8649-31F112FF9AD5}" srcOrd="0" destOrd="0" presId="urn:microsoft.com/office/officeart/2005/8/layout/hList1"/>
     <dgm:cxn modelId="{F5DD56DD-6CAD-417C-BDD4-6C13842E15C2}" srcId="{6857B86A-DEC1-407C-A1BB-5BF9ACCBCA6A}" destId="{2D5B933B-42F3-42B5-909C-385314E0D308}" srcOrd="4" destOrd="0" parTransId="{7A9A6CE3-4967-4A84-92D1-1B3BA61CE2B6}" sibTransId="{F23233DB-EAE3-4491-887E-16969F1190F1}"/>
     <dgm:cxn modelId="{4CD5FCDD-1F8A-43A3-BD77-CBE3B3864C41}" srcId="{6857B86A-DEC1-407C-A1BB-5BF9ACCBCA6A}" destId="{4C8BFA56-3F75-4CAD-90A3-2F214D699322}" srcOrd="0" destOrd="0" parTransId="{9A6E3B20-A734-4412-84CF-0134D93D4B28}" sibTransId="{7B50916F-B8BA-427F-B9F0-A301E54D7FB3}"/>
@@ -3424,7 +3876,8 @@
     <dgm:cxn modelId="{58D887E9-04DA-4285-827F-DA6F12BD080E}" type="presOf" srcId="{611C3B18-07F8-4A66-9682-97E24AEF6014}" destId="{E4FD5043-5612-43C5-B6AE-CCD431549399}" srcOrd="0" destOrd="0" presId="urn:microsoft.com/office/officeart/2005/8/layout/hList1"/>
     <dgm:cxn modelId="{D959B3EA-A66A-4B40-901C-93ECD4985A93}" srcId="{CF9FC193-7A05-4631-B681-B56EAB543D38}" destId="{ABA77F75-8642-4931-8D7E-BE6C6DB9940D}" srcOrd="1" destOrd="0" parTransId="{FCF9AE1B-B22B-4F91-BFD8-DDBBF762F128}" sibTransId="{1A095211-ADB0-42CA-9F24-F1BC942872F3}"/>
     <dgm:cxn modelId="{E5F3C7EA-3008-4AEE-AB3F-99D6696FCD2D}" type="presOf" srcId="{2AE9B789-FEE4-4EA5-BA4D-CE5E1FDDBB56}" destId="{17CA1487-CDD9-4364-92F6-A11DBDAFE16C}" srcOrd="0" destOrd="2" presId="urn:microsoft.com/office/officeart/2005/8/layout/hList1"/>
-    <dgm:cxn modelId="{74BB2EEB-AE96-4927-AACF-4168C7C1D61B}" type="presOf" srcId="{77893CAB-E6A4-481C-A464-9FC5B5917853}" destId="{EA81ED6A-A7EA-4137-A3DC-D16E79F1B938}" srcOrd="0" destOrd="8" presId="urn:microsoft.com/office/officeart/2005/8/layout/hList1"/>
+    <dgm:cxn modelId="{74BB2EEB-AE96-4927-AACF-4168C7C1D61B}" type="presOf" srcId="{77893CAB-E6A4-481C-A464-9FC5B5917853}" destId="{EA81ED6A-A7EA-4137-A3DC-D16E79F1B938}" srcOrd="0" destOrd="10" presId="urn:microsoft.com/office/officeart/2005/8/layout/hList1"/>
+    <dgm:cxn modelId="{D3F9ACEC-EC06-4AA9-A11B-A4C93AD7379D}" srcId="{DA5DFAD8-E443-4F53-9341-A0903BBBD378}" destId="{5E9A4EC2-4EDE-4E07-B692-46D6739EE230}" srcOrd="2" destOrd="0" parTransId="{BC0EC666-DAFE-4339-921A-C82E4A290B19}" sibTransId="{61778957-840E-489C-8E30-135D6863ECA3}"/>
     <dgm:cxn modelId="{16DF51F3-0A09-49DE-925C-03278AE9CD0E}" srcId="{2F60EAC5-6FD4-4BEF-BDD9-FDB6679C289F}" destId="{CB2ED894-EA78-4ADA-989E-53760C9E8D8B}" srcOrd="0" destOrd="0" parTransId="{7ADF8406-B31C-4892-A444-F22D8AC412F8}" sibTransId="{14C28DF8-E8F7-4670-B352-3A86137AD91C}"/>
     <dgm:cxn modelId="{DC2501F6-690F-45DC-8B69-6D2896F32FAC}" srcId="{6857B86A-DEC1-407C-A1BB-5BF9ACCBCA6A}" destId="{6121824F-16C4-4C65-97D4-AE31C568557E}" srcOrd="5" destOrd="0" parTransId="{3C6A4360-9C59-4EBC-A537-49DBF29E1BCF}" sibTransId="{B7BD3C6B-24FE-45A9-B58B-BC6814396649}"/>
     <dgm:cxn modelId="{765D4AFC-C3A4-4F8B-A000-988DC6C44800}" type="presOf" srcId="{6EE89B4E-BAED-4A90-B29D-70AF11256801}" destId="{EA81ED6A-A7EA-4137-A3DC-D16E79F1B938}" srcOrd="0" destOrd="0" presId="urn:microsoft.com/office/officeart/2005/8/layout/hList1"/>
@@ -4145,8 +4598,8 @@
       </dsp:nvSpPr>
       <dsp:spPr>
         <a:xfrm>
-          <a:off x="3535" y="72998"/>
-          <a:ext cx="3447370" cy="652860"/>
+          <a:off x="3535" y="136077"/>
+          <a:ext cx="3447370" cy="432000"/>
         </a:xfrm>
         <a:prstGeom prst="rect">
           <a:avLst/>
@@ -4187,12 +4640,12 @@
         </a:fontRef>
       </dsp:style>
       <dsp:txBody>
-        <a:bodyPr spcFirstLastPara="0" vert="horz" wrap="square" lIns="128016" tIns="73152" rIns="128016" bIns="73152" numCol="1" spcCol="1270" anchor="ctr" anchorCtr="0">
+        <a:bodyPr spcFirstLastPara="0" vert="horz" wrap="square" lIns="106680" tIns="60960" rIns="106680" bIns="60960" numCol="1" spcCol="1270" anchor="ctr" anchorCtr="0">
           <a:noAutofit/>
         </a:bodyPr>
         <a:lstStyle/>
         <a:p>
-          <a:pPr marL="0" lvl="0" indent="0" algn="ctr" defTabSz="800100">
+          <a:pPr marL="0" lvl="0" indent="0" algn="ctr" defTabSz="666750">
             <a:lnSpc>
               <a:spcPct val="90000"/>
             </a:lnSpc>
@@ -4205,7 +4658,7 @@
             <a:buNone/>
           </a:pPr>
           <a:r>
-            <a:rPr lang="en-US" sz="1800" b="1" kern="1200" dirty="0">
+            <a:rPr lang="en-US" sz="1500" b="1" kern="1200" dirty="0">
               <a:solidFill>
                 <a:schemeClr val="tx1"/>
               </a:solidFill>
@@ -4218,8 +4671,8 @@
         </a:p>
       </dsp:txBody>
       <dsp:txXfrm>
-        <a:off x="3535" y="72998"/>
-        <a:ext cx="3447370" cy="652860"/>
+        <a:off x="3535" y="136077"/>
+        <a:ext cx="3447370" cy="432000"/>
       </dsp:txXfrm>
     </dsp:sp>
     <dsp:sp modelId="{17CA1487-CDD9-4364-92F6-A11DBDAFE16C}">
@@ -4229,8 +4682,8 @@
       </dsp:nvSpPr>
       <dsp:spPr>
         <a:xfrm>
-          <a:off x="3535" y="725859"/>
-          <a:ext cx="3447370" cy="3693397"/>
+          <a:off x="3535" y="568077"/>
+          <a:ext cx="3447370" cy="3788100"/>
         </a:xfrm>
         <a:prstGeom prst="rect">
           <a:avLst/>
@@ -4273,12 +4726,12 @@
         <a:fontRef idx="minor"/>
       </dsp:style>
       <dsp:txBody>
-        <a:bodyPr spcFirstLastPara="0" vert="horz" wrap="square" lIns="96012" tIns="96012" rIns="128016" bIns="144018" numCol="1" spcCol="1270" anchor="t" anchorCtr="0">
+        <a:bodyPr spcFirstLastPara="0" vert="horz" wrap="square" lIns="80010" tIns="80010" rIns="106680" bIns="120015" numCol="1" spcCol="1270" anchor="t" anchorCtr="0">
           <a:noAutofit/>
         </a:bodyPr>
         <a:lstStyle/>
         <a:p>
-          <a:pPr marL="171450" lvl="1" indent="-171450" algn="l" defTabSz="800100">
+          <a:pPr marL="114300" lvl="1" indent="-114300" algn="l" defTabSz="666750">
             <a:lnSpc>
               <a:spcPct val="90000"/>
             </a:lnSpc>
@@ -4292,21 +4745,21 @@
             <a:buChar char=""/>
           </a:pPr>
           <a:r>
-            <a:rPr lang="en-US" sz="1800" kern="1200" dirty="0" err="1">
+            <a:rPr lang="en-US" sz="1500" kern="1200" dirty="0" err="1">
               <a:latin typeface="Tahoma" panose="020B0604030504040204" pitchFamily="34" charset="0"/>
               <a:ea typeface="Tahoma" panose="020B0604030504040204" pitchFamily="34" charset="0"/>
               <a:cs typeface="Tahoma" panose="020B0604030504040204" pitchFamily="34" charset="0"/>
             </a:rPr>
             <a:t>Webscraping</a:t>
           </a:r>
-          <a:endParaRPr lang="en-US" sz="1800" kern="1200" dirty="0">
+          <a:endParaRPr lang="en-US" sz="1500" kern="1200" dirty="0">
             <a:latin typeface="Tahoma" panose="020B0604030504040204" pitchFamily="34" charset="0"/>
             <a:ea typeface="Tahoma" panose="020B0604030504040204" pitchFamily="34" charset="0"/>
             <a:cs typeface="Tahoma" panose="020B0604030504040204" pitchFamily="34" charset="0"/>
           </a:endParaRPr>
         </a:p>
         <a:p>
-          <a:pPr marL="171450" lvl="1" indent="-171450" algn="l" defTabSz="800100">
+          <a:pPr marL="114300" lvl="1" indent="-114300" algn="l" defTabSz="666750">
             <a:lnSpc>
               <a:spcPct val="90000"/>
             </a:lnSpc>
@@ -4320,7 +4773,7 @@
             <a:buChar char=""/>
           </a:pPr>
           <a:r>
-            <a:rPr lang="en-US" sz="1800" kern="1200" dirty="0">
+            <a:rPr lang="en-US" sz="1500" kern="1200" dirty="0">
               <a:latin typeface="Tahoma" panose="020B0604030504040204" pitchFamily="34" charset="0"/>
               <a:ea typeface="Tahoma" panose="020B0604030504040204" pitchFamily="34" charset="0"/>
               <a:cs typeface="Tahoma" panose="020B0604030504040204" pitchFamily="34" charset="0"/>
@@ -4329,7 +4782,7 @@
           </a:r>
         </a:p>
         <a:p>
-          <a:pPr marL="171450" lvl="1" indent="-171450" algn="l" defTabSz="800100">
+          <a:pPr marL="114300" lvl="1" indent="-114300" algn="l" defTabSz="666750">
             <a:lnSpc>
               <a:spcPct val="90000"/>
             </a:lnSpc>
@@ -4343,7 +4796,7 @@
             <a:buChar char=""/>
           </a:pPr>
           <a:r>
-            <a:rPr lang="en-US" sz="1800" kern="1200" dirty="0">
+            <a:rPr lang="en-US" sz="1500" kern="1200" dirty="0">
               <a:latin typeface="Tahoma" panose="020B0604030504040204" pitchFamily="34" charset="0"/>
               <a:ea typeface="Tahoma" panose="020B0604030504040204" pitchFamily="34" charset="0"/>
               <a:cs typeface="Tahoma" panose="020B0604030504040204" pitchFamily="34" charset="0"/>
@@ -4352,7 +4805,7 @@
           </a:r>
         </a:p>
         <a:p>
-          <a:pPr marL="171450" lvl="1" indent="-171450" algn="l" defTabSz="800100">
+          <a:pPr marL="114300" lvl="1" indent="-114300" algn="l" defTabSz="666750">
             <a:lnSpc>
               <a:spcPct val="90000"/>
             </a:lnSpc>
@@ -4366,7 +4819,7 @@
             <a:buChar char=""/>
           </a:pPr>
           <a:r>
-            <a:rPr lang="en-US" sz="1800" kern="1200" dirty="0">
+            <a:rPr lang="en-US" sz="1500" kern="1200" dirty="0">
               <a:latin typeface="Tahoma" panose="020B0604030504040204" pitchFamily="34" charset="0"/>
               <a:ea typeface="Tahoma" panose="020B0604030504040204" pitchFamily="34" charset="0"/>
               <a:cs typeface="Tahoma" panose="020B0604030504040204" pitchFamily="34" charset="0"/>
@@ -4375,7 +4828,7 @@
           </a:r>
         </a:p>
         <a:p>
-          <a:pPr marL="171450" lvl="1" indent="-171450" algn="l" defTabSz="800100">
+          <a:pPr marL="114300" lvl="1" indent="-114300" algn="l" defTabSz="666750">
             <a:lnSpc>
               <a:spcPct val="90000"/>
             </a:lnSpc>
@@ -4389,21 +4842,21 @@
             <a:buChar char=""/>
           </a:pPr>
           <a:r>
-            <a:rPr lang="en-US" sz="1800" kern="1200" dirty="0" err="1">
+            <a:rPr lang="en-US" sz="1500" kern="1200" dirty="0" err="1">
               <a:latin typeface="Tahoma" panose="020B0604030504040204" pitchFamily="34" charset="0"/>
               <a:ea typeface="Tahoma" panose="020B0604030504040204" pitchFamily="34" charset="0"/>
               <a:cs typeface="Tahoma" panose="020B0604030504040204" pitchFamily="34" charset="0"/>
             </a:rPr>
             <a:t>sqlalchemy</a:t>
           </a:r>
-          <a:endParaRPr lang="en-US" sz="1800" kern="1200" dirty="0">
+          <a:endParaRPr lang="en-US" sz="1500" kern="1200" dirty="0">
             <a:latin typeface="Tahoma" panose="020B0604030504040204" pitchFamily="34" charset="0"/>
             <a:ea typeface="Tahoma" panose="020B0604030504040204" pitchFamily="34" charset="0"/>
             <a:cs typeface="Tahoma" panose="020B0604030504040204" pitchFamily="34" charset="0"/>
           </a:endParaRPr>
         </a:p>
         <a:p>
-          <a:pPr marL="171450" lvl="1" indent="-171450" algn="l" defTabSz="800100">
+          <a:pPr marL="114300" lvl="1" indent="-114300" algn="l" defTabSz="666750">
             <a:lnSpc>
               <a:spcPct val="90000"/>
             </a:lnSpc>
@@ -4417,7 +4870,7 @@
             <a:buChar char=""/>
           </a:pPr>
           <a:r>
-            <a:rPr lang="en-US" sz="1800" kern="1200" dirty="0">
+            <a:rPr lang="en-US" sz="1500" kern="1200" dirty="0">
               <a:latin typeface="Tahoma" panose="020B0604030504040204" pitchFamily="34" charset="0"/>
               <a:ea typeface="Tahoma" panose="020B0604030504040204" pitchFamily="34" charset="0"/>
               <a:cs typeface="Tahoma" panose="020B0604030504040204" pitchFamily="34" charset="0"/>
@@ -4426,7 +4879,7 @@
           </a:r>
         </a:p>
         <a:p>
-          <a:pPr marL="342900" lvl="2" indent="-171450" algn="l" defTabSz="800100">
+          <a:pPr marL="228600" lvl="2" indent="-114300" algn="l" defTabSz="666750">
             <a:lnSpc>
               <a:spcPct val="90000"/>
             </a:lnSpc>
@@ -4440,7 +4893,7 @@
             <a:buChar char=""/>
           </a:pPr>
           <a:r>
-            <a:rPr lang="en-US" sz="1800" kern="1200" dirty="0">
+            <a:rPr lang="en-US" sz="1500" kern="1200" dirty="0">
               <a:latin typeface="Tahoma" panose="020B0604030504040204" pitchFamily="34" charset="0"/>
               <a:ea typeface="Tahoma" panose="020B0604030504040204" pitchFamily="34" charset="0"/>
               <a:cs typeface="Tahoma" panose="020B0604030504040204" pitchFamily="34" charset="0"/>
@@ -4450,8 +4903,8 @@
         </a:p>
       </dsp:txBody>
       <dsp:txXfrm>
-        <a:off x="3535" y="725859"/>
-        <a:ext cx="3447370" cy="3693397"/>
+        <a:off x="3535" y="568077"/>
+        <a:ext cx="3447370" cy="3788100"/>
       </dsp:txXfrm>
     </dsp:sp>
     <dsp:sp modelId="{055A5EAB-EAE0-4501-8649-31F112FF9AD5}">
@@ -4461,8 +4914,8 @@
       </dsp:nvSpPr>
       <dsp:spPr>
         <a:xfrm>
-          <a:off x="3933537" y="72998"/>
-          <a:ext cx="3447370" cy="652860"/>
+          <a:off x="3933537" y="136077"/>
+          <a:ext cx="3447370" cy="432000"/>
         </a:xfrm>
         <a:prstGeom prst="rect">
           <a:avLst/>
@@ -4503,12 +4956,12 @@
         </a:fontRef>
       </dsp:style>
       <dsp:txBody>
-        <a:bodyPr spcFirstLastPara="0" vert="horz" wrap="square" lIns="128016" tIns="73152" rIns="128016" bIns="73152" numCol="1" spcCol="1270" anchor="ctr" anchorCtr="0">
+        <a:bodyPr spcFirstLastPara="0" vert="horz" wrap="square" lIns="106680" tIns="60960" rIns="106680" bIns="60960" numCol="1" spcCol="1270" anchor="ctr" anchorCtr="0">
           <a:noAutofit/>
         </a:bodyPr>
         <a:lstStyle/>
         <a:p>
-          <a:pPr marL="0" lvl="0" indent="0" algn="ctr" defTabSz="800100">
+          <a:pPr marL="0" lvl="0" indent="0" algn="ctr" defTabSz="666750">
             <a:lnSpc>
               <a:spcPct val="90000"/>
             </a:lnSpc>
@@ -4521,7 +4974,7 @@
             <a:buNone/>
           </a:pPr>
           <a:r>
-            <a:rPr lang="en-US" sz="1800" b="1" kern="1200" dirty="0">
+            <a:rPr lang="en-US" sz="1500" b="1" kern="1200" dirty="0">
               <a:solidFill>
                 <a:schemeClr val="tx1"/>
               </a:solidFill>
@@ -4534,8 +4987,8 @@
         </a:p>
       </dsp:txBody>
       <dsp:txXfrm>
-        <a:off x="3933537" y="72998"/>
-        <a:ext cx="3447370" cy="652860"/>
+        <a:off x="3933537" y="136077"/>
+        <a:ext cx="3447370" cy="432000"/>
       </dsp:txXfrm>
     </dsp:sp>
     <dsp:sp modelId="{E4FD5043-5612-43C5-B6AE-CCD431549399}">
@@ -4545,8 +4998,8 @@
       </dsp:nvSpPr>
       <dsp:spPr>
         <a:xfrm>
-          <a:off x="3933537" y="725859"/>
-          <a:ext cx="3447370" cy="3693397"/>
+          <a:off x="3933537" y="568077"/>
+          <a:ext cx="3447370" cy="3788100"/>
         </a:xfrm>
         <a:prstGeom prst="rect">
           <a:avLst/>
@@ -4589,12 +5042,12 @@
         <a:fontRef idx="minor"/>
       </dsp:style>
       <dsp:txBody>
-        <a:bodyPr spcFirstLastPara="0" vert="horz" wrap="square" lIns="96012" tIns="96012" rIns="128016" bIns="144018" numCol="1" spcCol="1270" anchor="t" anchorCtr="0">
+        <a:bodyPr spcFirstLastPara="0" vert="horz" wrap="square" lIns="80010" tIns="80010" rIns="106680" bIns="120015" numCol="1" spcCol="1270" anchor="t" anchorCtr="0">
           <a:noAutofit/>
         </a:bodyPr>
         <a:lstStyle/>
         <a:p>
-          <a:pPr marL="171450" lvl="1" indent="-171450" algn="l" defTabSz="800100">
+          <a:pPr marL="114300" lvl="1" indent="-114300" algn="l" defTabSz="666750">
             <a:lnSpc>
               <a:spcPct val="90000"/>
             </a:lnSpc>
@@ -4608,7 +5061,7 @@
             <a:buChar char=""/>
           </a:pPr>
           <a:r>
-            <a:rPr lang="en-US" sz="1800" kern="1200" dirty="0">
+            <a:rPr lang="en-US" sz="1500" kern="1200" dirty="0">
               <a:latin typeface="Tahoma" panose="020B0604030504040204" pitchFamily="34" charset="0"/>
               <a:ea typeface="Tahoma" panose="020B0604030504040204" pitchFamily="34" charset="0"/>
               <a:cs typeface="Tahoma" panose="020B0604030504040204" pitchFamily="34" charset="0"/>
@@ -4617,7 +5070,7 @@
           </a:r>
         </a:p>
         <a:p>
-          <a:pPr marL="171450" lvl="1" indent="-171450" algn="l" defTabSz="800100">
+          <a:pPr marL="114300" lvl="1" indent="-114300" algn="l" defTabSz="666750">
             <a:lnSpc>
               <a:spcPct val="90000"/>
             </a:lnSpc>
@@ -4631,7 +5084,7 @@
             <a:buChar char=""/>
           </a:pPr>
           <a:r>
-            <a:rPr lang="en-US" sz="1800" kern="1200" dirty="0">
+            <a:rPr lang="en-US" sz="1500" kern="1200" dirty="0">
               <a:latin typeface="Tahoma" panose="020B0604030504040204" pitchFamily="34" charset="0"/>
               <a:ea typeface="Tahoma" panose="020B0604030504040204" pitchFamily="34" charset="0"/>
               <a:cs typeface="Tahoma" panose="020B0604030504040204" pitchFamily="34" charset="0"/>
@@ -4640,7 +5093,7 @@
           </a:r>
         </a:p>
         <a:p>
-          <a:pPr marL="171450" lvl="1" indent="-171450" algn="l" defTabSz="800100">
+          <a:pPr marL="114300" lvl="1" indent="-114300" algn="l" defTabSz="666750">
             <a:lnSpc>
               <a:spcPct val="90000"/>
             </a:lnSpc>
@@ -4654,7 +5107,7 @@
             <a:buChar char=""/>
           </a:pPr>
           <a:r>
-            <a:rPr lang="en-US" sz="1800" kern="1200" dirty="0" err="1">
+            <a:rPr lang="en-US" sz="1500" kern="1200" dirty="0" err="1">
               <a:latin typeface="Tahoma" panose="020B0604030504040204" pitchFamily="34" charset="0"/>
               <a:ea typeface="Tahoma" panose="020B0604030504040204" pitchFamily="34" charset="0"/>
               <a:cs typeface="Tahoma" panose="020B0604030504040204" pitchFamily="34" charset="0"/>
@@ -4662,7 +5115,7 @@
             <a:t>Jupyter</a:t>
           </a:r>
           <a:r>
-            <a:rPr lang="en-US" sz="1800" kern="1200" dirty="0">
+            <a:rPr lang="en-US" sz="1500" kern="1200" dirty="0">
               <a:latin typeface="Tahoma" panose="020B0604030504040204" pitchFamily="34" charset="0"/>
               <a:ea typeface="Tahoma" panose="020B0604030504040204" pitchFamily="34" charset="0"/>
               <a:cs typeface="Tahoma" panose="020B0604030504040204" pitchFamily="34" charset="0"/>
@@ -4672,8 +5125,8 @@
         </a:p>
       </dsp:txBody>
       <dsp:txXfrm>
-        <a:off x="3933537" y="725859"/>
-        <a:ext cx="3447370" cy="3693397"/>
+        <a:off x="3933537" y="568077"/>
+        <a:ext cx="3447370" cy="3788100"/>
       </dsp:txXfrm>
     </dsp:sp>
     <dsp:sp modelId="{23D06E36-F688-4B37-8BB8-73015E665B0E}">
@@ -4683,8 +5136,8 @@
       </dsp:nvSpPr>
       <dsp:spPr>
         <a:xfrm>
-          <a:off x="7863539" y="72998"/>
-          <a:ext cx="3447370" cy="652860"/>
+          <a:off x="7863539" y="136077"/>
+          <a:ext cx="3447370" cy="432000"/>
         </a:xfrm>
         <a:prstGeom prst="rect">
           <a:avLst/>
@@ -4725,12 +5178,12 @@
         </a:fontRef>
       </dsp:style>
       <dsp:txBody>
-        <a:bodyPr spcFirstLastPara="0" vert="horz" wrap="square" lIns="128016" tIns="73152" rIns="128016" bIns="73152" numCol="1" spcCol="1270" anchor="ctr" anchorCtr="0">
+        <a:bodyPr spcFirstLastPara="0" vert="horz" wrap="square" lIns="106680" tIns="60960" rIns="106680" bIns="60960" numCol="1" spcCol="1270" anchor="ctr" anchorCtr="0">
           <a:noAutofit/>
         </a:bodyPr>
         <a:lstStyle/>
         <a:p>
-          <a:pPr marL="0" lvl="0" indent="0" algn="ctr" defTabSz="800100">
+          <a:pPr marL="0" lvl="0" indent="0" algn="ctr" defTabSz="666750">
             <a:lnSpc>
               <a:spcPct val="90000"/>
             </a:lnSpc>
@@ -4743,7 +5196,7 @@
             <a:buNone/>
           </a:pPr>
           <a:r>
-            <a:rPr lang="en-US" sz="1800" b="1" kern="1200" dirty="0">
+            <a:rPr lang="en-US" sz="1500" b="1" kern="1200" dirty="0">
               <a:solidFill>
                 <a:schemeClr val="tx1"/>
               </a:solidFill>
@@ -4754,7 +5207,7 @@
             <a:t>Machine Learning </a:t>
           </a:r>
           <a:r>
-            <a:rPr lang="en-US" sz="1800" b="1" kern="1200">
+            <a:rPr lang="en-US" sz="1500" b="1" kern="1200">
               <a:solidFill>
                 <a:schemeClr val="tx1"/>
               </a:solidFill>
@@ -4764,7 +5217,7 @@
             </a:rPr>
             <a:t>&amp; Visualization</a:t>
           </a:r>
-          <a:endParaRPr lang="en-US" sz="1800" b="1" kern="1200" dirty="0">
+          <a:endParaRPr lang="en-US" sz="1500" b="1" kern="1200" dirty="0">
             <a:solidFill>
               <a:schemeClr val="tx1"/>
             </a:solidFill>
@@ -4775,8 +5228,8 @@
         </a:p>
       </dsp:txBody>
       <dsp:txXfrm>
-        <a:off x="7863539" y="72998"/>
-        <a:ext cx="3447370" cy="652860"/>
+        <a:off x="7863539" y="136077"/>
+        <a:ext cx="3447370" cy="432000"/>
       </dsp:txXfrm>
     </dsp:sp>
     <dsp:sp modelId="{EA81ED6A-A7EA-4137-A3DC-D16E79F1B938}">
@@ -4786,8 +5239,8 @@
       </dsp:nvSpPr>
       <dsp:spPr>
         <a:xfrm>
-          <a:off x="7863539" y="725859"/>
-          <a:ext cx="3447370" cy="3693397"/>
+          <a:off x="7863539" y="568077"/>
+          <a:ext cx="3447370" cy="3788100"/>
         </a:xfrm>
         <a:prstGeom prst="rect">
           <a:avLst/>
@@ -4830,12 +5283,12 @@
         <a:fontRef idx="minor"/>
       </dsp:style>
       <dsp:txBody>
-        <a:bodyPr spcFirstLastPara="0" vert="horz" wrap="square" lIns="96012" tIns="96012" rIns="128016" bIns="144018" numCol="1" spcCol="1270" anchor="t" anchorCtr="0">
+        <a:bodyPr spcFirstLastPara="0" vert="horz" wrap="square" lIns="80010" tIns="80010" rIns="106680" bIns="120015" numCol="1" spcCol="1270" anchor="t" anchorCtr="0">
           <a:noAutofit/>
         </a:bodyPr>
         <a:lstStyle/>
         <a:p>
-          <a:pPr marL="171450" lvl="1" indent="-171450" algn="l" defTabSz="800100">
+          <a:pPr marL="114300" lvl="1" indent="-114300" algn="l" defTabSz="666750">
             <a:lnSpc>
               <a:spcPct val="90000"/>
             </a:lnSpc>
@@ -4849,7 +5302,7 @@
             <a:buChar char="§"/>
           </a:pPr>
           <a:r>
-            <a:rPr lang="en-US" sz="1800" kern="1200" dirty="0">
+            <a:rPr lang="en-US" sz="1500" kern="1200" dirty="0">
               <a:latin typeface="Tahoma" panose="020B0604030504040204" pitchFamily="34" charset="0"/>
               <a:ea typeface="Tahoma" panose="020B0604030504040204" pitchFamily="34" charset="0"/>
               <a:cs typeface="Tahoma" panose="020B0604030504040204" pitchFamily="34" charset="0"/>
@@ -4858,7 +5311,7 @@
           </a:r>
         </a:p>
         <a:p>
-          <a:pPr marL="342900" lvl="2" indent="-171450" algn="l" defTabSz="800100">
+          <a:pPr marL="228600" lvl="2" indent="-114300" algn="l" defTabSz="666750">
             <a:lnSpc>
               <a:spcPct val="90000"/>
             </a:lnSpc>
@@ -4872,7 +5325,7 @@
             <a:buChar char="§"/>
           </a:pPr>
           <a:r>
-            <a:rPr lang="en-US" sz="1800" kern="1200" dirty="0">
+            <a:rPr lang="en-US" sz="1500" kern="1200" dirty="0">
               <a:latin typeface="Tahoma" panose="020B0604030504040204" pitchFamily="34" charset="0"/>
               <a:ea typeface="Tahoma" panose="020B0604030504040204" pitchFamily="34" charset="0"/>
               <a:cs typeface="Tahoma" panose="020B0604030504040204" pitchFamily="34" charset="0"/>
@@ -4881,7 +5334,7 @@
           </a:r>
         </a:p>
         <a:p>
-          <a:pPr marL="514350" lvl="3" indent="-171450" algn="l" defTabSz="800100">
+          <a:pPr marL="342900" lvl="3" indent="-114300" algn="l" defTabSz="666750">
             <a:lnSpc>
               <a:spcPct val="90000"/>
             </a:lnSpc>
@@ -4895,7 +5348,7 @@
             <a:buChar char="§"/>
           </a:pPr>
           <a:r>
-            <a:rPr lang="en-US" sz="1800" kern="1200" dirty="0">
+            <a:rPr lang="en-US" sz="1500" kern="1200" dirty="0">
               <a:latin typeface="Tahoma" panose="020B0604030504040204" pitchFamily="34" charset="0"/>
               <a:ea typeface="Tahoma" panose="020B0604030504040204" pitchFamily="34" charset="0"/>
               <a:cs typeface="Tahoma" panose="020B0604030504040204" pitchFamily="34" charset="0"/>
@@ -4904,7 +5357,7 @@
           </a:r>
         </a:p>
         <a:p>
-          <a:pPr marL="514350" lvl="3" indent="-171450" algn="l" defTabSz="800100">
+          <a:pPr marL="342900" lvl="3" indent="-114300" algn="l" defTabSz="666750">
             <a:lnSpc>
               <a:spcPct val="90000"/>
             </a:lnSpc>
@@ -4918,7 +5371,7 @@
             <a:buChar char="§"/>
           </a:pPr>
           <a:r>
-            <a:rPr lang="en-US" sz="1800" kern="1200" dirty="0">
+            <a:rPr lang="en-US" sz="1500" kern="1200" dirty="0">
               <a:latin typeface="Tahoma" panose="020B0604030504040204" pitchFamily="34" charset="0"/>
               <a:ea typeface="Tahoma" panose="020B0604030504040204" pitchFamily="34" charset="0"/>
               <a:cs typeface="Tahoma" panose="020B0604030504040204" pitchFamily="34" charset="0"/>
@@ -4927,7 +5380,7 @@
           </a:r>
         </a:p>
         <a:p>
-          <a:pPr marL="514350" lvl="3" indent="-171450" algn="l" defTabSz="800100">
+          <a:pPr marL="342900" lvl="3" indent="-114300" algn="l" defTabSz="666750">
             <a:lnSpc>
               <a:spcPct val="90000"/>
             </a:lnSpc>
@@ -4941,7 +5394,7 @@
             <a:buChar char="§"/>
           </a:pPr>
           <a:r>
-            <a:rPr lang="en-US" sz="1800" kern="1200" dirty="0">
+            <a:rPr lang="en-US" sz="1500" kern="1200" dirty="0">
               <a:latin typeface="Tahoma" panose="020B0604030504040204" pitchFamily="34" charset="0"/>
               <a:ea typeface="Tahoma" panose="020B0604030504040204" pitchFamily="34" charset="0"/>
               <a:cs typeface="Tahoma" panose="020B0604030504040204" pitchFamily="34" charset="0"/>
@@ -4950,7 +5403,7 @@
           </a:r>
         </a:p>
         <a:p>
-          <a:pPr marL="514350" lvl="3" indent="-171450" algn="l" defTabSz="800100">
+          <a:pPr marL="342900" lvl="3" indent="-114300" algn="l" defTabSz="666750">
             <a:lnSpc>
               <a:spcPct val="90000"/>
             </a:lnSpc>
@@ -4964,7 +5417,7 @@
             <a:buChar char="§"/>
           </a:pPr>
           <a:r>
-            <a:rPr lang="en-US" sz="1800" kern="1200" dirty="0">
+            <a:rPr lang="en-US" sz="1500" kern="1200" dirty="0">
               <a:latin typeface="Tahoma" panose="020B0604030504040204" pitchFamily="34" charset="0"/>
               <a:ea typeface="Tahoma" panose="020B0604030504040204" pitchFamily="34" charset="0"/>
               <a:cs typeface="Tahoma" panose="020B0604030504040204" pitchFamily="34" charset="0"/>
@@ -4973,7 +5426,7 @@
           </a:r>
         </a:p>
         <a:p>
-          <a:pPr marL="514350" lvl="3" indent="-171450" algn="l" defTabSz="800100">
+          <a:pPr marL="342900" lvl="3" indent="-114300" algn="l" defTabSz="666750">
             <a:lnSpc>
               <a:spcPct val="90000"/>
             </a:lnSpc>
@@ -4987,7 +5440,7 @@
             <a:buChar char="§"/>
           </a:pPr>
           <a:r>
-            <a:rPr lang="en-US" sz="1800" kern="1200" dirty="0">
+            <a:rPr lang="en-US" sz="1500" kern="1200" dirty="0">
               <a:latin typeface="Tahoma" panose="020B0604030504040204" pitchFamily="34" charset="0"/>
               <a:ea typeface="Tahoma" panose="020B0604030504040204" pitchFamily="34" charset="0"/>
               <a:cs typeface="Tahoma" panose="020B0604030504040204" pitchFamily="34" charset="0"/>
@@ -4996,7 +5449,7 @@
           </a:r>
         </a:p>
         <a:p>
-          <a:pPr marL="514350" lvl="3" indent="-171450" algn="l" defTabSz="800100">
+          <a:pPr marL="342900" lvl="3" indent="-114300" algn="l" defTabSz="666750">
             <a:lnSpc>
               <a:spcPct val="90000"/>
             </a:lnSpc>
@@ -5010,7 +5463,7 @@
             <a:buChar char="§"/>
           </a:pPr>
           <a:r>
-            <a:rPr lang="en-US" sz="1800" kern="1200" dirty="0">
+            <a:rPr lang="en-US" sz="1500" kern="1200" dirty="0">
               <a:latin typeface="Tahoma" panose="020B0604030504040204" pitchFamily="34" charset="0"/>
               <a:ea typeface="Tahoma" panose="020B0604030504040204" pitchFamily="34" charset="0"/>
               <a:cs typeface="Tahoma" panose="020B0604030504040204" pitchFamily="34" charset="0"/>
@@ -5019,7 +5472,7 @@
           </a:r>
         </a:p>
         <a:p>
-          <a:pPr marL="171450" lvl="1" indent="-171450" algn="l" defTabSz="800100">
+          <a:pPr marL="342900" lvl="3" indent="-114300" algn="l" defTabSz="666750">
             <a:lnSpc>
               <a:spcPct val="90000"/>
             </a:lnSpc>
@@ -5033,21 +5486,16 @@
             <a:buChar char="§"/>
           </a:pPr>
           <a:r>
-            <a:rPr lang="en-US" sz="1800" kern="1200" dirty="0" err="1">
+            <a:rPr lang="en-US" sz="1500" kern="1200" dirty="0">
               <a:latin typeface="Tahoma" panose="020B0604030504040204" pitchFamily="34" charset="0"/>
               <a:ea typeface="Tahoma" panose="020B0604030504040204" pitchFamily="34" charset="0"/>
               <a:cs typeface="Tahoma" panose="020B0604030504040204" pitchFamily="34" charset="0"/>
             </a:rPr>
-            <a:t>Plotly</a:t>
+            <a:t>K-means Clustering</a:t>
           </a:r>
-          <a:endParaRPr lang="en-US" sz="1800" kern="1200" dirty="0">
-            <a:latin typeface="Tahoma" panose="020B0604030504040204" pitchFamily="34" charset="0"/>
-            <a:ea typeface="Tahoma" panose="020B0604030504040204" pitchFamily="34" charset="0"/>
-            <a:cs typeface="Tahoma" panose="020B0604030504040204" pitchFamily="34" charset="0"/>
-          </a:endParaRPr>
         </a:p>
         <a:p>
-          <a:pPr marL="342900" lvl="2" indent="-171450" algn="l" defTabSz="800100">
+          <a:pPr marL="342900" lvl="3" indent="-114300" algn="l" defTabSz="666750">
             <a:lnSpc>
               <a:spcPct val="90000"/>
             </a:lnSpc>
@@ -5060,14 +5508,88 @@
             <a:buFont typeface="Wingdings" panose="05000000000000000000" pitchFamily="2" charset="2"/>
             <a:buChar char="§"/>
           </a:pPr>
-          <a:endParaRPr lang="en-US" sz="1800" kern="1200" dirty="0">
+          <a:r>
+            <a:rPr lang="en-US" sz="1500" kern="1200" dirty="0">
+              <a:latin typeface="Tahoma" panose="020B0604030504040204" pitchFamily="34" charset="0"/>
+              <a:ea typeface="Tahoma" panose="020B0604030504040204" pitchFamily="34" charset="0"/>
+              <a:cs typeface="Tahoma" panose="020B0604030504040204" pitchFamily="34" charset="0"/>
+            </a:rPr>
+            <a:t>Deep Learning</a:t>
+          </a:r>
+        </a:p>
+        <a:p>
+          <a:pPr marL="114300" lvl="1" indent="-114300" algn="l" defTabSz="666750">
+            <a:lnSpc>
+              <a:spcPct val="90000"/>
+            </a:lnSpc>
+            <a:spcBef>
+              <a:spcPct val="0"/>
+            </a:spcBef>
+            <a:spcAft>
+              <a:spcPct val="15000"/>
+            </a:spcAft>
+            <a:buFont typeface="Wingdings" panose="05000000000000000000" pitchFamily="2" charset="2"/>
+            <a:buChar char="§"/>
+          </a:pPr>
+          <a:r>
+            <a:rPr lang="en-US" sz="1500" kern="1200" dirty="0" err="1">
+              <a:latin typeface="Tahoma" panose="020B0604030504040204" pitchFamily="34" charset="0"/>
+              <a:ea typeface="Tahoma" panose="020B0604030504040204" pitchFamily="34" charset="0"/>
+              <a:cs typeface="Tahoma" panose="020B0604030504040204" pitchFamily="34" charset="0"/>
+            </a:rPr>
+            <a:t>Plotly</a:t>
+          </a:r>
+          <a:endParaRPr lang="en-US" sz="1500" kern="1200" dirty="0">
             <a:latin typeface="Tahoma" panose="020B0604030504040204" pitchFamily="34" charset="0"/>
             <a:ea typeface="Tahoma" panose="020B0604030504040204" pitchFamily="34" charset="0"/>
             <a:cs typeface="Tahoma" panose="020B0604030504040204" pitchFamily="34" charset="0"/>
           </a:endParaRPr>
         </a:p>
         <a:p>
-          <a:pPr marL="342900" lvl="2" indent="-171450" algn="l" defTabSz="800100">
+          <a:pPr marL="114300" lvl="1" indent="-114300" algn="l" defTabSz="666750">
+            <a:lnSpc>
+              <a:spcPct val="90000"/>
+            </a:lnSpc>
+            <a:spcBef>
+              <a:spcPct val="0"/>
+            </a:spcBef>
+            <a:spcAft>
+              <a:spcPct val="15000"/>
+            </a:spcAft>
+            <a:buFont typeface="Wingdings" panose="05000000000000000000" pitchFamily="2" charset="2"/>
+            <a:buChar char="§"/>
+          </a:pPr>
+          <a:r>
+            <a:rPr lang="en-US" sz="1500" kern="1200" dirty="0">
+              <a:latin typeface="Tahoma" panose="020B0604030504040204" pitchFamily="34" charset="0"/>
+              <a:ea typeface="Tahoma" panose="020B0604030504040204" pitchFamily="34" charset="0"/>
+              <a:cs typeface="Tahoma" panose="020B0604030504040204" pitchFamily="34" charset="0"/>
+            </a:rPr>
+            <a:t>Tableau</a:t>
+          </a:r>
+        </a:p>
+        <a:p>
+          <a:pPr marL="228600" lvl="2" indent="-114300" algn="l" defTabSz="666750">
+            <a:lnSpc>
+              <a:spcPct val="90000"/>
+            </a:lnSpc>
+            <a:spcBef>
+              <a:spcPct val="0"/>
+            </a:spcBef>
+            <a:spcAft>
+              <a:spcPct val="15000"/>
+            </a:spcAft>
+            <a:buFont typeface="Wingdings" panose="05000000000000000000" pitchFamily="2" charset="2"/>
+            <a:buChar char="§"/>
+          </a:pPr>
+          <a:endParaRPr lang="en-US" sz="1500" kern="1200" dirty="0">
+            <a:latin typeface="Tahoma" panose="020B0604030504040204" pitchFamily="34" charset="0"/>
+            <a:ea typeface="Tahoma" panose="020B0604030504040204" pitchFamily="34" charset="0"/>
+            <a:cs typeface="Tahoma" panose="020B0604030504040204" pitchFamily="34" charset="0"/>
+          </a:endParaRPr>
+        </a:p>
+        <a:p>
+          <a:pPr marL="228600" lvl="2" indent="-114300" algn="l" defTabSz="666750">
             <a:lnSpc>
               <a:spcPct val="90000"/>
             </a:lnSpc>
@@ -5080,14 +5602,14 @@
             <a:buFont typeface="Wingdings" panose="05000000000000000000" pitchFamily="2" charset="2"/>
             <a:buChar char=""/>
           </a:pPr>
-          <a:endParaRPr lang="en-US" sz="1800" kern="1200" dirty="0">
+          <a:endParaRPr lang="en-US" sz="1500" kern="1200" dirty="0">
             <a:latin typeface="Tahoma" panose="020B0604030504040204" pitchFamily="34" charset="0"/>
             <a:ea typeface="Tahoma" panose="020B0604030504040204" pitchFamily="34" charset="0"/>
             <a:cs typeface="Tahoma" panose="020B0604030504040204" pitchFamily="34" charset="0"/>
           </a:endParaRPr>
         </a:p>
         <a:p>
-          <a:pPr marL="171450" lvl="1" indent="-171450" algn="l" defTabSz="800100">
+          <a:pPr marL="114300" lvl="1" indent="-114300" algn="l" defTabSz="666750">
             <a:lnSpc>
               <a:spcPct val="90000"/>
             </a:lnSpc>
@@ -5100,7 +5622,7 @@
             <a:buFont typeface="Wingdings" panose="05000000000000000000" pitchFamily="2" charset="2"/>
             <a:buNone/>
           </a:pPr>
-          <a:endParaRPr lang="en-US" sz="1800" kern="1200" dirty="0">
+          <a:endParaRPr lang="en-US" sz="1500" kern="1200" dirty="0">
             <a:latin typeface="Tahoma" panose="020B0604030504040204" pitchFamily="34" charset="0"/>
             <a:ea typeface="Tahoma" panose="020B0604030504040204" pitchFamily="34" charset="0"/>
             <a:cs typeface="Tahoma" panose="020B0604030504040204" pitchFamily="34" charset="0"/>
@@ -5108,8 +5630,8 @@
         </a:p>
       </dsp:txBody>
       <dsp:txXfrm>
-        <a:off x="7863539" y="725859"/>
-        <a:ext cx="3447370" cy="3693397"/>
+        <a:off x="7863539" y="568077"/>
+        <a:ext cx="3447370" cy="3788100"/>
       </dsp:txXfrm>
     </dsp:sp>
   </dsp:spTree>
@@ -8229,7 +8751,7 @@
           <a:noFill/>
           <a:extLst>
             <a:ext uri="{909E8E84-426E-40dd-AFC4-6F175D3DCCD1}">
-              <a14:hiddenFill xmlns="" xmlns:a14="http://schemas.microsoft.com/office/drawing/2010/main">
+              <a14:hiddenFill xmlns:a14="http://schemas.microsoft.com/office/drawing/2010/main" xmlns="">
                 <a:solidFill>
                   <a:srgbClr val="FFFFFF"/>
                 </a:solidFill>
@@ -8288,7 +8810,7 @@
             </a:ln>
             <a:extLst>
               <a:ext uri="{91240B29-F687-4f45-9708-019B960494DF}">
-                <a14:hiddenLine xmlns="" xmlns:a14="http://schemas.microsoft.com/office/drawing/2010/main" w="9525">
+                <a14:hiddenLine xmlns:a14="http://schemas.microsoft.com/office/drawing/2010/main" xmlns="" w="9525">
                   <a:solidFill>
                     <a:srgbClr val="000000"/>
                   </a:solidFill>
@@ -8378,7 +8900,7 @@
             </a:ln>
             <a:extLst>
               <a:ext uri="{91240B29-F687-4f45-9708-019B960494DF}">
-                <a14:hiddenLine xmlns="" xmlns:a14="http://schemas.microsoft.com/office/drawing/2010/main" w="9525">
+                <a14:hiddenLine xmlns:a14="http://schemas.microsoft.com/office/drawing/2010/main" xmlns="" w="9525">
                   <a:solidFill>
                     <a:srgbClr val="000000"/>
                   </a:solidFill>
@@ -8468,7 +8990,7 @@
             </a:ln>
             <a:extLst>
               <a:ext uri="{91240B29-F687-4f45-9708-019B960494DF}">
-                <a14:hiddenLine xmlns="" xmlns:a14="http://schemas.microsoft.com/office/drawing/2010/main" w="9525">
+                <a14:hiddenLine xmlns:a14="http://schemas.microsoft.com/office/drawing/2010/main" xmlns="" w="9525">
                   <a:solidFill>
                     <a:srgbClr val="000000"/>
                   </a:solidFill>
@@ -8502,7 +9024,7 @@
             </a:ln>
             <a:extLst>
               <a:ext uri="{91240B29-F687-4f45-9708-019B960494DF}">
-                <a14:hiddenLine xmlns="" xmlns:a14="http://schemas.microsoft.com/office/drawing/2010/main" w="9525">
+                <a14:hiddenLine xmlns:a14="http://schemas.microsoft.com/office/drawing/2010/main" xmlns="" w="9525">
                   <a:solidFill>
                     <a:srgbClr val="000000"/>
                   </a:solidFill>
@@ -8592,7 +9114,7 @@
             </a:ln>
             <a:extLst>
               <a:ext uri="{91240B29-F687-4f45-9708-019B960494DF}">
-                <a14:hiddenLine xmlns="" xmlns:a14="http://schemas.microsoft.com/office/drawing/2010/main" w="9525">
+                <a14:hiddenLine xmlns:a14="http://schemas.microsoft.com/office/drawing/2010/main" xmlns="" w="9525">
                   <a:solidFill>
                     <a:srgbClr val="000000"/>
                   </a:solidFill>
@@ -8654,7 +9176,7 @@
             </a:ln>
             <a:extLst>
               <a:ext uri="{91240B29-F687-4f45-9708-019B960494DF}">
-                <a14:hiddenLine xmlns="" xmlns:a14="http://schemas.microsoft.com/office/drawing/2010/main" w="9525">
+                <a14:hiddenLine xmlns:a14="http://schemas.microsoft.com/office/drawing/2010/main" xmlns="" w="9525">
                   <a:solidFill>
                     <a:srgbClr val="000000"/>
                   </a:solidFill>
@@ -8716,7 +9238,7 @@
             </a:ln>
             <a:extLst>
               <a:ext uri="{91240B29-F687-4f45-9708-019B960494DF}">
-                <a14:hiddenLine xmlns="" xmlns:a14="http://schemas.microsoft.com/office/drawing/2010/main" w="9525">
+                <a14:hiddenLine xmlns:a14="http://schemas.microsoft.com/office/drawing/2010/main" xmlns="" w="9525">
                   <a:solidFill>
                     <a:srgbClr val="000000"/>
                   </a:solidFill>
@@ -8806,7 +9328,7 @@
             </a:ln>
             <a:extLst>
               <a:ext uri="{91240B29-F687-4f45-9708-019B960494DF}">
-                <a14:hiddenLine xmlns="" xmlns:a14="http://schemas.microsoft.com/office/drawing/2010/main" w="9525">
+                <a14:hiddenLine xmlns:a14="http://schemas.microsoft.com/office/drawing/2010/main" xmlns="" w="9525">
                   <a:solidFill>
                     <a:srgbClr val="000000"/>
                   </a:solidFill>
@@ -8868,7 +9390,7 @@
             </a:ln>
             <a:extLst>
               <a:ext uri="{91240B29-F687-4f45-9708-019B960494DF}">
-                <a14:hiddenLine xmlns="" xmlns:a14="http://schemas.microsoft.com/office/drawing/2010/main" w="9525">
+                <a14:hiddenLine xmlns:a14="http://schemas.microsoft.com/office/drawing/2010/main" xmlns="" w="9525">
                   <a:solidFill>
                     <a:srgbClr val="000000"/>
                   </a:solidFill>
@@ -8930,7 +9452,7 @@
             </a:ln>
             <a:extLst>
               <a:ext uri="{91240B29-F687-4f45-9708-019B960494DF}">
-                <a14:hiddenLine xmlns="" xmlns:a14="http://schemas.microsoft.com/office/drawing/2010/main" w="9525">
+                <a14:hiddenLine xmlns:a14="http://schemas.microsoft.com/office/drawing/2010/main" xmlns="" w="9525">
                   <a:solidFill>
                     <a:srgbClr val="000000"/>
                   </a:solidFill>
@@ -9020,7 +9542,7 @@
             </a:ln>
             <a:extLst>
               <a:ext uri="{91240B29-F687-4f45-9708-019B960494DF}">
-                <a14:hiddenLine xmlns="" xmlns:a14="http://schemas.microsoft.com/office/drawing/2010/main" w="9525">
+                <a14:hiddenLine xmlns:a14="http://schemas.microsoft.com/office/drawing/2010/main" xmlns="" w="9525">
                   <a:solidFill>
                     <a:srgbClr val="000000"/>
                   </a:solidFill>
@@ -9110,7 +9632,7 @@
             </a:ln>
             <a:extLst>
               <a:ext uri="{91240B29-F687-4f45-9708-019B960494DF}">
-                <a14:hiddenLine xmlns="" xmlns:a14="http://schemas.microsoft.com/office/drawing/2010/main" w="9525">
+                <a14:hiddenLine xmlns:a14="http://schemas.microsoft.com/office/drawing/2010/main" xmlns="" w="9525">
                   <a:solidFill>
                     <a:srgbClr val="000000"/>
                   </a:solidFill>
@@ -9172,7 +9694,7 @@
             </a:ln>
             <a:extLst>
               <a:ext uri="{91240B29-F687-4f45-9708-019B960494DF}">
-                <a14:hiddenLine xmlns="" xmlns:a14="http://schemas.microsoft.com/office/drawing/2010/main" w="9525">
+                <a14:hiddenLine xmlns:a14="http://schemas.microsoft.com/office/drawing/2010/main" xmlns="" w="9525">
                   <a:solidFill>
                     <a:srgbClr val="000000"/>
                   </a:solidFill>
@@ -9282,7 +9804,7 @@
             </a:ln>
             <a:extLst>
               <a:ext uri="{91240B29-F687-4f45-9708-019B960494DF}">
-                <a14:hiddenLine xmlns="" xmlns:a14="http://schemas.microsoft.com/office/drawing/2010/main" w="9525">
+                <a14:hiddenLine xmlns:a14="http://schemas.microsoft.com/office/drawing/2010/main" xmlns="" w="9525">
                   <a:solidFill>
                     <a:srgbClr val="000000"/>
                   </a:solidFill>
@@ -9344,7 +9866,7 @@
             </a:ln>
             <a:extLst>
               <a:ext uri="{91240B29-F687-4f45-9708-019B960494DF}">
-                <a14:hiddenLine xmlns="" xmlns:a14="http://schemas.microsoft.com/office/drawing/2010/main" w="9525">
+                <a14:hiddenLine xmlns:a14="http://schemas.microsoft.com/office/drawing/2010/main" xmlns="" w="9525">
                   <a:solidFill>
                     <a:srgbClr val="000000"/>
                   </a:solidFill>
@@ -9434,7 +9956,7 @@
             </a:ln>
             <a:extLst>
               <a:ext uri="{91240B29-F687-4f45-9708-019B960494DF}">
-                <a14:hiddenLine xmlns="" xmlns:a14="http://schemas.microsoft.com/office/drawing/2010/main" w="9525">
+                <a14:hiddenLine xmlns:a14="http://schemas.microsoft.com/office/drawing/2010/main" xmlns="" w="9525">
                   <a:solidFill>
                     <a:srgbClr val="000000"/>
                   </a:solidFill>
@@ -9524,7 +10046,7 @@
             </a:ln>
             <a:extLst>
               <a:ext uri="{91240B29-F687-4f45-9708-019B960494DF}">
-                <a14:hiddenLine xmlns="" xmlns:a14="http://schemas.microsoft.com/office/drawing/2010/main" w="9525">
+                <a14:hiddenLine xmlns:a14="http://schemas.microsoft.com/office/drawing/2010/main" xmlns="" w="9525">
                   <a:solidFill>
                     <a:srgbClr val="000000"/>
                   </a:solidFill>
@@ -9586,7 +10108,7 @@
             </a:ln>
             <a:extLst>
               <a:ext uri="{91240B29-F687-4f45-9708-019B960494DF}">
-                <a14:hiddenLine xmlns="" xmlns:a14="http://schemas.microsoft.com/office/drawing/2010/main" w="9525">
+                <a14:hiddenLine xmlns:a14="http://schemas.microsoft.com/office/drawing/2010/main" xmlns="" w="9525">
                   <a:solidFill>
                     <a:srgbClr val="000000"/>
                   </a:solidFill>
@@ -9676,7 +10198,7 @@
             </a:ln>
             <a:extLst>
               <a:ext uri="{91240B29-F687-4f45-9708-019B960494DF}">
-                <a14:hiddenLine xmlns="" xmlns:a14="http://schemas.microsoft.com/office/drawing/2010/main" w="9525">
+                <a14:hiddenLine xmlns:a14="http://schemas.microsoft.com/office/drawing/2010/main" xmlns="" w="9525">
                   <a:solidFill>
                     <a:srgbClr val="000000"/>
                   </a:solidFill>
@@ -9766,7 +10288,7 @@
             </a:ln>
             <a:extLst>
               <a:ext uri="{91240B29-F687-4f45-9708-019B960494DF}">
-                <a14:hiddenLine xmlns="" xmlns:a14="http://schemas.microsoft.com/office/drawing/2010/main" w="9525">
+                <a14:hiddenLine xmlns:a14="http://schemas.microsoft.com/office/drawing/2010/main" xmlns="" w="9525">
                   <a:solidFill>
                     <a:srgbClr val="000000"/>
                   </a:solidFill>
@@ -9822,7 +10344,7 @@
             </a:ln>
             <a:extLst>
               <a:ext uri="{91240B29-F687-4f45-9708-019B960494DF}">
-                <a14:hiddenLine xmlns="" xmlns:a14="http://schemas.microsoft.com/office/drawing/2010/main" w="9525">
+                <a14:hiddenLine xmlns:a14="http://schemas.microsoft.com/office/drawing/2010/main" xmlns="" w="9525">
                   <a:solidFill>
                     <a:srgbClr val="000000"/>
                   </a:solidFill>
@@ -9912,7 +10434,7 @@
             </a:ln>
             <a:extLst>
               <a:ext uri="{91240B29-F687-4f45-9708-019B960494DF}">
-                <a14:hiddenLine xmlns="" xmlns:a14="http://schemas.microsoft.com/office/drawing/2010/main" w="9525">
+                <a14:hiddenLine xmlns:a14="http://schemas.microsoft.com/office/drawing/2010/main" xmlns="" w="9525">
                   <a:solidFill>
                     <a:srgbClr val="000000"/>
                   </a:solidFill>
@@ -9968,7 +10490,7 @@
             </a:ln>
             <a:extLst>
               <a:ext uri="{91240B29-F687-4f45-9708-019B960494DF}">
-                <a14:hiddenLine xmlns="" xmlns:a14="http://schemas.microsoft.com/office/drawing/2010/main" w="9525">
+                <a14:hiddenLine xmlns:a14="http://schemas.microsoft.com/office/drawing/2010/main" xmlns="" w="9525">
                   <a:solidFill>
                     <a:srgbClr val="000000"/>
                   </a:solidFill>
@@ -10058,7 +10580,7 @@
             </a:ln>
             <a:extLst>
               <a:ext uri="{91240B29-F687-4f45-9708-019B960494DF}">
-                <a14:hiddenLine xmlns="" xmlns:a14="http://schemas.microsoft.com/office/drawing/2010/main" w="9525">
+                <a14:hiddenLine xmlns:a14="http://schemas.microsoft.com/office/drawing/2010/main" xmlns="" w="9525">
                   <a:solidFill>
                     <a:srgbClr val="000000"/>
                   </a:solidFill>
@@ -10126,7 +10648,7 @@
             </a:ln>
             <a:extLst>
               <a:ext uri="{91240B29-F687-4f45-9708-019B960494DF}">
-                <a14:hiddenLine xmlns="" xmlns:a14="http://schemas.microsoft.com/office/drawing/2010/main" w="9525">
+                <a14:hiddenLine xmlns:a14="http://schemas.microsoft.com/office/drawing/2010/main" xmlns="" w="9525">
                   <a:solidFill>
                     <a:srgbClr val="000000"/>
                   </a:solidFill>
@@ -10216,7 +10738,7 @@
             </a:ln>
             <a:extLst>
               <a:ext uri="{91240B29-F687-4f45-9708-019B960494DF}">
-                <a14:hiddenLine xmlns="" xmlns:a14="http://schemas.microsoft.com/office/drawing/2010/main" w="9525">
+                <a14:hiddenLine xmlns:a14="http://schemas.microsoft.com/office/drawing/2010/main" xmlns="" w="9525">
                   <a:solidFill>
                     <a:srgbClr val="000000"/>
                   </a:solidFill>
@@ -10284,7 +10806,7 @@
             </a:ln>
             <a:extLst>
               <a:ext uri="{91240B29-F687-4f45-9708-019B960494DF}">
-                <a14:hiddenLine xmlns="" xmlns:a14="http://schemas.microsoft.com/office/drawing/2010/main" w="9525">
+                <a14:hiddenLine xmlns:a14="http://schemas.microsoft.com/office/drawing/2010/main" xmlns="" w="9525">
                   <a:solidFill>
                     <a:srgbClr val="000000"/>
                   </a:solidFill>
@@ -10374,7 +10896,7 @@
             </a:ln>
             <a:extLst>
               <a:ext uri="{91240B29-F687-4f45-9708-019B960494DF}">
-                <a14:hiddenLine xmlns="" xmlns:a14="http://schemas.microsoft.com/office/drawing/2010/main" w="9525">
+                <a14:hiddenLine xmlns:a14="http://schemas.microsoft.com/office/drawing/2010/main" xmlns="" w="9525">
                   <a:solidFill>
                     <a:srgbClr val="000000"/>
                   </a:solidFill>
@@ -10408,7 +10930,7 @@
             </a:ln>
             <a:extLst>
               <a:ext uri="{91240B29-F687-4f45-9708-019B960494DF}">
-                <a14:hiddenLine xmlns="" xmlns:a14="http://schemas.microsoft.com/office/drawing/2010/main" w="9525">
+                <a14:hiddenLine xmlns:a14="http://schemas.microsoft.com/office/drawing/2010/main" xmlns="" w="9525">
                   <a:solidFill>
                     <a:srgbClr val="000000"/>
                   </a:solidFill>
@@ -10498,7 +11020,7 @@
             </a:ln>
             <a:extLst>
               <a:ext uri="{91240B29-F687-4f45-9708-019B960494DF}">
-                <a14:hiddenLine xmlns="" xmlns:a14="http://schemas.microsoft.com/office/drawing/2010/main" w="9525">
+                <a14:hiddenLine xmlns:a14="http://schemas.microsoft.com/office/drawing/2010/main" xmlns="" w="9525">
                   <a:solidFill>
                     <a:srgbClr val="000000"/>
                   </a:solidFill>
@@ -10560,7 +11082,7 @@
             </a:ln>
             <a:extLst>
               <a:ext uri="{91240B29-F687-4f45-9708-019B960494DF}">
-                <a14:hiddenLine xmlns="" xmlns:a14="http://schemas.microsoft.com/office/drawing/2010/main" w="9525">
+                <a14:hiddenLine xmlns:a14="http://schemas.microsoft.com/office/drawing/2010/main" xmlns="" w="9525">
                   <a:solidFill>
                     <a:srgbClr val="000000"/>
                   </a:solidFill>
@@ -10622,7 +11144,7 @@
             </a:ln>
             <a:extLst>
               <a:ext uri="{91240B29-F687-4f45-9708-019B960494DF}">
-                <a14:hiddenLine xmlns="" xmlns:a14="http://schemas.microsoft.com/office/drawing/2010/main" w="9525">
+                <a14:hiddenLine xmlns:a14="http://schemas.microsoft.com/office/drawing/2010/main" xmlns="" w="9525">
                   <a:solidFill>
                     <a:srgbClr val="000000"/>
                   </a:solidFill>
@@ -10712,7 +11234,7 @@
             </a:ln>
             <a:extLst>
               <a:ext uri="{91240B29-F687-4f45-9708-019B960494DF}">
-                <a14:hiddenLine xmlns="" xmlns:a14="http://schemas.microsoft.com/office/drawing/2010/main" w="9525">
+                <a14:hiddenLine xmlns:a14="http://schemas.microsoft.com/office/drawing/2010/main" xmlns="" w="9525">
                   <a:solidFill>
                     <a:srgbClr val="000000"/>
                   </a:solidFill>
@@ -10780,7 +11302,7 @@
             </a:ln>
             <a:extLst>
               <a:ext uri="{91240B29-F687-4f45-9708-019B960494DF}">
-                <a14:hiddenLine xmlns="" xmlns:a14="http://schemas.microsoft.com/office/drawing/2010/main" w="9525">
+                <a14:hiddenLine xmlns:a14="http://schemas.microsoft.com/office/drawing/2010/main" xmlns="" w="9525">
                   <a:solidFill>
                     <a:srgbClr val="000000"/>
                   </a:solidFill>
@@ -10842,7 +11364,7 @@
             </a:ln>
             <a:extLst>
               <a:ext uri="{91240B29-F687-4f45-9708-019B960494DF}">
-                <a14:hiddenLine xmlns="" xmlns:a14="http://schemas.microsoft.com/office/drawing/2010/main" w="9525">
+                <a14:hiddenLine xmlns:a14="http://schemas.microsoft.com/office/drawing/2010/main" xmlns="" w="9525">
                   <a:solidFill>
                     <a:srgbClr val="000000"/>
                   </a:solidFill>
@@ -10932,7 +11454,7 @@
             </a:ln>
             <a:extLst>
               <a:ext uri="{91240B29-F687-4f45-9708-019B960494DF}">
-                <a14:hiddenLine xmlns="" xmlns:a14="http://schemas.microsoft.com/office/drawing/2010/main" w="9525">
+                <a14:hiddenLine xmlns:a14="http://schemas.microsoft.com/office/drawing/2010/main" xmlns="" w="9525">
                   <a:solidFill>
                     <a:srgbClr val="000000"/>
                   </a:solidFill>
@@ -10994,7 +11516,7 @@
             </a:ln>
             <a:extLst>
               <a:ext uri="{91240B29-F687-4f45-9708-019B960494DF}">
-                <a14:hiddenLine xmlns="" xmlns:a14="http://schemas.microsoft.com/office/drawing/2010/main" w="9525">
+                <a14:hiddenLine xmlns:a14="http://schemas.microsoft.com/office/drawing/2010/main" xmlns="" w="9525">
                   <a:solidFill>
                     <a:srgbClr val="000000"/>
                   </a:solidFill>
@@ -11084,7 +11606,7 @@
             </a:ln>
             <a:extLst>
               <a:ext uri="{91240B29-F687-4f45-9708-019B960494DF}">
-                <a14:hiddenLine xmlns="" xmlns:a14="http://schemas.microsoft.com/office/drawing/2010/main" w="9525">
+                <a14:hiddenLine xmlns:a14="http://schemas.microsoft.com/office/drawing/2010/main" xmlns="" w="9525">
                   <a:solidFill>
                     <a:srgbClr val="000000"/>
                   </a:solidFill>
@@ -11146,7 +11668,7 @@
             </a:ln>
             <a:extLst>
               <a:ext uri="{91240B29-F687-4f45-9708-019B960494DF}">
-                <a14:hiddenLine xmlns="" xmlns:a14="http://schemas.microsoft.com/office/drawing/2010/main" w="9525">
+                <a14:hiddenLine xmlns:a14="http://schemas.microsoft.com/office/drawing/2010/main" xmlns="" w="9525">
                   <a:solidFill>
                     <a:srgbClr val="000000"/>
                   </a:solidFill>
@@ -11236,7 +11758,7 @@
             </a:ln>
             <a:extLst>
               <a:ext uri="{91240B29-F687-4f45-9708-019B960494DF}">
-                <a14:hiddenLine xmlns="" xmlns:a14="http://schemas.microsoft.com/office/drawing/2010/main" w="9525">
+                <a14:hiddenLine xmlns:a14="http://schemas.microsoft.com/office/drawing/2010/main" xmlns="" w="9525">
                   <a:solidFill>
                     <a:srgbClr val="000000"/>
                   </a:solidFill>
@@ -11270,7 +11792,7 @@
             </a:ln>
             <a:extLst>
               <a:ext uri="{91240B29-F687-4f45-9708-019B960494DF}">
-                <a14:hiddenLine xmlns="" xmlns:a14="http://schemas.microsoft.com/office/drawing/2010/main" w="9525">
+                <a14:hiddenLine xmlns:a14="http://schemas.microsoft.com/office/drawing/2010/main" xmlns="" w="9525">
                   <a:solidFill>
                     <a:srgbClr val="000000"/>
                   </a:solidFill>
@@ -11335,7 +11857,7 @@
             </a:ln>
             <a:extLst>
               <a:ext uri="{91240B29-F687-4f45-9708-019B960494DF}">
-                <a14:hiddenLine xmlns="" xmlns:a14="http://schemas.microsoft.com/office/drawing/2010/main" w="9525">
+                <a14:hiddenLine xmlns:a14="http://schemas.microsoft.com/office/drawing/2010/main" xmlns="" w="9525">
                   <a:solidFill>
                     <a:srgbClr val="000000"/>
                   </a:solidFill>
@@ -11425,7 +11947,7 @@
             </a:ln>
             <a:extLst>
               <a:ext uri="{91240B29-F687-4f45-9708-019B960494DF}">
-                <a14:hiddenLine xmlns="" xmlns:a14="http://schemas.microsoft.com/office/drawing/2010/main" w="9525">
+                <a14:hiddenLine xmlns:a14="http://schemas.microsoft.com/office/drawing/2010/main" xmlns="" w="9525">
                   <a:solidFill>
                     <a:srgbClr val="000000"/>
                   </a:solidFill>
@@ -11487,7 +12009,7 @@
             </a:ln>
             <a:extLst>
               <a:ext uri="{91240B29-F687-4f45-9708-019B960494DF}">
-                <a14:hiddenLine xmlns="" xmlns:a14="http://schemas.microsoft.com/office/drawing/2010/main" w="9525">
+                <a14:hiddenLine xmlns:a14="http://schemas.microsoft.com/office/drawing/2010/main" xmlns="" w="9525">
                   <a:solidFill>
                     <a:srgbClr val="000000"/>
                   </a:solidFill>
@@ -11577,7 +12099,7 @@
             </a:ln>
             <a:extLst>
               <a:ext uri="{91240B29-F687-4f45-9708-019B960494DF}">
-                <a14:hiddenLine xmlns="" xmlns:a14="http://schemas.microsoft.com/office/drawing/2010/main" w="9525">
+                <a14:hiddenLine xmlns:a14="http://schemas.microsoft.com/office/drawing/2010/main" xmlns="" w="9525">
                   <a:solidFill>
                     <a:srgbClr val="000000"/>
                   </a:solidFill>
@@ -11667,7 +12189,7 @@
             </a:ln>
             <a:extLst>
               <a:ext uri="{91240B29-F687-4f45-9708-019B960494DF}">
-                <a14:hiddenLine xmlns="" xmlns:a14="http://schemas.microsoft.com/office/drawing/2010/main" w="9525">
+                <a14:hiddenLine xmlns:a14="http://schemas.microsoft.com/office/drawing/2010/main" xmlns="" w="9525">
                   <a:solidFill>
                     <a:srgbClr val="000000"/>
                   </a:solidFill>
@@ -11732,7 +12254,7 @@
             </a:ln>
             <a:extLst>
               <a:ext uri="{91240B29-F687-4f45-9708-019B960494DF}">
-                <a14:hiddenLine xmlns="" xmlns:a14="http://schemas.microsoft.com/office/drawing/2010/main" w="9525">
+                <a14:hiddenLine xmlns:a14="http://schemas.microsoft.com/office/drawing/2010/main" xmlns="" w="9525">
                   <a:solidFill>
                     <a:srgbClr val="000000"/>
                   </a:solidFill>
@@ -11794,7 +12316,7 @@
             </a:ln>
             <a:extLst>
               <a:ext uri="{91240B29-F687-4f45-9708-019B960494DF}">
-                <a14:hiddenLine xmlns="" xmlns:a14="http://schemas.microsoft.com/office/drawing/2010/main" w="9525">
+                <a14:hiddenLine xmlns:a14="http://schemas.microsoft.com/office/drawing/2010/main" xmlns="" w="9525">
                   <a:solidFill>
                     <a:srgbClr val="000000"/>
                   </a:solidFill>
@@ -11884,7 +12406,7 @@
             </a:ln>
             <a:extLst>
               <a:ext uri="{91240B29-F687-4f45-9708-019B960494DF}">
-                <a14:hiddenLine xmlns="" xmlns:a14="http://schemas.microsoft.com/office/drawing/2010/main" w="9525">
+                <a14:hiddenLine xmlns:a14="http://schemas.microsoft.com/office/drawing/2010/main" xmlns="" w="9525">
                   <a:solidFill>
                     <a:srgbClr val="000000"/>
                   </a:solidFill>
@@ -11974,7 +12496,7 @@
             </a:ln>
             <a:extLst>
               <a:ext uri="{91240B29-F687-4f45-9708-019B960494DF}">
-                <a14:hiddenLine xmlns="" xmlns:a14="http://schemas.microsoft.com/office/drawing/2010/main" w="9525">
+                <a14:hiddenLine xmlns:a14="http://schemas.microsoft.com/office/drawing/2010/main" xmlns="" w="9525">
                   <a:solidFill>
                     <a:srgbClr val="000000"/>
                   </a:solidFill>
@@ -12036,7 +12558,7 @@
             </a:ln>
             <a:extLst>
               <a:ext uri="{91240B29-F687-4f45-9708-019B960494DF}">
-                <a14:hiddenLine xmlns="" xmlns:a14="http://schemas.microsoft.com/office/drawing/2010/main" w="9525">
+                <a14:hiddenLine xmlns:a14="http://schemas.microsoft.com/office/drawing/2010/main" xmlns="" w="9525">
                   <a:solidFill>
                     <a:srgbClr val="000000"/>
                   </a:solidFill>
@@ -12156,7 +12678,7 @@
             </a:ln>
             <a:extLst>
               <a:ext uri="{91240B29-F687-4f45-9708-019B960494DF}">
-                <a14:hiddenLine xmlns="" xmlns:a14="http://schemas.microsoft.com/office/drawing/2010/main" w="9525">
+                <a14:hiddenLine xmlns:a14="http://schemas.microsoft.com/office/drawing/2010/main" xmlns="" w="9525">
                   <a:solidFill>
                     <a:srgbClr val="000000"/>
                   </a:solidFill>
@@ -12224,7 +12746,7 @@
             </a:ln>
             <a:extLst>
               <a:ext uri="{91240B29-F687-4f45-9708-019B960494DF}">
-                <a14:hiddenLine xmlns="" xmlns:a14="http://schemas.microsoft.com/office/drawing/2010/main" w="9525">
+                <a14:hiddenLine xmlns:a14="http://schemas.microsoft.com/office/drawing/2010/main" xmlns="" w="9525">
                   <a:solidFill>
                     <a:srgbClr val="000000"/>
                   </a:solidFill>
@@ -12314,7 +12836,7 @@
             </a:ln>
             <a:extLst>
               <a:ext uri="{91240B29-F687-4f45-9708-019B960494DF}">
-                <a14:hiddenLine xmlns="" xmlns:a14="http://schemas.microsoft.com/office/drawing/2010/main" w="9525">
+                <a14:hiddenLine xmlns:a14="http://schemas.microsoft.com/office/drawing/2010/main" xmlns="" w="9525">
                   <a:solidFill>
                     <a:srgbClr val="000000"/>
                   </a:solidFill>
@@ -17128,7 +17650,7 @@
           <a:noFill/>
           <a:extLst>
             <a:ext uri="{909E8E84-426E-40dd-AFC4-6F175D3DCCD1}">
-              <a14:hiddenFill xmlns="" xmlns:a14="http://schemas.microsoft.com/office/drawing/2010/main">
+              <a14:hiddenFill xmlns:a14="http://schemas.microsoft.com/office/drawing/2010/main" xmlns="">
                 <a:solidFill>
                   <a:srgbClr val="FFFFFF"/>
                 </a:solidFill>
@@ -17202,7 +17724,7 @@
               </a:ln>
               <a:extLst>
                 <a:ext uri="{91240B29-F687-4f45-9708-019B960494DF}">
-                  <a14:hiddenLine xmlns="" xmlns:a14="http://schemas.microsoft.com/office/drawing/2010/main" w="9525">
+                  <a14:hiddenLine xmlns:a14="http://schemas.microsoft.com/office/drawing/2010/main" xmlns="" w="9525">
                     <a:solidFill>
                       <a:srgbClr val="000000"/>
                     </a:solidFill>
@@ -17292,7 +17814,7 @@
               </a:ln>
               <a:extLst>
                 <a:ext uri="{91240B29-F687-4f45-9708-019B960494DF}">
-                  <a14:hiddenLine xmlns="" xmlns:a14="http://schemas.microsoft.com/office/drawing/2010/main" w="9525">
+                  <a14:hiddenLine xmlns:a14="http://schemas.microsoft.com/office/drawing/2010/main" xmlns="" w="9525">
                     <a:solidFill>
                       <a:srgbClr val="000000"/>
                     </a:solidFill>
@@ -17382,7 +17904,7 @@
               </a:ln>
               <a:extLst>
                 <a:ext uri="{91240B29-F687-4f45-9708-019B960494DF}">
-                  <a14:hiddenLine xmlns="" xmlns:a14="http://schemas.microsoft.com/office/drawing/2010/main" w="9525">
+                  <a14:hiddenLine xmlns:a14="http://schemas.microsoft.com/office/drawing/2010/main" xmlns="" w="9525">
                     <a:solidFill>
                       <a:srgbClr val="000000"/>
                     </a:solidFill>
@@ -17444,7 +17966,7 @@
               </a:ln>
               <a:extLst>
                 <a:ext uri="{91240B29-F687-4f45-9708-019B960494DF}">
-                  <a14:hiddenLine xmlns="" xmlns:a14="http://schemas.microsoft.com/office/drawing/2010/main" w="9525">
+                  <a14:hiddenLine xmlns:a14="http://schemas.microsoft.com/office/drawing/2010/main" xmlns="" w="9525">
                     <a:solidFill>
                       <a:srgbClr val="000000"/>
                     </a:solidFill>
@@ -17534,7 +18056,7 @@
               </a:ln>
               <a:extLst>
                 <a:ext uri="{91240B29-F687-4f45-9708-019B960494DF}">
-                  <a14:hiddenLine xmlns="" xmlns:a14="http://schemas.microsoft.com/office/drawing/2010/main" w="9525">
+                  <a14:hiddenLine xmlns:a14="http://schemas.microsoft.com/office/drawing/2010/main" xmlns="" w="9525">
                     <a:solidFill>
                       <a:srgbClr val="000000"/>
                     </a:solidFill>
@@ -17596,7 +18118,7 @@
               </a:ln>
               <a:extLst>
                 <a:ext uri="{91240B29-F687-4f45-9708-019B960494DF}">
-                  <a14:hiddenLine xmlns="" xmlns:a14="http://schemas.microsoft.com/office/drawing/2010/main" w="9525">
+                  <a14:hiddenLine xmlns:a14="http://schemas.microsoft.com/office/drawing/2010/main" xmlns="" w="9525">
                     <a:solidFill>
                       <a:srgbClr val="000000"/>
                     </a:solidFill>
@@ -17658,7 +18180,7 @@
               </a:ln>
               <a:extLst>
                 <a:ext uri="{91240B29-F687-4f45-9708-019B960494DF}">
-                  <a14:hiddenLine xmlns="" xmlns:a14="http://schemas.microsoft.com/office/drawing/2010/main" w="9525">
+                  <a14:hiddenLine xmlns:a14="http://schemas.microsoft.com/office/drawing/2010/main" xmlns="" w="9525">
                     <a:solidFill>
                       <a:srgbClr val="000000"/>
                     </a:solidFill>
@@ -17748,7 +18270,7 @@
               </a:ln>
               <a:extLst>
                 <a:ext uri="{91240B29-F687-4f45-9708-019B960494DF}">
-                  <a14:hiddenLine xmlns="" xmlns:a14="http://schemas.microsoft.com/office/drawing/2010/main" w="9525">
+                  <a14:hiddenLine xmlns:a14="http://schemas.microsoft.com/office/drawing/2010/main" xmlns="" w="9525">
                     <a:solidFill>
                       <a:srgbClr val="000000"/>
                     </a:solidFill>
@@ -17838,7 +18360,7 @@
               </a:ln>
               <a:extLst>
                 <a:ext uri="{91240B29-F687-4f45-9708-019B960494DF}">
-                  <a14:hiddenLine xmlns="" xmlns:a14="http://schemas.microsoft.com/office/drawing/2010/main" w="9525">
+                  <a14:hiddenLine xmlns:a14="http://schemas.microsoft.com/office/drawing/2010/main" xmlns="" w="9525">
                     <a:solidFill>
                       <a:srgbClr val="000000"/>
                     </a:solidFill>
@@ -17900,7 +18422,7 @@
               </a:ln>
               <a:extLst>
                 <a:ext uri="{91240B29-F687-4f45-9708-019B960494DF}">
-                  <a14:hiddenLine xmlns="" xmlns:a14="http://schemas.microsoft.com/office/drawing/2010/main" w="9525">
+                  <a14:hiddenLine xmlns:a14="http://schemas.microsoft.com/office/drawing/2010/main" xmlns="" w="9525">
                     <a:solidFill>
                       <a:srgbClr val="000000"/>
                     </a:solidFill>
@@ -18010,7 +18532,7 @@
               </a:ln>
               <a:extLst>
                 <a:ext uri="{91240B29-F687-4f45-9708-019B960494DF}">
-                  <a14:hiddenLine xmlns="" xmlns:a14="http://schemas.microsoft.com/office/drawing/2010/main" w="9525">
+                  <a14:hiddenLine xmlns:a14="http://schemas.microsoft.com/office/drawing/2010/main" xmlns="" w="9525">
                     <a:solidFill>
                       <a:srgbClr val="000000"/>
                     </a:solidFill>
@@ -18094,7 +18616,7 @@
               </a:ln>
               <a:extLst>
                 <a:ext uri="{91240B29-F687-4f45-9708-019B960494DF}">
-                  <a14:hiddenLine xmlns="" xmlns:a14="http://schemas.microsoft.com/office/drawing/2010/main" w="9525">
+                  <a14:hiddenLine xmlns:a14="http://schemas.microsoft.com/office/drawing/2010/main" xmlns="" w="9525">
                     <a:solidFill>
                       <a:srgbClr val="000000"/>
                     </a:solidFill>
@@ -18156,7 +18678,7 @@
               </a:ln>
               <a:extLst>
                 <a:ext uri="{91240B29-F687-4f45-9708-019B960494DF}">
-                  <a14:hiddenLine xmlns="" xmlns:a14="http://schemas.microsoft.com/office/drawing/2010/main" w="9525">
+                  <a14:hiddenLine xmlns:a14="http://schemas.microsoft.com/office/drawing/2010/main" xmlns="" w="9525">
                     <a:solidFill>
                       <a:srgbClr val="000000"/>
                     </a:solidFill>
@@ -18218,7 +18740,7 @@
               </a:ln>
               <a:extLst>
                 <a:ext uri="{91240B29-F687-4f45-9708-019B960494DF}">
-                  <a14:hiddenLine xmlns="" xmlns:a14="http://schemas.microsoft.com/office/drawing/2010/main" w="9525">
+                  <a14:hiddenLine xmlns:a14="http://schemas.microsoft.com/office/drawing/2010/main" xmlns="" w="9525">
                     <a:solidFill>
                       <a:srgbClr val="000000"/>
                     </a:solidFill>
@@ -18308,7 +18830,7 @@
               </a:ln>
               <a:extLst>
                 <a:ext uri="{91240B29-F687-4f45-9708-019B960494DF}">
-                  <a14:hiddenLine xmlns="" xmlns:a14="http://schemas.microsoft.com/office/drawing/2010/main" w="9525">
+                  <a14:hiddenLine xmlns:a14="http://schemas.microsoft.com/office/drawing/2010/main" xmlns="" w="9525">
                     <a:solidFill>
                       <a:srgbClr val="000000"/>
                     </a:solidFill>
@@ -18342,7 +18864,7 @@
               </a:ln>
               <a:extLst>
                 <a:ext uri="{91240B29-F687-4f45-9708-019B960494DF}">
-                  <a14:hiddenLine xmlns="" xmlns:a14="http://schemas.microsoft.com/office/drawing/2010/main" w="9525">
+                  <a14:hiddenLine xmlns:a14="http://schemas.microsoft.com/office/drawing/2010/main" xmlns="" w="9525">
                     <a:solidFill>
                       <a:srgbClr val="000000"/>
                     </a:solidFill>
@@ -18407,7 +18929,7 @@
               </a:ln>
               <a:extLst>
                 <a:ext uri="{91240B29-F687-4f45-9708-019B960494DF}">
-                  <a14:hiddenLine xmlns="" xmlns:a14="http://schemas.microsoft.com/office/drawing/2010/main" w="9525">
+                  <a14:hiddenLine xmlns:a14="http://schemas.microsoft.com/office/drawing/2010/main" xmlns="" w="9525">
                     <a:solidFill>
                       <a:srgbClr val="000000"/>
                     </a:solidFill>
@@ -18497,7 +19019,7 @@
               </a:ln>
               <a:extLst>
                 <a:ext uri="{91240B29-F687-4f45-9708-019B960494DF}">
-                  <a14:hiddenLine xmlns="" xmlns:a14="http://schemas.microsoft.com/office/drawing/2010/main" w="9525">
+                  <a14:hiddenLine xmlns:a14="http://schemas.microsoft.com/office/drawing/2010/main" xmlns="" w="9525">
                     <a:solidFill>
                       <a:srgbClr val="000000"/>
                     </a:solidFill>
@@ -18559,7 +19081,7 @@
               </a:ln>
               <a:extLst>
                 <a:ext uri="{91240B29-F687-4f45-9708-019B960494DF}">
-                  <a14:hiddenLine xmlns="" xmlns:a14="http://schemas.microsoft.com/office/drawing/2010/main" w="9525">
+                  <a14:hiddenLine xmlns:a14="http://schemas.microsoft.com/office/drawing/2010/main" xmlns="" w="9525">
                     <a:solidFill>
                       <a:srgbClr val="000000"/>
                     </a:solidFill>
@@ -18649,7 +19171,7 @@
               </a:ln>
               <a:extLst>
                 <a:ext uri="{91240B29-F687-4f45-9708-019B960494DF}">
-                  <a14:hiddenLine xmlns="" xmlns:a14="http://schemas.microsoft.com/office/drawing/2010/main" w="9525">
+                  <a14:hiddenLine xmlns:a14="http://schemas.microsoft.com/office/drawing/2010/main" xmlns="" w="9525">
                     <a:solidFill>
                       <a:srgbClr val="000000"/>
                     </a:solidFill>
@@ -18714,7 +19236,7 @@
               </a:ln>
               <a:extLst>
                 <a:ext uri="{91240B29-F687-4f45-9708-019B960494DF}">
-                  <a14:hiddenLine xmlns="" xmlns:a14="http://schemas.microsoft.com/office/drawing/2010/main" w="9525">
+                  <a14:hiddenLine xmlns:a14="http://schemas.microsoft.com/office/drawing/2010/main" xmlns="" w="9525">
                     <a:solidFill>
                       <a:srgbClr val="000000"/>
                     </a:solidFill>
@@ -18776,7 +19298,7 @@
               </a:ln>
               <a:extLst>
                 <a:ext uri="{91240B29-F687-4f45-9708-019B960494DF}">
-                  <a14:hiddenLine xmlns="" xmlns:a14="http://schemas.microsoft.com/office/drawing/2010/main" w="9525">
+                  <a14:hiddenLine xmlns:a14="http://schemas.microsoft.com/office/drawing/2010/main" xmlns="" w="9525">
                     <a:solidFill>
                       <a:srgbClr val="000000"/>
                     </a:solidFill>
@@ -18866,7 +19388,7 @@
               </a:ln>
               <a:extLst>
                 <a:ext uri="{91240B29-F687-4f45-9708-019B960494DF}">
-                  <a14:hiddenLine xmlns="" xmlns:a14="http://schemas.microsoft.com/office/drawing/2010/main" w="9525">
+                  <a14:hiddenLine xmlns:a14="http://schemas.microsoft.com/office/drawing/2010/main" xmlns="" w="9525">
                     <a:solidFill>
                       <a:srgbClr val="000000"/>
                     </a:solidFill>
@@ -18956,7 +19478,7 @@
               </a:ln>
               <a:extLst>
                 <a:ext uri="{91240B29-F687-4f45-9708-019B960494DF}">
-                  <a14:hiddenLine xmlns="" xmlns:a14="http://schemas.microsoft.com/office/drawing/2010/main" w="9525">
+                  <a14:hiddenLine xmlns:a14="http://schemas.microsoft.com/office/drawing/2010/main" xmlns="" w="9525">
                     <a:solidFill>
                       <a:srgbClr val="000000"/>
                     </a:solidFill>
@@ -19021,7 +19543,7 @@
               </a:ln>
               <a:extLst>
                 <a:ext uri="{91240B29-F687-4f45-9708-019B960494DF}">
-                  <a14:hiddenLine xmlns="" xmlns:a14="http://schemas.microsoft.com/office/drawing/2010/main" w="9525">
+                  <a14:hiddenLine xmlns:a14="http://schemas.microsoft.com/office/drawing/2010/main" xmlns="" w="9525">
                     <a:solidFill>
                       <a:srgbClr val="000000"/>
                     </a:solidFill>
@@ -19141,7 +19663,7 @@
               </a:ln>
               <a:extLst>
                 <a:ext uri="{91240B29-F687-4f45-9708-019B960494DF}">
-                  <a14:hiddenLine xmlns="" xmlns:a14="http://schemas.microsoft.com/office/drawing/2010/main" w="9525">
+                  <a14:hiddenLine xmlns:a14="http://schemas.microsoft.com/office/drawing/2010/main" xmlns="" w="9525">
                     <a:solidFill>
                       <a:srgbClr val="000000"/>
                     </a:solidFill>
@@ -19222,7 +19744,7 @@
               </a:ln>
               <a:extLst>
                 <a:ext uri="{91240B29-F687-4f45-9708-019B960494DF}">
-                  <a14:hiddenLine xmlns="" xmlns:a14="http://schemas.microsoft.com/office/drawing/2010/main" w="9525">
+                  <a14:hiddenLine xmlns:a14="http://schemas.microsoft.com/office/drawing/2010/main" xmlns="" w="9525">
                     <a:solidFill>
                       <a:srgbClr val="000000"/>
                     </a:solidFill>
@@ -19337,7 +19859,7 @@
               </a:ln>
               <a:extLst>
                 <a:ext uri="{91240B29-F687-4f45-9708-019B960494DF}">
-                  <a14:hiddenLine xmlns="" xmlns:a14="http://schemas.microsoft.com/office/drawing/2010/main" w="9525">
+                  <a14:hiddenLine xmlns:a14="http://schemas.microsoft.com/office/drawing/2010/main" xmlns="" w="9525">
                     <a:solidFill>
                       <a:srgbClr val="000000"/>
                     </a:solidFill>
@@ -19427,7 +19949,7 @@
               </a:ln>
               <a:extLst>
                 <a:ext uri="{91240B29-F687-4f45-9708-019B960494DF}">
-                  <a14:hiddenLine xmlns="" xmlns:a14="http://schemas.microsoft.com/office/drawing/2010/main" w="9525">
+                  <a14:hiddenLine xmlns:a14="http://schemas.microsoft.com/office/drawing/2010/main" xmlns="" w="9525">
                     <a:solidFill>
                       <a:srgbClr val="000000"/>
                     </a:solidFill>
@@ -19492,7 +20014,7 @@
               </a:ln>
               <a:extLst>
                 <a:ext uri="{91240B29-F687-4f45-9708-019B960494DF}">
-                  <a14:hiddenLine xmlns="" xmlns:a14="http://schemas.microsoft.com/office/drawing/2010/main" w="9525">
+                  <a14:hiddenLine xmlns:a14="http://schemas.microsoft.com/office/drawing/2010/main" xmlns="" w="9525">
                     <a:solidFill>
                       <a:srgbClr val="000000"/>
                     </a:solidFill>
@@ -19582,7 +20104,7 @@
               </a:ln>
               <a:extLst>
                 <a:ext uri="{91240B29-F687-4f45-9708-019B960494DF}">
-                  <a14:hiddenLine xmlns="" xmlns:a14="http://schemas.microsoft.com/office/drawing/2010/main" w="9525">
+                  <a14:hiddenLine xmlns:a14="http://schemas.microsoft.com/office/drawing/2010/main" xmlns="" w="9525">
                     <a:solidFill>
                       <a:srgbClr val="000000"/>
                     </a:solidFill>
@@ -19650,7 +20172,7 @@
               </a:ln>
               <a:extLst>
                 <a:ext uri="{91240B29-F687-4f45-9708-019B960494DF}">
-                  <a14:hiddenLine xmlns="" xmlns:a14="http://schemas.microsoft.com/office/drawing/2010/main" w="9525">
+                  <a14:hiddenLine xmlns:a14="http://schemas.microsoft.com/office/drawing/2010/main" xmlns="" w="9525">
                     <a:solidFill>
                       <a:srgbClr val="000000"/>
                     </a:solidFill>
@@ -19740,7 +20262,7 @@
               </a:ln>
               <a:extLst>
                 <a:ext uri="{91240B29-F687-4f45-9708-019B960494DF}">
-                  <a14:hiddenLine xmlns="" xmlns:a14="http://schemas.microsoft.com/office/drawing/2010/main" w="9525">
+                  <a14:hiddenLine xmlns:a14="http://schemas.microsoft.com/office/drawing/2010/main" xmlns="" w="9525">
                     <a:solidFill>
                       <a:srgbClr val="000000"/>
                     </a:solidFill>
@@ -19808,7 +20330,7 @@
               </a:ln>
               <a:extLst>
                 <a:ext uri="{91240B29-F687-4f45-9708-019B960494DF}">
-                  <a14:hiddenLine xmlns="" xmlns:a14="http://schemas.microsoft.com/office/drawing/2010/main" w="9525">
+                  <a14:hiddenLine xmlns:a14="http://schemas.microsoft.com/office/drawing/2010/main" xmlns="" w="9525">
                     <a:solidFill>
                       <a:srgbClr val="000000"/>
                     </a:solidFill>
@@ -19898,7 +20420,7 @@
               </a:ln>
               <a:extLst>
                 <a:ext uri="{91240B29-F687-4f45-9708-019B960494DF}">
-                  <a14:hiddenLine xmlns="" xmlns:a14="http://schemas.microsoft.com/office/drawing/2010/main" w="9525">
+                  <a14:hiddenLine xmlns:a14="http://schemas.microsoft.com/office/drawing/2010/main" xmlns="" w="9525">
                     <a:solidFill>
                       <a:srgbClr val="000000"/>
                     </a:solidFill>
@@ -19932,7 +20454,7 @@
               </a:ln>
               <a:extLst>
                 <a:ext uri="{91240B29-F687-4f45-9708-019B960494DF}">
-                  <a14:hiddenLine xmlns="" xmlns:a14="http://schemas.microsoft.com/office/drawing/2010/main" w="9525">
+                  <a14:hiddenLine xmlns:a14="http://schemas.microsoft.com/office/drawing/2010/main" xmlns="" w="9525">
                     <a:solidFill>
                       <a:srgbClr val="000000"/>
                     </a:solidFill>
@@ -20546,7 +21068,7 @@
         <p:spPr/>
         <p:txBody>
           <a:bodyPr>
-            <a:normAutofit/>
+            <a:normAutofit fontScale="77500" lnSpcReduction="20000"/>
           </a:bodyPr>
           <a:lstStyle/>
           <a:p>
@@ -20611,12 +21133,739 @@
               <a:cs typeface="Tahoma" panose="020B0604030504040204" pitchFamily="34" charset="0"/>
             </a:endParaRPr>
           </a:p>
+          <a:p>
+            <a:pPr algn="ctr"/>
+            <a:r>
+              <a:rPr lang="en-US" sz="2400" dirty="0">
+                <a:latin typeface="Tahoma" panose="020B0604030504040204" pitchFamily="34" charset="0"/>
+                <a:ea typeface="Tahoma" panose="020B0604030504040204" pitchFamily="34" charset="0"/>
+                <a:cs typeface="Tahoma" panose="020B0604030504040204" pitchFamily="34" charset="0"/>
+              </a:rPr>
+              <a:t>Amelia Corea</a:t>
+            </a:r>
+          </a:p>
         </p:txBody>
       </p:sp>
     </p:spTree>
     <p:extLst>
       <p:ext uri="{BB962C8B-B14F-4D97-AF65-F5344CB8AC3E}">
         <p14:creationId xmlns:p14="http://schemas.microsoft.com/office/powerpoint/2010/main" val="1819359268"/>
+      </p:ext>
+    </p:extLst>
+  </p:cSld>
+  <p:clrMapOvr>
+    <a:masterClrMapping/>
+  </p:clrMapOvr>
+</p:sld>
+</file>
+
+<file path=ppt/slides/slide10.xml><?xml version="1.0" encoding="utf-8"?>
+<p:sld xmlns:a="http://schemas.openxmlformats.org/drawingml/2006/main" xmlns:r="http://schemas.openxmlformats.org/officeDocument/2006/relationships" xmlns:p="http://schemas.openxmlformats.org/presentationml/2006/main">
+  <p:cSld>
+    <p:spTree>
+      <p:nvGrpSpPr>
+        <p:cNvPr id="1" name=""/>
+        <p:cNvGrpSpPr/>
+        <p:nvPr/>
+      </p:nvGrpSpPr>
+      <p:grpSpPr>
+        <a:xfrm>
+          <a:off x="0" y="0"/>
+          <a:ext cx="0" cy="0"/>
+          <a:chOff x="0" y="0"/>
+          <a:chExt cx="0" cy="0"/>
+        </a:xfrm>
+      </p:grpSpPr>
+      <p:sp>
+        <p:nvSpPr>
+          <p:cNvPr id="2" name="Title 1">
+            <a:extLst>
+              <a:ext uri="{FF2B5EF4-FFF2-40B4-BE49-F238E27FC236}">
+                <a16:creationId xmlns:a16="http://schemas.microsoft.com/office/drawing/2014/main" id="{34DB6CE4-2B13-4715-B5B2-615A55922CA1}"/>
+              </a:ext>
+            </a:extLst>
+          </p:cNvPr>
+          <p:cNvSpPr>
+            <a:spLocks noGrp="1"/>
+          </p:cNvSpPr>
+          <p:nvPr>
+            <p:ph type="title"/>
+          </p:nvPr>
+        </p:nvSpPr>
+        <p:spPr>
+          <a:xfrm>
+            <a:off x="1322388" y="235930"/>
+            <a:ext cx="9905998" cy="1478570"/>
+          </a:xfrm>
+        </p:spPr>
+        <p:txBody>
+          <a:bodyPr anchor="ctr">
+            <a:normAutofit/>
+          </a:bodyPr>
+          <a:lstStyle/>
+          <a:p>
+            <a:r>
+              <a:rPr lang="en-US" sz="4400" dirty="0">
+                <a:latin typeface="Rockwell" panose="02060603020205020403" pitchFamily="18" charset="0"/>
+              </a:rPr>
+              <a:t>K Nearest neighbors MODEL</a:t>
+            </a:r>
+          </a:p>
+        </p:txBody>
+      </p:sp>
+      <p:sp>
+        <p:nvSpPr>
+          <p:cNvPr id="3" name="Content Placeholder 2">
+            <a:extLst>
+              <a:ext uri="{FF2B5EF4-FFF2-40B4-BE49-F238E27FC236}">
+                <a16:creationId xmlns:a16="http://schemas.microsoft.com/office/drawing/2014/main" id="{143F5361-68C0-4BF5-80C8-F1E7BF92B2DB}"/>
+              </a:ext>
+            </a:extLst>
+          </p:cNvPr>
+          <p:cNvSpPr>
+            <a:spLocks noGrp="1"/>
+          </p:cNvSpPr>
+          <p:nvPr>
+            <p:ph sz="half" idx="2"/>
+          </p:nvPr>
+        </p:nvSpPr>
+        <p:spPr>
+          <a:xfrm>
+            <a:off x="6172200" y="2249486"/>
+            <a:ext cx="4875211" cy="3541714"/>
+          </a:xfrm>
+        </p:spPr>
+        <p:txBody>
+          <a:bodyPr>
+            <a:normAutofit/>
+          </a:bodyPr>
+          <a:lstStyle/>
+          <a:p>
+            <a:endParaRPr lang="en-US"/>
+          </a:p>
+          <a:p>
+            <a:pPr marL="457200" lvl="1" indent="0">
+              <a:buNone/>
+            </a:pPr>
+            <a:endParaRPr lang="en-US" sz="2400"/>
+          </a:p>
+          <a:p>
+            <a:pPr lvl="1"/>
+            <a:endParaRPr lang="en-US" sz="2400"/>
+          </a:p>
+          <a:p>
+            <a:pPr lvl="2"/>
+            <a:endParaRPr lang="en-US" sz="2400"/>
+          </a:p>
+        </p:txBody>
+      </p:sp>
+      <p:sp>
+        <p:nvSpPr>
+          <p:cNvPr id="7" name="TextBox 6">
+            <a:extLst>
+              <a:ext uri="{FF2B5EF4-FFF2-40B4-BE49-F238E27FC236}">
+                <a16:creationId xmlns:a16="http://schemas.microsoft.com/office/drawing/2014/main" id="{62E16E35-EFD3-4F41-97E0-BFBBC5B849BD}"/>
+              </a:ext>
+            </a:extLst>
+          </p:cNvPr>
+          <p:cNvSpPr txBox="1"/>
+          <p:nvPr/>
+        </p:nvSpPr>
+        <p:spPr>
+          <a:xfrm>
+            <a:off x="7067550" y="1724024"/>
+            <a:ext cx="4275533" cy="2862322"/>
+          </a:xfrm>
+          <a:prstGeom prst="rect">
+            <a:avLst/>
+          </a:prstGeom>
+          <a:noFill/>
+        </p:spPr>
+        <p:txBody>
+          <a:bodyPr wrap="square" rtlCol="0">
+            <a:spAutoFit/>
+          </a:bodyPr>
+          <a:lstStyle/>
+          <a:p>
+            <a:pPr marL="285750" marR="0" lvl="0" indent="-285750" algn="l" defTabSz="457200" rtl="0" eaLnBrk="1" fontAlgn="auto" latinLnBrk="0" hangingPunct="1">
+              <a:lnSpc>
+                <a:spcPct val="100000"/>
+              </a:lnSpc>
+              <a:spcBef>
+                <a:spcPts val="0"/>
+              </a:spcBef>
+              <a:spcAft>
+                <a:spcPts val="0"/>
+              </a:spcAft>
+              <a:buClrTx/>
+              <a:buSzTx/>
+              <a:buFont typeface="Wingdings" panose="05000000000000000000" pitchFamily="2" charset="2"/>
+              <a:buChar char="§"/>
+              <a:tabLst/>
+              <a:defRPr/>
+            </a:pPr>
+            <a:endParaRPr kumimoji="0" lang="en-US" sz="1800" b="0" i="0" u="none" strike="noStrike" kern="1200" cap="none" spc="0" normalizeH="0" baseline="0" noProof="0" dirty="0">
+              <a:ln>
+                <a:noFill/>
+              </a:ln>
+              <a:solidFill>
+                <a:prstClr val="white"/>
+              </a:solidFill>
+              <a:effectLst/>
+              <a:uLnTx/>
+              <a:uFillTx/>
+              <a:latin typeface="Tw Cen MT" panose="020B0602020104020603"/>
+              <a:ea typeface="+mn-ea"/>
+              <a:cs typeface="+mn-cs"/>
+            </a:endParaRPr>
+          </a:p>
+          <a:p>
+            <a:pPr marL="285750" marR="0" lvl="0" indent="-285750" algn="l" defTabSz="457200" rtl="0" eaLnBrk="1" fontAlgn="auto" latinLnBrk="0" hangingPunct="1">
+              <a:lnSpc>
+                <a:spcPct val="100000"/>
+              </a:lnSpc>
+              <a:spcBef>
+                <a:spcPts val="0"/>
+              </a:spcBef>
+              <a:spcAft>
+                <a:spcPts val="0"/>
+              </a:spcAft>
+              <a:buClrTx/>
+              <a:buSzTx/>
+              <a:buFont typeface="Wingdings" panose="05000000000000000000" pitchFamily="2" charset="2"/>
+              <a:buChar char="§"/>
+              <a:tabLst/>
+              <a:defRPr/>
+            </a:pPr>
+            <a:r>
+              <a:rPr kumimoji="0" lang="en-US" sz="2400" b="0" i="0" u="none" strike="noStrike" kern="1200" cap="none" spc="0" normalizeH="0" baseline="0" noProof="0" dirty="0">
+                <a:ln>
+                  <a:noFill/>
+                </a:ln>
+                <a:solidFill>
+                  <a:prstClr val="white"/>
+                </a:solidFill>
+                <a:effectLst/>
+                <a:uLnTx/>
+                <a:uFillTx/>
+                <a:latin typeface="Tahoma" panose="020B0604030504040204" pitchFamily="34" charset="0"/>
+                <a:ea typeface="Tahoma" panose="020B0604030504040204" pitchFamily="34" charset="0"/>
+                <a:cs typeface="Tahoma" panose="020B0604030504040204" pitchFamily="34" charset="0"/>
+              </a:rPr>
+              <a:t>Supervised machine learning algorithm</a:t>
+            </a:r>
+          </a:p>
+          <a:p>
+            <a:pPr marL="285750" marR="0" lvl="0" indent="-285750" algn="l" defTabSz="457200" rtl="0" eaLnBrk="1" fontAlgn="auto" latinLnBrk="0" hangingPunct="1">
+              <a:lnSpc>
+                <a:spcPct val="100000"/>
+              </a:lnSpc>
+              <a:spcBef>
+                <a:spcPts val="0"/>
+              </a:spcBef>
+              <a:spcAft>
+                <a:spcPts val="0"/>
+              </a:spcAft>
+              <a:buClrTx/>
+              <a:buSzTx/>
+              <a:buFont typeface="Wingdings" panose="05000000000000000000" pitchFamily="2" charset="2"/>
+              <a:buChar char="§"/>
+              <a:tabLst/>
+              <a:defRPr/>
+            </a:pPr>
+            <a:r>
+              <a:rPr kumimoji="0" lang="en-US" sz="2400" b="0" i="0" u="none" strike="noStrike" kern="1200" cap="none" spc="0" normalizeH="0" baseline="0" noProof="0" dirty="0">
+                <a:ln>
+                  <a:noFill/>
+                </a:ln>
+                <a:solidFill>
+                  <a:prstClr val="white"/>
+                </a:solidFill>
+                <a:effectLst/>
+                <a:uLnTx/>
+                <a:uFillTx/>
+                <a:latin typeface="Tahoma" panose="020B0604030504040204" pitchFamily="34" charset="0"/>
+                <a:ea typeface="Tahoma" panose="020B0604030504040204" pitchFamily="34" charset="0"/>
+                <a:cs typeface="Tahoma" panose="020B0604030504040204" pitchFamily="34" charset="0"/>
+              </a:rPr>
+              <a:t>Regression analysis</a:t>
+            </a:r>
+          </a:p>
+          <a:p>
+            <a:pPr marL="285750" marR="0" lvl="0" indent="-285750" algn="l" defTabSz="457200" rtl="0" eaLnBrk="1" fontAlgn="auto" latinLnBrk="0" hangingPunct="1">
+              <a:lnSpc>
+                <a:spcPct val="100000"/>
+              </a:lnSpc>
+              <a:spcBef>
+                <a:spcPts val="0"/>
+              </a:spcBef>
+              <a:spcAft>
+                <a:spcPts val="0"/>
+              </a:spcAft>
+              <a:buClrTx/>
+              <a:buSzTx/>
+              <a:buFont typeface="Wingdings" panose="05000000000000000000" pitchFamily="2" charset="2"/>
+              <a:buChar char="§"/>
+              <a:tabLst/>
+              <a:defRPr/>
+            </a:pPr>
+            <a:r>
+              <a:rPr kumimoji="0" lang="en-US" sz="2400" b="0" i="0" u="none" strike="noStrike" kern="1200" cap="none" spc="0" normalizeH="0" baseline="0" noProof="0" dirty="0">
+                <a:ln>
+                  <a:noFill/>
+                </a:ln>
+                <a:solidFill>
+                  <a:prstClr val="white"/>
+                </a:solidFill>
+                <a:effectLst/>
+                <a:uLnTx/>
+                <a:uFillTx/>
+                <a:latin typeface="Tahoma" panose="020B0604030504040204" pitchFamily="34" charset="0"/>
+                <a:ea typeface="Tahoma" panose="020B0604030504040204" pitchFamily="34" charset="0"/>
+                <a:cs typeface="Tahoma" panose="020B0604030504040204" pitchFamily="34" charset="0"/>
+              </a:rPr>
+              <a:t>Finetuning the model to improve accuracy</a:t>
+            </a:r>
+          </a:p>
+          <a:p>
+            <a:pPr marL="285750" marR="0" lvl="0" indent="-285750" algn="l" defTabSz="457200" rtl="0" eaLnBrk="1" fontAlgn="auto" latinLnBrk="0" hangingPunct="1">
+              <a:lnSpc>
+                <a:spcPct val="100000"/>
+              </a:lnSpc>
+              <a:spcBef>
+                <a:spcPts val="0"/>
+              </a:spcBef>
+              <a:spcAft>
+                <a:spcPts val="0"/>
+              </a:spcAft>
+              <a:buClrTx/>
+              <a:buSzTx/>
+              <a:buFont typeface="Wingdings" panose="05000000000000000000" pitchFamily="2" charset="2"/>
+              <a:buChar char="§"/>
+              <a:tabLst/>
+              <a:defRPr/>
+            </a:pPr>
+            <a:endParaRPr kumimoji="0" lang="en-US" sz="2400" b="0" i="0" u="none" strike="noStrike" kern="1200" cap="none" spc="0" normalizeH="0" baseline="0" noProof="0" dirty="0">
+              <a:ln>
+                <a:noFill/>
+              </a:ln>
+              <a:solidFill>
+                <a:prstClr val="white"/>
+              </a:solidFill>
+              <a:effectLst/>
+              <a:uLnTx/>
+              <a:uFillTx/>
+              <a:latin typeface="Tahoma" panose="020B0604030504040204" pitchFamily="34" charset="0"/>
+              <a:ea typeface="Tahoma" panose="020B0604030504040204" pitchFamily="34" charset="0"/>
+              <a:cs typeface="Tahoma" panose="020B0604030504040204" pitchFamily="34" charset="0"/>
+            </a:endParaRPr>
+          </a:p>
+          <a:p>
+            <a:pPr marL="285750" marR="0" lvl="0" indent="-285750" algn="l" defTabSz="457200" rtl="0" eaLnBrk="1" fontAlgn="auto" latinLnBrk="0" hangingPunct="1">
+              <a:lnSpc>
+                <a:spcPct val="100000"/>
+              </a:lnSpc>
+              <a:spcBef>
+                <a:spcPts val="0"/>
+              </a:spcBef>
+              <a:spcAft>
+                <a:spcPts val="0"/>
+              </a:spcAft>
+              <a:buClrTx/>
+              <a:buSzTx/>
+              <a:buFont typeface="Wingdings" panose="05000000000000000000" pitchFamily="2" charset="2"/>
+              <a:buChar char="§"/>
+              <a:tabLst/>
+              <a:defRPr/>
+            </a:pPr>
+            <a:endParaRPr kumimoji="0" lang="en-US" sz="1800" b="0" i="0" u="none" strike="noStrike" kern="1200" cap="none" spc="0" normalizeH="0" baseline="0" noProof="0" dirty="0">
+              <a:ln>
+                <a:noFill/>
+              </a:ln>
+              <a:solidFill>
+                <a:prstClr val="white"/>
+              </a:solidFill>
+              <a:effectLst/>
+              <a:uLnTx/>
+              <a:uFillTx/>
+              <a:latin typeface="Tw Cen MT" panose="020B0602020104020603"/>
+              <a:ea typeface="+mn-ea"/>
+              <a:cs typeface="+mn-cs"/>
+            </a:endParaRPr>
+          </a:p>
+        </p:txBody>
+      </p:sp>
+      <p:pic>
+        <p:nvPicPr>
+          <p:cNvPr id="5" name="Picture 4" descr="Text&#10;&#10;Description automatically generated">
+            <a:extLst>
+              <a:ext uri="{FF2B5EF4-FFF2-40B4-BE49-F238E27FC236}">
+                <a16:creationId xmlns:a16="http://schemas.microsoft.com/office/drawing/2014/main" id="{1D6FD02E-2F6B-42F3-A070-5C769C852277}"/>
+              </a:ext>
+            </a:extLst>
+          </p:cNvPr>
+          <p:cNvPicPr>
+            <a:picLocks noChangeAspect="1"/>
+          </p:cNvPicPr>
+          <p:nvPr/>
+        </p:nvPicPr>
+        <p:blipFill>
+          <a:blip r:embed="rId2"/>
+          <a:stretch>
+            <a:fillRect/>
+          </a:stretch>
+        </p:blipFill>
+        <p:spPr>
+          <a:xfrm>
+            <a:off x="1585163" y="1455938"/>
+            <a:ext cx="5070640" cy="5166132"/>
+          </a:xfrm>
+          <a:prstGeom prst="rect">
+            <a:avLst/>
+          </a:prstGeom>
+        </p:spPr>
+      </p:pic>
+    </p:spTree>
+    <p:extLst>
+      <p:ext uri="{BB962C8B-B14F-4D97-AF65-F5344CB8AC3E}">
+        <p14:creationId xmlns:p14="http://schemas.microsoft.com/office/powerpoint/2010/main" val="3103998298"/>
+      </p:ext>
+    </p:extLst>
+  </p:cSld>
+  <p:clrMapOvr>
+    <a:masterClrMapping/>
+  </p:clrMapOvr>
+</p:sld>
+</file>
+
+<file path=ppt/slides/slide11.xml><?xml version="1.0" encoding="utf-8"?>
+<p:sld xmlns:a="http://schemas.openxmlformats.org/drawingml/2006/main" xmlns:r="http://schemas.openxmlformats.org/officeDocument/2006/relationships" xmlns:p="http://schemas.openxmlformats.org/presentationml/2006/main">
+  <p:cSld>
+    <p:spTree>
+      <p:nvGrpSpPr>
+        <p:cNvPr id="1" name=""/>
+        <p:cNvGrpSpPr/>
+        <p:nvPr/>
+      </p:nvGrpSpPr>
+      <p:grpSpPr>
+        <a:xfrm>
+          <a:off x="0" y="0"/>
+          <a:ext cx="0" cy="0"/>
+          <a:chOff x="0" y="0"/>
+          <a:chExt cx="0" cy="0"/>
+        </a:xfrm>
+      </p:grpSpPr>
+      <p:sp>
+        <p:nvSpPr>
+          <p:cNvPr id="2" name="Title 1">
+            <a:extLst>
+              <a:ext uri="{FF2B5EF4-FFF2-40B4-BE49-F238E27FC236}">
+                <a16:creationId xmlns:a16="http://schemas.microsoft.com/office/drawing/2014/main" id="{50F0DA21-CC99-4C3A-A5AB-D57045F893EA}"/>
+              </a:ext>
+            </a:extLst>
+          </p:cNvPr>
+          <p:cNvSpPr>
+            <a:spLocks noGrp="1"/>
+          </p:cNvSpPr>
+          <p:nvPr>
+            <p:ph type="title"/>
+          </p:nvPr>
+        </p:nvSpPr>
+        <p:spPr/>
+        <p:txBody>
+          <a:bodyPr>
+            <a:normAutofit/>
+          </a:bodyPr>
+          <a:lstStyle/>
+          <a:p>
+            <a:r>
+              <a:rPr lang="en-US" sz="4400" dirty="0">
+                <a:latin typeface="Rockwell" panose="02060603020205020403" pitchFamily="18" charset="0"/>
+              </a:rPr>
+              <a:t>TABLEAU VISUALIZATION</a:t>
+            </a:r>
+          </a:p>
+        </p:txBody>
+      </p:sp>
+      <p:sp>
+        <p:nvSpPr>
+          <p:cNvPr id="3" name="Content Placeholder 2">
+            <a:extLst>
+              <a:ext uri="{FF2B5EF4-FFF2-40B4-BE49-F238E27FC236}">
+                <a16:creationId xmlns:a16="http://schemas.microsoft.com/office/drawing/2014/main" id="{3899BDF4-B543-46C8-9956-BD9969975109}"/>
+              </a:ext>
+            </a:extLst>
+          </p:cNvPr>
+          <p:cNvSpPr>
+            <a:spLocks noGrp="1"/>
+          </p:cNvSpPr>
+          <p:nvPr>
+            <p:ph idx="1"/>
+          </p:nvPr>
+        </p:nvSpPr>
+        <p:spPr/>
+        <p:txBody>
+          <a:bodyPr/>
+          <a:lstStyle/>
+          <a:p>
+            <a:endParaRPr lang="en-US" dirty="0"/>
+          </a:p>
+        </p:txBody>
+      </p:sp>
+    </p:spTree>
+    <p:extLst>
+      <p:ext uri="{BB962C8B-B14F-4D97-AF65-F5344CB8AC3E}">
+        <p14:creationId xmlns:p14="http://schemas.microsoft.com/office/powerpoint/2010/main" val="3405949825"/>
+      </p:ext>
+    </p:extLst>
+  </p:cSld>
+  <p:clrMapOvr>
+    <a:masterClrMapping/>
+  </p:clrMapOvr>
+</p:sld>
+</file>
+
+<file path=ppt/slides/slide12.xml><?xml version="1.0" encoding="utf-8"?>
+<p:sld xmlns:a="http://schemas.openxmlformats.org/drawingml/2006/main" xmlns:r="http://schemas.openxmlformats.org/officeDocument/2006/relationships" xmlns:p="http://schemas.openxmlformats.org/presentationml/2006/main">
+  <p:cSld>
+    <p:spTree>
+      <p:nvGrpSpPr>
+        <p:cNvPr id="1" name=""/>
+        <p:cNvGrpSpPr/>
+        <p:nvPr/>
+      </p:nvGrpSpPr>
+      <p:grpSpPr>
+        <a:xfrm>
+          <a:off x="0" y="0"/>
+          <a:ext cx="0" cy="0"/>
+          <a:chOff x="0" y="0"/>
+          <a:chExt cx="0" cy="0"/>
+        </a:xfrm>
+      </p:grpSpPr>
+      <p:sp>
+        <p:nvSpPr>
+          <p:cNvPr id="2" name="Title 1">
+            <a:extLst>
+              <a:ext uri="{FF2B5EF4-FFF2-40B4-BE49-F238E27FC236}">
+                <a16:creationId xmlns:a16="http://schemas.microsoft.com/office/drawing/2014/main" id="{34DB6CE4-2B13-4715-B5B2-615A55922CA1}"/>
+              </a:ext>
+            </a:extLst>
+          </p:cNvPr>
+          <p:cNvSpPr>
+            <a:spLocks noGrp="1"/>
+          </p:cNvSpPr>
+          <p:nvPr>
+            <p:ph type="title"/>
+          </p:nvPr>
+        </p:nvSpPr>
+        <p:spPr>
+          <a:xfrm>
+            <a:off x="1141413" y="202879"/>
+            <a:ext cx="9905998" cy="1478570"/>
+          </a:xfrm>
+        </p:spPr>
+        <p:txBody>
+          <a:bodyPr>
+            <a:normAutofit/>
+          </a:bodyPr>
+          <a:lstStyle/>
+          <a:p>
+            <a:r>
+              <a:rPr lang="en-US" sz="4400" dirty="0">
+                <a:latin typeface="Rockwell" panose="02060603020205020403" pitchFamily="18" charset="0"/>
+              </a:rPr>
+              <a:t>Take Away</a:t>
+            </a:r>
+          </a:p>
+        </p:txBody>
+      </p:sp>
+      <p:sp>
+        <p:nvSpPr>
+          <p:cNvPr id="3" name="Content Placeholder 2">
+            <a:extLst>
+              <a:ext uri="{FF2B5EF4-FFF2-40B4-BE49-F238E27FC236}">
+                <a16:creationId xmlns:a16="http://schemas.microsoft.com/office/drawing/2014/main" id="{143F5361-68C0-4BF5-80C8-F1E7BF92B2DB}"/>
+              </a:ext>
+            </a:extLst>
+          </p:cNvPr>
+          <p:cNvSpPr>
+            <a:spLocks noGrp="1"/>
+          </p:cNvSpPr>
+          <p:nvPr>
+            <p:ph idx="1"/>
+          </p:nvPr>
+        </p:nvSpPr>
+        <p:spPr>
+          <a:xfrm>
+            <a:off x="1141413" y="1473632"/>
+            <a:ext cx="4194158" cy="3984488"/>
+          </a:xfrm>
+        </p:spPr>
+        <p:txBody>
+          <a:bodyPr>
+            <a:normAutofit/>
+          </a:bodyPr>
+          <a:lstStyle/>
+          <a:p>
+            <a:r>
+              <a:rPr lang="en-US" sz="2000" dirty="0">
+                <a:latin typeface="Tahoma" panose="020B0604030504040204" pitchFamily="34" charset="0"/>
+                <a:ea typeface="Tahoma" panose="020B0604030504040204" pitchFamily="34" charset="0"/>
+                <a:cs typeface="Tahoma" panose="020B0604030504040204" pitchFamily="34" charset="0"/>
+              </a:rPr>
+              <a:t>Our map visualization shows there are patterns within the county to be studied</a:t>
+            </a:r>
+          </a:p>
+          <a:p>
+            <a:r>
+              <a:rPr lang="en-US" sz="2000" dirty="0">
+                <a:latin typeface="Tahoma" panose="020B0604030504040204" pitchFamily="34" charset="0"/>
+                <a:ea typeface="Tahoma" panose="020B0604030504040204" pitchFamily="34" charset="0"/>
+                <a:cs typeface="Tahoma" panose="020B0604030504040204" pitchFamily="34" charset="0"/>
+              </a:rPr>
+              <a:t>Data is structured for further inspection and analysis (</a:t>
+            </a:r>
+            <a:r>
+              <a:rPr lang="en-US" sz="2000" dirty="0" err="1">
+                <a:latin typeface="Tahoma" panose="020B0604030504040204" pitchFamily="34" charset="0"/>
+                <a:ea typeface="Tahoma" panose="020B0604030504040204" pitchFamily="34" charset="0"/>
+                <a:cs typeface="Tahoma" panose="020B0604030504040204" pitchFamily="34" charset="0"/>
+              </a:rPr>
+              <a:t>xy</a:t>
+            </a:r>
+            <a:r>
+              <a:rPr lang="en-US" sz="2000" dirty="0">
+                <a:latin typeface="Tahoma" panose="020B0604030504040204" pitchFamily="34" charset="0"/>
+                <a:ea typeface="Tahoma" panose="020B0604030504040204" pitchFamily="34" charset="0"/>
+                <a:cs typeface="Tahoma" panose="020B0604030504040204" pitchFamily="34" charset="0"/>
+              </a:rPr>
+              <a:t> scatter plots!)</a:t>
+            </a:r>
+          </a:p>
+          <a:p>
+            <a:endParaRPr lang="en-US" sz="2000" dirty="0">
+              <a:latin typeface="Tahoma" panose="020B0604030504040204" pitchFamily="34" charset="0"/>
+              <a:ea typeface="Tahoma" panose="020B0604030504040204" pitchFamily="34" charset="0"/>
+              <a:cs typeface="Tahoma" panose="020B0604030504040204" pitchFamily="34" charset="0"/>
+            </a:endParaRPr>
+          </a:p>
+          <a:p>
+            <a:pPr marL="457200" lvl="1" indent="0">
+              <a:buNone/>
+            </a:pPr>
+            <a:endParaRPr lang="en-US" sz="1800" dirty="0">
+              <a:latin typeface="Tahoma" panose="020B0604030504040204" pitchFamily="34" charset="0"/>
+              <a:ea typeface="Tahoma" panose="020B0604030504040204" pitchFamily="34" charset="0"/>
+              <a:cs typeface="Tahoma" panose="020B0604030504040204" pitchFamily="34" charset="0"/>
+            </a:endParaRPr>
+          </a:p>
+          <a:p>
+            <a:pPr marL="457200" lvl="1" indent="0">
+              <a:buNone/>
+            </a:pPr>
+            <a:endParaRPr lang="en-US" sz="1800" dirty="0">
+              <a:latin typeface="Tahoma" panose="020B0604030504040204" pitchFamily="34" charset="0"/>
+              <a:ea typeface="Tahoma" panose="020B0604030504040204" pitchFamily="34" charset="0"/>
+              <a:cs typeface="Tahoma" panose="020B0604030504040204" pitchFamily="34" charset="0"/>
+            </a:endParaRPr>
+          </a:p>
+          <a:p>
+            <a:pPr lvl="2"/>
+            <a:endParaRPr lang="en-US" sz="1600" dirty="0">
+              <a:latin typeface="Tahoma" panose="020B0604030504040204" pitchFamily="34" charset="0"/>
+              <a:ea typeface="Tahoma" panose="020B0604030504040204" pitchFamily="34" charset="0"/>
+              <a:cs typeface="Tahoma" panose="020B0604030504040204" pitchFamily="34" charset="0"/>
+            </a:endParaRPr>
+          </a:p>
+        </p:txBody>
+      </p:sp>
+    </p:spTree>
+    <p:extLst>
+      <p:ext uri="{BB962C8B-B14F-4D97-AF65-F5344CB8AC3E}">
+        <p14:creationId xmlns:p14="http://schemas.microsoft.com/office/powerpoint/2010/main" val="192885746"/>
+      </p:ext>
+    </p:extLst>
+  </p:cSld>
+  <p:clrMapOvr>
+    <a:masterClrMapping/>
+  </p:clrMapOvr>
+</p:sld>
+</file>
+
+<file path=ppt/slides/slide13.xml><?xml version="1.0" encoding="utf-8"?>
+<p:sld xmlns:a="http://schemas.openxmlformats.org/drawingml/2006/main" xmlns:r="http://schemas.openxmlformats.org/officeDocument/2006/relationships" xmlns:p="http://schemas.openxmlformats.org/presentationml/2006/main">
+  <p:cSld>
+    <p:spTree>
+      <p:nvGrpSpPr>
+        <p:cNvPr id="1" name=""/>
+        <p:cNvGrpSpPr/>
+        <p:nvPr/>
+      </p:nvGrpSpPr>
+      <p:grpSpPr>
+        <a:xfrm>
+          <a:off x="0" y="0"/>
+          <a:ext cx="0" cy="0"/>
+          <a:chOff x="0" y="0"/>
+          <a:chExt cx="0" cy="0"/>
+        </a:xfrm>
+      </p:grpSpPr>
+      <p:sp>
+        <p:nvSpPr>
+          <p:cNvPr id="2" name="Title 1">
+            <a:extLst>
+              <a:ext uri="{FF2B5EF4-FFF2-40B4-BE49-F238E27FC236}">
+                <a16:creationId xmlns:a16="http://schemas.microsoft.com/office/drawing/2014/main" id="{8123DCBC-CEBE-4D23-8253-3E8B8086BD12}"/>
+              </a:ext>
+            </a:extLst>
+          </p:cNvPr>
+          <p:cNvSpPr>
+            <a:spLocks noGrp="1"/>
+          </p:cNvSpPr>
+          <p:nvPr>
+            <p:ph type="title"/>
+          </p:nvPr>
+        </p:nvSpPr>
+        <p:spPr/>
+        <p:txBody>
+          <a:bodyPr/>
+          <a:lstStyle/>
+          <a:p>
+            <a:r>
+              <a:rPr lang="en-US" dirty="0"/>
+              <a:t>BACKUP</a:t>
+            </a:r>
+          </a:p>
+        </p:txBody>
+      </p:sp>
+      <p:sp>
+        <p:nvSpPr>
+          <p:cNvPr id="3" name="Content Placeholder 2">
+            <a:extLst>
+              <a:ext uri="{FF2B5EF4-FFF2-40B4-BE49-F238E27FC236}">
+                <a16:creationId xmlns:a16="http://schemas.microsoft.com/office/drawing/2014/main" id="{E658C7B0-47D9-488A-9CEC-B71B5309B025}"/>
+              </a:ext>
+            </a:extLst>
+          </p:cNvPr>
+          <p:cNvSpPr>
+            <a:spLocks noGrp="1"/>
+          </p:cNvSpPr>
+          <p:nvPr>
+            <p:ph idx="1"/>
+          </p:nvPr>
+        </p:nvSpPr>
+        <p:spPr/>
+        <p:txBody>
+          <a:bodyPr/>
+          <a:lstStyle/>
+          <a:p>
+            <a:endParaRPr lang="en-US"/>
+          </a:p>
+        </p:txBody>
+      </p:sp>
+    </p:spTree>
+    <p:extLst>
+      <p:ext uri="{BB962C8B-B14F-4D97-AF65-F5344CB8AC3E}">
+        <p14:creationId xmlns:p14="http://schemas.microsoft.com/office/powerpoint/2010/main" val="4140908998"/>
       </p:ext>
     </p:extLst>
   </p:cSld>
@@ -20795,7 +22044,7 @@
             <p:ph idx="1"/>
             <p:extLst>
               <p:ext uri="{D42A27DB-BD31-4B8C-83A1-F6EECF244321}">
-                <p14:modId xmlns:p14="http://schemas.microsoft.com/office/powerpoint/2010/main" val="3251568266"/>
+                <p14:modId xmlns:p14="http://schemas.microsoft.com/office/powerpoint/2010/main" val="2053053073"/>
               </p:ext>
             </p:extLst>
           </p:nvPr>
@@ -22070,6 +23319,518 @@
           </a:p>
         </p:txBody>
       </p:sp>
+      <p:graphicFrame>
+        <p:nvGraphicFramePr>
+          <p:cNvPr id="3" name="Table 3">
+            <a:extLst>
+              <a:ext uri="{FF2B5EF4-FFF2-40B4-BE49-F238E27FC236}">
+                <a16:creationId xmlns:a16="http://schemas.microsoft.com/office/drawing/2014/main" id="{E9360718-F9A4-4A8A-A2A3-AFFD9EB61D23}"/>
+              </a:ext>
+            </a:extLst>
+          </p:cNvPr>
+          <p:cNvGraphicFramePr>
+            <a:graphicFrameLocks noGrp="1"/>
+          </p:cNvGraphicFramePr>
+          <p:nvPr>
+            <p:extLst>
+              <p:ext uri="{D42A27DB-BD31-4B8C-83A1-F6EECF244321}">
+                <p14:modId xmlns:p14="http://schemas.microsoft.com/office/powerpoint/2010/main" val="803503659"/>
+              </p:ext>
+            </p:extLst>
+          </p:nvPr>
+        </p:nvGraphicFramePr>
+        <p:xfrm>
+          <a:off x="1177636" y="1639030"/>
+          <a:ext cx="8503259" cy="3211961"/>
+        </p:xfrm>
+        <a:graphic>
+          <a:graphicData uri="http://schemas.openxmlformats.org/drawingml/2006/table">
+            <a:tbl>
+              <a:tblPr firstRow="1" bandRow="1">
+                <a:tableStyleId>{5C22544A-7EE6-4342-B048-85BDC9FD1C3A}</a:tableStyleId>
+              </a:tblPr>
+              <a:tblGrid>
+                <a:gridCol w="2085681">
+                  <a:extLst>
+                    <a:ext uri="{9D8B030D-6E8A-4147-A177-3AD203B41FA5}">
+                      <a16:colId xmlns:a16="http://schemas.microsoft.com/office/drawing/2014/main" val="217715763"/>
+                    </a:ext>
+                  </a:extLst>
+                </a:gridCol>
+                <a:gridCol w="1589293">
+                  <a:extLst>
+                    <a:ext uri="{9D8B030D-6E8A-4147-A177-3AD203B41FA5}">
+                      <a16:colId xmlns:a16="http://schemas.microsoft.com/office/drawing/2014/main" val="3851072542"/>
+                    </a:ext>
+                  </a:extLst>
+                </a:gridCol>
+                <a:gridCol w="1769280">
+                  <a:extLst>
+                    <a:ext uri="{9D8B030D-6E8A-4147-A177-3AD203B41FA5}">
+                      <a16:colId xmlns:a16="http://schemas.microsoft.com/office/drawing/2014/main" val="420803821"/>
+                    </a:ext>
+                  </a:extLst>
+                </a:gridCol>
+                <a:gridCol w="3059005">
+                  <a:extLst>
+                    <a:ext uri="{9D8B030D-6E8A-4147-A177-3AD203B41FA5}">
+                      <a16:colId xmlns:a16="http://schemas.microsoft.com/office/drawing/2014/main" val="3844336437"/>
+                    </a:ext>
+                  </a:extLst>
+                </a:gridCol>
+              </a:tblGrid>
+              <a:tr h="726665">
+                <a:tc>
+                  <a:txBody>
+                    <a:bodyPr/>
+                    <a:lstStyle/>
+                    <a:p>
+                      <a:r>
+                        <a:rPr lang="en-US" dirty="0"/>
+                        <a:t>MODEL</a:t>
+                      </a:r>
+                    </a:p>
+                  </a:txBody>
+                  <a:tcPr/>
+                </a:tc>
+                <a:tc>
+                  <a:txBody>
+                    <a:bodyPr/>
+                    <a:lstStyle/>
+                    <a:p>
+                      <a:r>
+                        <a:rPr lang="en-US" dirty="0"/>
+                        <a:t>TRAINING ACCURACY</a:t>
+                      </a:r>
+                    </a:p>
+                  </a:txBody>
+                  <a:tcPr/>
+                </a:tc>
+                <a:tc>
+                  <a:txBody>
+                    <a:bodyPr/>
+                    <a:lstStyle/>
+                    <a:p>
+                      <a:r>
+                        <a:rPr lang="en-US" dirty="0"/>
+                        <a:t>TEST ACCURACY</a:t>
+                      </a:r>
+                    </a:p>
+                  </a:txBody>
+                  <a:tcPr/>
+                </a:tc>
+                <a:tc>
+                  <a:txBody>
+                    <a:bodyPr/>
+                    <a:lstStyle/>
+                    <a:p>
+                      <a:r>
+                        <a:rPr lang="en-US" dirty="0"/>
+                        <a:t>STANDARD DEVIATION</a:t>
+                      </a:r>
+                    </a:p>
+                  </a:txBody>
+                  <a:tcPr/>
+                </a:tc>
+                <a:extLst>
+                  <a:ext uri="{0D108BD9-81ED-4DB2-BD59-A6C34878D82A}">
+                    <a16:rowId xmlns:a16="http://schemas.microsoft.com/office/drawing/2014/main" val="2972020940"/>
+                  </a:ext>
+                </a:extLst>
+              </a:tr>
+              <a:tr h="414216">
+                <a:tc>
+                  <a:txBody>
+                    <a:bodyPr/>
+                    <a:lstStyle/>
+                    <a:p>
+                      <a:r>
+                        <a:rPr lang="en-US" sz="1600" dirty="0"/>
+                        <a:t>Linear Regression</a:t>
+                      </a:r>
+                    </a:p>
+                  </a:txBody>
+                  <a:tcPr/>
+                </a:tc>
+                <a:tc>
+                  <a:txBody>
+                    <a:bodyPr/>
+                    <a:lstStyle/>
+                    <a:p>
+                      <a:r>
+                        <a:rPr lang="en-US" dirty="0"/>
+                        <a:t>0.43</a:t>
+                      </a:r>
+                    </a:p>
+                  </a:txBody>
+                  <a:tcPr/>
+                </a:tc>
+                <a:tc>
+                  <a:txBody>
+                    <a:bodyPr/>
+                    <a:lstStyle/>
+                    <a:p>
+                      <a:r>
+                        <a:rPr lang="en-US" dirty="0"/>
+                        <a:t>0.46</a:t>
+                      </a:r>
+                    </a:p>
+                  </a:txBody>
+                  <a:tcPr/>
+                </a:tc>
+                <a:tc>
+                  <a:txBody>
+                    <a:bodyPr/>
+                    <a:lstStyle/>
+                    <a:p>
+                      <a:r>
+                        <a:rPr lang="en-US" dirty="0"/>
+                        <a:t>0.95</a:t>
+                      </a:r>
+                    </a:p>
+                  </a:txBody>
+                  <a:tcPr/>
+                </a:tc>
+                <a:extLst>
+                  <a:ext uri="{0D108BD9-81ED-4DB2-BD59-A6C34878D82A}">
+                    <a16:rowId xmlns:a16="http://schemas.microsoft.com/office/drawing/2014/main" val="313347443"/>
+                  </a:ext>
+                </a:extLst>
+              </a:tr>
+              <a:tr h="414216">
+                <a:tc>
+                  <a:txBody>
+                    <a:bodyPr/>
+                    <a:lstStyle/>
+                    <a:p>
+                      <a:r>
+                        <a:rPr lang="en-US" sz="1600" dirty="0"/>
+                        <a:t>Random Forest</a:t>
+                      </a:r>
+                    </a:p>
+                  </a:txBody>
+                  <a:tcPr/>
+                </a:tc>
+                <a:tc>
+                  <a:txBody>
+                    <a:bodyPr/>
+                    <a:lstStyle/>
+                    <a:p>
+                      <a:r>
+                        <a:rPr lang="en-US" dirty="0"/>
+                        <a:t>0.56</a:t>
+                      </a:r>
+                    </a:p>
+                  </a:txBody>
+                  <a:tcPr/>
+                </a:tc>
+                <a:tc>
+                  <a:txBody>
+                    <a:bodyPr/>
+                    <a:lstStyle/>
+                    <a:p>
+                      <a:r>
+                        <a:rPr lang="en-US" dirty="0"/>
+                        <a:t>0.43</a:t>
+                      </a:r>
+                    </a:p>
+                  </a:txBody>
+                  <a:tcPr/>
+                </a:tc>
+                <a:tc>
+                  <a:txBody>
+                    <a:bodyPr/>
+                    <a:lstStyle/>
+                    <a:p>
+                      <a:r>
+                        <a:rPr lang="en-US" dirty="0"/>
+                        <a:t>0.97</a:t>
+                      </a:r>
+                    </a:p>
+                  </a:txBody>
+                  <a:tcPr/>
+                </a:tc>
+                <a:extLst>
+                  <a:ext uri="{0D108BD9-81ED-4DB2-BD59-A6C34878D82A}">
+                    <a16:rowId xmlns:a16="http://schemas.microsoft.com/office/drawing/2014/main" val="824414311"/>
+                  </a:ext>
+                </a:extLst>
+              </a:tr>
+              <a:tr h="414216">
+                <a:tc>
+                  <a:txBody>
+                    <a:bodyPr/>
+                    <a:lstStyle/>
+                    <a:p>
+                      <a:r>
+                        <a:rPr lang="en-US" sz="1600" dirty="0"/>
+                        <a:t>Extra Trees</a:t>
+                      </a:r>
+                    </a:p>
+                  </a:txBody>
+                  <a:tcPr/>
+                </a:tc>
+                <a:tc>
+                  <a:txBody>
+                    <a:bodyPr/>
+                    <a:lstStyle/>
+                    <a:p>
+                      <a:r>
+                        <a:rPr lang="en-US" dirty="0"/>
+                        <a:t>0.48</a:t>
+                      </a:r>
+                    </a:p>
+                  </a:txBody>
+                  <a:tcPr/>
+                </a:tc>
+                <a:tc>
+                  <a:txBody>
+                    <a:bodyPr/>
+                    <a:lstStyle/>
+                    <a:p>
+                      <a:r>
+                        <a:rPr lang="en-US" dirty="0"/>
+                        <a:t>0.41</a:t>
+                      </a:r>
+                    </a:p>
+                  </a:txBody>
+                  <a:tcPr/>
+                </a:tc>
+                <a:tc>
+                  <a:txBody>
+                    <a:bodyPr/>
+                    <a:lstStyle/>
+                    <a:p>
+                      <a:r>
+                        <a:rPr lang="en-US" dirty="0"/>
+                        <a:t>1.03</a:t>
+                      </a:r>
+                    </a:p>
+                  </a:txBody>
+                  <a:tcPr/>
+                </a:tc>
+                <a:extLst>
+                  <a:ext uri="{0D108BD9-81ED-4DB2-BD59-A6C34878D82A}">
+                    <a16:rowId xmlns:a16="http://schemas.microsoft.com/office/drawing/2014/main" val="18415521"/>
+                  </a:ext>
+                </a:extLst>
+              </a:tr>
+              <a:tr h="414216">
+                <a:tc>
+                  <a:txBody>
+                    <a:bodyPr/>
+                    <a:lstStyle/>
+                    <a:p>
+                      <a:r>
+                        <a:rPr lang="en-US" sz="1600" dirty="0"/>
+                        <a:t>SVR</a:t>
+                      </a:r>
+                    </a:p>
+                  </a:txBody>
+                  <a:tcPr/>
+                </a:tc>
+                <a:tc>
+                  <a:txBody>
+                    <a:bodyPr/>
+                    <a:lstStyle/>
+                    <a:p>
+                      <a:r>
+                        <a:rPr lang="en-US" dirty="0"/>
+                        <a:t>0.49</a:t>
+                      </a:r>
+                    </a:p>
+                  </a:txBody>
+                  <a:tcPr/>
+                </a:tc>
+                <a:tc>
+                  <a:txBody>
+                    <a:bodyPr/>
+                    <a:lstStyle/>
+                    <a:p>
+                      <a:r>
+                        <a:rPr lang="en-US" dirty="0"/>
+                        <a:t>0.40</a:t>
+                      </a:r>
+                    </a:p>
+                  </a:txBody>
+                  <a:tcPr/>
+                </a:tc>
+                <a:tc>
+                  <a:txBody>
+                    <a:bodyPr/>
+                    <a:lstStyle/>
+                    <a:p>
+                      <a:r>
+                        <a:rPr lang="en-US" dirty="0"/>
+                        <a:t>1.02</a:t>
+                      </a:r>
+                    </a:p>
+                  </a:txBody>
+                  <a:tcPr/>
+                </a:tc>
+                <a:extLst>
+                  <a:ext uri="{0D108BD9-81ED-4DB2-BD59-A6C34878D82A}">
+                    <a16:rowId xmlns:a16="http://schemas.microsoft.com/office/drawing/2014/main" val="3306264964"/>
+                  </a:ext>
+                </a:extLst>
+              </a:tr>
+              <a:tr h="414216">
+                <a:tc>
+                  <a:txBody>
+                    <a:bodyPr/>
+                    <a:lstStyle/>
+                    <a:p>
+                      <a:r>
+                        <a:rPr lang="en-US" sz="1600" dirty="0"/>
+                        <a:t>AdaBoost</a:t>
+                      </a:r>
+                    </a:p>
+                  </a:txBody>
+                  <a:tcPr/>
+                </a:tc>
+                <a:tc>
+                  <a:txBody>
+                    <a:bodyPr/>
+                    <a:lstStyle/>
+                    <a:p>
+                      <a:r>
+                        <a:rPr lang="en-US" dirty="0"/>
+                        <a:t>0.49</a:t>
+                      </a:r>
+                    </a:p>
+                  </a:txBody>
+                  <a:tcPr/>
+                </a:tc>
+                <a:tc>
+                  <a:txBody>
+                    <a:bodyPr/>
+                    <a:lstStyle/>
+                    <a:p>
+                      <a:r>
+                        <a:rPr lang="en-US" dirty="0"/>
+                        <a:t>0.37</a:t>
+                      </a:r>
+                    </a:p>
+                  </a:txBody>
+                  <a:tcPr/>
+                </a:tc>
+                <a:tc>
+                  <a:txBody>
+                    <a:bodyPr/>
+                    <a:lstStyle/>
+                    <a:p>
+                      <a:r>
+                        <a:rPr lang="en-US" dirty="0"/>
+                        <a:t>1.00</a:t>
+                      </a:r>
+                    </a:p>
+                  </a:txBody>
+                  <a:tcPr/>
+                </a:tc>
+                <a:extLst>
+                  <a:ext uri="{0D108BD9-81ED-4DB2-BD59-A6C34878D82A}">
+                    <a16:rowId xmlns:a16="http://schemas.microsoft.com/office/drawing/2014/main" val="2758706818"/>
+                  </a:ext>
+                </a:extLst>
+              </a:tr>
+              <a:tr h="414216">
+                <a:tc>
+                  <a:txBody>
+                    <a:bodyPr/>
+                    <a:lstStyle/>
+                    <a:p>
+                      <a:r>
+                        <a:rPr lang="en-US" sz="1600" dirty="0"/>
+                        <a:t>KNN</a:t>
+                      </a:r>
+                    </a:p>
+                  </a:txBody>
+                  <a:tcPr/>
+                </a:tc>
+                <a:tc>
+                  <a:txBody>
+                    <a:bodyPr/>
+                    <a:lstStyle/>
+                    <a:p>
+                      <a:r>
+                        <a:rPr lang="en-US" dirty="0"/>
+                        <a:t>0.55</a:t>
+                      </a:r>
+                    </a:p>
+                  </a:txBody>
+                  <a:tcPr/>
+                </a:tc>
+                <a:tc>
+                  <a:txBody>
+                    <a:bodyPr/>
+                    <a:lstStyle/>
+                    <a:p>
+                      <a:r>
+                        <a:rPr lang="en-US" dirty="0"/>
+                        <a:t>0.37</a:t>
+                      </a:r>
+                    </a:p>
+                  </a:txBody>
+                  <a:tcPr/>
+                </a:tc>
+                <a:tc>
+                  <a:txBody>
+                    <a:bodyPr/>
+                    <a:lstStyle/>
+                    <a:p>
+                      <a:r>
+                        <a:rPr lang="en-US" dirty="0"/>
+                        <a:t>1.07</a:t>
+                      </a:r>
+                    </a:p>
+                  </a:txBody>
+                  <a:tcPr/>
+                </a:tc>
+                <a:extLst>
+                  <a:ext uri="{0D108BD9-81ED-4DB2-BD59-A6C34878D82A}">
+                    <a16:rowId xmlns:a16="http://schemas.microsoft.com/office/drawing/2014/main" val="668525858"/>
+                  </a:ext>
+                </a:extLst>
+              </a:tr>
+            </a:tbl>
+          </a:graphicData>
+        </a:graphic>
+      </p:graphicFrame>
+      <p:sp>
+        <p:nvSpPr>
+          <p:cNvPr id="4" name="TextBox 3">
+            <a:extLst>
+              <a:ext uri="{FF2B5EF4-FFF2-40B4-BE49-F238E27FC236}">
+                <a16:creationId xmlns:a16="http://schemas.microsoft.com/office/drawing/2014/main" id="{5CC53A53-4F41-4B49-82F2-85D40E3A76A3}"/>
+              </a:ext>
+            </a:extLst>
+          </p:cNvPr>
+          <p:cNvSpPr txBox="1"/>
+          <p:nvPr/>
+        </p:nvSpPr>
+        <p:spPr>
+          <a:xfrm>
+            <a:off x="1476462" y="5327009"/>
+            <a:ext cx="8204433" cy="369332"/>
+          </a:xfrm>
+          <a:prstGeom prst="rect">
+            <a:avLst/>
+          </a:prstGeom>
+          <a:noFill/>
+        </p:spPr>
+        <p:txBody>
+          <a:bodyPr wrap="square" rtlCol="0">
+            <a:spAutoFit/>
+          </a:bodyPr>
+          <a:lstStyle/>
+          <a:p>
+            <a:r>
+              <a:rPr lang="en-US" dirty="0"/>
+              <a:t>Deep Learning Model: LOSS: -1050.78 ACCURACY: 0.011</a:t>
+            </a:r>
+          </a:p>
+        </p:txBody>
+      </p:sp>
     </p:spTree>
     <p:extLst>
       <p:ext uri="{BB962C8B-B14F-4D97-AF65-F5344CB8AC3E}">
@@ -22132,7 +23893,7 @@
               <a:rPr lang="en-US" sz="4400" dirty="0">
                 <a:latin typeface="Rockwell" panose="02060603020205020403" pitchFamily="18" charset="0"/>
               </a:rPr>
-              <a:t>Take Away</a:t>
+              <a:t>LINEAR REGRESSION MODEL</a:t>
             </a:r>
           </a:p>
         </p:txBody>
@@ -22155,8 +23916,8 @@
         </p:nvSpPr>
         <p:spPr>
           <a:xfrm>
-            <a:off x="1141413" y="1473632"/>
-            <a:ext cx="4194158" cy="3984488"/>
+            <a:off x="1640178" y="4045527"/>
+            <a:ext cx="7688937" cy="2322021"/>
           </a:xfrm>
         </p:spPr>
         <p:txBody>
@@ -22165,43 +23926,7 @@
           </a:bodyPr>
           <a:lstStyle/>
           <a:p>
-            <a:r>
-              <a:rPr lang="en-US" sz="2000" dirty="0">
-                <a:latin typeface="Tahoma" panose="020B0604030504040204" pitchFamily="34" charset="0"/>
-                <a:ea typeface="Tahoma" panose="020B0604030504040204" pitchFamily="34" charset="0"/>
-                <a:cs typeface="Tahoma" panose="020B0604030504040204" pitchFamily="34" charset="0"/>
-              </a:rPr>
-              <a:t>Our map visualization shows there are patterns within the county to be studied</a:t>
-            </a:r>
-          </a:p>
-          <a:p>
-            <a:r>
-              <a:rPr lang="en-US" sz="2000" dirty="0">
-                <a:latin typeface="Tahoma" panose="020B0604030504040204" pitchFamily="34" charset="0"/>
-                <a:ea typeface="Tahoma" panose="020B0604030504040204" pitchFamily="34" charset="0"/>
-                <a:cs typeface="Tahoma" panose="020B0604030504040204" pitchFamily="34" charset="0"/>
-              </a:rPr>
-              <a:t>Data is structured for further inspection and analysis (</a:t>
-            </a:r>
-            <a:r>
-              <a:rPr lang="en-US" sz="2000" dirty="0" err="1">
-                <a:latin typeface="Tahoma" panose="020B0604030504040204" pitchFamily="34" charset="0"/>
-                <a:ea typeface="Tahoma" panose="020B0604030504040204" pitchFamily="34" charset="0"/>
-                <a:cs typeface="Tahoma" panose="020B0604030504040204" pitchFamily="34" charset="0"/>
-              </a:rPr>
-              <a:t>xy</a:t>
-            </a:r>
-            <a:r>
-              <a:rPr lang="en-US" sz="2000" dirty="0">
-                <a:latin typeface="Tahoma" panose="020B0604030504040204" pitchFamily="34" charset="0"/>
-                <a:ea typeface="Tahoma" panose="020B0604030504040204" pitchFamily="34" charset="0"/>
-                <a:cs typeface="Tahoma" panose="020B0604030504040204" pitchFamily="34" charset="0"/>
-              </a:rPr>
-              <a:t> scatter plots!)</a:t>
-            </a:r>
-          </a:p>
-          <a:p>
-            <a:endParaRPr lang="en-US" sz="2000" dirty="0">
+            <a:endParaRPr lang="en-US" dirty="0">
               <a:latin typeface="Tahoma" panose="020B0604030504040204" pitchFamily="34" charset="0"/>
               <a:ea typeface="Tahoma" panose="020B0604030504040204" pitchFamily="34" charset="0"/>
               <a:cs typeface="Tahoma" panose="020B0604030504040204" pitchFamily="34" charset="0"/>
@@ -22211,17 +23936,15 @@
             <a:pPr marL="457200" lvl="1" indent="0">
               <a:buNone/>
             </a:pPr>
-            <a:endParaRPr lang="en-US" sz="1800" dirty="0">
+            <a:endParaRPr lang="en-US" dirty="0">
               <a:latin typeface="Tahoma" panose="020B0604030504040204" pitchFamily="34" charset="0"/>
               <a:ea typeface="Tahoma" panose="020B0604030504040204" pitchFamily="34" charset="0"/>
               <a:cs typeface="Tahoma" panose="020B0604030504040204" pitchFamily="34" charset="0"/>
             </a:endParaRPr>
           </a:p>
           <a:p>
-            <a:pPr marL="457200" lvl="1" indent="0">
-              <a:buNone/>
-            </a:pPr>
-            <a:endParaRPr lang="en-US" sz="1800" dirty="0">
+            <a:pPr lvl="1"/>
+            <a:endParaRPr lang="en-US" dirty="0">
               <a:latin typeface="Tahoma" panose="020B0604030504040204" pitchFamily="34" charset="0"/>
               <a:ea typeface="Tahoma" panose="020B0604030504040204" pitchFamily="34" charset="0"/>
               <a:cs typeface="Tahoma" panose="020B0604030504040204" pitchFamily="34" charset="0"/>
@@ -22229,7 +23952,7 @@
           </a:p>
           <a:p>
             <a:pPr lvl="2"/>
-            <a:endParaRPr lang="en-US" sz="1600" dirty="0">
+            <a:endParaRPr lang="en-US" dirty="0">
               <a:latin typeface="Tahoma" panose="020B0604030504040204" pitchFamily="34" charset="0"/>
               <a:ea typeface="Tahoma" panose="020B0604030504040204" pitchFamily="34" charset="0"/>
               <a:cs typeface="Tahoma" panose="020B0604030504040204" pitchFamily="34" charset="0"/>
@@ -22237,10 +23960,40 @@
           </a:p>
         </p:txBody>
       </p:sp>
+      <p:pic>
+        <p:nvPicPr>
+          <p:cNvPr id="5" name="Picture 4" descr="Table&#10;&#10;Description automatically generated with low confidence">
+            <a:extLst>
+              <a:ext uri="{FF2B5EF4-FFF2-40B4-BE49-F238E27FC236}">
+                <a16:creationId xmlns:a16="http://schemas.microsoft.com/office/drawing/2014/main" id="{9E98EE5D-FB7D-4216-885C-0A6E70068147}"/>
+              </a:ext>
+            </a:extLst>
+          </p:cNvPr>
+          <p:cNvPicPr>
+            <a:picLocks noChangeAspect="1"/>
+          </p:cNvPicPr>
+          <p:nvPr/>
+        </p:nvPicPr>
+        <p:blipFill>
+          <a:blip r:embed="rId2"/>
+          <a:stretch>
+            <a:fillRect/>
+          </a:stretch>
+        </p:blipFill>
+        <p:spPr>
+          <a:xfrm>
+            <a:off x="1484207" y="1681448"/>
+            <a:ext cx="7844908" cy="1865315"/>
+          </a:xfrm>
+          <a:prstGeom prst="rect">
+            <a:avLst/>
+          </a:prstGeom>
+        </p:spPr>
+      </p:pic>
     </p:spTree>
     <p:extLst>
       <p:ext uri="{BB962C8B-B14F-4D97-AF65-F5344CB8AC3E}">
-        <p14:creationId xmlns:p14="http://schemas.microsoft.com/office/powerpoint/2010/main" val="192885746"/>
+        <p14:creationId xmlns:p14="http://schemas.microsoft.com/office/powerpoint/2010/main" val="3983383762"/>
       </p:ext>
     </p:extLst>
   </p:cSld>
@@ -22272,7 +24025,7 @@
           <p:cNvPr id="2" name="Title 1">
             <a:extLst>
               <a:ext uri="{FF2B5EF4-FFF2-40B4-BE49-F238E27FC236}">
-                <a16:creationId xmlns:a16="http://schemas.microsoft.com/office/drawing/2014/main" id="{8123DCBC-CEBE-4D23-8253-3E8B8086BD12}"/>
+                <a16:creationId xmlns:a16="http://schemas.microsoft.com/office/drawing/2014/main" id="{34DB6CE4-2B13-4715-B5B2-615A55922CA1}"/>
               </a:ext>
             </a:extLst>
           </p:cNvPr>
@@ -22283,24 +24036,64 @@
             <p:ph type="title"/>
           </p:nvPr>
         </p:nvSpPr>
-        <p:spPr/>
+        <p:spPr>
+          <a:xfrm>
+            <a:off x="1322388" y="235930"/>
+            <a:ext cx="9905998" cy="1478570"/>
+          </a:xfrm>
+        </p:spPr>
         <p:txBody>
-          <a:bodyPr/>
+          <a:bodyPr anchor="ctr">
+            <a:normAutofit/>
+          </a:bodyPr>
           <a:lstStyle/>
           <a:p>
             <a:r>
-              <a:rPr lang="en-US" dirty="0"/>
-              <a:t>BACKUP</a:t>
+              <a:rPr lang="en-US" sz="4400" dirty="0">
+                <a:latin typeface="Rockwell" panose="02060603020205020403" pitchFamily="18" charset="0"/>
+              </a:rPr>
+              <a:t>Random Forest MODEL</a:t>
             </a:r>
           </a:p>
         </p:txBody>
       </p:sp>
+      <p:pic>
+        <p:nvPicPr>
+          <p:cNvPr id="6" name="Picture 5" descr="Text&#10;&#10;Description automatically generated">
+            <a:extLst>
+              <a:ext uri="{FF2B5EF4-FFF2-40B4-BE49-F238E27FC236}">
+                <a16:creationId xmlns:a16="http://schemas.microsoft.com/office/drawing/2014/main" id="{4C6DC59D-F715-4430-9D6A-93E036888EB4}"/>
+              </a:ext>
+            </a:extLst>
+          </p:cNvPr>
+          <p:cNvPicPr>
+            <a:picLocks noChangeAspect="1"/>
+          </p:cNvPicPr>
+          <p:nvPr/>
+        </p:nvPicPr>
+        <p:blipFill>
+          <a:blip r:embed="rId2"/>
+          <a:stretch>
+            <a:fillRect/>
+          </a:stretch>
+        </p:blipFill>
+        <p:spPr>
+          <a:xfrm>
+            <a:off x="1473831" y="1714500"/>
+            <a:ext cx="4275533" cy="4524375"/>
+          </a:xfrm>
+          <a:prstGeom prst="rect">
+            <a:avLst/>
+          </a:prstGeom>
+          <a:noFill/>
+        </p:spPr>
+      </p:pic>
       <p:sp>
         <p:nvSpPr>
           <p:cNvPr id="3" name="Content Placeholder 2">
             <a:extLst>
               <a:ext uri="{FF2B5EF4-FFF2-40B4-BE49-F238E27FC236}">
-                <a16:creationId xmlns:a16="http://schemas.microsoft.com/office/drawing/2014/main" id="{E658C7B0-47D9-488A-9CEC-B71B5309B025}"/>
+                <a16:creationId xmlns:a16="http://schemas.microsoft.com/office/drawing/2014/main" id="{143F5361-68C0-4BF5-80C8-F1E7BF92B2DB}"/>
               </a:ext>
             </a:extLst>
           </p:cNvPr>
@@ -22308,22 +24101,128 @@
             <a:spLocks noGrp="1"/>
           </p:cNvSpPr>
           <p:nvPr>
-            <p:ph idx="1"/>
+            <p:ph sz="half" idx="2"/>
           </p:nvPr>
         </p:nvSpPr>
-        <p:spPr/>
+        <p:spPr>
+          <a:xfrm>
+            <a:off x="6172200" y="2249486"/>
+            <a:ext cx="4875211" cy="3541714"/>
+          </a:xfrm>
+        </p:spPr>
         <p:txBody>
-          <a:bodyPr/>
+          <a:bodyPr>
+            <a:normAutofit/>
+          </a:bodyPr>
           <a:lstStyle/>
           <a:p>
             <a:endParaRPr lang="en-US"/>
+          </a:p>
+          <a:p>
+            <a:pPr marL="457200" lvl="1" indent="0">
+              <a:buNone/>
+            </a:pPr>
+            <a:endParaRPr lang="en-US" sz="2400"/>
+          </a:p>
+          <a:p>
+            <a:pPr lvl="1"/>
+            <a:endParaRPr lang="en-US" sz="2400"/>
+          </a:p>
+          <a:p>
+            <a:pPr lvl="2"/>
+            <a:endParaRPr lang="en-US" sz="2400"/>
+          </a:p>
+        </p:txBody>
+      </p:sp>
+      <p:sp>
+        <p:nvSpPr>
+          <p:cNvPr id="7" name="TextBox 6">
+            <a:extLst>
+              <a:ext uri="{FF2B5EF4-FFF2-40B4-BE49-F238E27FC236}">
+                <a16:creationId xmlns:a16="http://schemas.microsoft.com/office/drawing/2014/main" id="{62E16E35-EFD3-4F41-97E0-BFBBC5B849BD}"/>
+              </a:ext>
+            </a:extLst>
+          </p:cNvPr>
+          <p:cNvSpPr txBox="1"/>
+          <p:nvPr/>
+        </p:nvSpPr>
+        <p:spPr>
+          <a:xfrm>
+            <a:off x="7067550" y="1724024"/>
+            <a:ext cx="4275533" cy="3231654"/>
+          </a:xfrm>
+          <a:prstGeom prst="rect">
+            <a:avLst/>
+          </a:prstGeom>
+          <a:noFill/>
+        </p:spPr>
+        <p:txBody>
+          <a:bodyPr wrap="square" rtlCol="0">
+            <a:spAutoFit/>
+          </a:bodyPr>
+          <a:lstStyle/>
+          <a:p>
+            <a:pPr marL="285750" indent="-285750">
+              <a:buFont typeface="Wingdings" panose="05000000000000000000" pitchFamily="2" charset="2"/>
+              <a:buChar char="§"/>
+            </a:pPr>
+            <a:endParaRPr lang="en-US" dirty="0"/>
+          </a:p>
+          <a:p>
+            <a:pPr marL="285750" indent="-285750">
+              <a:buFont typeface="Wingdings" panose="05000000000000000000" pitchFamily="2" charset="2"/>
+              <a:buChar char="§"/>
+            </a:pPr>
+            <a:r>
+              <a:rPr lang="en-US" sz="2400" dirty="0">
+                <a:latin typeface="Tahoma" panose="020B0604030504040204" pitchFamily="34" charset="0"/>
+                <a:ea typeface="Tahoma" panose="020B0604030504040204" pitchFamily="34" charset="0"/>
+                <a:cs typeface="Tahoma" panose="020B0604030504040204" pitchFamily="34" charset="0"/>
+              </a:rPr>
+              <a:t>Ensemble machine learning algorithm</a:t>
+            </a:r>
+          </a:p>
+          <a:p>
+            <a:pPr marL="285750" indent="-285750">
+              <a:buFont typeface="Wingdings" panose="05000000000000000000" pitchFamily="2" charset="2"/>
+              <a:buChar char="§"/>
+            </a:pPr>
+            <a:r>
+              <a:rPr lang="en-US" sz="2400" dirty="0">
+                <a:latin typeface="Tahoma" panose="020B0604030504040204" pitchFamily="34" charset="0"/>
+                <a:ea typeface="Tahoma" panose="020B0604030504040204" pitchFamily="34" charset="0"/>
+                <a:cs typeface="Tahoma" panose="020B0604030504040204" pitchFamily="34" charset="0"/>
+              </a:rPr>
+              <a:t>Bootstrap Aggregation/Bagging</a:t>
+            </a:r>
+          </a:p>
+          <a:p>
+            <a:pPr marL="285750" indent="-285750">
+              <a:buFont typeface="Wingdings" panose="05000000000000000000" pitchFamily="2" charset="2"/>
+              <a:buChar char="§"/>
+            </a:pPr>
+            <a:r>
+              <a:rPr lang="en-US" sz="2400" dirty="0">
+                <a:latin typeface="Tahoma" panose="020B0604030504040204" pitchFamily="34" charset="0"/>
+                <a:ea typeface="Tahoma" panose="020B0604030504040204" pitchFamily="34" charset="0"/>
+                <a:cs typeface="Tahoma" panose="020B0604030504040204" pitchFamily="34" charset="0"/>
+              </a:rPr>
+              <a:t>Finetuning hyper- parameters to improve overfitting.</a:t>
+            </a:r>
+          </a:p>
+          <a:p>
+            <a:pPr marL="285750" indent="-285750">
+              <a:buFont typeface="Wingdings" panose="05000000000000000000" pitchFamily="2" charset="2"/>
+              <a:buChar char="§"/>
+            </a:pPr>
+            <a:endParaRPr lang="en-US" dirty="0"/>
           </a:p>
         </p:txBody>
       </p:sp>
     </p:spTree>
     <p:extLst>
       <p:ext uri="{BB962C8B-B14F-4D97-AF65-F5344CB8AC3E}">
-        <p14:creationId xmlns:p14="http://schemas.microsoft.com/office/powerpoint/2010/main" val="4140908998"/>
+        <p14:creationId xmlns:p14="http://schemas.microsoft.com/office/powerpoint/2010/main" val="3365853074"/>
       </p:ext>
     </p:extLst>
   </p:cSld>
@@ -23175,15 +25074,6 @@
 </file>
 
 <file path=customXml/item1.xml><?xml version="1.0" encoding="utf-8"?>
-<?mso-contentType ?>
-<FormTemplates xmlns="http://schemas.microsoft.com/sharepoint/v3/contenttype/forms">
-  <Display>DocumentLibraryForm</Display>
-  <Edit>DocumentLibraryForm</Edit>
-  <New>DocumentLibraryForm</New>
-</FormTemplates>
-</file>
-
-<file path=customXml/item2.xml><?xml version="1.0" encoding="utf-8"?>
 <ct:contentTypeSchema xmlns:ct="http://schemas.microsoft.com/office/2006/metadata/contentType" xmlns:ma="http://schemas.microsoft.com/office/2006/metadata/properties/metaAttributes" ct:_="" ma:_="" ma:contentTypeName="Document" ma:contentTypeID="0x01010079F111ED35F8CC479449609E8A0923A6" ma:contentTypeVersion="11" ma:contentTypeDescription="Create a new document." ma:contentTypeScope="" ma:versionID="96291512c1ee715ab617f4c07df79fc1">
   <xsd:schema xmlns:xsd="http://www.w3.org/2001/XMLSchema" xmlns:xs="http://www.w3.org/2001/XMLSchema" xmlns:p="http://schemas.microsoft.com/office/2006/metadata/properties" xmlns:ns2="71af3243-3dd4-4a8d-8c0d-dd76da1f02a5" xmlns:ns3="16c05727-aa75-4e4a-9b5f-8a80a1165891" targetNamespace="http://schemas.microsoft.com/office/2006/metadata/properties" ma:root="true" ma:fieldsID="8256c27c40ca5c40ce1cf6c44f0205df" ns2:_="" ns3:_="">
     <xsd:import namespace="71af3243-3dd4-4a8d-8c0d-dd76da1f02a5"/>
@@ -23394,6 +25284,15 @@
 </ct:contentTypeSchema>
 </file>
 
+<file path=customXml/item2.xml><?xml version="1.0" encoding="utf-8"?>
+<?mso-contentType ?>
+<FormTemplates xmlns="http://schemas.microsoft.com/sharepoint/v3/contenttype/forms">
+  <Display>DocumentLibraryForm</Display>
+  <Edit>DocumentLibraryForm</Edit>
+  <New>DocumentLibraryForm</New>
+</FormTemplates>
+</file>
+
 <file path=customXml/item3.xml><?xml version="1.0" encoding="utf-8"?>
 <p:properties xmlns:p="http://schemas.microsoft.com/office/2006/metadata/properties" xmlns:xsi="http://www.w3.org/2001/XMLSchema-instance" xmlns:pc="http://schemas.microsoft.com/office/infopath/2007/PartnerControls">
   <documentManagement>
@@ -23403,14 +25302,6 @@
 </file>
 
 <file path=customXml/itemProps1.xml><?xml version="1.0" encoding="utf-8"?>
-<ds:datastoreItem xmlns:ds="http://schemas.openxmlformats.org/officeDocument/2006/customXml" ds:itemID="{B579702B-25C7-40D7-9E29-7686B11A9660}">
-  <ds:schemaRefs>
-    <ds:schemaRef ds:uri="http://schemas.microsoft.com/sharepoint/v3/contenttype/forms"/>
-  </ds:schemaRefs>
-</ds:datastoreItem>
-</file>
-
-<file path=customXml/itemProps2.xml><?xml version="1.0" encoding="utf-8"?>
 <ds:datastoreItem xmlns:ds="http://schemas.openxmlformats.org/officeDocument/2006/customXml" ds:itemID="{A7C0B241-13E5-418D-8920-D23491E2D2C0}">
   <ds:schemaRefs>
     <ds:schemaRef ds:uri="http://schemas.microsoft.com/office/2006/metadata/contentType"/>
@@ -23429,6 +25320,14 @@
 </ds:datastoreItem>
 </file>
 
+<file path=customXml/itemProps2.xml><?xml version="1.0" encoding="utf-8"?>
+<ds:datastoreItem xmlns:ds="http://schemas.openxmlformats.org/officeDocument/2006/customXml" ds:itemID="{B579702B-25C7-40D7-9E29-7686B11A9660}">
+  <ds:schemaRefs>
+    <ds:schemaRef ds:uri="http://schemas.microsoft.com/sharepoint/v3/contenttype/forms"/>
+  </ds:schemaRefs>
+</ds:datastoreItem>
+</file>
+
 <file path=customXml/itemProps3.xml><?xml version="1.0" encoding="utf-8"?>
 <ds:datastoreItem xmlns:ds="http://schemas.openxmlformats.org/officeDocument/2006/customXml" ds:itemID="{E7866CFD-F94E-4AE5-ACEA-86FEC0F48A10}">
   <ds:schemaRefs>

--- a/Final_Presentation_Project4.pptx
+++ b/Final_Presentation_Project4.pptx
@@ -5,25 +5,24 @@
     <p:sldMasterId id="2147483669" r:id="rId4"/>
   </p:sldMasterIdLst>
   <p:notesMasterIdLst>
-    <p:notesMasterId r:id="rId18"/>
+    <p:notesMasterId r:id="rId17"/>
   </p:notesMasterIdLst>
   <p:handoutMasterIdLst>
-    <p:handoutMasterId r:id="rId19"/>
+    <p:handoutMasterId r:id="rId18"/>
   </p:handoutMasterIdLst>
   <p:sldIdLst>
     <p:sldId id="256" r:id="rId5"/>
     <p:sldId id="257" r:id="rId6"/>
     <p:sldId id="259" r:id="rId7"/>
-    <p:sldId id="258" r:id="rId8"/>
-    <p:sldId id="268" r:id="rId9"/>
-    <p:sldId id="260" r:id="rId10"/>
-    <p:sldId id="261" r:id="rId11"/>
-    <p:sldId id="271" r:id="rId12"/>
-    <p:sldId id="272" r:id="rId13"/>
-    <p:sldId id="273" r:id="rId14"/>
-    <p:sldId id="270" r:id="rId15"/>
-    <p:sldId id="267" r:id="rId16"/>
-    <p:sldId id="269" r:id="rId17"/>
+    <p:sldId id="274" r:id="rId8"/>
+    <p:sldId id="261" r:id="rId9"/>
+    <p:sldId id="271" r:id="rId10"/>
+    <p:sldId id="272" r:id="rId11"/>
+    <p:sldId id="273" r:id="rId12"/>
+    <p:sldId id="270" r:id="rId13"/>
+    <p:sldId id="275" r:id="rId14"/>
+    <p:sldId id="267" r:id="rId15"/>
+    <p:sldId id="269" r:id="rId16"/>
   </p:sldIdLst>
   <p:sldSz cx="12192000" cy="6858000"/>
   <p:notesSz cx="6858000" cy="9144000"/>
@@ -2035,7 +2034,7 @@
               <a:ea typeface="Tahoma" panose="020B0604030504040204" pitchFamily="34" charset="0"/>
               <a:cs typeface="Tahoma" panose="020B0604030504040204" pitchFamily="34" charset="0"/>
             </a:rPr>
-            <a:t>All San Diego County children may not have equal opportunity to quality primary education based on the population statistics in their neighborhoods. </a:t>
+            <a:t>Can we use strictly demographic information to accurately predict school ratings?</a:t>
           </a:r>
         </a:p>
       </dgm:t>
@@ -2078,7 +2077,7 @@
               <a:ea typeface="Tahoma" panose="020B0604030504040204" pitchFamily="34" charset="0"/>
               <a:cs typeface="Tahoma" panose="020B0604030504040204" pitchFamily="34" charset="0"/>
             </a:rPr>
-            <a:t>What machine learning model was used?</a:t>
+            <a:t>Why is this important?  </a:t>
           </a:r>
         </a:p>
       </dgm:t>
@@ -2113,12 +2112,12 @@
         <a:lstStyle/>
         <a:p>
           <a:r>
-            <a:rPr lang="en-US" sz="1600" dirty="0">
+            <a:rPr lang="en-US" sz="1400" dirty="0">
               <a:latin typeface="Tahoma" panose="020B0604030504040204" pitchFamily="34" charset="0"/>
               <a:ea typeface="Tahoma" panose="020B0604030504040204" pitchFamily="34" charset="0"/>
               <a:cs typeface="Tahoma" panose="020B0604030504040204" pitchFamily="34" charset="0"/>
             </a:rPr>
-            <a:t>We used the XXX model to show how crime statistics, median salary, post secondary education…may affect a school’s rating.</a:t>
+            <a:t>If we can build a reliable model that predicts school performance based on socio-economic factors, that is a powerful statement.  Would also be useful for identifying over or under-performing schools and learning from their instruction models</a:t>
           </a:r>
         </a:p>
       </dgm:t>
@@ -2161,7 +2160,7 @@
               <a:ea typeface="Tahoma" panose="020B0604030504040204" pitchFamily="34" charset="0"/>
               <a:cs typeface="Tahoma" panose="020B0604030504040204" pitchFamily="34" charset="0"/>
             </a:rPr>
-            <a:t>What did we find and how could the model be used?</a:t>
+            <a:t>What was the approach</a:t>
           </a:r>
         </a:p>
       </dgm:t>
@@ -2196,12 +2195,12 @@
         <a:lstStyle/>
         <a:p>
           <a:r>
-            <a:rPr lang="en-US" sz="1400" dirty="0">
+            <a:rPr lang="en-US" sz="1600" dirty="0">
               <a:latin typeface="Tahoma" panose="020B0604030504040204" pitchFamily="34" charset="0"/>
               <a:ea typeface="Tahoma" panose="020B0604030504040204" pitchFamily="34" charset="0"/>
               <a:cs typeface="Tahoma" panose="020B0604030504040204" pitchFamily="34" charset="0"/>
             </a:rPr>
-            <a:t>If the model is accurate the model could potentially be used in other regions or for education service agencies and districts to further examine what additional resources or funding may be needed. </a:t>
+            <a:t>To use data collected in project #3 and use it to develop various ML models predicting school ratings as defined by GreatSchools.org</a:t>
           </a:r>
         </a:p>
       </dgm:t>
@@ -2284,7 +2283,7 @@
               <a:ea typeface="Tahoma" panose="020B0604030504040204" pitchFamily="34" charset="0"/>
               <a:cs typeface="Tahoma" panose="020B0604030504040204" pitchFamily="34" charset="0"/>
             </a:rPr>
-            <a:t>If we find an accurate model that predicts school ratings against our test data set.</a:t>
+            <a:t>If we develop an accurate model that predicts school ratings against our test data set.</a:t>
           </a:r>
         </a:p>
       </dgm:t>
@@ -3525,7 +3524,7 @@
         <a:p>
           <a:pPr>
             <a:buFont typeface="Wingdings" panose="05000000000000000000" pitchFamily="2" charset="2"/>
-            <a:buChar char="§"/>
+            <a:buNone/>
           </a:pPr>
           <a:endParaRPr lang="en-US" sz="2000" dirty="0">
             <a:latin typeface="Tahoma" panose="020B0604030504040204" pitchFamily="34" charset="0"/>
@@ -3833,7 +3832,7 @@
     <dgm:cxn modelId="{E135A01E-FA33-45B6-BEF8-62C68741D801}" type="presOf" srcId="{9C5B5E31-3266-401D-AD43-074714A6B83F}" destId="{EA81ED6A-A7EA-4137-A3DC-D16E79F1B938}" srcOrd="0" destOrd="9" presId="urn:microsoft.com/office/officeart/2005/8/layout/hList1"/>
     <dgm:cxn modelId="{9BB72F2A-D365-40E5-A614-9C39D2A3D616}" type="presOf" srcId="{2326EA86-5B01-448D-B7F1-3E265923EA6A}" destId="{17CA1487-CDD9-4364-92F6-A11DBDAFE16C}" srcOrd="0" destOrd="3" presId="urn:microsoft.com/office/officeart/2005/8/layout/hList1"/>
     <dgm:cxn modelId="{9B14062E-D54C-460B-8ACF-1EAC88128A75}" type="presOf" srcId="{59C74700-7058-4FEE-A9CC-4C1A323F036B}" destId="{EA81ED6A-A7EA-4137-A3DC-D16E79F1B938}" srcOrd="0" destOrd="7" presId="urn:microsoft.com/office/officeart/2005/8/layout/hList1"/>
-    <dgm:cxn modelId="{421AFE2F-F0E0-44B8-AF49-E7C71B40EBDF}" srcId="{DA5DFAD8-E443-4F53-9341-A0903BBBD378}" destId="{5D85A349-16C5-4D47-B7B5-2EC1073D2661}" srcOrd="3" destOrd="0" parTransId="{94A7A624-8812-4345-B05A-7BEDFCD5C156}" sibTransId="{C4112652-278C-4FBE-A3A5-1CDEE1E544E2}"/>
+    <dgm:cxn modelId="{421AFE2F-F0E0-44B8-AF49-E7C71B40EBDF}" srcId="{DA5DFAD8-E443-4F53-9341-A0903BBBD378}" destId="{5D85A349-16C5-4D47-B7B5-2EC1073D2661}" srcOrd="4" destOrd="0" parTransId="{94A7A624-8812-4345-B05A-7BEDFCD5C156}" sibTransId="{C4112652-278C-4FBE-A3A5-1CDEE1E544E2}"/>
     <dgm:cxn modelId="{1F05D431-7385-48BB-A276-D5ABBF0A9E97}" srcId="{2F60EAC5-6FD4-4BEF-BDD9-FDB6679C289F}" destId="{0FF8A949-AA9D-41E6-BB0B-B9E6D7031565}" srcOrd="4" destOrd="0" parTransId="{0987C1EE-7374-43E9-A3AE-48FE30B4C098}" sibTransId="{DCF2A86D-7A68-412A-9925-0EB1FC2AF555}"/>
     <dgm:cxn modelId="{8E7CA135-4783-4350-8601-1267AF2BA9BB}" type="presOf" srcId="{5D85A349-16C5-4D47-B7B5-2EC1073D2661}" destId="{EA81ED6A-A7EA-4137-A3DC-D16E79F1B938}" srcOrd="0" destOrd="14" presId="urn:microsoft.com/office/officeart/2005/8/layout/hList1"/>
     <dgm:cxn modelId="{ED725E3E-F0E3-4177-86AE-5ECE4371903C}" type="presOf" srcId="{13A96DEB-B718-4CAD-A365-5A669C1B5767}" destId="{EA81ED6A-A7EA-4137-A3DC-D16E79F1B938}" srcOrd="0" destOrd="4" presId="urn:microsoft.com/office/officeart/2005/8/layout/hList1"/>
@@ -3846,7 +3845,7 @@
     <dgm:cxn modelId="{D5D61B4C-1312-427C-BDCC-013237D8A488}" srcId="{ABA77F75-8642-4931-8D7E-BE6C6DB9940D}" destId="{611C3B18-07F8-4A66-9682-97E24AEF6014}" srcOrd="0" destOrd="0" parTransId="{5940BF2D-F08A-4150-9A86-173D9242DE8C}" sibTransId="{477660C6-2B6D-4FB8-B9A3-D555E2082C2A}"/>
     <dgm:cxn modelId="{9B5EF070-2208-4D48-B5EE-FD4380264929}" srcId="{6857B86A-DEC1-407C-A1BB-5BF9ACCBCA6A}" destId="{2AE9B789-FEE4-4EA5-BA4D-CE5E1FDDBB56}" srcOrd="2" destOrd="0" parTransId="{85238600-29C2-44DB-BD00-1C7AFF99B7C0}" sibTransId="{1FBB97C2-178C-4D74-84BC-818F9449B037}"/>
     <dgm:cxn modelId="{AA027375-CDBC-4C6A-9C86-9F783B47207F}" srcId="{2F60EAC5-6FD4-4BEF-BDD9-FDB6679C289F}" destId="{DCA9B665-D854-45CA-B3EB-F8806A002D9A}" srcOrd="1" destOrd="0" parTransId="{7C675B52-C964-48EC-8FF9-B52CF7AFE30B}" sibTransId="{B4A37C19-0DAA-4E65-9851-42B233A92F89}"/>
-    <dgm:cxn modelId="{63ADF855-874E-4ED8-AE0A-6EA2A7D9D57C}" srcId="{5E9A4EC2-4EDE-4E07-B692-46D6739EE230}" destId="{1004CC15-A022-49D3-ADA3-5F59CC69F1C9}" srcOrd="0" destOrd="0" parTransId="{836E658F-0BBE-4667-B125-98DFD6DAD62F}" sibTransId="{D194E600-E6AD-4FBC-B512-DF328FBF7987}"/>
+    <dgm:cxn modelId="{63ADF855-874E-4ED8-AE0A-6EA2A7D9D57C}" srcId="{DA5DFAD8-E443-4F53-9341-A0903BBBD378}" destId="{1004CC15-A022-49D3-ADA3-5F59CC69F1C9}" srcOrd="3" destOrd="0" parTransId="{836E658F-0BBE-4667-B125-98DFD6DAD62F}" sibTransId="{D194E600-E6AD-4FBC-B512-DF328FBF7987}"/>
     <dgm:cxn modelId="{CC914357-107D-444A-BC0C-A0FC0F75A205}" type="presOf" srcId="{2D5B933B-42F3-42B5-909C-385314E0D308}" destId="{17CA1487-CDD9-4364-92F6-A11DBDAFE16C}" srcOrd="0" destOrd="4" presId="urn:microsoft.com/office/officeart/2005/8/layout/hList1"/>
     <dgm:cxn modelId="{EF126E58-80B2-4345-ACBA-6C5962B06D58}" type="presOf" srcId="{C8F2F8B1-D5E4-47FC-A482-E15642E97ADF}" destId="{EA81ED6A-A7EA-4137-A3DC-D16E79F1B938}" srcOrd="0" destOrd="8" presId="urn:microsoft.com/office/officeart/2005/8/layout/hList1"/>
     <dgm:cxn modelId="{F84A0D7A-88C7-4C2F-88CB-2300A21E2893}" type="presOf" srcId="{CB2ED894-EA78-4ADA-989E-53760C9E8D8B}" destId="{EA81ED6A-A7EA-4137-A3DC-D16E79F1B938}" srcOrd="0" destOrd="2" presId="urn:microsoft.com/office/officeart/2005/8/layout/hList1"/>
@@ -3856,7 +3855,7 @@
     <dgm:cxn modelId="{2A048A8A-D3E9-4D78-97F5-CDA37AB1D412}" type="presOf" srcId="{DA5DFAD8-E443-4F53-9341-A0903BBBD378}" destId="{23D06E36-F688-4B37-8BB8-73015E665B0E}" srcOrd="0" destOrd="0" presId="urn:microsoft.com/office/officeart/2005/8/layout/hList1"/>
     <dgm:cxn modelId="{7A4FB68D-298C-4344-BBDC-B1D0C26B68F7}" srcId="{DA5DFAD8-E443-4F53-9341-A0903BBBD378}" destId="{77893CAB-E6A4-481C-A464-9FC5B5917853}" srcOrd="1" destOrd="0" parTransId="{2E35248E-DBE4-4228-830E-A28FBAF7CBCC}" sibTransId="{D10328EA-009D-41F7-9B92-F7D416FF302F}"/>
     <dgm:cxn modelId="{23D6659A-C44A-45A3-A093-1B9804CF6E74}" srcId="{6857B86A-DEC1-407C-A1BB-5BF9ACCBCA6A}" destId="{2326EA86-5B01-448D-B7F1-3E265923EA6A}" srcOrd="3" destOrd="0" parTransId="{C918EDD0-D697-4AC8-B84A-C075A4D48F5E}" sibTransId="{3D62CC48-B5DB-4CF7-8312-212DF6E8750F}"/>
-    <dgm:cxn modelId="{9E265D9F-1436-4FEB-9477-8C7CAD0B4B62}" srcId="{5E9A4EC2-4EDE-4E07-B692-46D6739EE230}" destId="{C6431A95-FB0B-4CAC-AEC9-E017A8960D6D}" srcOrd="1" destOrd="0" parTransId="{710904E6-3B09-497C-982D-6E974045EC45}" sibTransId="{BA5EF7C2-6909-4504-8620-F5DB7DE7E099}"/>
+    <dgm:cxn modelId="{9E265D9F-1436-4FEB-9477-8C7CAD0B4B62}" srcId="{1004CC15-A022-49D3-ADA3-5F59CC69F1C9}" destId="{C6431A95-FB0B-4CAC-AEC9-E017A8960D6D}" srcOrd="0" destOrd="0" parTransId="{710904E6-3B09-497C-982D-6E974045EC45}" sibTransId="{BA5EF7C2-6909-4504-8620-F5DB7DE7E099}"/>
     <dgm:cxn modelId="{4BF1EEA1-6E89-4F91-BAE8-11038685C515}" type="presOf" srcId="{4C8BFA56-3F75-4CAD-90A3-2F214D699322}" destId="{17CA1487-CDD9-4364-92F6-A11DBDAFE16C}" srcOrd="0" destOrd="0" presId="urn:microsoft.com/office/officeart/2005/8/layout/hList1"/>
     <dgm:cxn modelId="{1958AFA4-E260-4D59-AFE5-D9B6D5ABC5C0}" type="presOf" srcId="{39E0DCC1-D3FF-46A1-84AC-3E2C046206C3}" destId="{17CA1487-CDD9-4364-92F6-A11DBDAFE16C}" srcOrd="0" destOrd="1" presId="urn:microsoft.com/office/officeart/2005/8/layout/hList1"/>
     <dgm:cxn modelId="{8CA602A7-2740-420C-969E-A88C2E388817}" srcId="{2F60EAC5-6FD4-4BEF-BDD9-FDB6679C289F}" destId="{3AE54233-9B91-43EE-972D-726141A367FB}" srcOrd="3" destOrd="0" parTransId="{F1FDBDE0-B091-454A-BFA6-4255703D04F2}" sibTransId="{662170A1-04DA-4048-A815-659CA8DAFA60}"/>
@@ -3985,7 +3984,7 @@
               <a:ea typeface="Tahoma" panose="020B0604030504040204" pitchFamily="34" charset="0"/>
               <a:cs typeface="Tahoma" panose="020B0604030504040204" pitchFamily="34" charset="0"/>
             </a:rPr>
-            <a:t>All San Diego County children may not have equal opportunity to quality primary education based on the population statistics in their neighborhoods. </a:t>
+            <a:t>Can we use strictly demographic information to accurately predict school ratings?</a:t>
           </a:r>
         </a:p>
       </dsp:txBody>
@@ -4134,7 +4133,7 @@
         </a:bodyPr>
         <a:lstStyle/>
         <a:p>
-          <a:pPr marL="171450" lvl="1" indent="-171450" algn="l" defTabSz="711200">
+          <a:pPr marL="114300" lvl="1" indent="-114300" algn="l" defTabSz="622300">
             <a:lnSpc>
               <a:spcPct val="90000"/>
             </a:lnSpc>
@@ -4147,12 +4146,12 @@
             <a:buChar char="•"/>
           </a:pPr>
           <a:r>
-            <a:rPr lang="en-US" sz="1600" kern="1200" dirty="0">
+            <a:rPr lang="en-US" sz="1400" kern="1200" dirty="0">
               <a:latin typeface="Tahoma" panose="020B0604030504040204" pitchFamily="34" charset="0"/>
               <a:ea typeface="Tahoma" panose="020B0604030504040204" pitchFamily="34" charset="0"/>
               <a:cs typeface="Tahoma" panose="020B0604030504040204" pitchFamily="34" charset="0"/>
             </a:rPr>
-            <a:t>We used the XXX model to show how crime statistics, median salary, post secondary education…may affect a school’s rating.</a:t>
+            <a:t>If we can build a reliable model that predicts school performance based on socio-economic factors, that is a powerful statement.  Would also be useful for identifying over or under-performing schools and learning from their instruction models</a:t>
           </a:r>
         </a:p>
       </dsp:txBody>
@@ -4236,7 +4235,7 @@
               <a:ea typeface="Tahoma" panose="020B0604030504040204" pitchFamily="34" charset="0"/>
               <a:cs typeface="Tahoma" panose="020B0604030504040204" pitchFamily="34" charset="0"/>
             </a:rPr>
-            <a:t>What machine learning model was used?</a:t>
+            <a:t>Why is this important?  </a:t>
           </a:r>
         </a:p>
       </dsp:txBody>
@@ -4301,7 +4300,7 @@
         </a:bodyPr>
         <a:lstStyle/>
         <a:p>
-          <a:pPr marL="114300" lvl="1" indent="-114300" algn="l" defTabSz="622300">
+          <a:pPr marL="171450" lvl="1" indent="-171450" algn="l" defTabSz="711200">
             <a:lnSpc>
               <a:spcPct val="90000"/>
             </a:lnSpc>
@@ -4314,12 +4313,12 @@
             <a:buChar char="•"/>
           </a:pPr>
           <a:r>
-            <a:rPr lang="en-US" sz="1400" kern="1200" dirty="0">
+            <a:rPr lang="en-US" sz="1600" kern="1200" dirty="0">
               <a:latin typeface="Tahoma" panose="020B0604030504040204" pitchFamily="34" charset="0"/>
               <a:ea typeface="Tahoma" panose="020B0604030504040204" pitchFamily="34" charset="0"/>
               <a:cs typeface="Tahoma" panose="020B0604030504040204" pitchFamily="34" charset="0"/>
             </a:rPr>
-            <a:t>If the model is accurate the model could potentially be used in other regions or for education service agencies and districts to further examine what additional resources or funding may be needed. </a:t>
+            <a:t>To use data collected in project #3 and use it to develop various ML models predicting school ratings as defined by GreatSchools.org</a:t>
           </a:r>
         </a:p>
       </dsp:txBody>
@@ -4403,7 +4402,7 @@
               <a:ea typeface="Tahoma" panose="020B0604030504040204" pitchFamily="34" charset="0"/>
               <a:cs typeface="Tahoma" panose="020B0604030504040204" pitchFamily="34" charset="0"/>
             </a:rPr>
-            <a:t>What did we find and how could the model be used?</a:t>
+            <a:t>What was the approach</a:t>
           </a:r>
         </a:p>
       </dsp:txBody>
@@ -4486,7 +4485,7 @@
               <a:ea typeface="Tahoma" panose="020B0604030504040204" pitchFamily="34" charset="0"/>
               <a:cs typeface="Tahoma" panose="020B0604030504040204" pitchFamily="34" charset="0"/>
             </a:rPr>
-            <a:t>If we find an accurate model that predicts school ratings against our test data set.</a:t>
+            <a:t>If we develop an accurate model that predicts school ratings against our test data set.</a:t>
           </a:r>
         </a:p>
       </dsp:txBody>
@@ -5569,7 +5568,7 @@
           </a:r>
         </a:p>
         <a:p>
-          <a:pPr marL="228600" lvl="2" indent="-114300" algn="l" defTabSz="666750">
+          <a:pPr marL="114300" lvl="1" indent="-114300" algn="l" defTabSz="666750">
             <a:lnSpc>
               <a:spcPct val="90000"/>
             </a:lnSpc>
@@ -5580,7 +5579,7 @@
               <a:spcPct val="15000"/>
             </a:spcAft>
             <a:buFont typeface="Wingdings" panose="05000000000000000000" pitchFamily="2" charset="2"/>
-            <a:buChar char="§"/>
+            <a:buNone/>
           </a:pPr>
           <a:endParaRPr lang="en-US" sz="1500" kern="1200" dirty="0">
             <a:latin typeface="Tahoma" panose="020B0604030504040204" pitchFamily="34" charset="0"/>
@@ -8250,7 +8249,7 @@
           <a:p>
             <a:fld id="{2B85766F-5EC0-4797-B4D1-777FCB005B11}" type="datetimeFigureOut">
               <a:rPr lang="en-US" smtClean="0"/>
-              <a:t>10/27/2021</a:t>
+              <a:t>10/28/2021</a:t>
             </a:fld>
             <a:endParaRPr lang="en-US" dirty="0"/>
           </a:p>
@@ -8427,7 +8426,7 @@
           <a:p>
             <a:fld id="{B2B4B5EC-152C-4627-80C0-63B10D5574EF}" type="datetimeFigureOut">
               <a:rPr lang="en-US" smtClean="0"/>
-              <a:t>10/27/2021</a:t>
+              <a:t>10/28/2021</a:t>
             </a:fld>
             <a:endParaRPr lang="en-US" dirty="0"/>
           </a:p>
@@ -8751,7 +8750,7 @@
           <a:noFill/>
           <a:extLst>
             <a:ext uri="{909E8E84-426E-40dd-AFC4-6F175D3DCCD1}">
-              <a14:hiddenFill xmlns:a14="http://schemas.microsoft.com/office/drawing/2010/main" xmlns="">
+              <a14:hiddenFill xmlns="" xmlns:a14="http://schemas.microsoft.com/office/drawing/2010/main">
                 <a:solidFill>
                   <a:srgbClr val="FFFFFF"/>
                 </a:solidFill>
@@ -8810,7 +8809,7 @@
             </a:ln>
             <a:extLst>
               <a:ext uri="{91240B29-F687-4f45-9708-019B960494DF}">
-                <a14:hiddenLine xmlns:a14="http://schemas.microsoft.com/office/drawing/2010/main" xmlns="" w="9525">
+                <a14:hiddenLine xmlns="" xmlns:a14="http://schemas.microsoft.com/office/drawing/2010/main" w="9525">
                   <a:solidFill>
                     <a:srgbClr val="000000"/>
                   </a:solidFill>
@@ -8900,7 +8899,7 @@
             </a:ln>
             <a:extLst>
               <a:ext uri="{91240B29-F687-4f45-9708-019B960494DF}">
-                <a14:hiddenLine xmlns:a14="http://schemas.microsoft.com/office/drawing/2010/main" xmlns="" w="9525">
+                <a14:hiddenLine xmlns="" xmlns:a14="http://schemas.microsoft.com/office/drawing/2010/main" w="9525">
                   <a:solidFill>
                     <a:srgbClr val="000000"/>
                   </a:solidFill>
@@ -8990,7 +8989,7 @@
             </a:ln>
             <a:extLst>
               <a:ext uri="{91240B29-F687-4f45-9708-019B960494DF}">
-                <a14:hiddenLine xmlns:a14="http://schemas.microsoft.com/office/drawing/2010/main" xmlns="" w="9525">
+                <a14:hiddenLine xmlns="" xmlns:a14="http://schemas.microsoft.com/office/drawing/2010/main" w="9525">
                   <a:solidFill>
                     <a:srgbClr val="000000"/>
                   </a:solidFill>
@@ -9024,7 +9023,7 @@
             </a:ln>
             <a:extLst>
               <a:ext uri="{91240B29-F687-4f45-9708-019B960494DF}">
-                <a14:hiddenLine xmlns:a14="http://schemas.microsoft.com/office/drawing/2010/main" xmlns="" w="9525">
+                <a14:hiddenLine xmlns="" xmlns:a14="http://schemas.microsoft.com/office/drawing/2010/main" w="9525">
                   <a:solidFill>
                     <a:srgbClr val="000000"/>
                   </a:solidFill>
@@ -9114,7 +9113,7 @@
             </a:ln>
             <a:extLst>
               <a:ext uri="{91240B29-F687-4f45-9708-019B960494DF}">
-                <a14:hiddenLine xmlns:a14="http://schemas.microsoft.com/office/drawing/2010/main" xmlns="" w="9525">
+                <a14:hiddenLine xmlns="" xmlns:a14="http://schemas.microsoft.com/office/drawing/2010/main" w="9525">
                   <a:solidFill>
                     <a:srgbClr val="000000"/>
                   </a:solidFill>
@@ -9176,7 +9175,7 @@
             </a:ln>
             <a:extLst>
               <a:ext uri="{91240B29-F687-4f45-9708-019B960494DF}">
-                <a14:hiddenLine xmlns:a14="http://schemas.microsoft.com/office/drawing/2010/main" xmlns="" w="9525">
+                <a14:hiddenLine xmlns="" xmlns:a14="http://schemas.microsoft.com/office/drawing/2010/main" w="9525">
                   <a:solidFill>
                     <a:srgbClr val="000000"/>
                   </a:solidFill>
@@ -9238,7 +9237,7 @@
             </a:ln>
             <a:extLst>
               <a:ext uri="{91240B29-F687-4f45-9708-019B960494DF}">
-                <a14:hiddenLine xmlns:a14="http://schemas.microsoft.com/office/drawing/2010/main" xmlns="" w="9525">
+                <a14:hiddenLine xmlns="" xmlns:a14="http://schemas.microsoft.com/office/drawing/2010/main" w="9525">
                   <a:solidFill>
                     <a:srgbClr val="000000"/>
                   </a:solidFill>
@@ -9328,7 +9327,7 @@
             </a:ln>
             <a:extLst>
               <a:ext uri="{91240B29-F687-4f45-9708-019B960494DF}">
-                <a14:hiddenLine xmlns:a14="http://schemas.microsoft.com/office/drawing/2010/main" xmlns="" w="9525">
+                <a14:hiddenLine xmlns="" xmlns:a14="http://schemas.microsoft.com/office/drawing/2010/main" w="9525">
                   <a:solidFill>
                     <a:srgbClr val="000000"/>
                   </a:solidFill>
@@ -9390,7 +9389,7 @@
             </a:ln>
             <a:extLst>
               <a:ext uri="{91240B29-F687-4f45-9708-019B960494DF}">
-                <a14:hiddenLine xmlns:a14="http://schemas.microsoft.com/office/drawing/2010/main" xmlns="" w="9525">
+                <a14:hiddenLine xmlns="" xmlns:a14="http://schemas.microsoft.com/office/drawing/2010/main" w="9525">
                   <a:solidFill>
                     <a:srgbClr val="000000"/>
                   </a:solidFill>
@@ -9452,7 +9451,7 @@
             </a:ln>
             <a:extLst>
               <a:ext uri="{91240B29-F687-4f45-9708-019B960494DF}">
-                <a14:hiddenLine xmlns:a14="http://schemas.microsoft.com/office/drawing/2010/main" xmlns="" w="9525">
+                <a14:hiddenLine xmlns="" xmlns:a14="http://schemas.microsoft.com/office/drawing/2010/main" w="9525">
                   <a:solidFill>
                     <a:srgbClr val="000000"/>
                   </a:solidFill>
@@ -9542,7 +9541,7 @@
             </a:ln>
             <a:extLst>
               <a:ext uri="{91240B29-F687-4f45-9708-019B960494DF}">
-                <a14:hiddenLine xmlns:a14="http://schemas.microsoft.com/office/drawing/2010/main" xmlns="" w="9525">
+                <a14:hiddenLine xmlns="" xmlns:a14="http://schemas.microsoft.com/office/drawing/2010/main" w="9525">
                   <a:solidFill>
                     <a:srgbClr val="000000"/>
                   </a:solidFill>
@@ -9632,7 +9631,7 @@
             </a:ln>
             <a:extLst>
               <a:ext uri="{91240B29-F687-4f45-9708-019B960494DF}">
-                <a14:hiddenLine xmlns:a14="http://schemas.microsoft.com/office/drawing/2010/main" xmlns="" w="9525">
+                <a14:hiddenLine xmlns="" xmlns:a14="http://schemas.microsoft.com/office/drawing/2010/main" w="9525">
                   <a:solidFill>
                     <a:srgbClr val="000000"/>
                   </a:solidFill>
@@ -9694,7 +9693,7 @@
             </a:ln>
             <a:extLst>
               <a:ext uri="{91240B29-F687-4f45-9708-019B960494DF}">
-                <a14:hiddenLine xmlns:a14="http://schemas.microsoft.com/office/drawing/2010/main" xmlns="" w="9525">
+                <a14:hiddenLine xmlns="" xmlns:a14="http://schemas.microsoft.com/office/drawing/2010/main" w="9525">
                   <a:solidFill>
                     <a:srgbClr val="000000"/>
                   </a:solidFill>
@@ -9804,7 +9803,7 @@
             </a:ln>
             <a:extLst>
               <a:ext uri="{91240B29-F687-4f45-9708-019B960494DF}">
-                <a14:hiddenLine xmlns:a14="http://schemas.microsoft.com/office/drawing/2010/main" xmlns="" w="9525">
+                <a14:hiddenLine xmlns="" xmlns:a14="http://schemas.microsoft.com/office/drawing/2010/main" w="9525">
                   <a:solidFill>
                     <a:srgbClr val="000000"/>
                   </a:solidFill>
@@ -9866,7 +9865,7 @@
             </a:ln>
             <a:extLst>
               <a:ext uri="{91240B29-F687-4f45-9708-019B960494DF}">
-                <a14:hiddenLine xmlns:a14="http://schemas.microsoft.com/office/drawing/2010/main" xmlns="" w="9525">
+                <a14:hiddenLine xmlns="" xmlns:a14="http://schemas.microsoft.com/office/drawing/2010/main" w="9525">
                   <a:solidFill>
                     <a:srgbClr val="000000"/>
                   </a:solidFill>
@@ -9956,7 +9955,7 @@
             </a:ln>
             <a:extLst>
               <a:ext uri="{91240B29-F687-4f45-9708-019B960494DF}">
-                <a14:hiddenLine xmlns:a14="http://schemas.microsoft.com/office/drawing/2010/main" xmlns="" w="9525">
+                <a14:hiddenLine xmlns="" xmlns:a14="http://schemas.microsoft.com/office/drawing/2010/main" w="9525">
                   <a:solidFill>
                     <a:srgbClr val="000000"/>
                   </a:solidFill>
@@ -10046,7 +10045,7 @@
             </a:ln>
             <a:extLst>
               <a:ext uri="{91240B29-F687-4f45-9708-019B960494DF}">
-                <a14:hiddenLine xmlns:a14="http://schemas.microsoft.com/office/drawing/2010/main" xmlns="" w="9525">
+                <a14:hiddenLine xmlns="" xmlns:a14="http://schemas.microsoft.com/office/drawing/2010/main" w="9525">
                   <a:solidFill>
                     <a:srgbClr val="000000"/>
                   </a:solidFill>
@@ -10108,7 +10107,7 @@
             </a:ln>
             <a:extLst>
               <a:ext uri="{91240B29-F687-4f45-9708-019B960494DF}">
-                <a14:hiddenLine xmlns:a14="http://schemas.microsoft.com/office/drawing/2010/main" xmlns="" w="9525">
+                <a14:hiddenLine xmlns="" xmlns:a14="http://schemas.microsoft.com/office/drawing/2010/main" w="9525">
                   <a:solidFill>
                     <a:srgbClr val="000000"/>
                   </a:solidFill>
@@ -10198,7 +10197,7 @@
             </a:ln>
             <a:extLst>
               <a:ext uri="{91240B29-F687-4f45-9708-019B960494DF}">
-                <a14:hiddenLine xmlns:a14="http://schemas.microsoft.com/office/drawing/2010/main" xmlns="" w="9525">
+                <a14:hiddenLine xmlns="" xmlns:a14="http://schemas.microsoft.com/office/drawing/2010/main" w="9525">
                   <a:solidFill>
                     <a:srgbClr val="000000"/>
                   </a:solidFill>
@@ -10288,7 +10287,7 @@
             </a:ln>
             <a:extLst>
               <a:ext uri="{91240B29-F687-4f45-9708-019B960494DF}">
-                <a14:hiddenLine xmlns:a14="http://schemas.microsoft.com/office/drawing/2010/main" xmlns="" w="9525">
+                <a14:hiddenLine xmlns="" xmlns:a14="http://schemas.microsoft.com/office/drawing/2010/main" w="9525">
                   <a:solidFill>
                     <a:srgbClr val="000000"/>
                   </a:solidFill>
@@ -10344,7 +10343,7 @@
             </a:ln>
             <a:extLst>
               <a:ext uri="{91240B29-F687-4f45-9708-019B960494DF}">
-                <a14:hiddenLine xmlns:a14="http://schemas.microsoft.com/office/drawing/2010/main" xmlns="" w="9525">
+                <a14:hiddenLine xmlns="" xmlns:a14="http://schemas.microsoft.com/office/drawing/2010/main" w="9525">
                   <a:solidFill>
                     <a:srgbClr val="000000"/>
                   </a:solidFill>
@@ -10434,7 +10433,7 @@
             </a:ln>
             <a:extLst>
               <a:ext uri="{91240B29-F687-4f45-9708-019B960494DF}">
-                <a14:hiddenLine xmlns:a14="http://schemas.microsoft.com/office/drawing/2010/main" xmlns="" w="9525">
+                <a14:hiddenLine xmlns="" xmlns:a14="http://schemas.microsoft.com/office/drawing/2010/main" w="9525">
                   <a:solidFill>
                     <a:srgbClr val="000000"/>
                   </a:solidFill>
@@ -10490,7 +10489,7 @@
             </a:ln>
             <a:extLst>
               <a:ext uri="{91240B29-F687-4f45-9708-019B960494DF}">
-                <a14:hiddenLine xmlns:a14="http://schemas.microsoft.com/office/drawing/2010/main" xmlns="" w="9525">
+                <a14:hiddenLine xmlns="" xmlns:a14="http://schemas.microsoft.com/office/drawing/2010/main" w="9525">
                   <a:solidFill>
                     <a:srgbClr val="000000"/>
                   </a:solidFill>
@@ -10580,7 +10579,7 @@
             </a:ln>
             <a:extLst>
               <a:ext uri="{91240B29-F687-4f45-9708-019B960494DF}">
-                <a14:hiddenLine xmlns:a14="http://schemas.microsoft.com/office/drawing/2010/main" xmlns="" w="9525">
+                <a14:hiddenLine xmlns="" xmlns:a14="http://schemas.microsoft.com/office/drawing/2010/main" w="9525">
                   <a:solidFill>
                     <a:srgbClr val="000000"/>
                   </a:solidFill>
@@ -10648,7 +10647,7 @@
             </a:ln>
             <a:extLst>
               <a:ext uri="{91240B29-F687-4f45-9708-019B960494DF}">
-                <a14:hiddenLine xmlns:a14="http://schemas.microsoft.com/office/drawing/2010/main" xmlns="" w="9525">
+                <a14:hiddenLine xmlns="" xmlns:a14="http://schemas.microsoft.com/office/drawing/2010/main" w="9525">
                   <a:solidFill>
                     <a:srgbClr val="000000"/>
                   </a:solidFill>
@@ -10738,7 +10737,7 @@
             </a:ln>
             <a:extLst>
               <a:ext uri="{91240B29-F687-4f45-9708-019B960494DF}">
-                <a14:hiddenLine xmlns:a14="http://schemas.microsoft.com/office/drawing/2010/main" xmlns="" w="9525">
+                <a14:hiddenLine xmlns="" xmlns:a14="http://schemas.microsoft.com/office/drawing/2010/main" w="9525">
                   <a:solidFill>
                     <a:srgbClr val="000000"/>
                   </a:solidFill>
@@ -10806,7 +10805,7 @@
             </a:ln>
             <a:extLst>
               <a:ext uri="{91240B29-F687-4f45-9708-019B960494DF}">
-                <a14:hiddenLine xmlns:a14="http://schemas.microsoft.com/office/drawing/2010/main" xmlns="" w="9525">
+                <a14:hiddenLine xmlns="" xmlns:a14="http://schemas.microsoft.com/office/drawing/2010/main" w="9525">
                   <a:solidFill>
                     <a:srgbClr val="000000"/>
                   </a:solidFill>
@@ -10896,7 +10895,7 @@
             </a:ln>
             <a:extLst>
               <a:ext uri="{91240B29-F687-4f45-9708-019B960494DF}">
-                <a14:hiddenLine xmlns:a14="http://schemas.microsoft.com/office/drawing/2010/main" xmlns="" w="9525">
+                <a14:hiddenLine xmlns="" xmlns:a14="http://schemas.microsoft.com/office/drawing/2010/main" w="9525">
                   <a:solidFill>
                     <a:srgbClr val="000000"/>
                   </a:solidFill>
@@ -10930,7 +10929,7 @@
             </a:ln>
             <a:extLst>
               <a:ext uri="{91240B29-F687-4f45-9708-019B960494DF}">
-                <a14:hiddenLine xmlns:a14="http://schemas.microsoft.com/office/drawing/2010/main" xmlns="" w="9525">
+                <a14:hiddenLine xmlns="" xmlns:a14="http://schemas.microsoft.com/office/drawing/2010/main" w="9525">
                   <a:solidFill>
                     <a:srgbClr val="000000"/>
                   </a:solidFill>
@@ -11020,7 +11019,7 @@
             </a:ln>
             <a:extLst>
               <a:ext uri="{91240B29-F687-4f45-9708-019B960494DF}">
-                <a14:hiddenLine xmlns:a14="http://schemas.microsoft.com/office/drawing/2010/main" xmlns="" w="9525">
+                <a14:hiddenLine xmlns="" xmlns:a14="http://schemas.microsoft.com/office/drawing/2010/main" w="9525">
                   <a:solidFill>
                     <a:srgbClr val="000000"/>
                   </a:solidFill>
@@ -11082,7 +11081,7 @@
             </a:ln>
             <a:extLst>
               <a:ext uri="{91240B29-F687-4f45-9708-019B960494DF}">
-                <a14:hiddenLine xmlns:a14="http://schemas.microsoft.com/office/drawing/2010/main" xmlns="" w="9525">
+                <a14:hiddenLine xmlns="" xmlns:a14="http://schemas.microsoft.com/office/drawing/2010/main" w="9525">
                   <a:solidFill>
                     <a:srgbClr val="000000"/>
                   </a:solidFill>
@@ -11144,7 +11143,7 @@
             </a:ln>
             <a:extLst>
               <a:ext uri="{91240B29-F687-4f45-9708-019B960494DF}">
-                <a14:hiddenLine xmlns:a14="http://schemas.microsoft.com/office/drawing/2010/main" xmlns="" w="9525">
+                <a14:hiddenLine xmlns="" xmlns:a14="http://schemas.microsoft.com/office/drawing/2010/main" w="9525">
                   <a:solidFill>
                     <a:srgbClr val="000000"/>
                   </a:solidFill>
@@ -11234,7 +11233,7 @@
             </a:ln>
             <a:extLst>
               <a:ext uri="{91240B29-F687-4f45-9708-019B960494DF}">
-                <a14:hiddenLine xmlns:a14="http://schemas.microsoft.com/office/drawing/2010/main" xmlns="" w="9525">
+                <a14:hiddenLine xmlns="" xmlns:a14="http://schemas.microsoft.com/office/drawing/2010/main" w="9525">
                   <a:solidFill>
                     <a:srgbClr val="000000"/>
                   </a:solidFill>
@@ -11302,7 +11301,7 @@
             </a:ln>
             <a:extLst>
               <a:ext uri="{91240B29-F687-4f45-9708-019B960494DF}">
-                <a14:hiddenLine xmlns:a14="http://schemas.microsoft.com/office/drawing/2010/main" xmlns="" w="9525">
+                <a14:hiddenLine xmlns="" xmlns:a14="http://schemas.microsoft.com/office/drawing/2010/main" w="9525">
                   <a:solidFill>
                     <a:srgbClr val="000000"/>
                   </a:solidFill>
@@ -11364,7 +11363,7 @@
             </a:ln>
             <a:extLst>
               <a:ext uri="{91240B29-F687-4f45-9708-019B960494DF}">
-                <a14:hiddenLine xmlns:a14="http://schemas.microsoft.com/office/drawing/2010/main" xmlns="" w="9525">
+                <a14:hiddenLine xmlns="" xmlns:a14="http://schemas.microsoft.com/office/drawing/2010/main" w="9525">
                   <a:solidFill>
                     <a:srgbClr val="000000"/>
                   </a:solidFill>
@@ -11454,7 +11453,7 @@
             </a:ln>
             <a:extLst>
               <a:ext uri="{91240B29-F687-4f45-9708-019B960494DF}">
-                <a14:hiddenLine xmlns:a14="http://schemas.microsoft.com/office/drawing/2010/main" xmlns="" w="9525">
+                <a14:hiddenLine xmlns="" xmlns:a14="http://schemas.microsoft.com/office/drawing/2010/main" w="9525">
                   <a:solidFill>
                     <a:srgbClr val="000000"/>
                   </a:solidFill>
@@ -11516,7 +11515,7 @@
             </a:ln>
             <a:extLst>
               <a:ext uri="{91240B29-F687-4f45-9708-019B960494DF}">
-                <a14:hiddenLine xmlns:a14="http://schemas.microsoft.com/office/drawing/2010/main" xmlns="" w="9525">
+                <a14:hiddenLine xmlns="" xmlns:a14="http://schemas.microsoft.com/office/drawing/2010/main" w="9525">
                   <a:solidFill>
                     <a:srgbClr val="000000"/>
                   </a:solidFill>
@@ -11606,7 +11605,7 @@
             </a:ln>
             <a:extLst>
               <a:ext uri="{91240B29-F687-4f45-9708-019B960494DF}">
-                <a14:hiddenLine xmlns:a14="http://schemas.microsoft.com/office/drawing/2010/main" xmlns="" w="9525">
+                <a14:hiddenLine xmlns="" xmlns:a14="http://schemas.microsoft.com/office/drawing/2010/main" w="9525">
                   <a:solidFill>
                     <a:srgbClr val="000000"/>
                   </a:solidFill>
@@ -11668,7 +11667,7 @@
             </a:ln>
             <a:extLst>
               <a:ext uri="{91240B29-F687-4f45-9708-019B960494DF}">
-                <a14:hiddenLine xmlns:a14="http://schemas.microsoft.com/office/drawing/2010/main" xmlns="" w="9525">
+                <a14:hiddenLine xmlns="" xmlns:a14="http://schemas.microsoft.com/office/drawing/2010/main" w="9525">
                   <a:solidFill>
                     <a:srgbClr val="000000"/>
                   </a:solidFill>
@@ -11758,7 +11757,7 @@
             </a:ln>
             <a:extLst>
               <a:ext uri="{91240B29-F687-4f45-9708-019B960494DF}">
-                <a14:hiddenLine xmlns:a14="http://schemas.microsoft.com/office/drawing/2010/main" xmlns="" w="9525">
+                <a14:hiddenLine xmlns="" xmlns:a14="http://schemas.microsoft.com/office/drawing/2010/main" w="9525">
                   <a:solidFill>
                     <a:srgbClr val="000000"/>
                   </a:solidFill>
@@ -11792,7 +11791,7 @@
             </a:ln>
             <a:extLst>
               <a:ext uri="{91240B29-F687-4f45-9708-019B960494DF}">
-                <a14:hiddenLine xmlns:a14="http://schemas.microsoft.com/office/drawing/2010/main" xmlns="" w="9525">
+                <a14:hiddenLine xmlns="" xmlns:a14="http://schemas.microsoft.com/office/drawing/2010/main" w="9525">
                   <a:solidFill>
                     <a:srgbClr val="000000"/>
                   </a:solidFill>
@@ -11857,7 +11856,7 @@
             </a:ln>
             <a:extLst>
               <a:ext uri="{91240B29-F687-4f45-9708-019B960494DF}">
-                <a14:hiddenLine xmlns:a14="http://schemas.microsoft.com/office/drawing/2010/main" xmlns="" w="9525">
+                <a14:hiddenLine xmlns="" xmlns:a14="http://schemas.microsoft.com/office/drawing/2010/main" w="9525">
                   <a:solidFill>
                     <a:srgbClr val="000000"/>
                   </a:solidFill>
@@ -11947,7 +11946,7 @@
             </a:ln>
             <a:extLst>
               <a:ext uri="{91240B29-F687-4f45-9708-019B960494DF}">
-                <a14:hiddenLine xmlns:a14="http://schemas.microsoft.com/office/drawing/2010/main" xmlns="" w="9525">
+                <a14:hiddenLine xmlns="" xmlns:a14="http://schemas.microsoft.com/office/drawing/2010/main" w="9525">
                   <a:solidFill>
                     <a:srgbClr val="000000"/>
                   </a:solidFill>
@@ -12009,7 +12008,7 @@
             </a:ln>
             <a:extLst>
               <a:ext uri="{91240B29-F687-4f45-9708-019B960494DF}">
-                <a14:hiddenLine xmlns:a14="http://schemas.microsoft.com/office/drawing/2010/main" xmlns="" w="9525">
+                <a14:hiddenLine xmlns="" xmlns:a14="http://schemas.microsoft.com/office/drawing/2010/main" w="9525">
                   <a:solidFill>
                     <a:srgbClr val="000000"/>
                   </a:solidFill>
@@ -12099,7 +12098,7 @@
             </a:ln>
             <a:extLst>
               <a:ext uri="{91240B29-F687-4f45-9708-019B960494DF}">
-                <a14:hiddenLine xmlns:a14="http://schemas.microsoft.com/office/drawing/2010/main" xmlns="" w="9525">
+                <a14:hiddenLine xmlns="" xmlns:a14="http://schemas.microsoft.com/office/drawing/2010/main" w="9525">
                   <a:solidFill>
                     <a:srgbClr val="000000"/>
                   </a:solidFill>
@@ -12189,7 +12188,7 @@
             </a:ln>
             <a:extLst>
               <a:ext uri="{91240B29-F687-4f45-9708-019B960494DF}">
-                <a14:hiddenLine xmlns:a14="http://schemas.microsoft.com/office/drawing/2010/main" xmlns="" w="9525">
+                <a14:hiddenLine xmlns="" xmlns:a14="http://schemas.microsoft.com/office/drawing/2010/main" w="9525">
                   <a:solidFill>
                     <a:srgbClr val="000000"/>
                   </a:solidFill>
@@ -12254,7 +12253,7 @@
             </a:ln>
             <a:extLst>
               <a:ext uri="{91240B29-F687-4f45-9708-019B960494DF}">
-                <a14:hiddenLine xmlns:a14="http://schemas.microsoft.com/office/drawing/2010/main" xmlns="" w="9525">
+                <a14:hiddenLine xmlns="" xmlns:a14="http://schemas.microsoft.com/office/drawing/2010/main" w="9525">
                   <a:solidFill>
                     <a:srgbClr val="000000"/>
                   </a:solidFill>
@@ -12316,7 +12315,7 @@
             </a:ln>
             <a:extLst>
               <a:ext uri="{91240B29-F687-4f45-9708-019B960494DF}">
-                <a14:hiddenLine xmlns:a14="http://schemas.microsoft.com/office/drawing/2010/main" xmlns="" w="9525">
+                <a14:hiddenLine xmlns="" xmlns:a14="http://schemas.microsoft.com/office/drawing/2010/main" w="9525">
                   <a:solidFill>
                     <a:srgbClr val="000000"/>
                   </a:solidFill>
@@ -12406,7 +12405,7 @@
             </a:ln>
             <a:extLst>
               <a:ext uri="{91240B29-F687-4f45-9708-019B960494DF}">
-                <a14:hiddenLine xmlns:a14="http://schemas.microsoft.com/office/drawing/2010/main" xmlns="" w="9525">
+                <a14:hiddenLine xmlns="" xmlns:a14="http://schemas.microsoft.com/office/drawing/2010/main" w="9525">
                   <a:solidFill>
                     <a:srgbClr val="000000"/>
                   </a:solidFill>
@@ -12496,7 +12495,7 @@
             </a:ln>
             <a:extLst>
               <a:ext uri="{91240B29-F687-4f45-9708-019B960494DF}">
-                <a14:hiddenLine xmlns:a14="http://schemas.microsoft.com/office/drawing/2010/main" xmlns="" w="9525">
+                <a14:hiddenLine xmlns="" xmlns:a14="http://schemas.microsoft.com/office/drawing/2010/main" w="9525">
                   <a:solidFill>
                     <a:srgbClr val="000000"/>
                   </a:solidFill>
@@ -12558,7 +12557,7 @@
             </a:ln>
             <a:extLst>
               <a:ext uri="{91240B29-F687-4f45-9708-019B960494DF}">
-                <a14:hiddenLine xmlns:a14="http://schemas.microsoft.com/office/drawing/2010/main" xmlns="" w="9525">
+                <a14:hiddenLine xmlns="" xmlns:a14="http://schemas.microsoft.com/office/drawing/2010/main" w="9525">
                   <a:solidFill>
                     <a:srgbClr val="000000"/>
                   </a:solidFill>
@@ -12678,7 +12677,7 @@
             </a:ln>
             <a:extLst>
               <a:ext uri="{91240B29-F687-4f45-9708-019B960494DF}">
-                <a14:hiddenLine xmlns:a14="http://schemas.microsoft.com/office/drawing/2010/main" xmlns="" w="9525">
+                <a14:hiddenLine xmlns="" xmlns:a14="http://schemas.microsoft.com/office/drawing/2010/main" w="9525">
                   <a:solidFill>
                     <a:srgbClr val="000000"/>
                   </a:solidFill>
@@ -12746,7 +12745,7 @@
             </a:ln>
             <a:extLst>
               <a:ext uri="{91240B29-F687-4f45-9708-019B960494DF}">
-                <a14:hiddenLine xmlns:a14="http://schemas.microsoft.com/office/drawing/2010/main" xmlns="" w="9525">
+                <a14:hiddenLine xmlns="" xmlns:a14="http://schemas.microsoft.com/office/drawing/2010/main" w="9525">
                   <a:solidFill>
                     <a:srgbClr val="000000"/>
                   </a:solidFill>
@@ -12836,7 +12835,7 @@
             </a:ln>
             <a:extLst>
               <a:ext uri="{91240B29-F687-4f45-9708-019B960494DF}">
-                <a14:hiddenLine xmlns:a14="http://schemas.microsoft.com/office/drawing/2010/main" xmlns="" w="9525">
+                <a14:hiddenLine xmlns="" xmlns:a14="http://schemas.microsoft.com/office/drawing/2010/main" w="9525">
                   <a:solidFill>
                     <a:srgbClr val="000000"/>
                   </a:solidFill>
@@ -12976,7 +12975,7 @@
           <a:p>
             <a:fld id="{48A87A34-81AB-432B-8DAE-1953F412C126}" type="datetimeFigureOut">
               <a:rPr lang="en-US" smtClean="0"/>
-              <a:t>10/27/2021</a:t>
+              <a:t>10/28/2021</a:t>
             </a:fld>
             <a:endParaRPr lang="en-US" dirty="0"/>
           </a:p>
@@ -13243,7 +13242,7 @@
           <a:p>
             <a:fld id="{48A87A34-81AB-432B-8DAE-1953F412C126}" type="datetimeFigureOut">
               <a:rPr lang="en-US" smtClean="0"/>
-              <a:t>10/27/2021</a:t>
+              <a:t>10/28/2021</a:t>
             </a:fld>
             <a:endParaRPr lang="en-US" dirty="0"/>
           </a:p>
@@ -13439,7 +13438,7 @@
           <a:p>
             <a:fld id="{48A87A34-81AB-432B-8DAE-1953F412C126}" type="datetimeFigureOut">
               <a:rPr lang="en-US" smtClean="0"/>
-              <a:t>10/27/2021</a:t>
+              <a:t>10/28/2021</a:t>
             </a:fld>
             <a:endParaRPr lang="en-US" dirty="0"/>
           </a:p>
@@ -13702,7 +13701,7 @@
           <a:p>
             <a:fld id="{48A87A34-81AB-432B-8DAE-1953F412C126}" type="datetimeFigureOut">
               <a:rPr lang="en-US" smtClean="0"/>
-              <a:t>10/27/2021</a:t>
+              <a:t>10/28/2021</a:t>
             </a:fld>
             <a:endParaRPr lang="en-US" dirty="0"/>
           </a:p>
@@ -14136,7 +14135,7 @@
           <a:p>
             <a:fld id="{48A87A34-81AB-432B-8DAE-1953F412C126}" type="datetimeFigureOut">
               <a:rPr lang="en-US" smtClean="0"/>
-              <a:t>10/27/2021</a:t>
+              <a:t>10/28/2021</a:t>
             </a:fld>
             <a:endParaRPr lang="en-US" dirty="0"/>
           </a:p>
@@ -14682,7 +14681,7 @@
           <a:p>
             <a:fld id="{48A87A34-81AB-432B-8DAE-1953F412C126}" type="datetimeFigureOut">
               <a:rPr lang="en-US" smtClean="0"/>
-              <a:t>10/27/2021</a:t>
+              <a:t>10/28/2021</a:t>
             </a:fld>
             <a:endParaRPr lang="en-US" dirty="0"/>
           </a:p>
@@ -15402,7 +15401,7 @@
           <a:p>
             <a:fld id="{48A87A34-81AB-432B-8DAE-1953F412C126}" type="datetimeFigureOut">
               <a:rPr lang="en-US" smtClean="0"/>
-              <a:t>10/27/2021</a:t>
+              <a:t>10/28/2021</a:t>
             </a:fld>
             <a:endParaRPr lang="en-US" dirty="0"/>
           </a:p>
@@ -15572,7 +15571,7 @@
           <a:p>
             <a:fld id="{48A87A34-81AB-432B-8DAE-1953F412C126}" type="datetimeFigureOut">
               <a:rPr lang="en-US" smtClean="0"/>
-              <a:t>10/27/2021</a:t>
+              <a:t>10/28/2021</a:t>
             </a:fld>
             <a:endParaRPr lang="en-US" dirty="0"/>
           </a:p>
@@ -15752,7 +15751,7 @@
           <a:p>
             <a:fld id="{48A87A34-81AB-432B-8DAE-1953F412C126}" type="datetimeFigureOut">
               <a:rPr lang="en-US" smtClean="0"/>
-              <a:t>10/27/2021</a:t>
+              <a:t>10/28/2021</a:t>
             </a:fld>
             <a:endParaRPr lang="en-US" dirty="0"/>
           </a:p>
@@ -15922,7 +15921,7 @@
           <a:p>
             <a:fld id="{48A87A34-81AB-432B-8DAE-1953F412C126}" type="datetimeFigureOut">
               <a:rPr lang="en-US" smtClean="0"/>
-              <a:t>10/27/2021</a:t>
+              <a:t>10/28/2021</a:t>
             </a:fld>
             <a:endParaRPr lang="en-US" dirty="0"/>
           </a:p>
@@ -16172,7 +16171,7 @@
           <a:p>
             <a:fld id="{48A87A34-81AB-432B-8DAE-1953F412C126}" type="datetimeFigureOut">
               <a:rPr lang="en-US" smtClean="0"/>
-              <a:t>10/27/2021</a:t>
+              <a:t>10/28/2021</a:t>
             </a:fld>
             <a:endParaRPr lang="en-US" dirty="0"/>
           </a:p>
@@ -16404,7 +16403,7 @@
           <a:p>
             <a:fld id="{48A87A34-81AB-432B-8DAE-1953F412C126}" type="datetimeFigureOut">
               <a:rPr lang="en-US" smtClean="0"/>
-              <a:t>10/27/2021</a:t>
+              <a:t>10/28/2021</a:t>
             </a:fld>
             <a:endParaRPr lang="en-US" dirty="0"/>
           </a:p>
@@ -16785,7 +16784,7 @@
           <a:p>
             <a:fld id="{48A87A34-81AB-432B-8DAE-1953F412C126}" type="datetimeFigureOut">
               <a:rPr lang="en-US" smtClean="0"/>
-              <a:t>10/27/2021</a:t>
+              <a:t>10/28/2021</a:t>
             </a:fld>
             <a:endParaRPr lang="en-US" dirty="0"/>
           </a:p>
@@ -16903,7 +16902,7 @@
           <a:p>
             <a:fld id="{48A87A34-81AB-432B-8DAE-1953F412C126}" type="datetimeFigureOut">
               <a:rPr lang="en-US" smtClean="0"/>
-              <a:t>10/27/2021</a:t>
+              <a:t>10/28/2021</a:t>
             </a:fld>
             <a:endParaRPr lang="en-US" dirty="0"/>
           </a:p>
@@ -16998,7 +16997,7 @@
           <a:p>
             <a:fld id="{48A87A34-81AB-432B-8DAE-1953F412C126}" type="datetimeFigureOut">
               <a:rPr lang="en-US" smtClean="0"/>
-              <a:t>10/27/2021</a:t>
+              <a:t>10/28/2021</a:t>
             </a:fld>
             <a:endParaRPr lang="en-US" dirty="0"/>
           </a:p>
@@ -17247,7 +17246,7 @@
           <a:p>
             <a:fld id="{48A87A34-81AB-432B-8DAE-1953F412C126}" type="datetimeFigureOut">
               <a:rPr lang="en-US" smtClean="0"/>
-              <a:t>10/27/2021</a:t>
+              <a:t>10/28/2021</a:t>
             </a:fld>
             <a:endParaRPr lang="en-US" dirty="0"/>
           </a:p>
@@ -17527,7 +17526,7 @@
           <a:p>
             <a:fld id="{48A87A34-81AB-432B-8DAE-1953F412C126}" type="datetimeFigureOut">
               <a:rPr lang="en-US" smtClean="0"/>
-              <a:t>10/27/2021</a:t>
+              <a:t>10/28/2021</a:t>
             </a:fld>
             <a:endParaRPr lang="en-US" dirty="0"/>
           </a:p>
@@ -17650,7 +17649,7 @@
           <a:noFill/>
           <a:extLst>
             <a:ext uri="{909E8E84-426E-40dd-AFC4-6F175D3DCCD1}">
-              <a14:hiddenFill xmlns:a14="http://schemas.microsoft.com/office/drawing/2010/main" xmlns="">
+              <a14:hiddenFill xmlns="" xmlns:a14="http://schemas.microsoft.com/office/drawing/2010/main">
                 <a:solidFill>
                   <a:srgbClr val="FFFFFF"/>
                 </a:solidFill>
@@ -17724,7 +17723,7 @@
               </a:ln>
               <a:extLst>
                 <a:ext uri="{91240B29-F687-4f45-9708-019B960494DF}">
-                  <a14:hiddenLine xmlns:a14="http://schemas.microsoft.com/office/drawing/2010/main" xmlns="" w="9525">
+                  <a14:hiddenLine xmlns="" xmlns:a14="http://schemas.microsoft.com/office/drawing/2010/main" w="9525">
                     <a:solidFill>
                       <a:srgbClr val="000000"/>
                     </a:solidFill>
@@ -17814,7 +17813,7 @@
               </a:ln>
               <a:extLst>
                 <a:ext uri="{91240B29-F687-4f45-9708-019B960494DF}">
-                  <a14:hiddenLine xmlns:a14="http://schemas.microsoft.com/office/drawing/2010/main" xmlns="" w="9525">
+                  <a14:hiddenLine xmlns="" xmlns:a14="http://schemas.microsoft.com/office/drawing/2010/main" w="9525">
                     <a:solidFill>
                       <a:srgbClr val="000000"/>
                     </a:solidFill>
@@ -17904,7 +17903,7 @@
               </a:ln>
               <a:extLst>
                 <a:ext uri="{91240B29-F687-4f45-9708-019B960494DF}">
-                  <a14:hiddenLine xmlns:a14="http://schemas.microsoft.com/office/drawing/2010/main" xmlns="" w="9525">
+                  <a14:hiddenLine xmlns="" xmlns:a14="http://schemas.microsoft.com/office/drawing/2010/main" w="9525">
                     <a:solidFill>
                       <a:srgbClr val="000000"/>
                     </a:solidFill>
@@ -17966,7 +17965,7 @@
               </a:ln>
               <a:extLst>
                 <a:ext uri="{91240B29-F687-4f45-9708-019B960494DF}">
-                  <a14:hiddenLine xmlns:a14="http://schemas.microsoft.com/office/drawing/2010/main" xmlns="" w="9525">
+                  <a14:hiddenLine xmlns="" xmlns:a14="http://schemas.microsoft.com/office/drawing/2010/main" w="9525">
                     <a:solidFill>
                       <a:srgbClr val="000000"/>
                     </a:solidFill>
@@ -18056,7 +18055,7 @@
               </a:ln>
               <a:extLst>
                 <a:ext uri="{91240B29-F687-4f45-9708-019B960494DF}">
-                  <a14:hiddenLine xmlns:a14="http://schemas.microsoft.com/office/drawing/2010/main" xmlns="" w="9525">
+                  <a14:hiddenLine xmlns="" xmlns:a14="http://schemas.microsoft.com/office/drawing/2010/main" w="9525">
                     <a:solidFill>
                       <a:srgbClr val="000000"/>
                     </a:solidFill>
@@ -18118,7 +18117,7 @@
               </a:ln>
               <a:extLst>
                 <a:ext uri="{91240B29-F687-4f45-9708-019B960494DF}">
-                  <a14:hiddenLine xmlns:a14="http://schemas.microsoft.com/office/drawing/2010/main" xmlns="" w="9525">
+                  <a14:hiddenLine xmlns="" xmlns:a14="http://schemas.microsoft.com/office/drawing/2010/main" w="9525">
                     <a:solidFill>
                       <a:srgbClr val="000000"/>
                     </a:solidFill>
@@ -18180,7 +18179,7 @@
               </a:ln>
               <a:extLst>
                 <a:ext uri="{91240B29-F687-4f45-9708-019B960494DF}">
-                  <a14:hiddenLine xmlns:a14="http://schemas.microsoft.com/office/drawing/2010/main" xmlns="" w="9525">
+                  <a14:hiddenLine xmlns="" xmlns:a14="http://schemas.microsoft.com/office/drawing/2010/main" w="9525">
                     <a:solidFill>
                       <a:srgbClr val="000000"/>
                     </a:solidFill>
@@ -18270,7 +18269,7 @@
               </a:ln>
               <a:extLst>
                 <a:ext uri="{91240B29-F687-4f45-9708-019B960494DF}">
-                  <a14:hiddenLine xmlns:a14="http://schemas.microsoft.com/office/drawing/2010/main" xmlns="" w="9525">
+                  <a14:hiddenLine xmlns="" xmlns:a14="http://schemas.microsoft.com/office/drawing/2010/main" w="9525">
                     <a:solidFill>
                       <a:srgbClr val="000000"/>
                     </a:solidFill>
@@ -18360,7 +18359,7 @@
               </a:ln>
               <a:extLst>
                 <a:ext uri="{91240B29-F687-4f45-9708-019B960494DF}">
-                  <a14:hiddenLine xmlns:a14="http://schemas.microsoft.com/office/drawing/2010/main" xmlns="" w="9525">
+                  <a14:hiddenLine xmlns="" xmlns:a14="http://schemas.microsoft.com/office/drawing/2010/main" w="9525">
                     <a:solidFill>
                       <a:srgbClr val="000000"/>
                     </a:solidFill>
@@ -18422,7 +18421,7 @@
               </a:ln>
               <a:extLst>
                 <a:ext uri="{91240B29-F687-4f45-9708-019B960494DF}">
-                  <a14:hiddenLine xmlns:a14="http://schemas.microsoft.com/office/drawing/2010/main" xmlns="" w="9525">
+                  <a14:hiddenLine xmlns="" xmlns:a14="http://schemas.microsoft.com/office/drawing/2010/main" w="9525">
                     <a:solidFill>
                       <a:srgbClr val="000000"/>
                     </a:solidFill>
@@ -18532,7 +18531,7 @@
               </a:ln>
               <a:extLst>
                 <a:ext uri="{91240B29-F687-4f45-9708-019B960494DF}">
-                  <a14:hiddenLine xmlns:a14="http://schemas.microsoft.com/office/drawing/2010/main" xmlns="" w="9525">
+                  <a14:hiddenLine xmlns="" xmlns:a14="http://schemas.microsoft.com/office/drawing/2010/main" w="9525">
                     <a:solidFill>
                       <a:srgbClr val="000000"/>
                     </a:solidFill>
@@ -18616,7 +18615,7 @@
               </a:ln>
               <a:extLst>
                 <a:ext uri="{91240B29-F687-4f45-9708-019B960494DF}">
-                  <a14:hiddenLine xmlns:a14="http://schemas.microsoft.com/office/drawing/2010/main" xmlns="" w="9525">
+                  <a14:hiddenLine xmlns="" xmlns:a14="http://schemas.microsoft.com/office/drawing/2010/main" w="9525">
                     <a:solidFill>
                       <a:srgbClr val="000000"/>
                     </a:solidFill>
@@ -18678,7 +18677,7 @@
               </a:ln>
               <a:extLst>
                 <a:ext uri="{91240B29-F687-4f45-9708-019B960494DF}">
-                  <a14:hiddenLine xmlns:a14="http://schemas.microsoft.com/office/drawing/2010/main" xmlns="" w="9525">
+                  <a14:hiddenLine xmlns="" xmlns:a14="http://schemas.microsoft.com/office/drawing/2010/main" w="9525">
                     <a:solidFill>
                       <a:srgbClr val="000000"/>
                     </a:solidFill>
@@ -18740,7 +18739,7 @@
               </a:ln>
               <a:extLst>
                 <a:ext uri="{91240B29-F687-4f45-9708-019B960494DF}">
-                  <a14:hiddenLine xmlns:a14="http://schemas.microsoft.com/office/drawing/2010/main" xmlns="" w="9525">
+                  <a14:hiddenLine xmlns="" xmlns:a14="http://schemas.microsoft.com/office/drawing/2010/main" w="9525">
                     <a:solidFill>
                       <a:srgbClr val="000000"/>
                     </a:solidFill>
@@ -18830,7 +18829,7 @@
               </a:ln>
               <a:extLst>
                 <a:ext uri="{91240B29-F687-4f45-9708-019B960494DF}">
-                  <a14:hiddenLine xmlns:a14="http://schemas.microsoft.com/office/drawing/2010/main" xmlns="" w="9525">
+                  <a14:hiddenLine xmlns="" xmlns:a14="http://schemas.microsoft.com/office/drawing/2010/main" w="9525">
                     <a:solidFill>
                       <a:srgbClr val="000000"/>
                     </a:solidFill>
@@ -18864,7 +18863,7 @@
               </a:ln>
               <a:extLst>
                 <a:ext uri="{91240B29-F687-4f45-9708-019B960494DF}">
-                  <a14:hiddenLine xmlns:a14="http://schemas.microsoft.com/office/drawing/2010/main" xmlns="" w="9525">
+                  <a14:hiddenLine xmlns="" xmlns:a14="http://schemas.microsoft.com/office/drawing/2010/main" w="9525">
                     <a:solidFill>
                       <a:srgbClr val="000000"/>
                     </a:solidFill>
@@ -18929,7 +18928,7 @@
               </a:ln>
               <a:extLst>
                 <a:ext uri="{91240B29-F687-4f45-9708-019B960494DF}">
-                  <a14:hiddenLine xmlns:a14="http://schemas.microsoft.com/office/drawing/2010/main" xmlns="" w="9525">
+                  <a14:hiddenLine xmlns="" xmlns:a14="http://schemas.microsoft.com/office/drawing/2010/main" w="9525">
                     <a:solidFill>
                       <a:srgbClr val="000000"/>
                     </a:solidFill>
@@ -19019,7 +19018,7 @@
               </a:ln>
               <a:extLst>
                 <a:ext uri="{91240B29-F687-4f45-9708-019B960494DF}">
-                  <a14:hiddenLine xmlns:a14="http://schemas.microsoft.com/office/drawing/2010/main" xmlns="" w="9525">
+                  <a14:hiddenLine xmlns="" xmlns:a14="http://schemas.microsoft.com/office/drawing/2010/main" w="9525">
                     <a:solidFill>
                       <a:srgbClr val="000000"/>
                     </a:solidFill>
@@ -19081,7 +19080,7 @@
               </a:ln>
               <a:extLst>
                 <a:ext uri="{91240B29-F687-4f45-9708-019B960494DF}">
-                  <a14:hiddenLine xmlns:a14="http://schemas.microsoft.com/office/drawing/2010/main" xmlns="" w="9525">
+                  <a14:hiddenLine xmlns="" xmlns:a14="http://schemas.microsoft.com/office/drawing/2010/main" w="9525">
                     <a:solidFill>
                       <a:srgbClr val="000000"/>
                     </a:solidFill>
@@ -19171,7 +19170,7 @@
               </a:ln>
               <a:extLst>
                 <a:ext uri="{91240B29-F687-4f45-9708-019B960494DF}">
-                  <a14:hiddenLine xmlns:a14="http://schemas.microsoft.com/office/drawing/2010/main" xmlns="" w="9525">
+                  <a14:hiddenLine xmlns="" xmlns:a14="http://schemas.microsoft.com/office/drawing/2010/main" w="9525">
                     <a:solidFill>
                       <a:srgbClr val="000000"/>
                     </a:solidFill>
@@ -19236,7 +19235,7 @@
               </a:ln>
               <a:extLst>
                 <a:ext uri="{91240B29-F687-4f45-9708-019B960494DF}">
-                  <a14:hiddenLine xmlns:a14="http://schemas.microsoft.com/office/drawing/2010/main" xmlns="" w="9525">
+                  <a14:hiddenLine xmlns="" xmlns:a14="http://schemas.microsoft.com/office/drawing/2010/main" w="9525">
                     <a:solidFill>
                       <a:srgbClr val="000000"/>
                     </a:solidFill>
@@ -19298,7 +19297,7 @@
               </a:ln>
               <a:extLst>
                 <a:ext uri="{91240B29-F687-4f45-9708-019B960494DF}">
-                  <a14:hiddenLine xmlns:a14="http://schemas.microsoft.com/office/drawing/2010/main" xmlns="" w="9525">
+                  <a14:hiddenLine xmlns="" xmlns:a14="http://schemas.microsoft.com/office/drawing/2010/main" w="9525">
                     <a:solidFill>
                       <a:srgbClr val="000000"/>
                     </a:solidFill>
@@ -19388,7 +19387,7 @@
               </a:ln>
               <a:extLst>
                 <a:ext uri="{91240B29-F687-4f45-9708-019B960494DF}">
-                  <a14:hiddenLine xmlns:a14="http://schemas.microsoft.com/office/drawing/2010/main" xmlns="" w="9525">
+                  <a14:hiddenLine xmlns="" xmlns:a14="http://schemas.microsoft.com/office/drawing/2010/main" w="9525">
                     <a:solidFill>
                       <a:srgbClr val="000000"/>
                     </a:solidFill>
@@ -19478,7 +19477,7 @@
               </a:ln>
               <a:extLst>
                 <a:ext uri="{91240B29-F687-4f45-9708-019B960494DF}">
-                  <a14:hiddenLine xmlns:a14="http://schemas.microsoft.com/office/drawing/2010/main" xmlns="" w="9525">
+                  <a14:hiddenLine xmlns="" xmlns:a14="http://schemas.microsoft.com/office/drawing/2010/main" w="9525">
                     <a:solidFill>
                       <a:srgbClr val="000000"/>
                     </a:solidFill>
@@ -19543,7 +19542,7 @@
               </a:ln>
               <a:extLst>
                 <a:ext uri="{91240B29-F687-4f45-9708-019B960494DF}">
-                  <a14:hiddenLine xmlns:a14="http://schemas.microsoft.com/office/drawing/2010/main" xmlns="" w="9525">
+                  <a14:hiddenLine xmlns="" xmlns:a14="http://schemas.microsoft.com/office/drawing/2010/main" w="9525">
                     <a:solidFill>
                       <a:srgbClr val="000000"/>
                     </a:solidFill>
@@ -19663,7 +19662,7 @@
               </a:ln>
               <a:extLst>
                 <a:ext uri="{91240B29-F687-4f45-9708-019B960494DF}">
-                  <a14:hiddenLine xmlns:a14="http://schemas.microsoft.com/office/drawing/2010/main" xmlns="" w="9525">
+                  <a14:hiddenLine xmlns="" xmlns:a14="http://schemas.microsoft.com/office/drawing/2010/main" w="9525">
                     <a:solidFill>
                       <a:srgbClr val="000000"/>
                     </a:solidFill>
@@ -19744,7 +19743,7 @@
               </a:ln>
               <a:extLst>
                 <a:ext uri="{91240B29-F687-4f45-9708-019B960494DF}">
-                  <a14:hiddenLine xmlns:a14="http://schemas.microsoft.com/office/drawing/2010/main" xmlns="" w="9525">
+                  <a14:hiddenLine xmlns="" xmlns:a14="http://schemas.microsoft.com/office/drawing/2010/main" w="9525">
                     <a:solidFill>
                       <a:srgbClr val="000000"/>
                     </a:solidFill>
@@ -19859,7 +19858,7 @@
               </a:ln>
               <a:extLst>
                 <a:ext uri="{91240B29-F687-4f45-9708-019B960494DF}">
-                  <a14:hiddenLine xmlns:a14="http://schemas.microsoft.com/office/drawing/2010/main" xmlns="" w="9525">
+                  <a14:hiddenLine xmlns="" xmlns:a14="http://schemas.microsoft.com/office/drawing/2010/main" w="9525">
                     <a:solidFill>
                       <a:srgbClr val="000000"/>
                     </a:solidFill>
@@ -19949,7 +19948,7 @@
               </a:ln>
               <a:extLst>
                 <a:ext uri="{91240B29-F687-4f45-9708-019B960494DF}">
-                  <a14:hiddenLine xmlns:a14="http://schemas.microsoft.com/office/drawing/2010/main" xmlns="" w="9525">
+                  <a14:hiddenLine xmlns="" xmlns:a14="http://schemas.microsoft.com/office/drawing/2010/main" w="9525">
                     <a:solidFill>
                       <a:srgbClr val="000000"/>
                     </a:solidFill>
@@ -20014,7 +20013,7 @@
               </a:ln>
               <a:extLst>
                 <a:ext uri="{91240B29-F687-4f45-9708-019B960494DF}">
-                  <a14:hiddenLine xmlns:a14="http://schemas.microsoft.com/office/drawing/2010/main" xmlns="" w="9525">
+                  <a14:hiddenLine xmlns="" xmlns:a14="http://schemas.microsoft.com/office/drawing/2010/main" w="9525">
                     <a:solidFill>
                       <a:srgbClr val="000000"/>
                     </a:solidFill>
@@ -20104,7 +20103,7 @@
               </a:ln>
               <a:extLst>
                 <a:ext uri="{91240B29-F687-4f45-9708-019B960494DF}">
-                  <a14:hiddenLine xmlns:a14="http://schemas.microsoft.com/office/drawing/2010/main" xmlns="" w="9525">
+                  <a14:hiddenLine xmlns="" xmlns:a14="http://schemas.microsoft.com/office/drawing/2010/main" w="9525">
                     <a:solidFill>
                       <a:srgbClr val="000000"/>
                     </a:solidFill>
@@ -20172,7 +20171,7 @@
               </a:ln>
               <a:extLst>
                 <a:ext uri="{91240B29-F687-4f45-9708-019B960494DF}">
-                  <a14:hiddenLine xmlns:a14="http://schemas.microsoft.com/office/drawing/2010/main" xmlns="" w="9525">
+                  <a14:hiddenLine xmlns="" xmlns:a14="http://schemas.microsoft.com/office/drawing/2010/main" w="9525">
                     <a:solidFill>
                       <a:srgbClr val="000000"/>
                     </a:solidFill>
@@ -20262,7 +20261,7 @@
               </a:ln>
               <a:extLst>
                 <a:ext uri="{91240B29-F687-4f45-9708-019B960494DF}">
-                  <a14:hiddenLine xmlns:a14="http://schemas.microsoft.com/office/drawing/2010/main" xmlns="" w="9525">
+                  <a14:hiddenLine xmlns="" xmlns:a14="http://schemas.microsoft.com/office/drawing/2010/main" w="9525">
                     <a:solidFill>
                       <a:srgbClr val="000000"/>
                     </a:solidFill>
@@ -20330,7 +20329,7 @@
               </a:ln>
               <a:extLst>
                 <a:ext uri="{91240B29-F687-4f45-9708-019B960494DF}">
-                  <a14:hiddenLine xmlns:a14="http://schemas.microsoft.com/office/drawing/2010/main" xmlns="" w="9525">
+                  <a14:hiddenLine xmlns="" xmlns:a14="http://schemas.microsoft.com/office/drawing/2010/main" w="9525">
                     <a:solidFill>
                       <a:srgbClr val="000000"/>
                     </a:solidFill>
@@ -20420,7 +20419,7 @@
               </a:ln>
               <a:extLst>
                 <a:ext uri="{91240B29-F687-4f45-9708-019B960494DF}">
-                  <a14:hiddenLine xmlns:a14="http://schemas.microsoft.com/office/drawing/2010/main" xmlns="" w="9525">
+                  <a14:hiddenLine xmlns="" xmlns:a14="http://schemas.microsoft.com/office/drawing/2010/main" w="9525">
                     <a:solidFill>
                       <a:srgbClr val="000000"/>
                     </a:solidFill>
@@ -20454,7 +20453,7 @@
               </a:ln>
               <a:extLst>
                 <a:ext uri="{91240B29-F687-4f45-9708-019B960494DF}">
-                  <a14:hiddenLine xmlns:a14="http://schemas.microsoft.com/office/drawing/2010/main" xmlns="" w="9525">
+                  <a14:hiddenLine xmlns="" xmlns:a14="http://schemas.microsoft.com/office/drawing/2010/main" w="9525">
                     <a:solidFill>
                       <a:srgbClr val="000000"/>
                     </a:solidFill>
@@ -20595,7 +20594,7 @@
             <a:fld id="{48A87A34-81AB-432B-8DAE-1953F412C126}" type="datetimeFigureOut">
               <a:rPr lang="en-US" smtClean="0"/>
               <a:pPr/>
-              <a:t>10/27/2021</a:t>
+              <a:t>10/28/2021</a:t>
             </a:fld>
             <a:endParaRPr lang="en-US" dirty="0"/>
           </a:p>
@@ -21044,7 +21043,7 @@
               <a:rPr lang="en-US" sz="5400" dirty="0">
                 <a:latin typeface="Rockwell" panose="02060603020205020403" pitchFamily="18" charset="0"/>
               </a:rPr>
-              <a:t>Does the Public Education System serve all Residents in San Diego County Equally?</a:t>
+              <a:t>Using Machine learning to predict school performance in Sd county</a:t>
             </a:r>
           </a:p>
         </p:txBody>
@@ -21181,7 +21180,7 @@
           <p:cNvPr id="2" name="Title 1">
             <a:extLst>
               <a:ext uri="{FF2B5EF4-FFF2-40B4-BE49-F238E27FC236}">
-                <a16:creationId xmlns:a16="http://schemas.microsoft.com/office/drawing/2014/main" id="{34DB6CE4-2B13-4715-B5B2-615A55922CA1}"/>
+                <a16:creationId xmlns:a16="http://schemas.microsoft.com/office/drawing/2014/main" id="{A55F60E1-6EDC-479E-9C40-F2CD01CE8DB0}"/>
               </a:ext>
             </a:extLst>
           </p:cNvPr>
@@ -21192,23 +21191,14 @@
             <p:ph type="title"/>
           </p:nvPr>
         </p:nvSpPr>
-        <p:spPr>
-          <a:xfrm>
-            <a:off x="1322388" y="235930"/>
-            <a:ext cx="9905998" cy="1478570"/>
-          </a:xfrm>
-        </p:spPr>
+        <p:spPr/>
         <p:txBody>
-          <a:bodyPr anchor="ctr">
-            <a:normAutofit/>
-          </a:bodyPr>
+          <a:bodyPr/>
           <a:lstStyle/>
           <a:p>
             <a:r>
-              <a:rPr lang="en-US" sz="4400" dirty="0">
-                <a:latin typeface="Rockwell" panose="02060603020205020403" pitchFamily="18" charset="0"/>
-              </a:rPr>
-              <a:t>K Nearest neighbors MODEL</a:t>
+              <a:rPr lang="en-US" dirty="0"/>
+              <a:t>K-Means Clustering with PCA </a:t>
             </a:r>
           </a:p>
         </p:txBody>
@@ -21218,7 +21208,7 @@
           <p:cNvPr id="3" name="Content Placeholder 2">
             <a:extLst>
               <a:ext uri="{FF2B5EF4-FFF2-40B4-BE49-F238E27FC236}">
-                <a16:creationId xmlns:a16="http://schemas.microsoft.com/office/drawing/2014/main" id="{143F5361-68C0-4BF5-80C8-F1E7BF92B2DB}"/>
+                <a16:creationId xmlns:a16="http://schemas.microsoft.com/office/drawing/2014/main" id="{0D9C9E10-64F4-4A32-8EC6-7385D9754649}"/>
               </a:ext>
             </a:extLst>
           </p:cNvPr>
@@ -21226,281 +21216,47 @@
             <a:spLocks noGrp="1"/>
           </p:cNvSpPr>
           <p:nvPr>
-            <p:ph sz="half" idx="2"/>
+            <p:ph sz="half" idx="1"/>
           </p:nvPr>
         </p:nvSpPr>
-        <p:spPr>
-          <a:xfrm>
-            <a:off x="6172200" y="2249486"/>
-            <a:ext cx="4875211" cy="3541714"/>
-          </a:xfrm>
-        </p:spPr>
+        <p:spPr/>
         <p:txBody>
           <a:bodyPr>
-            <a:normAutofit/>
+            <a:normAutofit fontScale="92500" lnSpcReduction="10000"/>
           </a:bodyPr>
           <a:lstStyle/>
           <a:p>
-            <a:endParaRPr lang="en-US"/>
-          </a:p>
-          <a:p>
-            <a:pPr marL="457200" lvl="1" indent="0">
-              <a:buNone/>
-            </a:pPr>
-            <a:endParaRPr lang="en-US" sz="2400"/>
-          </a:p>
-          <a:p>
-            <a:pPr lvl="1"/>
-            <a:endParaRPr lang="en-US" sz="2400"/>
-          </a:p>
-          <a:p>
-            <a:pPr lvl="2"/>
-            <a:endParaRPr lang="en-US" sz="2400"/>
-          </a:p>
-        </p:txBody>
-      </p:sp>
-      <p:sp>
-        <p:nvSpPr>
-          <p:cNvPr id="7" name="TextBox 6">
-            <a:extLst>
-              <a:ext uri="{FF2B5EF4-FFF2-40B4-BE49-F238E27FC236}">
-                <a16:creationId xmlns:a16="http://schemas.microsoft.com/office/drawing/2014/main" id="{62E16E35-EFD3-4F41-97E0-BFBBC5B849BD}"/>
-              </a:ext>
-            </a:extLst>
-          </p:cNvPr>
-          <p:cNvSpPr txBox="1"/>
-          <p:nvPr/>
-        </p:nvSpPr>
-        <p:spPr>
-          <a:xfrm>
-            <a:off x="7067550" y="1724024"/>
-            <a:ext cx="4275533" cy="2862322"/>
-          </a:xfrm>
-          <a:prstGeom prst="rect">
-            <a:avLst/>
-          </a:prstGeom>
-          <a:noFill/>
-        </p:spPr>
-        <p:txBody>
-          <a:bodyPr wrap="square" rtlCol="0">
-            <a:spAutoFit/>
-          </a:bodyPr>
-          <a:lstStyle/>
-          <a:p>
-            <a:pPr marL="285750" marR="0" lvl="0" indent="-285750" algn="l" defTabSz="457200" rtl="0" eaLnBrk="1" fontAlgn="auto" latinLnBrk="0" hangingPunct="1">
-              <a:lnSpc>
-                <a:spcPct val="100000"/>
-              </a:lnSpc>
-              <a:spcBef>
-                <a:spcPts val="0"/>
-              </a:spcBef>
-              <a:spcAft>
-                <a:spcPts val="0"/>
-              </a:spcAft>
-              <a:buClrTx/>
-              <a:buSzTx/>
-              <a:buFont typeface="Wingdings" panose="05000000000000000000" pitchFamily="2" charset="2"/>
-              <a:buChar char="§"/>
-              <a:tabLst/>
-              <a:defRPr/>
-            </a:pPr>
-            <a:endParaRPr kumimoji="0" lang="en-US" sz="1800" b="0" i="0" u="none" strike="noStrike" kern="1200" cap="none" spc="0" normalizeH="0" baseline="0" noProof="0" dirty="0">
-              <a:ln>
-                <a:noFill/>
-              </a:ln>
-              <a:solidFill>
-                <a:prstClr val="white"/>
-              </a:solidFill>
-              <a:effectLst/>
-              <a:uLnTx/>
-              <a:uFillTx/>
-              <a:latin typeface="Tw Cen MT" panose="020B0602020104020603"/>
-              <a:ea typeface="+mn-ea"/>
-              <a:cs typeface="+mn-cs"/>
-            </a:endParaRPr>
-          </a:p>
-          <a:p>
-            <a:pPr marL="285750" marR="0" lvl="0" indent="-285750" algn="l" defTabSz="457200" rtl="0" eaLnBrk="1" fontAlgn="auto" latinLnBrk="0" hangingPunct="1">
-              <a:lnSpc>
-                <a:spcPct val="100000"/>
-              </a:lnSpc>
-              <a:spcBef>
-                <a:spcPts val="0"/>
-              </a:spcBef>
-              <a:spcAft>
-                <a:spcPts val="0"/>
-              </a:spcAft>
-              <a:buClrTx/>
-              <a:buSzTx/>
-              <a:buFont typeface="Wingdings" panose="05000000000000000000" pitchFamily="2" charset="2"/>
-              <a:buChar char="§"/>
-              <a:tabLst/>
-              <a:defRPr/>
-            </a:pPr>
             <a:r>
-              <a:rPr kumimoji="0" lang="en-US" sz="2400" b="0" i="0" u="none" strike="noStrike" kern="1200" cap="none" spc="0" normalizeH="0" baseline="0" noProof="0" dirty="0">
-                <a:ln>
-                  <a:noFill/>
-                </a:ln>
-                <a:solidFill>
-                  <a:prstClr val="white"/>
-                </a:solidFill>
-                <a:effectLst/>
-                <a:uLnTx/>
-                <a:uFillTx/>
-                <a:latin typeface="Tahoma" panose="020B0604030504040204" pitchFamily="34" charset="0"/>
-                <a:ea typeface="Tahoma" panose="020B0604030504040204" pitchFamily="34" charset="0"/>
-                <a:cs typeface="Tahoma" panose="020B0604030504040204" pitchFamily="34" charset="0"/>
-              </a:rPr>
-              <a:t>Supervised machine learning algorithm</a:t>
+              <a:rPr lang="en-US" dirty="0"/>
+              <a:t>The schools broke into 3 clusters while explaining ~ 55% of the model variance, using PCA.  </a:t>
             </a:r>
           </a:p>
           <a:p>
-            <a:pPr marL="285750" marR="0" lvl="0" indent="-285750" algn="l" defTabSz="457200" rtl="0" eaLnBrk="1" fontAlgn="auto" latinLnBrk="0" hangingPunct="1">
-              <a:lnSpc>
-                <a:spcPct val="100000"/>
-              </a:lnSpc>
-              <a:spcBef>
-                <a:spcPts val="0"/>
-              </a:spcBef>
-              <a:spcAft>
-                <a:spcPts val="0"/>
-              </a:spcAft>
-              <a:buClrTx/>
-              <a:buSzTx/>
-              <a:buFont typeface="Wingdings" panose="05000000000000000000" pitchFamily="2" charset="2"/>
-              <a:buChar char="§"/>
-              <a:tabLst/>
-              <a:defRPr/>
-            </a:pPr>
             <a:r>
-              <a:rPr kumimoji="0" lang="en-US" sz="2400" b="0" i="0" u="none" strike="noStrike" kern="1200" cap="none" spc="0" normalizeH="0" baseline="0" noProof="0" dirty="0">
-                <a:ln>
-                  <a:noFill/>
-                </a:ln>
-                <a:solidFill>
-                  <a:prstClr val="white"/>
-                </a:solidFill>
-                <a:effectLst/>
-                <a:uLnTx/>
-                <a:uFillTx/>
-                <a:latin typeface="Tahoma" panose="020B0604030504040204" pitchFamily="34" charset="0"/>
-                <a:ea typeface="Tahoma" panose="020B0604030504040204" pitchFamily="34" charset="0"/>
-                <a:cs typeface="Tahoma" panose="020B0604030504040204" pitchFamily="34" charset="0"/>
-              </a:rPr>
-              <a:t>Regression analysis</a:t>
+              <a:rPr lang="en-US" dirty="0"/>
+              <a:t>Could be Good, Bad, Medium?</a:t>
             </a:r>
           </a:p>
           <a:p>
-            <a:pPr marL="285750" marR="0" lvl="0" indent="-285750" algn="l" defTabSz="457200" rtl="0" eaLnBrk="1" fontAlgn="auto" latinLnBrk="0" hangingPunct="1">
-              <a:lnSpc>
-                <a:spcPct val="100000"/>
-              </a:lnSpc>
-              <a:spcBef>
-                <a:spcPts val="0"/>
-              </a:spcBef>
-              <a:spcAft>
-                <a:spcPts val="0"/>
-              </a:spcAft>
-              <a:buClrTx/>
-              <a:buSzTx/>
-              <a:buFont typeface="Wingdings" panose="05000000000000000000" pitchFamily="2" charset="2"/>
-              <a:buChar char="§"/>
-              <a:tabLst/>
-              <a:defRPr/>
-            </a:pPr>
             <a:r>
-              <a:rPr kumimoji="0" lang="en-US" sz="2400" b="0" i="0" u="none" strike="noStrike" kern="1200" cap="none" spc="0" normalizeH="0" baseline="0" noProof="0" dirty="0">
-                <a:ln>
-                  <a:noFill/>
-                </a:ln>
-                <a:solidFill>
-                  <a:prstClr val="white"/>
-                </a:solidFill>
-                <a:effectLst/>
-                <a:uLnTx/>
-                <a:uFillTx/>
-                <a:latin typeface="Tahoma" panose="020B0604030504040204" pitchFamily="34" charset="0"/>
-                <a:ea typeface="Tahoma" panose="020B0604030504040204" pitchFamily="34" charset="0"/>
-                <a:cs typeface="Tahoma" panose="020B0604030504040204" pitchFamily="34" charset="0"/>
-              </a:rPr>
-              <a:t>Finetuning the model to improve accuracy</a:t>
+              <a:rPr lang="en-US" dirty="0"/>
+              <a:t>Clusters are well defined based on 3-D graphic.</a:t>
             </a:r>
           </a:p>
           <a:p>
-            <a:pPr marL="285750" marR="0" lvl="0" indent="-285750" algn="l" defTabSz="457200" rtl="0" eaLnBrk="1" fontAlgn="auto" latinLnBrk="0" hangingPunct="1">
-              <a:lnSpc>
-                <a:spcPct val="100000"/>
-              </a:lnSpc>
-              <a:spcBef>
-                <a:spcPts val="0"/>
-              </a:spcBef>
-              <a:spcAft>
-                <a:spcPts val="0"/>
-              </a:spcAft>
-              <a:buClrTx/>
-              <a:buSzTx/>
-              <a:buFont typeface="Wingdings" panose="05000000000000000000" pitchFamily="2" charset="2"/>
-              <a:buChar char="§"/>
-              <a:tabLst/>
-              <a:defRPr/>
-            </a:pPr>
-            <a:endParaRPr kumimoji="0" lang="en-US" sz="2400" b="0" i="0" u="none" strike="noStrike" kern="1200" cap="none" spc="0" normalizeH="0" baseline="0" noProof="0" dirty="0">
-              <a:ln>
-                <a:noFill/>
-              </a:ln>
-              <a:solidFill>
-                <a:prstClr val="white"/>
-              </a:solidFill>
-              <a:effectLst/>
-              <a:uLnTx/>
-              <a:uFillTx/>
-              <a:latin typeface="Tahoma" panose="020B0604030504040204" pitchFamily="34" charset="0"/>
-              <a:ea typeface="Tahoma" panose="020B0604030504040204" pitchFamily="34" charset="0"/>
-              <a:cs typeface="Tahoma" panose="020B0604030504040204" pitchFamily="34" charset="0"/>
-            </a:endParaRPr>
-          </a:p>
-          <a:p>
-            <a:pPr marL="285750" marR="0" lvl="0" indent="-285750" algn="l" defTabSz="457200" rtl="0" eaLnBrk="1" fontAlgn="auto" latinLnBrk="0" hangingPunct="1">
-              <a:lnSpc>
-                <a:spcPct val="100000"/>
-              </a:lnSpc>
-              <a:spcBef>
-                <a:spcPts val="0"/>
-              </a:spcBef>
-              <a:spcAft>
-                <a:spcPts val="0"/>
-              </a:spcAft>
-              <a:buClrTx/>
-              <a:buSzTx/>
-              <a:buFont typeface="Wingdings" panose="05000000000000000000" pitchFamily="2" charset="2"/>
-              <a:buChar char="§"/>
-              <a:tabLst/>
-              <a:defRPr/>
-            </a:pPr>
-            <a:endParaRPr kumimoji="0" lang="en-US" sz="1800" b="0" i="0" u="none" strike="noStrike" kern="1200" cap="none" spc="0" normalizeH="0" baseline="0" noProof="0" dirty="0">
-              <a:ln>
-                <a:noFill/>
-              </a:ln>
-              <a:solidFill>
-                <a:prstClr val="white"/>
-              </a:solidFill>
-              <a:effectLst/>
-              <a:uLnTx/>
-              <a:uFillTx/>
-              <a:latin typeface="Tw Cen MT" panose="020B0602020104020603"/>
-              <a:ea typeface="+mn-ea"/>
-              <a:cs typeface="+mn-cs"/>
-            </a:endParaRPr>
+            <a:r>
+              <a:rPr lang="en-US" dirty="0"/>
+              <a:t>Using socio-economic data solves more than half the equation!</a:t>
+            </a:r>
           </a:p>
         </p:txBody>
       </p:sp>
       <p:pic>
         <p:nvPicPr>
-          <p:cNvPr id="5" name="Picture 4" descr="Text&#10;&#10;Description automatically generated">
+          <p:cNvPr id="6" name="Picture 5">
             <a:extLst>
               <a:ext uri="{FF2B5EF4-FFF2-40B4-BE49-F238E27FC236}">
-                <a16:creationId xmlns:a16="http://schemas.microsoft.com/office/drawing/2014/main" id="{1D6FD02E-2F6B-42F3-A070-5C769C852277}"/>
+                <a16:creationId xmlns:a16="http://schemas.microsoft.com/office/drawing/2014/main" id="{027BC0D0-AF8B-44FB-874B-F21A41245363}"/>
               </a:ext>
             </a:extLst>
           </p:cNvPr>
@@ -21517,8 +21273,8 @@
         </p:blipFill>
         <p:spPr>
           <a:xfrm>
-            <a:off x="1585163" y="1455938"/>
-            <a:ext cx="5070640" cy="5166132"/>
+            <a:off x="6427185" y="2527577"/>
+            <a:ext cx="5527563" cy="3222774"/>
           </a:xfrm>
           <a:prstGeom prst="rect">
             <a:avLst/>
@@ -21528,7 +21284,7 @@
     </p:spTree>
     <p:extLst>
       <p:ext uri="{BB962C8B-B14F-4D97-AF65-F5344CB8AC3E}">
-        <p14:creationId xmlns:p14="http://schemas.microsoft.com/office/powerpoint/2010/main" val="3103998298"/>
+        <p14:creationId xmlns:p14="http://schemas.microsoft.com/office/powerpoint/2010/main" val="82620141"/>
       </p:ext>
     </p:extLst>
   </p:cSld>
@@ -21539,93 +21295,6 @@
 </file>
 
 <file path=ppt/slides/slide11.xml><?xml version="1.0" encoding="utf-8"?>
-<p:sld xmlns:a="http://schemas.openxmlformats.org/drawingml/2006/main" xmlns:r="http://schemas.openxmlformats.org/officeDocument/2006/relationships" xmlns:p="http://schemas.openxmlformats.org/presentationml/2006/main">
-  <p:cSld>
-    <p:spTree>
-      <p:nvGrpSpPr>
-        <p:cNvPr id="1" name=""/>
-        <p:cNvGrpSpPr/>
-        <p:nvPr/>
-      </p:nvGrpSpPr>
-      <p:grpSpPr>
-        <a:xfrm>
-          <a:off x="0" y="0"/>
-          <a:ext cx="0" cy="0"/>
-          <a:chOff x="0" y="0"/>
-          <a:chExt cx="0" cy="0"/>
-        </a:xfrm>
-      </p:grpSpPr>
-      <p:sp>
-        <p:nvSpPr>
-          <p:cNvPr id="2" name="Title 1">
-            <a:extLst>
-              <a:ext uri="{FF2B5EF4-FFF2-40B4-BE49-F238E27FC236}">
-                <a16:creationId xmlns:a16="http://schemas.microsoft.com/office/drawing/2014/main" id="{50F0DA21-CC99-4C3A-A5AB-D57045F893EA}"/>
-              </a:ext>
-            </a:extLst>
-          </p:cNvPr>
-          <p:cNvSpPr>
-            <a:spLocks noGrp="1"/>
-          </p:cNvSpPr>
-          <p:nvPr>
-            <p:ph type="title"/>
-          </p:nvPr>
-        </p:nvSpPr>
-        <p:spPr/>
-        <p:txBody>
-          <a:bodyPr>
-            <a:normAutofit/>
-          </a:bodyPr>
-          <a:lstStyle/>
-          <a:p>
-            <a:r>
-              <a:rPr lang="en-US" sz="4400" dirty="0">
-                <a:latin typeface="Rockwell" panose="02060603020205020403" pitchFamily="18" charset="0"/>
-              </a:rPr>
-              <a:t>TABLEAU VISUALIZATION</a:t>
-            </a:r>
-          </a:p>
-        </p:txBody>
-      </p:sp>
-      <p:sp>
-        <p:nvSpPr>
-          <p:cNvPr id="3" name="Content Placeholder 2">
-            <a:extLst>
-              <a:ext uri="{FF2B5EF4-FFF2-40B4-BE49-F238E27FC236}">
-                <a16:creationId xmlns:a16="http://schemas.microsoft.com/office/drawing/2014/main" id="{3899BDF4-B543-46C8-9956-BD9969975109}"/>
-              </a:ext>
-            </a:extLst>
-          </p:cNvPr>
-          <p:cNvSpPr>
-            <a:spLocks noGrp="1"/>
-          </p:cNvSpPr>
-          <p:nvPr>
-            <p:ph idx="1"/>
-          </p:nvPr>
-        </p:nvSpPr>
-        <p:spPr/>
-        <p:txBody>
-          <a:bodyPr/>
-          <a:lstStyle/>
-          <a:p>
-            <a:endParaRPr lang="en-US" dirty="0"/>
-          </a:p>
-        </p:txBody>
-      </p:sp>
-    </p:spTree>
-    <p:extLst>
-      <p:ext uri="{BB962C8B-B14F-4D97-AF65-F5344CB8AC3E}">
-        <p14:creationId xmlns:p14="http://schemas.microsoft.com/office/powerpoint/2010/main" val="3405949825"/>
-      </p:ext>
-    </p:extLst>
-  </p:cSld>
-  <p:clrMapOvr>
-    <a:masterClrMapping/>
-  </p:clrMapOvr>
-</p:sld>
-</file>
-
-<file path=ppt/slides/slide12.xml><?xml version="1.0" encoding="utf-8"?>
 <p:sld xmlns:a="http://schemas.openxmlformats.org/drawingml/2006/main" xmlns:r="http://schemas.openxmlformats.org/officeDocument/2006/relationships" xmlns:p="http://schemas.openxmlformats.org/presentationml/2006/main">
   <p:cSld>
     <p:spTree>
@@ -21703,9 +21372,19 @@
         </p:spPr>
         <p:txBody>
           <a:bodyPr>
-            <a:normAutofit/>
+            <a:normAutofit fontScale="85000" lnSpcReduction="20000"/>
           </a:bodyPr>
           <a:lstStyle/>
+          <a:p>
+            <a:pPr marL="0" indent="0">
+              <a:buNone/>
+            </a:pPr>
+            <a:endParaRPr lang="en-US" sz="2000" dirty="0">
+              <a:latin typeface="Tahoma" panose="020B0604030504040204" pitchFamily="34" charset="0"/>
+              <a:ea typeface="Tahoma" panose="020B0604030504040204" pitchFamily="34" charset="0"/>
+              <a:cs typeface="Tahoma" panose="020B0604030504040204" pitchFamily="34" charset="0"/>
+            </a:endParaRPr>
+          </a:p>
           <a:p>
             <a:r>
               <a:rPr lang="en-US" sz="2000" dirty="0">
@@ -21713,7 +21392,7 @@
                 <a:ea typeface="Tahoma" panose="020B0604030504040204" pitchFamily="34" charset="0"/>
                 <a:cs typeface="Tahoma" panose="020B0604030504040204" pitchFamily="34" charset="0"/>
               </a:rPr>
-              <a:t>Our map visualization shows there are patterns within the county to be studied</a:t>
+              <a:t>We created several models that can predict a schools performance rating +/- 1 point ~66% of the time, using just demographic data. </a:t>
             </a:r>
           </a:p>
           <a:p>
@@ -21723,24 +21402,31 @@
                 <a:ea typeface="Tahoma" panose="020B0604030504040204" pitchFamily="34" charset="0"/>
                 <a:cs typeface="Tahoma" panose="020B0604030504040204" pitchFamily="34" charset="0"/>
               </a:rPr>
-              <a:t>Data is structured for further inspection and analysis (</a:t>
+              <a:t>This should make us question how our education dollars and programs are being spent and administered.  </a:t>
             </a:r>
-            <a:r>
-              <a:rPr lang="en-US" sz="2000" dirty="0" err="1">
-                <a:latin typeface="Tahoma" panose="020B0604030504040204" pitchFamily="34" charset="0"/>
-                <a:ea typeface="Tahoma" panose="020B0604030504040204" pitchFamily="34" charset="0"/>
-                <a:cs typeface="Tahoma" panose="020B0604030504040204" pitchFamily="34" charset="0"/>
-              </a:rPr>
-              <a:t>xy</a:t>
-            </a:r>
+          </a:p>
+          <a:p>
             <a:r>
               <a:rPr lang="en-US" sz="2000" dirty="0">
                 <a:latin typeface="Tahoma" panose="020B0604030504040204" pitchFamily="34" charset="0"/>
                 <a:ea typeface="Tahoma" panose="020B0604030504040204" pitchFamily="34" charset="0"/>
                 <a:cs typeface="Tahoma" panose="020B0604030504040204" pitchFamily="34" charset="0"/>
               </a:rPr>
-              <a:t> scatter plots!)</a:t>
+              <a:t>This should also make us study outliers to our models to see where “breakaway schools are achieving better outcomes than the demographics </a:t>
             </a:r>
+            <a:r>
+              <a:rPr lang="en-US" sz="2000">
+                <a:latin typeface="Tahoma" panose="020B0604030504040204" pitchFamily="34" charset="0"/>
+                <a:ea typeface="Tahoma" panose="020B0604030504040204" pitchFamily="34" charset="0"/>
+                <a:cs typeface="Tahoma" panose="020B0604030504040204" pitchFamily="34" charset="0"/>
+              </a:rPr>
+              <a:t>would suggest.   </a:t>
+            </a:r>
+            <a:endParaRPr lang="en-US" sz="2000" dirty="0">
+              <a:latin typeface="Tahoma" panose="020B0604030504040204" pitchFamily="34" charset="0"/>
+              <a:ea typeface="Tahoma" panose="020B0604030504040204" pitchFamily="34" charset="0"/>
+              <a:cs typeface="Tahoma" panose="020B0604030504040204" pitchFamily="34" charset="0"/>
+            </a:endParaRPr>
           </a:p>
           <a:p>
             <a:endParaRPr lang="en-US" sz="2000" dirty="0">
@@ -21792,7 +21478,7 @@
 </p:sld>
 </file>
 
-<file path=ppt/slides/slide13.xml><?xml version="1.0" encoding="utf-8"?>
+<file path=ppt/slides/slide12.xml><?xml version="1.0" encoding="utf-8"?>
 <p:sld xmlns:a="http://schemas.openxmlformats.org/drawingml/2006/main" xmlns:r="http://schemas.openxmlformats.org/officeDocument/2006/relationships" xmlns:p="http://schemas.openxmlformats.org/presentationml/2006/main">
   <p:cSld>
     <p:spTree>
@@ -21948,7 +21634,7 @@
             <p:ph idx="1"/>
             <p:extLst>
               <p:ext uri="{D42A27DB-BD31-4B8C-83A1-F6EECF244321}">
-                <p14:modId xmlns:p14="http://schemas.microsoft.com/office/powerpoint/2010/main" val="2728321029"/>
+                <p14:modId xmlns:p14="http://schemas.microsoft.com/office/powerpoint/2010/main" val="3235262457"/>
               </p:ext>
             </p:extLst>
           </p:nvPr>
@@ -22044,7 +21730,7 @@
             <p:ph idx="1"/>
             <p:extLst>
               <p:ext uri="{D42A27DB-BD31-4B8C-83A1-F6EECF244321}">
-                <p14:modId xmlns:p14="http://schemas.microsoft.com/office/powerpoint/2010/main" val="2053053073"/>
+                <p14:modId xmlns:p14="http://schemas.microsoft.com/office/powerpoint/2010/main" val="270069748"/>
               </p:ext>
             </p:extLst>
           </p:nvPr>
@@ -22059,6 +21745,246 @@
           </a:graphicData>
         </a:graphic>
       </p:graphicFrame>
+      <p:pic>
+        <p:nvPicPr>
+          <p:cNvPr id="5" name="Picture 4">
+            <a:extLst>
+              <a:ext uri="{FF2B5EF4-FFF2-40B4-BE49-F238E27FC236}">
+                <a16:creationId xmlns:a16="http://schemas.microsoft.com/office/drawing/2014/main" id="{C650E17F-E6FF-49F3-A01E-E20B94CE0601}"/>
+              </a:ext>
+            </a:extLst>
+          </p:cNvPr>
+          <p:cNvPicPr>
+            <a:picLocks noChangeAspect="1"/>
+          </p:cNvPicPr>
+          <p:nvPr/>
+        </p:nvPicPr>
+        <p:blipFill>
+          <a:blip r:embed="rId7"/>
+          <a:stretch>
+            <a:fillRect/>
+          </a:stretch>
+        </p:blipFill>
+        <p:spPr>
+          <a:xfrm>
+            <a:off x="841559" y="4607053"/>
+            <a:ext cx="1083285" cy="620908"/>
+          </a:xfrm>
+          <a:prstGeom prst="rect">
+            <a:avLst/>
+          </a:prstGeom>
+        </p:spPr>
+      </p:pic>
+      <p:pic>
+        <p:nvPicPr>
+          <p:cNvPr id="6" name="Picture 5">
+            <a:extLst>
+              <a:ext uri="{FF2B5EF4-FFF2-40B4-BE49-F238E27FC236}">
+                <a16:creationId xmlns:a16="http://schemas.microsoft.com/office/drawing/2014/main" id="{15AB790F-4AC4-44A1-A958-66C21A9FA65D}"/>
+              </a:ext>
+            </a:extLst>
+          </p:cNvPr>
+          <p:cNvPicPr>
+            <a:picLocks noChangeAspect="1"/>
+          </p:cNvPicPr>
+          <p:nvPr/>
+        </p:nvPicPr>
+        <p:blipFill>
+          <a:blip r:embed="rId8"/>
+          <a:stretch>
+            <a:fillRect/>
+          </a:stretch>
+        </p:blipFill>
+        <p:spPr>
+          <a:xfrm>
+            <a:off x="2389855" y="4607053"/>
+            <a:ext cx="1204131" cy="598665"/>
+          </a:xfrm>
+          <a:prstGeom prst="rect">
+            <a:avLst/>
+          </a:prstGeom>
+        </p:spPr>
+      </p:pic>
+      <p:pic>
+        <p:nvPicPr>
+          <p:cNvPr id="7" name="Picture 6">
+            <a:extLst>
+              <a:ext uri="{FF2B5EF4-FFF2-40B4-BE49-F238E27FC236}">
+                <a16:creationId xmlns:a16="http://schemas.microsoft.com/office/drawing/2014/main" id="{E3AA3D3B-E315-4FB9-87CA-8EF22E1DD04A}"/>
+              </a:ext>
+            </a:extLst>
+          </p:cNvPr>
+          <p:cNvPicPr>
+            <a:picLocks noChangeAspect="1"/>
+          </p:cNvPicPr>
+          <p:nvPr/>
+        </p:nvPicPr>
+        <p:blipFill>
+          <a:blip r:embed="rId9"/>
+          <a:stretch>
+            <a:fillRect/>
+          </a:stretch>
+        </p:blipFill>
+        <p:spPr>
+          <a:xfrm>
+            <a:off x="789722" y="5388410"/>
+            <a:ext cx="1683127" cy="683110"/>
+          </a:xfrm>
+          <a:prstGeom prst="rect">
+            <a:avLst/>
+          </a:prstGeom>
+        </p:spPr>
+      </p:pic>
+      <p:pic>
+        <p:nvPicPr>
+          <p:cNvPr id="8" name="Picture 7">
+            <a:extLst>
+              <a:ext uri="{FF2B5EF4-FFF2-40B4-BE49-F238E27FC236}">
+                <a16:creationId xmlns:a16="http://schemas.microsoft.com/office/drawing/2014/main" id="{9E087F72-A53F-4C79-B3EB-BE0C5BD16E29}"/>
+              </a:ext>
+            </a:extLst>
+          </p:cNvPr>
+          <p:cNvPicPr>
+            <a:picLocks noChangeAspect="1"/>
+          </p:cNvPicPr>
+          <p:nvPr/>
+        </p:nvPicPr>
+        <p:blipFill>
+          <a:blip r:embed="rId10"/>
+          <a:stretch>
+            <a:fillRect/>
+          </a:stretch>
+        </p:blipFill>
+        <p:spPr>
+          <a:xfrm>
+            <a:off x="2714259" y="5388410"/>
+            <a:ext cx="943342" cy="634411"/>
+          </a:xfrm>
+          <a:prstGeom prst="rect">
+            <a:avLst/>
+          </a:prstGeom>
+        </p:spPr>
+      </p:pic>
+      <p:pic>
+        <p:nvPicPr>
+          <p:cNvPr id="9" name="Picture 8">
+            <a:extLst>
+              <a:ext uri="{FF2B5EF4-FFF2-40B4-BE49-F238E27FC236}">
+                <a16:creationId xmlns:a16="http://schemas.microsoft.com/office/drawing/2014/main" id="{518CEFAD-8CE1-4E3C-A056-4AF455E0B44B}"/>
+              </a:ext>
+            </a:extLst>
+          </p:cNvPr>
+          <p:cNvPicPr>
+            <a:picLocks noChangeAspect="1"/>
+          </p:cNvPicPr>
+          <p:nvPr/>
+        </p:nvPicPr>
+        <p:blipFill>
+          <a:blip r:embed="rId11"/>
+          <a:stretch>
+            <a:fillRect/>
+          </a:stretch>
+        </p:blipFill>
+        <p:spPr>
+          <a:xfrm>
+            <a:off x="4799378" y="4560666"/>
+            <a:ext cx="977168" cy="1021402"/>
+          </a:xfrm>
+          <a:prstGeom prst="rect">
+            <a:avLst/>
+          </a:prstGeom>
+        </p:spPr>
+      </p:pic>
+      <p:pic>
+        <p:nvPicPr>
+          <p:cNvPr id="10" name="Picture 9">
+            <a:extLst>
+              <a:ext uri="{FF2B5EF4-FFF2-40B4-BE49-F238E27FC236}">
+                <a16:creationId xmlns:a16="http://schemas.microsoft.com/office/drawing/2014/main" id="{9907404F-0F14-438B-8B43-0AF26D2F3AAF}"/>
+              </a:ext>
+            </a:extLst>
+          </p:cNvPr>
+          <p:cNvPicPr>
+            <a:picLocks noChangeAspect="1"/>
+          </p:cNvPicPr>
+          <p:nvPr/>
+        </p:nvPicPr>
+        <p:blipFill>
+          <a:blip r:embed="rId12"/>
+          <a:stretch>
+            <a:fillRect/>
+          </a:stretch>
+        </p:blipFill>
+        <p:spPr>
+          <a:xfrm>
+            <a:off x="6364043" y="4560666"/>
+            <a:ext cx="1030034" cy="1021402"/>
+          </a:xfrm>
+          <a:prstGeom prst="rect">
+            <a:avLst/>
+          </a:prstGeom>
+        </p:spPr>
+      </p:pic>
+      <p:pic>
+        <p:nvPicPr>
+          <p:cNvPr id="11" name="Picture 10">
+            <a:extLst>
+              <a:ext uri="{FF2B5EF4-FFF2-40B4-BE49-F238E27FC236}">
+                <a16:creationId xmlns:a16="http://schemas.microsoft.com/office/drawing/2014/main" id="{2EEE8A41-05C6-461A-8626-B0BEF875487D}"/>
+              </a:ext>
+            </a:extLst>
+          </p:cNvPr>
+          <p:cNvPicPr>
+            <a:picLocks noChangeAspect="1"/>
+          </p:cNvPicPr>
+          <p:nvPr/>
+        </p:nvPicPr>
+        <p:blipFill>
+          <a:blip r:embed="rId13"/>
+          <a:stretch>
+            <a:fillRect/>
+          </a:stretch>
+        </p:blipFill>
+        <p:spPr>
+          <a:xfrm>
+            <a:off x="10534961" y="3030510"/>
+            <a:ext cx="1096876" cy="1086949"/>
+          </a:xfrm>
+          <a:prstGeom prst="rect">
+            <a:avLst/>
+          </a:prstGeom>
+        </p:spPr>
+      </p:pic>
+      <p:pic>
+        <p:nvPicPr>
+          <p:cNvPr id="12" name="Picture 11">
+            <a:extLst>
+              <a:ext uri="{FF2B5EF4-FFF2-40B4-BE49-F238E27FC236}">
+                <a16:creationId xmlns:a16="http://schemas.microsoft.com/office/drawing/2014/main" id="{947F42D7-F1C1-4413-AB29-FF615A693E4F}"/>
+              </a:ext>
+            </a:extLst>
+          </p:cNvPr>
+          <p:cNvPicPr>
+            <a:picLocks noChangeAspect="1"/>
+          </p:cNvPicPr>
+          <p:nvPr/>
+        </p:nvPicPr>
+        <p:blipFill>
+          <a:blip r:embed="rId14"/>
+          <a:stretch>
+            <a:fillRect/>
+          </a:stretch>
+        </p:blipFill>
+        <p:spPr>
+          <a:xfrm>
+            <a:off x="10534961" y="4738777"/>
+            <a:ext cx="1096876" cy="1093383"/>
+          </a:xfrm>
+          <a:prstGeom prst="rect">
+            <a:avLst/>
+          </a:prstGeom>
+        </p:spPr>
+      </p:pic>
     </p:spTree>
     <p:extLst>
       <p:ext uri="{BB962C8B-B14F-4D97-AF65-F5344CB8AC3E}">
@@ -22094,7 +22020,7 @@
           <p:cNvPr id="2" name="Title 1">
             <a:extLst>
               <a:ext uri="{FF2B5EF4-FFF2-40B4-BE49-F238E27FC236}">
-                <a16:creationId xmlns:a16="http://schemas.microsoft.com/office/drawing/2014/main" id="{34DB6CE4-2B13-4715-B5B2-615A55922CA1}"/>
+                <a16:creationId xmlns:a16="http://schemas.microsoft.com/office/drawing/2014/main" id="{8FD22308-F0CE-4C3C-9792-3E7EA62B07A4}"/>
               </a:ext>
             </a:extLst>
           </p:cNvPr>
@@ -22105,23 +22031,14 @@
             <p:ph type="title"/>
           </p:nvPr>
         </p:nvSpPr>
-        <p:spPr>
-          <a:xfrm>
-            <a:off x="1141413" y="202879"/>
-            <a:ext cx="9905998" cy="1478570"/>
-          </a:xfrm>
-        </p:spPr>
+        <p:spPr/>
         <p:txBody>
-          <a:bodyPr>
-            <a:normAutofit/>
-          </a:bodyPr>
+          <a:bodyPr/>
           <a:lstStyle/>
           <a:p>
             <a:r>
-              <a:rPr lang="en-US" sz="4400" dirty="0">
-                <a:latin typeface="Rockwell" panose="02060603020205020403" pitchFamily="18" charset="0"/>
-              </a:rPr>
-              <a:t>Data Collection</a:t>
+              <a:rPr lang="en-US" dirty="0"/>
+              <a:t>Composition of ML Dataset		</a:t>
             </a:r>
           </a:p>
         </p:txBody>
@@ -22131,7 +22048,7 @@
           <p:cNvPr id="3" name="Content Placeholder 2">
             <a:extLst>
               <a:ext uri="{FF2B5EF4-FFF2-40B4-BE49-F238E27FC236}">
-                <a16:creationId xmlns:a16="http://schemas.microsoft.com/office/drawing/2014/main" id="{143F5361-68C0-4BF5-80C8-F1E7BF92B2DB}"/>
+                <a16:creationId xmlns:a16="http://schemas.microsoft.com/office/drawing/2014/main" id="{886AB355-B9AB-4635-A398-84279CCE9B02}"/>
               </a:ext>
             </a:extLst>
           </p:cNvPr>
@@ -22142,423 +22059,124 @@
             <p:ph idx="1"/>
           </p:nvPr>
         </p:nvSpPr>
-        <p:spPr>
-          <a:xfrm>
-            <a:off x="1183833" y="1261529"/>
-            <a:ext cx="9905999" cy="1478570"/>
-          </a:xfrm>
-        </p:spPr>
+        <p:spPr/>
         <p:txBody>
           <a:bodyPr>
-            <a:normAutofit/>
+            <a:normAutofit fontScale="77500" lnSpcReduction="20000"/>
           </a:bodyPr>
           <a:lstStyle/>
           <a:p>
             <a:r>
-              <a:rPr lang="en-US" dirty="0">
-                <a:latin typeface="Tahoma" panose="020B0604030504040204" pitchFamily="34" charset="0"/>
-                <a:ea typeface="Tahoma" panose="020B0604030504040204" pitchFamily="34" charset="0"/>
-                <a:cs typeface="Tahoma" panose="020B0604030504040204" pitchFamily="34" charset="0"/>
-              </a:rPr>
-              <a:t>Web scrape Greatschools.org for school info</a:t>
+              <a:rPr lang="en-US" dirty="0"/>
+              <a:t>696 Individual Schools</a:t>
+            </a:r>
+          </a:p>
+          <a:p>
+            <a:r>
+              <a:rPr lang="en-US" dirty="0"/>
+              <a:t>50 Features</a:t>
+            </a:r>
+          </a:p>
+          <a:p>
+            <a:r>
+              <a:rPr lang="en-US" dirty="0"/>
+              <a:t>Feature Categories</a:t>
             </a:r>
           </a:p>
           <a:p>
             <a:pPr lvl="1"/>
             <a:r>
-              <a:rPr lang="en-US" dirty="0">
-                <a:latin typeface="Tahoma" panose="020B0604030504040204" pitchFamily="34" charset="0"/>
-                <a:ea typeface="Tahoma" panose="020B0604030504040204" pitchFamily="34" charset="0"/>
-                <a:cs typeface="Tahoma" panose="020B0604030504040204" pitchFamily="34" charset="0"/>
-              </a:rPr>
-              <a:t>10,000 + records for California</a:t>
+              <a:rPr lang="en-US" dirty="0"/>
+              <a:t>Median Income by Ethnicity at </a:t>
+            </a:r>
+            <a:r>
+              <a:rPr lang="en-US" dirty="0" err="1"/>
+              <a:t>Zipcode</a:t>
+            </a:r>
+            <a:r>
+              <a:rPr lang="en-US" dirty="0"/>
+              <a:t> Level</a:t>
             </a:r>
           </a:p>
           <a:p>
             <a:pPr lvl="1"/>
             <a:r>
-              <a:rPr lang="en-US" dirty="0">
-                <a:latin typeface="Tahoma" panose="020B0604030504040204" pitchFamily="34" charset="0"/>
-                <a:ea typeface="Tahoma" panose="020B0604030504040204" pitchFamily="34" charset="0"/>
-                <a:cs typeface="Tahoma" panose="020B0604030504040204" pitchFamily="34" charset="0"/>
-              </a:rPr>
-              <a:t>394 iterative web pages</a:t>
+              <a:rPr lang="en-US" dirty="0"/>
+              <a:t>Family Structure at </a:t>
+            </a:r>
+            <a:r>
+              <a:rPr lang="en-US" dirty="0" err="1"/>
+              <a:t>Zipcode</a:t>
+            </a:r>
+            <a:r>
+              <a:rPr lang="en-US" dirty="0"/>
+              <a:t> Level</a:t>
             </a:r>
           </a:p>
           <a:p>
-            <a:pPr marL="457200" lvl="1" indent="0">
-              <a:buNone/>
-            </a:pPr>
-            <a:endParaRPr lang="en-US" dirty="0">
-              <a:latin typeface="Tahoma" panose="020B0604030504040204" pitchFamily="34" charset="0"/>
-              <a:ea typeface="Tahoma" panose="020B0604030504040204" pitchFamily="34" charset="0"/>
-              <a:cs typeface="Tahoma" panose="020B0604030504040204" pitchFamily="34" charset="0"/>
-            </a:endParaRPr>
+            <a:pPr lvl="1"/>
+            <a:r>
+              <a:rPr lang="en-US" dirty="0"/>
+              <a:t>Educational Attainment Levels at </a:t>
+            </a:r>
+            <a:r>
+              <a:rPr lang="en-US" dirty="0" err="1"/>
+              <a:t>Zipcode</a:t>
+            </a:r>
+            <a:r>
+              <a:rPr lang="en-US" dirty="0"/>
+              <a:t> Level</a:t>
+            </a:r>
           </a:p>
           <a:p>
             <a:pPr lvl="1"/>
-            <a:endParaRPr lang="en-US" dirty="0">
-              <a:latin typeface="Tahoma" panose="020B0604030504040204" pitchFamily="34" charset="0"/>
-              <a:ea typeface="Tahoma" panose="020B0604030504040204" pitchFamily="34" charset="0"/>
-              <a:cs typeface="Tahoma" panose="020B0604030504040204" pitchFamily="34" charset="0"/>
-            </a:endParaRPr>
+            <a:r>
+              <a:rPr lang="en-US" dirty="0"/>
+              <a:t>Number of Students at School</a:t>
+            </a:r>
           </a:p>
           <a:p>
-            <a:pPr lvl="2"/>
-            <a:endParaRPr lang="en-US" dirty="0">
-              <a:latin typeface="Tahoma" panose="020B0604030504040204" pitchFamily="34" charset="0"/>
-              <a:ea typeface="Tahoma" panose="020B0604030504040204" pitchFamily="34" charset="0"/>
-              <a:cs typeface="Tahoma" panose="020B0604030504040204" pitchFamily="34" charset="0"/>
-            </a:endParaRPr>
+            <a:pPr lvl="1"/>
+            <a:r>
+              <a:rPr lang="en-US" dirty="0"/>
+              <a:t>Crime Rates per Population at </a:t>
+            </a:r>
+            <a:r>
+              <a:rPr lang="en-US" dirty="0" err="1"/>
+              <a:t>Zipcode</a:t>
+            </a:r>
+            <a:r>
+              <a:rPr lang="en-US" dirty="0"/>
+              <a:t> Level</a:t>
+            </a:r>
           </a:p>
-        </p:txBody>
-      </p:sp>
-      <p:pic>
-        <p:nvPicPr>
-          <p:cNvPr id="5" name="Picture 4">
-            <a:extLst>
-              <a:ext uri="{FF2B5EF4-FFF2-40B4-BE49-F238E27FC236}">
-                <a16:creationId xmlns:a16="http://schemas.microsoft.com/office/drawing/2014/main" id="{38B6B6D8-14E5-47C7-B1E5-BB64B1241499}"/>
-              </a:ext>
-            </a:extLst>
-          </p:cNvPr>
-          <p:cNvPicPr>
-            <a:picLocks noChangeAspect="1"/>
-          </p:cNvPicPr>
-          <p:nvPr/>
-        </p:nvPicPr>
-        <p:blipFill>
-          <a:blip r:embed="rId2"/>
-          <a:stretch>
-            <a:fillRect/>
-          </a:stretch>
-        </p:blipFill>
-        <p:spPr>
-          <a:xfrm>
-            <a:off x="1826426" y="2634937"/>
-            <a:ext cx="8620811" cy="4020184"/>
-          </a:xfrm>
-          <a:prstGeom prst="rect">
-            <a:avLst/>
-          </a:prstGeom>
-        </p:spPr>
-      </p:pic>
-      <p:sp>
-        <p:nvSpPr>
-          <p:cNvPr id="6" name="Rectangle 5">
-            <a:extLst>
-              <a:ext uri="{FF2B5EF4-FFF2-40B4-BE49-F238E27FC236}">
-                <a16:creationId xmlns:a16="http://schemas.microsoft.com/office/drawing/2014/main" id="{D5D91375-61FE-484D-AC5F-C9A13B03129E}"/>
-              </a:ext>
-            </a:extLst>
-          </p:cNvPr>
-          <p:cNvSpPr/>
-          <p:nvPr/>
-        </p:nvSpPr>
-        <p:spPr>
-          <a:xfrm>
-            <a:off x="1918355" y="4595567"/>
-            <a:ext cx="320511" cy="306371"/>
-          </a:xfrm>
-          <a:prstGeom prst="rect">
-            <a:avLst/>
-          </a:prstGeom>
-          <a:noFill/>
-          <a:ln w="28575">
-            <a:solidFill>
-              <a:srgbClr val="FFC000"/>
-            </a:solidFill>
-          </a:ln>
-        </p:spPr>
-        <p:style>
-          <a:lnRef idx="2">
-            <a:schemeClr val="accent1">
-              <a:shade val="50000"/>
-            </a:schemeClr>
-          </a:lnRef>
-          <a:fillRef idx="1">
-            <a:schemeClr val="accent1"/>
-          </a:fillRef>
-          <a:effectRef idx="0">
-            <a:schemeClr val="accent1"/>
-          </a:effectRef>
-          <a:fontRef idx="minor">
-            <a:schemeClr val="lt1"/>
-          </a:fontRef>
-        </p:style>
-        <p:txBody>
-          <a:bodyPr rtlCol="0" anchor="ctr"/>
-          <a:lstStyle/>
           <a:p>
-            <a:pPr algn="ctr"/>
-            <a:endParaRPr lang="en-US"/>
+            <a:pPr lvl="1"/>
+            <a:r>
+              <a:rPr lang="en-US" dirty="0"/>
+              <a:t>Population Type by Ethnicity at </a:t>
+            </a:r>
+            <a:r>
+              <a:rPr lang="en-US" dirty="0" err="1"/>
+              <a:t>Zipcode</a:t>
+            </a:r>
+            <a:r>
+              <a:rPr lang="en-US" dirty="0"/>
+              <a:t> Level</a:t>
+            </a:r>
           </a:p>
-        </p:txBody>
-      </p:sp>
-      <p:sp>
-        <p:nvSpPr>
-          <p:cNvPr id="7" name="Rectangle 6">
-            <a:extLst>
-              <a:ext uri="{FF2B5EF4-FFF2-40B4-BE49-F238E27FC236}">
-                <a16:creationId xmlns:a16="http://schemas.microsoft.com/office/drawing/2014/main" id="{6067C3F9-6A8F-4B09-9EBF-E0FB2224ECB4}"/>
-              </a:ext>
-            </a:extLst>
-          </p:cNvPr>
-          <p:cNvSpPr/>
-          <p:nvPr/>
-        </p:nvSpPr>
-        <p:spPr>
-          <a:xfrm>
-            <a:off x="2831290" y="4866542"/>
-            <a:ext cx="320511" cy="149470"/>
-          </a:xfrm>
-          <a:prstGeom prst="rect">
-            <a:avLst/>
-          </a:prstGeom>
-          <a:noFill/>
-          <a:ln w="28575">
-            <a:solidFill>
-              <a:srgbClr val="FFC000"/>
-            </a:solidFill>
-          </a:ln>
-        </p:spPr>
-        <p:style>
-          <a:lnRef idx="2">
-            <a:schemeClr val="accent1">
-              <a:shade val="50000"/>
-            </a:schemeClr>
-          </a:lnRef>
-          <a:fillRef idx="1">
-            <a:schemeClr val="accent1"/>
-          </a:fillRef>
-          <a:effectRef idx="0">
-            <a:schemeClr val="accent1"/>
-          </a:effectRef>
-          <a:fontRef idx="minor">
-            <a:schemeClr val="lt1"/>
-          </a:fontRef>
-        </p:style>
-        <p:txBody>
-          <a:bodyPr rtlCol="0" anchor="ctr"/>
-          <a:lstStyle/>
           <a:p>
-            <a:pPr algn="ctr"/>
-            <a:endParaRPr lang="en-US"/>
-          </a:p>
-        </p:txBody>
-      </p:sp>
-      <p:sp>
-        <p:nvSpPr>
-          <p:cNvPr id="8" name="Rectangle 7">
-            <a:extLst>
-              <a:ext uri="{FF2B5EF4-FFF2-40B4-BE49-F238E27FC236}">
-                <a16:creationId xmlns:a16="http://schemas.microsoft.com/office/drawing/2014/main" id="{CC34AAAC-BD03-4AA5-9E15-1D85172EEB5A}"/>
-              </a:ext>
-            </a:extLst>
-          </p:cNvPr>
-          <p:cNvSpPr/>
-          <p:nvPr/>
-        </p:nvSpPr>
-        <p:spPr>
-          <a:xfrm>
-            <a:off x="4777321" y="4827203"/>
-            <a:ext cx="320511" cy="149470"/>
-          </a:xfrm>
-          <a:prstGeom prst="rect">
-            <a:avLst/>
-          </a:prstGeom>
-          <a:noFill/>
-          <a:ln w="28575">
-            <a:solidFill>
-              <a:srgbClr val="FFC000"/>
-            </a:solidFill>
-          </a:ln>
-        </p:spPr>
-        <p:style>
-          <a:lnRef idx="2">
-            <a:schemeClr val="accent1">
-              <a:shade val="50000"/>
-            </a:schemeClr>
-          </a:lnRef>
-          <a:fillRef idx="1">
-            <a:schemeClr val="accent1"/>
-          </a:fillRef>
-          <a:effectRef idx="0">
-            <a:schemeClr val="accent1"/>
-          </a:effectRef>
-          <a:fontRef idx="minor">
-            <a:schemeClr val="lt1"/>
-          </a:fontRef>
-        </p:style>
-        <p:txBody>
-          <a:bodyPr rtlCol="0" anchor="ctr"/>
-          <a:lstStyle/>
-          <a:p>
-            <a:pPr algn="ctr"/>
-            <a:endParaRPr lang="en-US"/>
-          </a:p>
-        </p:txBody>
-      </p:sp>
-      <p:sp>
-        <p:nvSpPr>
-          <p:cNvPr id="9" name="Rectangle 8">
-            <a:extLst>
-              <a:ext uri="{FF2B5EF4-FFF2-40B4-BE49-F238E27FC236}">
-                <a16:creationId xmlns:a16="http://schemas.microsoft.com/office/drawing/2014/main" id="{0DDD2F92-0B7D-4F93-B9BB-6E319B2C3E1E}"/>
-              </a:ext>
-            </a:extLst>
-          </p:cNvPr>
-          <p:cNvSpPr/>
-          <p:nvPr/>
-        </p:nvSpPr>
-        <p:spPr>
-          <a:xfrm>
-            <a:off x="2293494" y="4649426"/>
-            <a:ext cx="858307" cy="149470"/>
-          </a:xfrm>
-          <a:prstGeom prst="rect">
-            <a:avLst/>
-          </a:prstGeom>
-          <a:noFill/>
-          <a:ln w="19050">
-            <a:solidFill>
-              <a:srgbClr val="FFC000"/>
-            </a:solidFill>
-          </a:ln>
-        </p:spPr>
-        <p:style>
-          <a:lnRef idx="2">
-            <a:schemeClr val="accent1">
-              <a:shade val="50000"/>
-            </a:schemeClr>
-          </a:lnRef>
-          <a:fillRef idx="1">
-            <a:schemeClr val="accent1"/>
-          </a:fillRef>
-          <a:effectRef idx="0">
-            <a:schemeClr val="accent1"/>
-          </a:effectRef>
-          <a:fontRef idx="minor">
-            <a:schemeClr val="lt1"/>
-          </a:fontRef>
-        </p:style>
-        <p:txBody>
-          <a:bodyPr rtlCol="0" anchor="ctr"/>
-          <a:lstStyle/>
-          <a:p>
-            <a:pPr algn="ctr"/>
-            <a:endParaRPr lang="en-US"/>
-          </a:p>
-        </p:txBody>
-      </p:sp>
-      <p:sp>
-        <p:nvSpPr>
-          <p:cNvPr id="10" name="Rectangle 9">
-            <a:extLst>
-              <a:ext uri="{FF2B5EF4-FFF2-40B4-BE49-F238E27FC236}">
-                <a16:creationId xmlns:a16="http://schemas.microsoft.com/office/drawing/2014/main" id="{71115188-FF71-465F-92AA-4534DE96E50B}"/>
-              </a:ext>
-            </a:extLst>
-          </p:cNvPr>
-          <p:cNvSpPr/>
-          <p:nvPr/>
-        </p:nvSpPr>
-        <p:spPr>
-          <a:xfrm>
-            <a:off x="5862285" y="4827203"/>
-            <a:ext cx="320511" cy="149470"/>
-          </a:xfrm>
-          <a:prstGeom prst="rect">
-            <a:avLst/>
-          </a:prstGeom>
-          <a:noFill/>
-          <a:ln w="28575">
-            <a:solidFill>
-              <a:srgbClr val="FFC000"/>
-            </a:solidFill>
-          </a:ln>
-        </p:spPr>
-        <p:style>
-          <a:lnRef idx="2">
-            <a:schemeClr val="accent1">
-              <a:shade val="50000"/>
-            </a:schemeClr>
-          </a:lnRef>
-          <a:fillRef idx="1">
-            <a:schemeClr val="accent1"/>
-          </a:fillRef>
-          <a:effectRef idx="0">
-            <a:schemeClr val="accent1"/>
-          </a:effectRef>
-          <a:fontRef idx="minor">
-            <a:schemeClr val="lt1"/>
-          </a:fontRef>
-        </p:style>
-        <p:txBody>
-          <a:bodyPr rtlCol="0" anchor="ctr"/>
-          <a:lstStyle/>
-          <a:p>
-            <a:pPr algn="ctr"/>
-            <a:endParaRPr lang="en-US"/>
-          </a:p>
-        </p:txBody>
-      </p:sp>
-      <p:sp>
-        <p:nvSpPr>
-          <p:cNvPr id="11" name="Rectangle 10">
-            <a:extLst>
-              <a:ext uri="{FF2B5EF4-FFF2-40B4-BE49-F238E27FC236}">
-                <a16:creationId xmlns:a16="http://schemas.microsoft.com/office/drawing/2014/main" id="{1ABC1A73-671C-411D-A2C9-09D47B233EF4}"/>
-              </a:ext>
-            </a:extLst>
-          </p:cNvPr>
-          <p:cNvSpPr/>
-          <p:nvPr/>
-        </p:nvSpPr>
-        <p:spPr>
-          <a:xfrm>
-            <a:off x="6947249" y="4830134"/>
-            <a:ext cx="320511" cy="149470"/>
-          </a:xfrm>
-          <a:prstGeom prst="rect">
-            <a:avLst/>
-          </a:prstGeom>
-          <a:noFill/>
-          <a:ln w="28575">
-            <a:solidFill>
-              <a:srgbClr val="FFC000"/>
-            </a:solidFill>
-          </a:ln>
-        </p:spPr>
-        <p:style>
-          <a:lnRef idx="2">
-            <a:schemeClr val="accent1">
-              <a:shade val="50000"/>
-            </a:schemeClr>
-          </a:lnRef>
-          <a:fillRef idx="1">
-            <a:schemeClr val="accent1"/>
-          </a:fillRef>
-          <a:effectRef idx="0">
-            <a:schemeClr val="accent1"/>
-          </a:effectRef>
-          <a:fontRef idx="minor">
-            <a:schemeClr val="lt1"/>
-          </a:fontRef>
-        </p:style>
-        <p:txBody>
-          <a:bodyPr rtlCol="0" anchor="ctr"/>
-          <a:lstStyle/>
-          <a:p>
-            <a:pPr algn="ctr"/>
-            <a:endParaRPr lang="en-US"/>
+            <a:r>
+              <a:rPr lang="en-US" dirty="0"/>
+              <a:t>Target – School Rating 1- 10</a:t>
+            </a:r>
           </a:p>
         </p:txBody>
       </p:sp>
     </p:spTree>
     <p:extLst>
       <p:ext uri="{BB962C8B-B14F-4D97-AF65-F5344CB8AC3E}">
-        <p14:creationId xmlns:p14="http://schemas.microsoft.com/office/powerpoint/2010/main" val="2172179498"/>
+        <p14:creationId xmlns:p14="http://schemas.microsoft.com/office/powerpoint/2010/main" val="3471625273"/>
       </p:ext>
     </p:extLst>
   </p:cSld>
@@ -22569,703 +22187,6 @@
 </file>
 
 <file path=ppt/slides/slide5.xml><?xml version="1.0" encoding="utf-8"?>
-<p:sld xmlns:a="http://schemas.openxmlformats.org/drawingml/2006/main" xmlns:r="http://schemas.openxmlformats.org/officeDocument/2006/relationships" xmlns:p="http://schemas.openxmlformats.org/presentationml/2006/main">
-  <p:cSld>
-    <p:spTree>
-      <p:nvGrpSpPr>
-        <p:cNvPr id="1" name=""/>
-        <p:cNvGrpSpPr/>
-        <p:nvPr/>
-      </p:nvGrpSpPr>
-      <p:grpSpPr>
-        <a:xfrm>
-          <a:off x="0" y="0"/>
-          <a:ext cx="0" cy="0"/>
-          <a:chOff x="0" y="0"/>
-          <a:chExt cx="0" cy="0"/>
-        </a:xfrm>
-      </p:grpSpPr>
-      <p:sp>
-        <p:nvSpPr>
-          <p:cNvPr id="2" name="Title 1">
-            <a:extLst>
-              <a:ext uri="{FF2B5EF4-FFF2-40B4-BE49-F238E27FC236}">
-                <a16:creationId xmlns:a16="http://schemas.microsoft.com/office/drawing/2014/main" id="{34DB6CE4-2B13-4715-B5B2-615A55922CA1}"/>
-              </a:ext>
-            </a:extLst>
-          </p:cNvPr>
-          <p:cNvSpPr>
-            <a:spLocks noGrp="1"/>
-          </p:cNvSpPr>
-          <p:nvPr>
-            <p:ph type="title"/>
-          </p:nvPr>
-        </p:nvSpPr>
-        <p:spPr>
-          <a:xfrm>
-            <a:off x="1141413" y="202879"/>
-            <a:ext cx="9905998" cy="1478570"/>
-          </a:xfrm>
-        </p:spPr>
-        <p:txBody>
-          <a:bodyPr>
-            <a:normAutofit/>
-          </a:bodyPr>
-          <a:lstStyle/>
-          <a:p>
-            <a:r>
-              <a:rPr lang="en-US" sz="4400" dirty="0">
-                <a:latin typeface="Rockwell" panose="02060603020205020403" pitchFamily="18" charset="0"/>
-              </a:rPr>
-              <a:t>Data Collection</a:t>
-            </a:r>
-          </a:p>
-        </p:txBody>
-      </p:sp>
-      <p:sp>
-        <p:nvSpPr>
-          <p:cNvPr id="3" name="Content Placeholder 2">
-            <a:extLst>
-              <a:ext uri="{FF2B5EF4-FFF2-40B4-BE49-F238E27FC236}">
-                <a16:creationId xmlns:a16="http://schemas.microsoft.com/office/drawing/2014/main" id="{143F5361-68C0-4BF5-80C8-F1E7BF92B2DB}"/>
-              </a:ext>
-            </a:extLst>
-          </p:cNvPr>
-          <p:cNvSpPr>
-            <a:spLocks noGrp="1"/>
-          </p:cNvSpPr>
-          <p:nvPr>
-            <p:ph idx="1"/>
-          </p:nvPr>
-        </p:nvSpPr>
-        <p:spPr>
-          <a:xfrm>
-            <a:off x="1141412" y="1473631"/>
-            <a:ext cx="9905999" cy="4893917"/>
-          </a:xfrm>
-        </p:spPr>
-        <p:txBody>
-          <a:bodyPr>
-            <a:normAutofit lnSpcReduction="10000"/>
-          </a:bodyPr>
-          <a:lstStyle/>
-          <a:p>
-            <a:r>
-              <a:rPr lang="en-US" dirty="0">
-                <a:latin typeface="Tahoma" panose="020B0604030504040204" pitchFamily="34" charset="0"/>
-                <a:ea typeface="Tahoma" panose="020B0604030504040204" pitchFamily="34" charset="0"/>
-                <a:cs typeface="Tahoma" panose="020B0604030504040204" pitchFamily="34" charset="0"/>
-              </a:rPr>
-              <a:t>Census American Communities Survey (5-Yr) – API, Python library </a:t>
-            </a:r>
-            <a:r>
-              <a:rPr lang="en-US" dirty="0" err="1">
-                <a:latin typeface="Tahoma" panose="020B0604030504040204" pitchFamily="34" charset="0"/>
-                <a:ea typeface="Tahoma" panose="020B0604030504040204" pitchFamily="34" charset="0"/>
-                <a:cs typeface="Tahoma" panose="020B0604030504040204" pitchFamily="34" charset="0"/>
-              </a:rPr>
-              <a:t>censusdata</a:t>
-            </a:r>
-            <a:r>
-              <a:rPr lang="en-US" dirty="0">
-                <a:latin typeface="Tahoma" panose="020B0604030504040204" pitchFamily="34" charset="0"/>
-                <a:ea typeface="Tahoma" panose="020B0604030504040204" pitchFamily="34" charset="0"/>
-                <a:cs typeface="Tahoma" panose="020B0604030504040204" pitchFamily="34" charset="0"/>
-              </a:rPr>
-              <a:t> – Over 20,000 variables to consider</a:t>
-            </a:r>
-          </a:p>
-          <a:p>
-            <a:pPr lvl="1"/>
-            <a:r>
-              <a:rPr lang="en-US" dirty="0">
-                <a:latin typeface="Tahoma" panose="020B0604030504040204" pitchFamily="34" charset="0"/>
-                <a:ea typeface="Tahoma" panose="020B0604030504040204" pitchFamily="34" charset="0"/>
-                <a:cs typeface="Tahoma" panose="020B0604030504040204" pitchFamily="34" charset="0"/>
-              </a:rPr>
-              <a:t>Data by zip code and state – 1,700 records per variable</a:t>
-            </a:r>
-          </a:p>
-          <a:p>
-            <a:pPr lvl="1"/>
-            <a:r>
-              <a:rPr lang="en-US" dirty="0">
-                <a:latin typeface="Tahoma" panose="020B0604030504040204" pitchFamily="34" charset="0"/>
-                <a:ea typeface="Tahoma" panose="020B0604030504040204" pitchFamily="34" charset="0"/>
-                <a:cs typeface="Tahoma" panose="020B0604030504040204" pitchFamily="34" charset="0"/>
-              </a:rPr>
-              <a:t>Population by ethnicity</a:t>
-            </a:r>
-          </a:p>
-          <a:p>
-            <a:pPr lvl="1"/>
-            <a:r>
-              <a:rPr lang="en-US" dirty="0">
-                <a:latin typeface="Tahoma" panose="020B0604030504040204" pitchFamily="34" charset="0"/>
-                <a:ea typeface="Tahoma" panose="020B0604030504040204" pitchFamily="34" charset="0"/>
-                <a:cs typeface="Tahoma" panose="020B0604030504040204" pitchFamily="34" charset="0"/>
-              </a:rPr>
-              <a:t>Education levels attained</a:t>
-            </a:r>
-          </a:p>
-          <a:p>
-            <a:pPr lvl="1"/>
-            <a:r>
-              <a:rPr lang="en-US" dirty="0">
-                <a:latin typeface="Tahoma" panose="020B0604030504040204" pitchFamily="34" charset="0"/>
-                <a:ea typeface="Tahoma" panose="020B0604030504040204" pitchFamily="34" charset="0"/>
-                <a:cs typeface="Tahoma" panose="020B0604030504040204" pitchFamily="34" charset="0"/>
-              </a:rPr>
-              <a:t>Median income by ethnicity</a:t>
-            </a:r>
-          </a:p>
-          <a:p>
-            <a:pPr lvl="1"/>
-            <a:r>
-              <a:rPr lang="en-US" dirty="0">
-                <a:latin typeface="Tahoma" panose="020B0604030504040204" pitchFamily="34" charset="0"/>
-                <a:ea typeface="Tahoma" panose="020B0604030504040204" pitchFamily="34" charset="0"/>
-                <a:cs typeface="Tahoma" panose="020B0604030504040204" pitchFamily="34" charset="0"/>
-              </a:rPr>
-              <a:t>Family structure type for school age children</a:t>
-            </a:r>
-          </a:p>
-          <a:p>
-            <a:r>
-              <a:rPr lang="en-US" dirty="0">
-                <a:latin typeface="Tahoma" panose="020B0604030504040204" pitchFamily="34" charset="0"/>
-                <a:ea typeface="Tahoma" panose="020B0604030504040204" pitchFamily="34" charset="0"/>
-                <a:cs typeface="Tahoma" panose="020B0604030504040204" pitchFamily="34" charset="0"/>
-              </a:rPr>
-              <a:t>SANDAG.org – Crime reporting data for past 180 days in .csv format</a:t>
-            </a:r>
-          </a:p>
-          <a:p>
-            <a:pPr lvl="1"/>
-            <a:r>
-              <a:rPr lang="en-US" dirty="0">
-                <a:latin typeface="Tahoma" panose="020B0604030504040204" pitchFamily="34" charset="0"/>
-                <a:ea typeface="Tahoma" panose="020B0604030504040204" pitchFamily="34" charset="0"/>
-                <a:cs typeface="Tahoma" panose="020B0604030504040204" pitchFamily="34" charset="0"/>
-              </a:rPr>
-              <a:t>Crime reporting by zip code – 50,000 categorized San Diego County crimes</a:t>
-            </a:r>
-          </a:p>
-          <a:p>
-            <a:r>
-              <a:rPr lang="en-US" dirty="0">
-                <a:latin typeface="Tahoma" panose="020B0604030504040204" pitchFamily="34" charset="0"/>
-                <a:ea typeface="Tahoma" panose="020B0604030504040204" pitchFamily="34" charset="0"/>
-                <a:cs typeface="Tahoma" panose="020B0604030504040204" pitchFamily="34" charset="0"/>
-              </a:rPr>
-              <a:t>San Diego County Zip Codes &amp; </a:t>
-            </a:r>
-            <a:r>
-              <a:rPr lang="en-US" dirty="0" err="1">
-                <a:latin typeface="Tahoma" panose="020B0604030504040204" pitchFamily="34" charset="0"/>
-                <a:ea typeface="Tahoma" panose="020B0604030504040204" pitchFamily="34" charset="0"/>
-                <a:cs typeface="Tahoma" panose="020B0604030504040204" pitchFamily="34" charset="0"/>
-              </a:rPr>
-              <a:t>lat</a:t>
-            </a:r>
-            <a:r>
-              <a:rPr lang="en-US" dirty="0">
-                <a:latin typeface="Tahoma" panose="020B0604030504040204" pitchFamily="34" charset="0"/>
-                <a:ea typeface="Tahoma" panose="020B0604030504040204" pitchFamily="34" charset="0"/>
-                <a:cs typeface="Tahoma" panose="020B0604030504040204" pitchFamily="34" charset="0"/>
-              </a:rPr>
-              <a:t>/long</a:t>
-            </a:r>
-          </a:p>
-          <a:p>
-            <a:pPr lvl="1"/>
-            <a:r>
-              <a:rPr lang="en-US" dirty="0">
-                <a:latin typeface="Tahoma" panose="020B0604030504040204" pitchFamily="34" charset="0"/>
-                <a:ea typeface="Tahoma" panose="020B0604030504040204" pitchFamily="34" charset="0"/>
-                <a:cs typeface="Tahoma" panose="020B0604030504040204" pitchFamily="34" charset="0"/>
-              </a:rPr>
-              <a:t>Stitching together from various web data</a:t>
-            </a:r>
-          </a:p>
-          <a:p>
-            <a:endParaRPr lang="en-US" dirty="0">
-              <a:latin typeface="Tahoma" panose="020B0604030504040204" pitchFamily="34" charset="0"/>
-              <a:ea typeface="Tahoma" panose="020B0604030504040204" pitchFamily="34" charset="0"/>
-              <a:cs typeface="Tahoma" panose="020B0604030504040204" pitchFamily="34" charset="0"/>
-            </a:endParaRPr>
-          </a:p>
-          <a:p>
-            <a:pPr marL="457200" lvl="1" indent="0">
-              <a:buNone/>
-            </a:pPr>
-            <a:endParaRPr lang="en-US" dirty="0">
-              <a:latin typeface="Tahoma" panose="020B0604030504040204" pitchFamily="34" charset="0"/>
-              <a:ea typeface="Tahoma" panose="020B0604030504040204" pitchFamily="34" charset="0"/>
-              <a:cs typeface="Tahoma" panose="020B0604030504040204" pitchFamily="34" charset="0"/>
-            </a:endParaRPr>
-          </a:p>
-          <a:p>
-            <a:pPr lvl="1"/>
-            <a:endParaRPr lang="en-US" dirty="0">
-              <a:latin typeface="Tahoma" panose="020B0604030504040204" pitchFamily="34" charset="0"/>
-              <a:ea typeface="Tahoma" panose="020B0604030504040204" pitchFamily="34" charset="0"/>
-              <a:cs typeface="Tahoma" panose="020B0604030504040204" pitchFamily="34" charset="0"/>
-            </a:endParaRPr>
-          </a:p>
-          <a:p>
-            <a:pPr lvl="2"/>
-            <a:endParaRPr lang="en-US" dirty="0">
-              <a:latin typeface="Tahoma" panose="020B0604030504040204" pitchFamily="34" charset="0"/>
-              <a:ea typeface="Tahoma" panose="020B0604030504040204" pitchFamily="34" charset="0"/>
-              <a:cs typeface="Tahoma" panose="020B0604030504040204" pitchFamily="34" charset="0"/>
-            </a:endParaRPr>
-          </a:p>
-        </p:txBody>
-      </p:sp>
-    </p:spTree>
-    <p:extLst>
-      <p:ext uri="{BB962C8B-B14F-4D97-AF65-F5344CB8AC3E}">
-        <p14:creationId xmlns:p14="http://schemas.microsoft.com/office/powerpoint/2010/main" val="3824279889"/>
-      </p:ext>
-    </p:extLst>
-  </p:cSld>
-  <p:clrMapOvr>
-    <a:masterClrMapping/>
-  </p:clrMapOvr>
-</p:sld>
-</file>
-
-<file path=ppt/slides/slide6.xml><?xml version="1.0" encoding="utf-8"?>
-<p:sld xmlns:a="http://schemas.openxmlformats.org/drawingml/2006/main" xmlns:r="http://schemas.openxmlformats.org/officeDocument/2006/relationships" xmlns:p="http://schemas.openxmlformats.org/presentationml/2006/main">
-  <p:cSld>
-    <p:spTree>
-      <p:nvGrpSpPr>
-        <p:cNvPr id="1" name=""/>
-        <p:cNvGrpSpPr/>
-        <p:nvPr/>
-      </p:nvGrpSpPr>
-      <p:grpSpPr>
-        <a:xfrm>
-          <a:off x="0" y="0"/>
-          <a:ext cx="0" cy="0"/>
-          <a:chOff x="0" y="0"/>
-          <a:chExt cx="0" cy="0"/>
-        </a:xfrm>
-      </p:grpSpPr>
-      <p:sp>
-        <p:nvSpPr>
-          <p:cNvPr id="2" name="Title 1">
-            <a:extLst>
-              <a:ext uri="{FF2B5EF4-FFF2-40B4-BE49-F238E27FC236}">
-                <a16:creationId xmlns:a16="http://schemas.microsoft.com/office/drawing/2014/main" id="{34DB6CE4-2B13-4715-B5B2-615A55922CA1}"/>
-              </a:ext>
-            </a:extLst>
-          </p:cNvPr>
-          <p:cNvSpPr>
-            <a:spLocks noGrp="1"/>
-          </p:cNvSpPr>
-          <p:nvPr>
-            <p:ph type="title"/>
-          </p:nvPr>
-        </p:nvSpPr>
-        <p:spPr>
-          <a:xfrm>
-            <a:off x="1141410" y="180171"/>
-            <a:ext cx="9905998" cy="1060327"/>
-          </a:xfrm>
-        </p:spPr>
-        <p:txBody>
-          <a:bodyPr>
-            <a:normAutofit fontScale="90000"/>
-          </a:bodyPr>
-          <a:lstStyle/>
-          <a:p>
-            <a:r>
-              <a:rPr lang="en-US" sz="4400" dirty="0">
-                <a:latin typeface="Rockwell" panose="02060603020205020403" pitchFamily="18" charset="0"/>
-              </a:rPr>
-              <a:t>Data Cleaning/Database Creation</a:t>
-            </a:r>
-          </a:p>
-        </p:txBody>
-      </p:sp>
-      <p:pic>
-        <p:nvPicPr>
-          <p:cNvPr id="10" name="Picture 9">
-            <a:extLst>
-              <a:ext uri="{FF2B5EF4-FFF2-40B4-BE49-F238E27FC236}">
-                <a16:creationId xmlns:a16="http://schemas.microsoft.com/office/drawing/2014/main" id="{FDFE3B94-D2CF-4455-A949-BCADFBA9CC8B}"/>
-              </a:ext>
-            </a:extLst>
-          </p:cNvPr>
-          <p:cNvPicPr>
-            <a:picLocks noChangeAspect="1"/>
-          </p:cNvPicPr>
-          <p:nvPr/>
-        </p:nvPicPr>
-        <p:blipFill>
-          <a:blip r:embed="rId2"/>
-          <a:stretch>
-            <a:fillRect/>
-          </a:stretch>
-        </p:blipFill>
-        <p:spPr>
-          <a:xfrm>
-            <a:off x="3129699" y="2299449"/>
-            <a:ext cx="7344610" cy="4198446"/>
-          </a:xfrm>
-          <a:prstGeom prst="rect">
-            <a:avLst/>
-          </a:prstGeom>
-        </p:spPr>
-      </p:pic>
-      <p:sp>
-        <p:nvSpPr>
-          <p:cNvPr id="11" name="Rectangle 10">
-            <a:extLst>
-              <a:ext uri="{FF2B5EF4-FFF2-40B4-BE49-F238E27FC236}">
-                <a16:creationId xmlns:a16="http://schemas.microsoft.com/office/drawing/2014/main" id="{2B86BC84-4897-45B9-9288-63DE48E12FB3}"/>
-              </a:ext>
-            </a:extLst>
-          </p:cNvPr>
-          <p:cNvSpPr/>
-          <p:nvPr/>
-        </p:nvSpPr>
-        <p:spPr>
-          <a:xfrm>
-            <a:off x="3129699" y="3966883"/>
-            <a:ext cx="1677973" cy="212103"/>
-          </a:xfrm>
-          <a:prstGeom prst="rect">
-            <a:avLst/>
-          </a:prstGeom>
-          <a:noFill/>
-          <a:ln w="28575">
-            <a:solidFill>
-              <a:srgbClr val="FFC000"/>
-            </a:solidFill>
-          </a:ln>
-        </p:spPr>
-        <p:style>
-          <a:lnRef idx="2">
-            <a:schemeClr val="accent1">
-              <a:shade val="50000"/>
-            </a:schemeClr>
-          </a:lnRef>
-          <a:fillRef idx="1">
-            <a:schemeClr val="accent1"/>
-          </a:fillRef>
-          <a:effectRef idx="0">
-            <a:schemeClr val="accent1"/>
-          </a:effectRef>
-          <a:fontRef idx="minor">
-            <a:schemeClr val="lt1"/>
-          </a:fontRef>
-        </p:style>
-        <p:txBody>
-          <a:bodyPr rtlCol="0" anchor="ctr"/>
-          <a:lstStyle/>
-          <a:p>
-            <a:pPr algn="ctr"/>
-            <a:endParaRPr lang="en-US"/>
-          </a:p>
-        </p:txBody>
-      </p:sp>
-      <p:cxnSp>
-        <p:nvCxnSpPr>
-          <p:cNvPr id="13" name="Straight Arrow Connector 12">
-            <a:extLst>
-              <a:ext uri="{FF2B5EF4-FFF2-40B4-BE49-F238E27FC236}">
-                <a16:creationId xmlns:a16="http://schemas.microsoft.com/office/drawing/2014/main" id="{C193E1AA-6277-4333-86AE-53A5EAEC1EC7}"/>
-              </a:ext>
-            </a:extLst>
-          </p:cNvPr>
-          <p:cNvCxnSpPr>
-            <a:cxnSpLocks/>
-          </p:cNvCxnSpPr>
-          <p:nvPr/>
-        </p:nvCxnSpPr>
-        <p:spPr>
-          <a:xfrm flipH="1" flipV="1">
-            <a:off x="4921624" y="4111751"/>
-            <a:ext cx="1783976" cy="195790"/>
-          </a:xfrm>
-          <a:prstGeom prst="straightConnector1">
-            <a:avLst/>
-          </a:prstGeom>
-          <a:ln>
-            <a:tailEnd type="triangle"/>
-          </a:ln>
-        </p:spPr>
-        <p:style>
-          <a:lnRef idx="1">
-            <a:schemeClr val="accent1"/>
-          </a:lnRef>
-          <a:fillRef idx="0">
-            <a:schemeClr val="accent1"/>
-          </a:fillRef>
-          <a:effectRef idx="0">
-            <a:schemeClr val="accent1"/>
-          </a:effectRef>
-          <a:fontRef idx="minor">
-            <a:schemeClr val="tx1"/>
-          </a:fontRef>
-        </p:style>
-      </p:cxnSp>
-      <p:sp>
-        <p:nvSpPr>
-          <p:cNvPr id="14" name="TextBox 13">
-            <a:extLst>
-              <a:ext uri="{FF2B5EF4-FFF2-40B4-BE49-F238E27FC236}">
-                <a16:creationId xmlns:a16="http://schemas.microsoft.com/office/drawing/2014/main" id="{EA68ECD3-87B0-43E5-B883-09F6F34F32A1}"/>
-              </a:ext>
-            </a:extLst>
-          </p:cNvPr>
-          <p:cNvSpPr txBox="1"/>
-          <p:nvPr/>
-        </p:nvSpPr>
-        <p:spPr>
-          <a:xfrm>
-            <a:off x="7219802" y="1769445"/>
-            <a:ext cx="3002573" cy="369332"/>
-          </a:xfrm>
-          <a:prstGeom prst="rect">
-            <a:avLst/>
-          </a:prstGeom>
-          <a:noFill/>
-          <a:ln w="28575">
-            <a:solidFill>
-              <a:srgbClr val="FFC000"/>
-            </a:solidFill>
-          </a:ln>
-        </p:spPr>
-        <p:txBody>
-          <a:bodyPr wrap="square" rtlCol="0">
-            <a:spAutoFit/>
-          </a:bodyPr>
-          <a:lstStyle/>
-          <a:p>
-            <a:pPr algn="ctr"/>
-            <a:r>
-              <a:rPr lang="en-US" dirty="0"/>
-              <a:t>Pulling from cloud database</a:t>
-            </a:r>
-          </a:p>
-        </p:txBody>
-      </p:sp>
-      <p:cxnSp>
-        <p:nvCxnSpPr>
-          <p:cNvPr id="16" name="Straight Arrow Connector 15">
-            <a:extLst>
-              <a:ext uri="{FF2B5EF4-FFF2-40B4-BE49-F238E27FC236}">
-                <a16:creationId xmlns:a16="http://schemas.microsoft.com/office/drawing/2014/main" id="{7736429B-158C-4840-87E8-EB3D57B71E13}"/>
-              </a:ext>
-            </a:extLst>
-          </p:cNvPr>
-          <p:cNvCxnSpPr/>
-          <p:nvPr/>
-        </p:nvCxnSpPr>
-        <p:spPr>
-          <a:xfrm flipH="1">
-            <a:off x="8296859" y="2178810"/>
-            <a:ext cx="70339" cy="588562"/>
-          </a:xfrm>
-          <a:prstGeom prst="straightConnector1">
-            <a:avLst/>
-          </a:prstGeom>
-          <a:ln>
-            <a:tailEnd type="triangle"/>
-          </a:ln>
-        </p:spPr>
-        <p:style>
-          <a:lnRef idx="1">
-            <a:schemeClr val="accent1"/>
-          </a:lnRef>
-          <a:fillRef idx="0">
-            <a:schemeClr val="accent1"/>
-          </a:fillRef>
-          <a:effectRef idx="0">
-            <a:schemeClr val="accent1"/>
-          </a:effectRef>
-          <a:fontRef idx="minor">
-            <a:schemeClr val="tx1"/>
-          </a:fontRef>
-        </p:style>
-      </p:cxnSp>
-      <p:sp>
-        <p:nvSpPr>
-          <p:cNvPr id="17" name="TextBox 16">
-            <a:extLst>
-              <a:ext uri="{FF2B5EF4-FFF2-40B4-BE49-F238E27FC236}">
-                <a16:creationId xmlns:a16="http://schemas.microsoft.com/office/drawing/2014/main" id="{20C463F8-D5BB-4A8F-8002-6123788FB105}"/>
-              </a:ext>
-            </a:extLst>
-          </p:cNvPr>
-          <p:cNvSpPr txBox="1"/>
-          <p:nvPr/>
-        </p:nvSpPr>
-        <p:spPr>
-          <a:xfrm>
-            <a:off x="525600" y="2151548"/>
-            <a:ext cx="2384181" cy="923330"/>
-          </a:xfrm>
-          <a:prstGeom prst="rect">
-            <a:avLst/>
-          </a:prstGeom>
-          <a:noFill/>
-          <a:ln w="28575">
-            <a:solidFill>
-              <a:srgbClr val="FFC000"/>
-            </a:solidFill>
-          </a:ln>
-        </p:spPr>
-        <p:txBody>
-          <a:bodyPr wrap="square" rtlCol="0">
-            <a:spAutoFit/>
-          </a:bodyPr>
-          <a:lstStyle/>
-          <a:p>
-            <a:pPr algn="ctr"/>
-            <a:r>
-              <a:rPr lang="en-US" dirty="0"/>
-              <a:t>Feeds logic/app JavaScript files for visualizations</a:t>
-            </a:r>
-          </a:p>
-        </p:txBody>
-      </p:sp>
-      <p:sp>
-        <p:nvSpPr>
-          <p:cNvPr id="9" name="Content Placeholder 2">
-            <a:extLst>
-              <a:ext uri="{FF2B5EF4-FFF2-40B4-BE49-F238E27FC236}">
-                <a16:creationId xmlns:a16="http://schemas.microsoft.com/office/drawing/2014/main" id="{F2A61F82-A967-4AAA-A204-CE4BF665D406}"/>
-              </a:ext>
-            </a:extLst>
-          </p:cNvPr>
-          <p:cNvSpPr>
-            <a:spLocks noGrp="1"/>
-          </p:cNvSpPr>
-          <p:nvPr>
-            <p:ph idx="1"/>
-          </p:nvPr>
-        </p:nvSpPr>
-        <p:spPr>
-          <a:xfrm>
-            <a:off x="1141409" y="1078450"/>
-            <a:ext cx="9905999" cy="1032039"/>
-          </a:xfrm>
-        </p:spPr>
-        <p:txBody>
-          <a:bodyPr>
-            <a:normAutofit fontScale="92500" lnSpcReduction="20000"/>
-          </a:bodyPr>
-          <a:lstStyle/>
-          <a:p>
-            <a:r>
-              <a:rPr lang="en-US" sz="1400" dirty="0">
-                <a:latin typeface="Tahoma" panose="020B0604030504040204" pitchFamily="34" charset="0"/>
-                <a:ea typeface="Tahoma" panose="020B0604030504040204" pitchFamily="34" charset="0"/>
-                <a:cs typeface="Tahoma" panose="020B0604030504040204" pitchFamily="34" charset="0"/>
-              </a:rPr>
-              <a:t>Set up PostgreSQL database through Amazon Web Services</a:t>
-            </a:r>
-          </a:p>
-          <a:p>
-            <a:pPr lvl="1"/>
-            <a:r>
-              <a:rPr lang="en-US" sz="1200" dirty="0">
-                <a:latin typeface="Tahoma" panose="020B0604030504040204" pitchFamily="34" charset="0"/>
-                <a:ea typeface="Tahoma" panose="020B0604030504040204" pitchFamily="34" charset="0"/>
-                <a:cs typeface="Tahoma" panose="020B0604030504040204" pitchFamily="34" charset="0"/>
-              </a:rPr>
-              <a:t>Migrated all datasets there </a:t>
-            </a:r>
-          </a:p>
-          <a:p>
-            <a:pPr lvl="1"/>
-            <a:r>
-              <a:rPr lang="en-US" sz="1200" dirty="0">
-                <a:latin typeface="Tahoma" panose="020B0604030504040204" pitchFamily="34" charset="0"/>
-                <a:ea typeface="Tahoma" panose="020B0604030504040204" pitchFamily="34" charset="0"/>
-                <a:cs typeface="Tahoma" panose="020B0604030504040204" pitchFamily="34" charset="0"/>
-              </a:rPr>
-              <a:t>Cleaned and structured with SQL queries</a:t>
-            </a:r>
-          </a:p>
-          <a:p>
-            <a:pPr lvl="1"/>
-            <a:r>
-              <a:rPr lang="en-US" sz="1200" dirty="0">
-                <a:latin typeface="Tahoma" panose="020B0604030504040204" pitchFamily="34" charset="0"/>
-                <a:ea typeface="Tahoma" panose="020B0604030504040204" pitchFamily="34" charset="0"/>
-                <a:cs typeface="Tahoma" panose="020B0604030504040204" pitchFamily="34" charset="0"/>
-              </a:rPr>
-              <a:t>Piped data back to Python to for final merges and </a:t>
-            </a:r>
-            <a:r>
-              <a:rPr lang="en-US" sz="1200" dirty="0" err="1">
-                <a:latin typeface="Tahoma" panose="020B0604030504040204" pitchFamily="34" charset="0"/>
-                <a:ea typeface="Tahoma" panose="020B0604030504040204" pitchFamily="34" charset="0"/>
-                <a:cs typeface="Tahoma" panose="020B0604030504040204" pitchFamily="34" charset="0"/>
-              </a:rPr>
-              <a:t>jsonification</a:t>
-            </a:r>
-            <a:endParaRPr lang="en-US" sz="1200" dirty="0">
-              <a:latin typeface="Tahoma" panose="020B0604030504040204" pitchFamily="34" charset="0"/>
-              <a:ea typeface="Tahoma" panose="020B0604030504040204" pitchFamily="34" charset="0"/>
-              <a:cs typeface="Tahoma" panose="020B0604030504040204" pitchFamily="34" charset="0"/>
-            </a:endParaRPr>
-          </a:p>
-          <a:p>
-            <a:endParaRPr lang="en-US" sz="1400" dirty="0">
-              <a:latin typeface="Tahoma" panose="020B0604030504040204" pitchFamily="34" charset="0"/>
-              <a:ea typeface="Tahoma" panose="020B0604030504040204" pitchFamily="34" charset="0"/>
-              <a:cs typeface="Tahoma" panose="020B0604030504040204" pitchFamily="34" charset="0"/>
-            </a:endParaRPr>
-          </a:p>
-          <a:p>
-            <a:pPr marL="457200" lvl="1" indent="0">
-              <a:buNone/>
-            </a:pPr>
-            <a:endParaRPr lang="en-US" sz="1200" dirty="0">
-              <a:latin typeface="Tahoma" panose="020B0604030504040204" pitchFamily="34" charset="0"/>
-              <a:ea typeface="Tahoma" panose="020B0604030504040204" pitchFamily="34" charset="0"/>
-              <a:cs typeface="Tahoma" panose="020B0604030504040204" pitchFamily="34" charset="0"/>
-            </a:endParaRPr>
-          </a:p>
-          <a:p>
-            <a:pPr lvl="1"/>
-            <a:endParaRPr lang="en-US" sz="1200" dirty="0">
-              <a:latin typeface="Tahoma" panose="020B0604030504040204" pitchFamily="34" charset="0"/>
-              <a:ea typeface="Tahoma" panose="020B0604030504040204" pitchFamily="34" charset="0"/>
-              <a:cs typeface="Tahoma" panose="020B0604030504040204" pitchFamily="34" charset="0"/>
-            </a:endParaRPr>
-          </a:p>
-          <a:p>
-            <a:pPr lvl="2"/>
-            <a:endParaRPr lang="en-US" sz="1100" dirty="0">
-              <a:latin typeface="Tahoma" panose="020B0604030504040204" pitchFamily="34" charset="0"/>
-              <a:ea typeface="Tahoma" panose="020B0604030504040204" pitchFamily="34" charset="0"/>
-              <a:cs typeface="Tahoma" panose="020B0604030504040204" pitchFamily="34" charset="0"/>
-            </a:endParaRPr>
-          </a:p>
-        </p:txBody>
-      </p:sp>
-    </p:spTree>
-    <p:extLst>
-      <p:ext uri="{BB962C8B-B14F-4D97-AF65-F5344CB8AC3E}">
-        <p14:creationId xmlns:p14="http://schemas.microsoft.com/office/powerpoint/2010/main" val="1398410914"/>
-      </p:ext>
-    </p:extLst>
-  </p:cSld>
-  <p:clrMapOvr>
-    <a:masterClrMapping/>
-  </p:clrMapOvr>
-</p:sld>
-</file>
-
-<file path=ppt/slides/slide7.xml><?xml version="1.0" encoding="utf-8"?>
 <p:sld xmlns:a="http://schemas.openxmlformats.org/drawingml/2006/main" xmlns:r="http://schemas.openxmlformats.org/officeDocument/2006/relationships" xmlns:p="http://schemas.openxmlformats.org/presentationml/2006/main">
   <p:cSld>
     <p:spTree>
@@ -23844,7 +22765,7 @@
 </p:sld>
 </file>
 
-<file path=ppt/slides/slide8.xml><?xml version="1.0" encoding="utf-8"?>
+<file path=ppt/slides/slide6.xml><?xml version="1.0" encoding="utf-8"?>
 <p:sld xmlns:a="http://schemas.openxmlformats.org/drawingml/2006/main" xmlns:r="http://schemas.openxmlformats.org/officeDocument/2006/relationships" xmlns:p="http://schemas.openxmlformats.org/presentationml/2006/main">
   <p:cSld>
     <p:spTree>
@@ -23990,6 +22911,41 @@
           </a:prstGeom>
         </p:spPr>
       </p:pic>
+      <p:sp>
+        <p:nvSpPr>
+          <p:cNvPr id="4" name="TextBox 3">
+            <a:extLst>
+              <a:ext uri="{FF2B5EF4-FFF2-40B4-BE49-F238E27FC236}">
+                <a16:creationId xmlns:a16="http://schemas.microsoft.com/office/drawing/2014/main" id="{86378EFB-539C-419F-A9C9-4F9562513639}"/>
+              </a:ext>
+            </a:extLst>
+          </p:cNvPr>
+          <p:cNvSpPr txBox="1"/>
+          <p:nvPr/>
+        </p:nvSpPr>
+        <p:spPr>
+          <a:xfrm>
+            <a:off x="1446334" y="3982914"/>
+            <a:ext cx="7992207" cy="646331"/>
+          </a:xfrm>
+          <a:prstGeom prst="rect">
+            <a:avLst/>
+          </a:prstGeom>
+          <a:noFill/>
+        </p:spPr>
+        <p:txBody>
+          <a:bodyPr wrap="square" rtlCol="0">
+            <a:spAutoFit/>
+          </a:bodyPr>
+          <a:lstStyle/>
+          <a:p>
+            <a:r>
+              <a:rPr lang="en-US" dirty="0"/>
+              <a:t>Features with the highest weightings were related to the educational attainment levels of the population. </a:t>
+            </a:r>
+          </a:p>
+        </p:txBody>
+      </p:sp>
     </p:spTree>
     <p:extLst>
       <p:ext uri="{BB962C8B-B14F-4D97-AF65-F5344CB8AC3E}">
@@ -24003,7 +22959,7 @@
 </p:sld>
 </file>
 
-<file path=ppt/slides/slide9.xml><?xml version="1.0" encoding="utf-8"?>
+<file path=ppt/slides/slide7.xml><?xml version="1.0" encoding="utf-8"?>
 <p:sld xmlns:a="http://schemas.openxmlformats.org/drawingml/2006/main" xmlns:r="http://schemas.openxmlformats.org/officeDocument/2006/relationships" xmlns:p="http://schemas.openxmlformats.org/presentationml/2006/main">
   <p:cSld>
     <p:spTree>
@@ -24223,6 +23179,589 @@
     <p:extLst>
       <p:ext uri="{BB962C8B-B14F-4D97-AF65-F5344CB8AC3E}">
         <p14:creationId xmlns:p14="http://schemas.microsoft.com/office/powerpoint/2010/main" val="3365853074"/>
+      </p:ext>
+    </p:extLst>
+  </p:cSld>
+  <p:clrMapOvr>
+    <a:masterClrMapping/>
+  </p:clrMapOvr>
+</p:sld>
+</file>
+
+<file path=ppt/slides/slide8.xml><?xml version="1.0" encoding="utf-8"?>
+<p:sld xmlns:a="http://schemas.openxmlformats.org/drawingml/2006/main" xmlns:r="http://schemas.openxmlformats.org/officeDocument/2006/relationships" xmlns:p="http://schemas.openxmlformats.org/presentationml/2006/main">
+  <p:cSld>
+    <p:spTree>
+      <p:nvGrpSpPr>
+        <p:cNvPr id="1" name=""/>
+        <p:cNvGrpSpPr/>
+        <p:nvPr/>
+      </p:nvGrpSpPr>
+      <p:grpSpPr>
+        <a:xfrm>
+          <a:off x="0" y="0"/>
+          <a:ext cx="0" cy="0"/>
+          <a:chOff x="0" y="0"/>
+          <a:chExt cx="0" cy="0"/>
+        </a:xfrm>
+      </p:grpSpPr>
+      <p:sp>
+        <p:nvSpPr>
+          <p:cNvPr id="2" name="Title 1">
+            <a:extLst>
+              <a:ext uri="{FF2B5EF4-FFF2-40B4-BE49-F238E27FC236}">
+                <a16:creationId xmlns:a16="http://schemas.microsoft.com/office/drawing/2014/main" id="{34DB6CE4-2B13-4715-B5B2-615A55922CA1}"/>
+              </a:ext>
+            </a:extLst>
+          </p:cNvPr>
+          <p:cNvSpPr>
+            <a:spLocks noGrp="1"/>
+          </p:cNvSpPr>
+          <p:nvPr>
+            <p:ph type="title"/>
+          </p:nvPr>
+        </p:nvSpPr>
+        <p:spPr>
+          <a:xfrm>
+            <a:off x="1322388" y="235930"/>
+            <a:ext cx="9905998" cy="1478570"/>
+          </a:xfrm>
+        </p:spPr>
+        <p:txBody>
+          <a:bodyPr anchor="ctr">
+            <a:normAutofit/>
+          </a:bodyPr>
+          <a:lstStyle/>
+          <a:p>
+            <a:r>
+              <a:rPr lang="en-US" sz="4400" dirty="0">
+                <a:latin typeface="Rockwell" panose="02060603020205020403" pitchFamily="18" charset="0"/>
+              </a:rPr>
+              <a:t>K Nearest neighbors MODEL</a:t>
+            </a:r>
+          </a:p>
+        </p:txBody>
+      </p:sp>
+      <p:sp>
+        <p:nvSpPr>
+          <p:cNvPr id="3" name="Content Placeholder 2">
+            <a:extLst>
+              <a:ext uri="{FF2B5EF4-FFF2-40B4-BE49-F238E27FC236}">
+                <a16:creationId xmlns:a16="http://schemas.microsoft.com/office/drawing/2014/main" id="{143F5361-68C0-4BF5-80C8-F1E7BF92B2DB}"/>
+              </a:ext>
+            </a:extLst>
+          </p:cNvPr>
+          <p:cNvSpPr>
+            <a:spLocks noGrp="1"/>
+          </p:cNvSpPr>
+          <p:nvPr>
+            <p:ph sz="half" idx="2"/>
+          </p:nvPr>
+        </p:nvSpPr>
+        <p:spPr>
+          <a:xfrm>
+            <a:off x="6172200" y="2249486"/>
+            <a:ext cx="4875211" cy="3541714"/>
+          </a:xfrm>
+        </p:spPr>
+        <p:txBody>
+          <a:bodyPr>
+            <a:normAutofit/>
+          </a:bodyPr>
+          <a:lstStyle/>
+          <a:p>
+            <a:endParaRPr lang="en-US"/>
+          </a:p>
+          <a:p>
+            <a:pPr marL="457200" lvl="1" indent="0">
+              <a:buNone/>
+            </a:pPr>
+            <a:endParaRPr lang="en-US" sz="2400"/>
+          </a:p>
+          <a:p>
+            <a:pPr lvl="1"/>
+            <a:endParaRPr lang="en-US" sz="2400"/>
+          </a:p>
+          <a:p>
+            <a:pPr lvl="2"/>
+            <a:endParaRPr lang="en-US" sz="2400"/>
+          </a:p>
+        </p:txBody>
+      </p:sp>
+      <p:sp>
+        <p:nvSpPr>
+          <p:cNvPr id="7" name="TextBox 6">
+            <a:extLst>
+              <a:ext uri="{FF2B5EF4-FFF2-40B4-BE49-F238E27FC236}">
+                <a16:creationId xmlns:a16="http://schemas.microsoft.com/office/drawing/2014/main" id="{62E16E35-EFD3-4F41-97E0-BFBBC5B849BD}"/>
+              </a:ext>
+            </a:extLst>
+          </p:cNvPr>
+          <p:cNvSpPr txBox="1"/>
+          <p:nvPr/>
+        </p:nvSpPr>
+        <p:spPr>
+          <a:xfrm>
+            <a:off x="7067550" y="1724024"/>
+            <a:ext cx="4275533" cy="2862322"/>
+          </a:xfrm>
+          <a:prstGeom prst="rect">
+            <a:avLst/>
+          </a:prstGeom>
+          <a:noFill/>
+        </p:spPr>
+        <p:txBody>
+          <a:bodyPr wrap="square" rtlCol="0">
+            <a:spAutoFit/>
+          </a:bodyPr>
+          <a:lstStyle/>
+          <a:p>
+            <a:pPr marL="285750" marR="0" lvl="0" indent="-285750" algn="l" defTabSz="457200" rtl="0" eaLnBrk="1" fontAlgn="auto" latinLnBrk="0" hangingPunct="1">
+              <a:lnSpc>
+                <a:spcPct val="100000"/>
+              </a:lnSpc>
+              <a:spcBef>
+                <a:spcPts val="0"/>
+              </a:spcBef>
+              <a:spcAft>
+                <a:spcPts val="0"/>
+              </a:spcAft>
+              <a:buClrTx/>
+              <a:buSzTx/>
+              <a:buFont typeface="Wingdings" panose="05000000000000000000" pitchFamily="2" charset="2"/>
+              <a:buChar char="§"/>
+              <a:tabLst/>
+              <a:defRPr/>
+            </a:pPr>
+            <a:endParaRPr kumimoji="0" lang="en-US" sz="1800" b="0" i="0" u="none" strike="noStrike" kern="1200" cap="none" spc="0" normalizeH="0" baseline="0" noProof="0" dirty="0">
+              <a:ln>
+                <a:noFill/>
+              </a:ln>
+              <a:solidFill>
+                <a:prstClr val="white"/>
+              </a:solidFill>
+              <a:effectLst/>
+              <a:uLnTx/>
+              <a:uFillTx/>
+              <a:latin typeface="Tw Cen MT" panose="020B0602020104020603"/>
+              <a:ea typeface="+mn-ea"/>
+              <a:cs typeface="+mn-cs"/>
+            </a:endParaRPr>
+          </a:p>
+          <a:p>
+            <a:pPr marL="285750" marR="0" lvl="0" indent="-285750" algn="l" defTabSz="457200" rtl="0" eaLnBrk="1" fontAlgn="auto" latinLnBrk="0" hangingPunct="1">
+              <a:lnSpc>
+                <a:spcPct val="100000"/>
+              </a:lnSpc>
+              <a:spcBef>
+                <a:spcPts val="0"/>
+              </a:spcBef>
+              <a:spcAft>
+                <a:spcPts val="0"/>
+              </a:spcAft>
+              <a:buClrTx/>
+              <a:buSzTx/>
+              <a:buFont typeface="Wingdings" panose="05000000000000000000" pitchFamily="2" charset="2"/>
+              <a:buChar char="§"/>
+              <a:tabLst/>
+              <a:defRPr/>
+            </a:pPr>
+            <a:r>
+              <a:rPr kumimoji="0" lang="en-US" sz="2400" b="0" i="0" u="none" strike="noStrike" kern="1200" cap="none" spc="0" normalizeH="0" baseline="0" noProof="0" dirty="0">
+                <a:ln>
+                  <a:noFill/>
+                </a:ln>
+                <a:solidFill>
+                  <a:prstClr val="white"/>
+                </a:solidFill>
+                <a:effectLst/>
+                <a:uLnTx/>
+                <a:uFillTx/>
+                <a:latin typeface="Tahoma" panose="020B0604030504040204" pitchFamily="34" charset="0"/>
+                <a:ea typeface="Tahoma" panose="020B0604030504040204" pitchFamily="34" charset="0"/>
+                <a:cs typeface="Tahoma" panose="020B0604030504040204" pitchFamily="34" charset="0"/>
+              </a:rPr>
+              <a:t>Supervised machine learning algorithm</a:t>
+            </a:r>
+          </a:p>
+          <a:p>
+            <a:pPr marL="285750" marR="0" lvl="0" indent="-285750" algn="l" defTabSz="457200" rtl="0" eaLnBrk="1" fontAlgn="auto" latinLnBrk="0" hangingPunct="1">
+              <a:lnSpc>
+                <a:spcPct val="100000"/>
+              </a:lnSpc>
+              <a:spcBef>
+                <a:spcPts val="0"/>
+              </a:spcBef>
+              <a:spcAft>
+                <a:spcPts val="0"/>
+              </a:spcAft>
+              <a:buClrTx/>
+              <a:buSzTx/>
+              <a:buFont typeface="Wingdings" panose="05000000000000000000" pitchFamily="2" charset="2"/>
+              <a:buChar char="§"/>
+              <a:tabLst/>
+              <a:defRPr/>
+            </a:pPr>
+            <a:r>
+              <a:rPr kumimoji="0" lang="en-US" sz="2400" b="0" i="0" u="none" strike="noStrike" kern="1200" cap="none" spc="0" normalizeH="0" baseline="0" noProof="0" dirty="0">
+                <a:ln>
+                  <a:noFill/>
+                </a:ln>
+                <a:solidFill>
+                  <a:prstClr val="white"/>
+                </a:solidFill>
+                <a:effectLst/>
+                <a:uLnTx/>
+                <a:uFillTx/>
+                <a:latin typeface="Tahoma" panose="020B0604030504040204" pitchFamily="34" charset="0"/>
+                <a:ea typeface="Tahoma" panose="020B0604030504040204" pitchFamily="34" charset="0"/>
+                <a:cs typeface="Tahoma" panose="020B0604030504040204" pitchFamily="34" charset="0"/>
+              </a:rPr>
+              <a:t>Regression analysis</a:t>
+            </a:r>
+          </a:p>
+          <a:p>
+            <a:pPr marL="285750" marR="0" lvl="0" indent="-285750" algn="l" defTabSz="457200" rtl="0" eaLnBrk="1" fontAlgn="auto" latinLnBrk="0" hangingPunct="1">
+              <a:lnSpc>
+                <a:spcPct val="100000"/>
+              </a:lnSpc>
+              <a:spcBef>
+                <a:spcPts val="0"/>
+              </a:spcBef>
+              <a:spcAft>
+                <a:spcPts val="0"/>
+              </a:spcAft>
+              <a:buClrTx/>
+              <a:buSzTx/>
+              <a:buFont typeface="Wingdings" panose="05000000000000000000" pitchFamily="2" charset="2"/>
+              <a:buChar char="§"/>
+              <a:tabLst/>
+              <a:defRPr/>
+            </a:pPr>
+            <a:r>
+              <a:rPr kumimoji="0" lang="en-US" sz="2400" b="0" i="0" u="none" strike="noStrike" kern="1200" cap="none" spc="0" normalizeH="0" baseline="0" noProof="0" dirty="0">
+                <a:ln>
+                  <a:noFill/>
+                </a:ln>
+                <a:solidFill>
+                  <a:prstClr val="white"/>
+                </a:solidFill>
+                <a:effectLst/>
+                <a:uLnTx/>
+                <a:uFillTx/>
+                <a:latin typeface="Tahoma" panose="020B0604030504040204" pitchFamily="34" charset="0"/>
+                <a:ea typeface="Tahoma" panose="020B0604030504040204" pitchFamily="34" charset="0"/>
+                <a:cs typeface="Tahoma" panose="020B0604030504040204" pitchFamily="34" charset="0"/>
+              </a:rPr>
+              <a:t>Finetuning the model to improve accuracy</a:t>
+            </a:r>
+          </a:p>
+          <a:p>
+            <a:pPr marL="285750" marR="0" lvl="0" indent="-285750" algn="l" defTabSz="457200" rtl="0" eaLnBrk="1" fontAlgn="auto" latinLnBrk="0" hangingPunct="1">
+              <a:lnSpc>
+                <a:spcPct val="100000"/>
+              </a:lnSpc>
+              <a:spcBef>
+                <a:spcPts val="0"/>
+              </a:spcBef>
+              <a:spcAft>
+                <a:spcPts val="0"/>
+              </a:spcAft>
+              <a:buClrTx/>
+              <a:buSzTx/>
+              <a:buFont typeface="Wingdings" panose="05000000000000000000" pitchFamily="2" charset="2"/>
+              <a:buChar char="§"/>
+              <a:tabLst/>
+              <a:defRPr/>
+            </a:pPr>
+            <a:endParaRPr kumimoji="0" lang="en-US" sz="2400" b="0" i="0" u="none" strike="noStrike" kern="1200" cap="none" spc="0" normalizeH="0" baseline="0" noProof="0" dirty="0">
+              <a:ln>
+                <a:noFill/>
+              </a:ln>
+              <a:solidFill>
+                <a:prstClr val="white"/>
+              </a:solidFill>
+              <a:effectLst/>
+              <a:uLnTx/>
+              <a:uFillTx/>
+              <a:latin typeface="Tahoma" panose="020B0604030504040204" pitchFamily="34" charset="0"/>
+              <a:ea typeface="Tahoma" panose="020B0604030504040204" pitchFamily="34" charset="0"/>
+              <a:cs typeface="Tahoma" panose="020B0604030504040204" pitchFamily="34" charset="0"/>
+            </a:endParaRPr>
+          </a:p>
+          <a:p>
+            <a:pPr marL="285750" marR="0" lvl="0" indent="-285750" algn="l" defTabSz="457200" rtl="0" eaLnBrk="1" fontAlgn="auto" latinLnBrk="0" hangingPunct="1">
+              <a:lnSpc>
+                <a:spcPct val="100000"/>
+              </a:lnSpc>
+              <a:spcBef>
+                <a:spcPts val="0"/>
+              </a:spcBef>
+              <a:spcAft>
+                <a:spcPts val="0"/>
+              </a:spcAft>
+              <a:buClrTx/>
+              <a:buSzTx/>
+              <a:buFont typeface="Wingdings" panose="05000000000000000000" pitchFamily="2" charset="2"/>
+              <a:buChar char="§"/>
+              <a:tabLst/>
+              <a:defRPr/>
+            </a:pPr>
+            <a:endParaRPr kumimoji="0" lang="en-US" sz="1800" b="0" i="0" u="none" strike="noStrike" kern="1200" cap="none" spc="0" normalizeH="0" baseline="0" noProof="0" dirty="0">
+              <a:ln>
+                <a:noFill/>
+              </a:ln>
+              <a:solidFill>
+                <a:prstClr val="white"/>
+              </a:solidFill>
+              <a:effectLst/>
+              <a:uLnTx/>
+              <a:uFillTx/>
+              <a:latin typeface="Tw Cen MT" panose="020B0602020104020603"/>
+              <a:ea typeface="+mn-ea"/>
+              <a:cs typeface="+mn-cs"/>
+            </a:endParaRPr>
+          </a:p>
+        </p:txBody>
+      </p:sp>
+      <p:pic>
+        <p:nvPicPr>
+          <p:cNvPr id="5" name="Picture 4" descr="Text&#10;&#10;Description automatically generated">
+            <a:extLst>
+              <a:ext uri="{FF2B5EF4-FFF2-40B4-BE49-F238E27FC236}">
+                <a16:creationId xmlns:a16="http://schemas.microsoft.com/office/drawing/2014/main" id="{1D6FD02E-2F6B-42F3-A070-5C769C852277}"/>
+              </a:ext>
+            </a:extLst>
+          </p:cNvPr>
+          <p:cNvPicPr>
+            <a:picLocks noChangeAspect="1"/>
+          </p:cNvPicPr>
+          <p:nvPr/>
+        </p:nvPicPr>
+        <p:blipFill>
+          <a:blip r:embed="rId2"/>
+          <a:stretch>
+            <a:fillRect/>
+          </a:stretch>
+        </p:blipFill>
+        <p:spPr>
+          <a:xfrm>
+            <a:off x="1585163" y="1455938"/>
+            <a:ext cx="5070640" cy="5166132"/>
+          </a:xfrm>
+          <a:prstGeom prst="rect">
+            <a:avLst/>
+          </a:prstGeom>
+        </p:spPr>
+      </p:pic>
+    </p:spTree>
+    <p:extLst>
+      <p:ext uri="{BB962C8B-B14F-4D97-AF65-F5344CB8AC3E}">
+        <p14:creationId xmlns:p14="http://schemas.microsoft.com/office/powerpoint/2010/main" val="3103998298"/>
+      </p:ext>
+    </p:extLst>
+  </p:cSld>
+  <p:clrMapOvr>
+    <a:masterClrMapping/>
+  </p:clrMapOvr>
+</p:sld>
+</file>
+
+<file path=ppt/slides/slide9.xml><?xml version="1.0" encoding="utf-8"?>
+<p:sld xmlns:a="http://schemas.openxmlformats.org/drawingml/2006/main" xmlns:r="http://schemas.openxmlformats.org/officeDocument/2006/relationships" xmlns:p="http://schemas.openxmlformats.org/presentationml/2006/main">
+  <p:cSld>
+    <p:spTree>
+      <p:nvGrpSpPr>
+        <p:cNvPr id="1" name=""/>
+        <p:cNvGrpSpPr/>
+        <p:nvPr/>
+      </p:nvGrpSpPr>
+      <p:grpSpPr>
+        <a:xfrm>
+          <a:off x="0" y="0"/>
+          <a:ext cx="0" cy="0"/>
+          <a:chOff x="0" y="0"/>
+          <a:chExt cx="0" cy="0"/>
+        </a:xfrm>
+      </p:grpSpPr>
+      <p:sp>
+        <p:nvSpPr>
+          <p:cNvPr id="2" name="Title 1">
+            <a:extLst>
+              <a:ext uri="{FF2B5EF4-FFF2-40B4-BE49-F238E27FC236}">
+                <a16:creationId xmlns:a16="http://schemas.microsoft.com/office/drawing/2014/main" id="{50F0DA21-CC99-4C3A-A5AB-D57045F893EA}"/>
+              </a:ext>
+            </a:extLst>
+          </p:cNvPr>
+          <p:cNvSpPr>
+            <a:spLocks noGrp="1"/>
+          </p:cNvSpPr>
+          <p:nvPr>
+            <p:ph type="title"/>
+          </p:nvPr>
+        </p:nvSpPr>
+        <p:spPr/>
+        <p:txBody>
+          <a:bodyPr>
+            <a:normAutofit/>
+          </a:bodyPr>
+          <a:lstStyle/>
+          <a:p>
+            <a:r>
+              <a:rPr lang="en-US" sz="4400" dirty="0">
+                <a:latin typeface="Rockwell" panose="02060603020205020403" pitchFamily="18" charset="0"/>
+              </a:rPr>
+              <a:t>TABLEAU VISUALIZATION</a:t>
+            </a:r>
+          </a:p>
+        </p:txBody>
+      </p:sp>
+      <p:sp>
+        <p:nvSpPr>
+          <p:cNvPr id="3" name="Content Placeholder 2">
+            <a:extLst>
+              <a:ext uri="{FF2B5EF4-FFF2-40B4-BE49-F238E27FC236}">
+                <a16:creationId xmlns:a16="http://schemas.microsoft.com/office/drawing/2014/main" id="{3899BDF4-B543-46C8-9956-BD9969975109}"/>
+              </a:ext>
+            </a:extLst>
+          </p:cNvPr>
+          <p:cNvSpPr>
+            <a:spLocks noGrp="1"/>
+          </p:cNvSpPr>
+          <p:nvPr>
+            <p:ph idx="1"/>
+          </p:nvPr>
+        </p:nvSpPr>
+        <p:spPr>
+          <a:xfrm>
+            <a:off x="1141413" y="2249487"/>
+            <a:ext cx="4854942" cy="3541714"/>
+          </a:xfrm>
+        </p:spPr>
+        <p:txBody>
+          <a:bodyPr>
+            <a:normAutofit/>
+          </a:bodyPr>
+          <a:lstStyle/>
+          <a:p>
+            <a:r>
+              <a:rPr lang="en-US" sz="1400" dirty="0"/>
+              <a:t>Was able to find several statistically significant socio-economic features correlated with school rating using Tableau</a:t>
+            </a:r>
+          </a:p>
+          <a:p>
+            <a:pPr lvl="1"/>
+            <a:r>
+              <a:rPr lang="en-US" sz="1200" dirty="0"/>
+              <a:t>Violent Crime per Capita</a:t>
+            </a:r>
+          </a:p>
+          <a:p>
+            <a:pPr lvl="1"/>
+            <a:r>
+              <a:rPr lang="en-US" sz="1200" dirty="0"/>
+              <a:t>Substance Abuse per Capita</a:t>
+            </a:r>
+          </a:p>
+          <a:p>
+            <a:pPr lvl="1"/>
+            <a:r>
+              <a:rPr lang="en-US" sz="1200" dirty="0"/>
+              <a:t>Median Income </a:t>
+            </a:r>
+          </a:p>
+          <a:p>
+            <a:pPr lvl="1"/>
+            <a:r>
+              <a:rPr lang="en-US" sz="1200" dirty="0"/>
+              <a:t>% Head of Household Married</a:t>
+            </a:r>
+          </a:p>
+          <a:p>
+            <a:pPr lvl="1"/>
+            <a:r>
+              <a:rPr lang="en-US" sz="1200" dirty="0"/>
+              <a:t>% of Over 25 Year </a:t>
+            </a:r>
+            <a:r>
+              <a:rPr lang="en-US" sz="1200" dirty="0" err="1"/>
+              <a:t>Olds</a:t>
+            </a:r>
+            <a:r>
+              <a:rPr lang="en-US" sz="1200" dirty="0"/>
+              <a:t> with at Least a High School Diploma</a:t>
+            </a:r>
+          </a:p>
+          <a:p>
+            <a:pPr lvl="1"/>
+            <a:r>
+              <a:rPr lang="en-US" sz="1200" dirty="0"/>
+              <a:t>% of Population White</a:t>
+            </a:r>
+          </a:p>
+          <a:p>
+            <a:pPr lvl="1"/>
+            <a:r>
+              <a:rPr lang="en-US" sz="1200" dirty="0"/>
+              <a:t>% of Population Mixed Race</a:t>
+            </a:r>
+          </a:p>
+          <a:p>
+            <a:pPr lvl="1"/>
+            <a:r>
+              <a:rPr lang="en-US" sz="1200" dirty="0"/>
+              <a:t>% of Population Hispanic</a:t>
+            </a:r>
+          </a:p>
+          <a:p>
+            <a:pPr lvl="1"/>
+            <a:r>
+              <a:rPr lang="en-US" sz="1200" dirty="0"/>
+              <a:t>% of Population Asian</a:t>
+            </a:r>
+          </a:p>
+          <a:p>
+            <a:r>
+              <a:rPr lang="en-US" sz="1400" dirty="0"/>
+              <a:t>All P-values &lt; .0001</a:t>
+            </a:r>
+          </a:p>
+        </p:txBody>
+      </p:sp>
+      <p:pic>
+        <p:nvPicPr>
+          <p:cNvPr id="5" name="Picture 4">
+            <a:extLst>
+              <a:ext uri="{FF2B5EF4-FFF2-40B4-BE49-F238E27FC236}">
+                <a16:creationId xmlns:a16="http://schemas.microsoft.com/office/drawing/2014/main" id="{7E066CDB-6FC5-4761-A988-83D817167BC8}"/>
+              </a:ext>
+            </a:extLst>
+          </p:cNvPr>
+          <p:cNvPicPr>
+            <a:picLocks noChangeAspect="1"/>
+          </p:cNvPicPr>
+          <p:nvPr/>
+        </p:nvPicPr>
+        <p:blipFill>
+          <a:blip r:embed="rId2"/>
+          <a:stretch>
+            <a:fillRect/>
+          </a:stretch>
+        </p:blipFill>
+        <p:spPr>
+          <a:xfrm>
+            <a:off x="6810457" y="2034906"/>
+            <a:ext cx="3854934" cy="3969968"/>
+          </a:xfrm>
+          <a:prstGeom prst="rect">
+            <a:avLst/>
+          </a:prstGeom>
+        </p:spPr>
+      </p:pic>
+    </p:spTree>
+    <p:extLst>
+      <p:ext uri="{BB962C8B-B14F-4D97-AF65-F5344CB8AC3E}">
+        <p14:creationId xmlns:p14="http://schemas.microsoft.com/office/powerpoint/2010/main" val="3405949825"/>
       </p:ext>
     </p:extLst>
   </p:cSld>
@@ -25285,20 +24824,20 @@
 </file>
 
 <file path=customXml/item2.xml><?xml version="1.0" encoding="utf-8"?>
+<p:properties xmlns:p="http://schemas.microsoft.com/office/2006/metadata/properties" xmlns:xsi="http://www.w3.org/2001/XMLSchema-instance" xmlns:pc="http://schemas.microsoft.com/office/infopath/2007/PartnerControls">
+  <documentManagement>
+    <MediaServiceKeyPoints xmlns="71af3243-3dd4-4a8d-8c0d-dd76da1f02a5" xsi:nil="true"/>
+  </documentManagement>
+</p:properties>
+</file>
+
+<file path=customXml/item3.xml><?xml version="1.0" encoding="utf-8"?>
 <?mso-contentType ?>
 <FormTemplates xmlns="http://schemas.microsoft.com/sharepoint/v3/contenttype/forms">
   <Display>DocumentLibraryForm</Display>
   <Edit>DocumentLibraryForm</Edit>
   <New>DocumentLibraryForm</New>
 </FormTemplates>
-</file>
-
-<file path=customXml/item3.xml><?xml version="1.0" encoding="utf-8"?>
-<p:properties xmlns:p="http://schemas.microsoft.com/office/2006/metadata/properties" xmlns:xsi="http://www.w3.org/2001/XMLSchema-instance" xmlns:pc="http://schemas.microsoft.com/office/infopath/2007/PartnerControls">
-  <documentManagement>
-    <MediaServiceKeyPoints xmlns="71af3243-3dd4-4a8d-8c0d-dd76da1f02a5" xsi:nil="true"/>
-  </documentManagement>
-</p:properties>
 </file>
 
 <file path=customXml/itemProps1.xml><?xml version="1.0" encoding="utf-8"?>
@@ -25321,14 +24860,6 @@
 </file>
 
 <file path=customXml/itemProps2.xml><?xml version="1.0" encoding="utf-8"?>
-<ds:datastoreItem xmlns:ds="http://schemas.openxmlformats.org/officeDocument/2006/customXml" ds:itemID="{B579702B-25C7-40D7-9E29-7686B11A9660}">
-  <ds:schemaRefs>
-    <ds:schemaRef ds:uri="http://schemas.microsoft.com/sharepoint/v3/contenttype/forms"/>
-  </ds:schemaRefs>
-</ds:datastoreItem>
-</file>
-
-<file path=customXml/itemProps3.xml><?xml version="1.0" encoding="utf-8"?>
 <ds:datastoreItem xmlns:ds="http://schemas.openxmlformats.org/officeDocument/2006/customXml" ds:itemID="{E7866CFD-F94E-4AE5-ACEA-86FEC0F48A10}">
   <ds:schemaRefs>
     <ds:schemaRef ds:uri="http://schemas.microsoft.com/office/2006/metadata/properties"/>
@@ -25336,4 +24867,12 @@
     <ds:schemaRef ds:uri="71af3243-3dd4-4a8d-8c0d-dd76da1f02a5"/>
   </ds:schemaRefs>
 </ds:datastoreItem>
+</file>
+
+<file path=customXml/itemProps3.xml><?xml version="1.0" encoding="utf-8"?>
+<ds:datastoreItem xmlns:ds="http://schemas.openxmlformats.org/officeDocument/2006/customXml" ds:itemID="{B579702B-25C7-40D7-9E29-7686B11A9660}">
+  <ds:schemaRefs>
+    <ds:schemaRef ds:uri="http://schemas.microsoft.com/sharepoint/v3/contenttype/forms"/>
+  </ds:schemaRefs>
+</ds:datastoreItem>
 </file>